--- a/ViNo Get Started DEVELOPMENT V4.0.pptx
+++ b/ViNo Get Started DEVELOPMENT V4.0.pptx
@@ -7,23 +7,25 @@
   <p:sldIdLst>
     <p:sldId id="256" r:id="rId2"/>
     <p:sldId id="257" r:id="rId3"/>
-    <p:sldId id="258" r:id="rId4"/>
-    <p:sldId id="266" r:id="rId5"/>
-    <p:sldId id="268" r:id="rId6"/>
-    <p:sldId id="260" r:id="rId7"/>
-    <p:sldId id="269" r:id="rId8"/>
-    <p:sldId id="262" r:id="rId9"/>
-    <p:sldId id="270" r:id="rId10"/>
-    <p:sldId id="263" r:id="rId11"/>
-    <p:sldId id="271" r:id="rId12"/>
-    <p:sldId id="273" r:id="rId13"/>
-    <p:sldId id="274" r:id="rId14"/>
-    <p:sldId id="276" r:id="rId15"/>
-    <p:sldId id="272" r:id="rId16"/>
-    <p:sldId id="279" r:id="rId17"/>
-    <p:sldId id="275" r:id="rId18"/>
-    <p:sldId id="277" r:id="rId19"/>
-    <p:sldId id="278" r:id="rId20"/>
+    <p:sldId id="280" r:id="rId4"/>
+    <p:sldId id="258" r:id="rId5"/>
+    <p:sldId id="281" r:id="rId6"/>
+    <p:sldId id="266" r:id="rId7"/>
+    <p:sldId id="268" r:id="rId8"/>
+    <p:sldId id="260" r:id="rId9"/>
+    <p:sldId id="269" r:id="rId10"/>
+    <p:sldId id="262" r:id="rId11"/>
+    <p:sldId id="270" r:id="rId12"/>
+    <p:sldId id="263" r:id="rId13"/>
+    <p:sldId id="271" r:id="rId14"/>
+    <p:sldId id="273" r:id="rId15"/>
+    <p:sldId id="274" r:id="rId16"/>
+    <p:sldId id="276" r:id="rId17"/>
+    <p:sldId id="272" r:id="rId18"/>
+    <p:sldId id="279" r:id="rId19"/>
+    <p:sldId id="275" r:id="rId20"/>
+    <p:sldId id="277" r:id="rId21"/>
+    <p:sldId id="278" r:id="rId22"/>
   </p:sldIdLst>
   <p:sldSz cx="12192000" cy="6858000"/>
   <p:notesSz cx="6858000" cy="9144000"/>
@@ -9144,7 +9146,7 @@
           <a:p>
             <a:fld id="{91DBA6C7-DD29-B841-BDA1-B767E5D107AD}" type="datetimeFigureOut">
               <a:rPr lang="en-US" smtClean="0"/>
-              <a:t>3/7/2018</a:t>
+              <a:t>5/1/2018</a:t>
             </a:fld>
             <a:endParaRPr lang="en-US"/>
           </a:p>
@@ -9314,7 +9316,7 @@
           <a:p>
             <a:fld id="{91DBA6C7-DD29-B841-BDA1-B767E5D107AD}" type="datetimeFigureOut">
               <a:rPr lang="en-US" smtClean="0"/>
-              <a:t>3/7/2018</a:t>
+              <a:t>5/1/2018</a:t>
             </a:fld>
             <a:endParaRPr lang="en-US"/>
           </a:p>
@@ -9494,7 +9496,7 @@
           <a:p>
             <a:fld id="{91DBA6C7-DD29-B841-BDA1-B767E5D107AD}" type="datetimeFigureOut">
               <a:rPr lang="en-US" smtClean="0"/>
-              <a:t>3/7/2018</a:t>
+              <a:t>5/1/2018</a:t>
             </a:fld>
             <a:endParaRPr lang="en-US"/>
           </a:p>
@@ -9664,7 +9666,7 @@
           <a:p>
             <a:fld id="{91DBA6C7-DD29-B841-BDA1-B767E5D107AD}" type="datetimeFigureOut">
               <a:rPr lang="en-US" smtClean="0"/>
-              <a:t>3/7/2018</a:t>
+              <a:t>5/1/2018</a:t>
             </a:fld>
             <a:endParaRPr lang="en-US"/>
           </a:p>
@@ -9910,7 +9912,7 @@
           <a:p>
             <a:fld id="{91DBA6C7-DD29-B841-BDA1-B767E5D107AD}" type="datetimeFigureOut">
               <a:rPr lang="en-US" smtClean="0"/>
-              <a:t>3/7/2018</a:t>
+              <a:t>5/1/2018</a:t>
             </a:fld>
             <a:endParaRPr lang="en-US"/>
           </a:p>
@@ -10142,7 +10144,7 @@
           <a:p>
             <a:fld id="{91DBA6C7-DD29-B841-BDA1-B767E5D107AD}" type="datetimeFigureOut">
               <a:rPr lang="en-US" smtClean="0"/>
-              <a:t>3/7/2018</a:t>
+              <a:t>5/1/2018</a:t>
             </a:fld>
             <a:endParaRPr lang="en-US"/>
           </a:p>
@@ -10509,7 +10511,7 @@
           <a:p>
             <a:fld id="{91DBA6C7-DD29-B841-BDA1-B767E5D107AD}" type="datetimeFigureOut">
               <a:rPr lang="en-US" smtClean="0"/>
-              <a:t>3/7/2018</a:t>
+              <a:t>5/1/2018</a:t>
             </a:fld>
             <a:endParaRPr lang="en-US"/>
           </a:p>
@@ -10627,7 +10629,7 @@
           <a:p>
             <a:fld id="{91DBA6C7-DD29-B841-BDA1-B767E5D107AD}" type="datetimeFigureOut">
               <a:rPr lang="en-US" smtClean="0"/>
-              <a:t>3/7/2018</a:t>
+              <a:t>5/1/2018</a:t>
             </a:fld>
             <a:endParaRPr lang="en-US"/>
           </a:p>
@@ -10722,7 +10724,7 @@
           <a:p>
             <a:fld id="{91DBA6C7-DD29-B841-BDA1-B767E5D107AD}" type="datetimeFigureOut">
               <a:rPr lang="en-US" smtClean="0"/>
-              <a:t>3/7/2018</a:t>
+              <a:t>5/1/2018</a:t>
             </a:fld>
             <a:endParaRPr lang="en-US"/>
           </a:p>
@@ -10999,7 +11001,7 @@
           <a:p>
             <a:fld id="{91DBA6C7-DD29-B841-BDA1-B767E5D107AD}" type="datetimeFigureOut">
               <a:rPr lang="en-US" smtClean="0"/>
-              <a:t>3/7/2018</a:t>
+              <a:t>5/1/2018</a:t>
             </a:fld>
             <a:endParaRPr lang="en-US"/>
           </a:p>
@@ -11252,7 +11254,7 @@
           <a:p>
             <a:fld id="{91DBA6C7-DD29-B841-BDA1-B767E5D107AD}" type="datetimeFigureOut">
               <a:rPr lang="en-US" smtClean="0"/>
-              <a:t>3/7/2018</a:t>
+              <a:t>5/1/2018</a:t>
             </a:fld>
             <a:endParaRPr lang="en-US"/>
           </a:p>
@@ -11465,7 +11467,7 @@
           <a:p>
             <a:fld id="{91DBA6C7-DD29-B841-BDA1-B767E5D107AD}" type="datetimeFigureOut">
               <a:rPr lang="en-US" smtClean="0"/>
-              <a:t>3/7/2018</a:t>
+              <a:t>5/1/2018</a:t>
             </a:fld>
             <a:endParaRPr lang="en-US"/>
           </a:p>
@@ -11941,6 +11943,293 @@
 </file>
 
 <file path=ppt/slides/slide10.xml><?xml version="1.0" encoding="utf-8"?>
+<p:sld xmlns:a="http://schemas.openxmlformats.org/drawingml/2006/main" xmlns:r="http://schemas.openxmlformats.org/officeDocument/2006/relationships" xmlns:p="http://schemas.openxmlformats.org/presentationml/2006/main">
+  <p:cSld>
+    <p:spTree>
+      <p:nvGrpSpPr>
+        <p:cNvPr id="1" name=""/>
+        <p:cNvGrpSpPr/>
+        <p:nvPr/>
+      </p:nvGrpSpPr>
+      <p:grpSpPr>
+        <a:xfrm>
+          <a:off x="0" y="0"/>
+          <a:ext cx="0" cy="0"/>
+          <a:chOff x="0" y="0"/>
+          <a:chExt cx="0" cy="0"/>
+        </a:xfrm>
+      </p:grpSpPr>
+      <p:sp>
+        <p:nvSpPr>
+          <p:cNvPr id="2" name="Title 1"/>
+          <p:cNvSpPr>
+            <a:spLocks noGrp="1"/>
+          </p:cNvSpPr>
+          <p:nvPr>
+            <p:ph type="title"/>
+          </p:nvPr>
+        </p:nvSpPr>
+        <p:spPr/>
+        <p:txBody>
+          <a:bodyPr/>
+          <a:lstStyle/>
+          <a:p>
+            <a:r>
+              <a:rPr lang="en-US" dirty="0" smtClean="0"/>
+              <a:t>Architecture</a:t>
+            </a:r>
+            <a:endParaRPr lang="en-US" dirty="0"/>
+          </a:p>
+        </p:txBody>
+      </p:sp>
+      <p:sp>
+        <p:nvSpPr>
+          <p:cNvPr id="3" name="TextBox 2"/>
+          <p:cNvSpPr txBox="1"/>
+          <p:nvPr/>
+        </p:nvSpPr>
+        <p:spPr>
+          <a:xfrm>
+            <a:off x="838201" y="2013527"/>
+            <a:ext cx="9469582" cy="3693319"/>
+          </a:xfrm>
+          <a:prstGeom prst="rect">
+            <a:avLst/>
+          </a:prstGeom>
+          <a:noFill/>
+        </p:spPr>
+        <p:txBody>
+          <a:bodyPr wrap="square" rtlCol="0">
+            <a:spAutoFit/>
+          </a:bodyPr>
+          <a:lstStyle/>
+          <a:p>
+            <a:r>
+              <a:rPr lang="en-US" b="1" dirty="0" smtClean="0"/>
+              <a:t>Some initial hints:</a:t>
+            </a:r>
+          </a:p>
+          <a:p>
+            <a:r>
+              <a:rPr lang="en-US" dirty="0" smtClean="0"/>
+              <a:t>All UI is built using JavaFX that provides many benefits and eases general UI implementation.</a:t>
+            </a:r>
+          </a:p>
+          <a:p>
+            <a:r>
+              <a:rPr lang="en-US" dirty="0" smtClean="0"/>
+              <a:t>The </a:t>
+            </a:r>
+            <a:r>
+              <a:rPr lang="en-US" dirty="0" err="1" smtClean="0"/>
+              <a:t>Rootlayout</a:t>
+            </a:r>
+            <a:r>
+              <a:rPr lang="en-US" dirty="0" smtClean="0"/>
+              <a:t> is the top layer in which the </a:t>
+            </a:r>
+            <a:r>
+              <a:rPr lang="en-US" dirty="0" err="1" smtClean="0"/>
+              <a:t>maineditorview</a:t>
+            </a:r>
+            <a:r>
+              <a:rPr lang="en-US" dirty="0" smtClean="0"/>
+              <a:t> lives as a child.</a:t>
+            </a:r>
+          </a:p>
+          <a:p>
+            <a:r>
+              <a:rPr lang="en-US" dirty="0" smtClean="0"/>
+              <a:t>All other windows are spawned/instantiated as parallel windows.</a:t>
+            </a:r>
+          </a:p>
+          <a:p>
+            <a:endParaRPr lang="en-US" dirty="0"/>
+          </a:p>
+          <a:p>
+            <a:r>
+              <a:rPr lang="en-US" dirty="0" smtClean="0"/>
+              <a:t>The </a:t>
+            </a:r>
+            <a:r>
+              <a:rPr lang="en-US" dirty="0" err="1" smtClean="0"/>
+              <a:t>texteditor</a:t>
+            </a:r>
+            <a:r>
+              <a:rPr lang="en-US" dirty="0" smtClean="0"/>
+              <a:t> is based on an open source component called </a:t>
+            </a:r>
+            <a:r>
+              <a:rPr lang="en-US" dirty="0" err="1" smtClean="0"/>
+              <a:t>RichTextFX</a:t>
+            </a:r>
+            <a:r>
+              <a:rPr lang="en-US" dirty="0" smtClean="0"/>
+              <a:t> that enables attributing text with the necessary features such as active customizable text links. This is also an essential element of the </a:t>
+            </a:r>
+            <a:r>
+              <a:rPr lang="en-US" dirty="0" err="1" smtClean="0"/>
+              <a:t>ViNO</a:t>
+            </a:r>
+            <a:r>
+              <a:rPr lang="en-US" dirty="0" smtClean="0"/>
+              <a:t> concept, and creates a direct reference to a specific time in a specific video.</a:t>
+            </a:r>
+          </a:p>
+          <a:p>
+            <a:endParaRPr lang="en-US" dirty="0"/>
+          </a:p>
+          <a:p>
+            <a:r>
+              <a:rPr lang="en-US" dirty="0" smtClean="0"/>
+              <a:t>A certain logic is required to create a valid reference.</a:t>
+            </a:r>
+          </a:p>
+          <a:p>
+            <a:pPr marL="342900" indent="-342900">
+              <a:buAutoNum type="arabicPeriod"/>
+            </a:pPr>
+            <a:r>
+              <a:rPr lang="en-US" dirty="0" err="1" smtClean="0"/>
+              <a:t>ViNO</a:t>
+            </a:r>
+            <a:r>
+              <a:rPr lang="en-US" dirty="0" smtClean="0"/>
+              <a:t> imports the video in order to know the location</a:t>
+            </a:r>
+          </a:p>
+          <a:p>
+            <a:pPr marL="342900" indent="-342900">
+              <a:buAutoNum type="arabicPeriod"/>
+            </a:pPr>
+            <a:r>
+              <a:rPr lang="en-US" dirty="0" err="1" smtClean="0"/>
+              <a:t>ViNO</a:t>
+            </a:r>
+            <a:r>
+              <a:rPr lang="en-US" dirty="0" smtClean="0"/>
+              <a:t> controls the GoPro in order to know start, stop and filename</a:t>
+            </a:r>
+          </a:p>
+          <a:p>
+            <a:pPr marL="342900" indent="-342900">
+              <a:buAutoNum type="arabicPeriod"/>
+            </a:pPr>
+            <a:r>
+              <a:rPr lang="en-US" dirty="0" err="1" smtClean="0"/>
+              <a:t>ViNO</a:t>
+            </a:r>
+            <a:r>
+              <a:rPr lang="en-US" dirty="0" smtClean="0"/>
+              <a:t> manages chaptered videos and timestamps that doesn’t reflect chapters</a:t>
+            </a:r>
+            <a:endParaRPr lang="en-US" dirty="0"/>
+          </a:p>
+        </p:txBody>
+      </p:sp>
+    </p:spTree>
+    <p:extLst>
+      <p:ext uri="{BB962C8B-B14F-4D97-AF65-F5344CB8AC3E}">
+        <p14:creationId xmlns:p14="http://schemas.microsoft.com/office/powerpoint/2010/main" val="1370421505"/>
+      </p:ext>
+    </p:extLst>
+  </p:cSld>
+  <p:clrMapOvr>
+    <a:masterClrMapping/>
+  </p:clrMapOvr>
+  <p:timing>
+    <p:tnLst>
+      <p:par>
+        <p:cTn id="1" dur="indefinite" restart="never" nodeType="tmRoot"/>
+      </p:par>
+    </p:tnLst>
+  </p:timing>
+</p:sld>
+</file>
+
+<file path=ppt/slides/slide11.xml><?xml version="1.0" encoding="utf-8"?>
+<p:sld xmlns:a="http://schemas.openxmlformats.org/drawingml/2006/main" xmlns:r="http://schemas.openxmlformats.org/officeDocument/2006/relationships" xmlns:p="http://schemas.openxmlformats.org/presentationml/2006/main">
+  <p:cSld>
+    <p:spTree>
+      <p:nvGrpSpPr>
+        <p:cNvPr id="1" name=""/>
+        <p:cNvGrpSpPr/>
+        <p:nvPr/>
+      </p:nvGrpSpPr>
+      <p:grpSpPr>
+        <a:xfrm>
+          <a:off x="0" y="0"/>
+          <a:ext cx="0" cy="0"/>
+          <a:chOff x="0" y="0"/>
+          <a:chExt cx="0" cy="0"/>
+        </a:xfrm>
+      </p:grpSpPr>
+      <p:sp>
+        <p:nvSpPr>
+          <p:cNvPr id="2" name="Title 1"/>
+          <p:cNvSpPr>
+            <a:spLocks noGrp="1"/>
+          </p:cNvSpPr>
+          <p:nvPr>
+            <p:ph type="title"/>
+          </p:nvPr>
+        </p:nvSpPr>
+        <p:spPr/>
+        <p:txBody>
+          <a:bodyPr/>
+          <a:lstStyle/>
+          <a:p>
+            <a:r>
+              <a:rPr lang="en-US" dirty="0" smtClean="0"/>
+              <a:t>Architecture</a:t>
+            </a:r>
+            <a:endParaRPr lang="en-US" dirty="0"/>
+          </a:p>
+        </p:txBody>
+      </p:sp>
+      <p:graphicFrame>
+        <p:nvGraphicFramePr>
+          <p:cNvPr id="4" name="Diagram 3"/>
+          <p:cNvGraphicFramePr/>
+          <p:nvPr>
+            <p:extLst>
+              <p:ext uri="{D42A27DB-BD31-4B8C-83A1-F6EECF244321}">
+                <p14:modId xmlns:p14="http://schemas.microsoft.com/office/powerpoint/2010/main" val="1231013967"/>
+              </p:ext>
+            </p:extLst>
+          </p:nvPr>
+        </p:nvGraphicFramePr>
+        <p:xfrm>
+          <a:off x="414338" y="365125"/>
+          <a:ext cx="11258550" cy="6249987"/>
+        </p:xfrm>
+        <a:graphic>
+          <a:graphicData uri="http://schemas.openxmlformats.org/drawingml/2006/diagram">
+            <dgm:relIds xmlns:dgm="http://schemas.openxmlformats.org/drawingml/2006/diagram" xmlns:r="http://schemas.openxmlformats.org/officeDocument/2006/relationships" r:dm="rId2" r:lo="rId3" r:qs="rId4" r:cs="rId5"/>
+          </a:graphicData>
+        </a:graphic>
+      </p:graphicFrame>
+    </p:spTree>
+    <p:extLst>
+      <p:ext uri="{BB962C8B-B14F-4D97-AF65-F5344CB8AC3E}">
+        <p14:creationId xmlns:p14="http://schemas.microsoft.com/office/powerpoint/2010/main" val="1233805520"/>
+      </p:ext>
+    </p:extLst>
+  </p:cSld>
+  <p:clrMapOvr>
+    <a:masterClrMapping/>
+  </p:clrMapOvr>
+  <p:timing>
+    <p:tnLst>
+      <p:par>
+        <p:cTn id="1" dur="indefinite" restart="never" nodeType="tmRoot"/>
+      </p:par>
+    </p:tnLst>
+  </p:timing>
+</p:sld>
+</file>
+
+<file path=ppt/slides/slide12.xml><?xml version="1.0" encoding="utf-8"?>
 <p:sld xmlns:a="http://schemas.openxmlformats.org/drawingml/2006/main" xmlns:r="http://schemas.openxmlformats.org/officeDocument/2006/relationships" xmlns:p="http://schemas.openxmlformats.org/presentationml/2006/main">
   <p:cSld>
     <p:spTree>
@@ -12765,7 +13054,7 @@
 </p:sld>
 </file>
 
-<file path=ppt/slides/slide11.xml><?xml version="1.0" encoding="utf-8"?>
+<file path=ppt/slides/slide13.xml><?xml version="1.0" encoding="utf-8"?>
 <p:sld xmlns:a="http://schemas.openxmlformats.org/drawingml/2006/main" xmlns:r="http://schemas.openxmlformats.org/officeDocument/2006/relationships" xmlns:p="http://schemas.openxmlformats.org/presentationml/2006/main">
   <p:cSld>
     <p:spTree>
@@ -14092,7 +14381,7 @@
 </p:sld>
 </file>
 
-<file path=ppt/slides/slide12.xml><?xml version="1.0" encoding="utf-8"?>
+<file path=ppt/slides/slide14.xml><?xml version="1.0" encoding="utf-8"?>
 <p:sld xmlns:a="http://schemas.openxmlformats.org/drawingml/2006/main" xmlns:r="http://schemas.openxmlformats.org/officeDocument/2006/relationships" xmlns:p="http://schemas.openxmlformats.org/presentationml/2006/main">
   <p:cSld>
     <p:spTree>
@@ -15924,7 +16213,7 @@
 </p:sld>
 </file>
 
-<file path=ppt/slides/slide13.xml><?xml version="1.0" encoding="utf-8"?>
+<file path=ppt/slides/slide15.xml><?xml version="1.0" encoding="utf-8"?>
 <p:sld xmlns:a="http://schemas.openxmlformats.org/drawingml/2006/main" xmlns:r="http://schemas.openxmlformats.org/officeDocument/2006/relationships" xmlns:p="http://schemas.openxmlformats.org/presentationml/2006/main">
   <p:cSld>
     <p:spTree>
@@ -16006,451 +16295,6 @@
 </p:sld>
 </file>
 
-<file path=ppt/slides/slide14.xml><?xml version="1.0" encoding="utf-8"?>
-<p:sld xmlns:a="http://schemas.openxmlformats.org/drawingml/2006/main" xmlns:r="http://schemas.openxmlformats.org/officeDocument/2006/relationships" xmlns:p="http://schemas.openxmlformats.org/presentationml/2006/main">
-  <p:cSld>
-    <p:spTree>
-      <p:nvGrpSpPr>
-        <p:cNvPr id="1" name=""/>
-        <p:cNvGrpSpPr/>
-        <p:nvPr/>
-      </p:nvGrpSpPr>
-      <p:grpSpPr>
-        <a:xfrm>
-          <a:off x="0" y="0"/>
-          <a:ext cx="0" cy="0"/>
-          <a:chOff x="0" y="0"/>
-          <a:chExt cx="0" cy="0"/>
-        </a:xfrm>
-      </p:grpSpPr>
-      <p:sp>
-        <p:nvSpPr>
-          <p:cNvPr id="2" name="Title 1"/>
-          <p:cNvSpPr>
-            <a:spLocks noGrp="1"/>
-          </p:cNvSpPr>
-          <p:nvPr>
-            <p:ph type="title"/>
-          </p:nvPr>
-        </p:nvSpPr>
-        <p:spPr/>
-        <p:txBody>
-          <a:bodyPr/>
-          <a:lstStyle/>
-          <a:p>
-            <a:r>
-              <a:rPr lang="da-DK" dirty="0" err="1" smtClean="0"/>
-              <a:t>GoPro</a:t>
-            </a:r>
-            <a:r>
-              <a:rPr lang="da-DK" dirty="0" smtClean="0"/>
-              <a:t> status</a:t>
-            </a:r>
-            <a:endParaRPr lang="en-GB" dirty="0"/>
-          </a:p>
-        </p:txBody>
-      </p:sp>
-      <p:sp>
-        <p:nvSpPr>
-          <p:cNvPr id="3" name="Content Placeholder 2"/>
-          <p:cNvSpPr>
-            <a:spLocks noGrp="1"/>
-          </p:cNvSpPr>
-          <p:nvPr>
-            <p:ph idx="1"/>
-          </p:nvPr>
-        </p:nvSpPr>
-        <p:spPr/>
-        <p:txBody>
-          <a:bodyPr/>
-          <a:lstStyle/>
-          <a:p>
-            <a:r>
-              <a:rPr lang="da-DK" dirty="0" err="1" smtClean="0"/>
-              <a:t>These</a:t>
-            </a:r>
-            <a:r>
-              <a:rPr lang="da-DK" dirty="0" smtClean="0"/>
-              <a:t> status </a:t>
-            </a:r>
-            <a:r>
-              <a:rPr lang="da-DK" dirty="0" err="1" smtClean="0"/>
-              <a:t>fields</a:t>
-            </a:r>
-            <a:r>
-              <a:rPr lang="da-DK" dirty="0" smtClean="0"/>
-              <a:t> </a:t>
-            </a:r>
-            <a:r>
-              <a:rPr lang="da-DK" dirty="0" err="1" smtClean="0"/>
-              <a:t>are</a:t>
-            </a:r>
-            <a:r>
-              <a:rPr lang="da-DK" dirty="0" smtClean="0"/>
-              <a:t> </a:t>
-            </a:r>
-            <a:r>
-              <a:rPr lang="da-DK" dirty="0" err="1" smtClean="0"/>
-              <a:t>used</a:t>
-            </a:r>
-            <a:r>
-              <a:rPr lang="da-DK" dirty="0" smtClean="0"/>
-              <a:t> by</a:t>
-            </a:r>
-            <a:r>
-              <a:rPr lang="en-GB" dirty="0" smtClean="0"/>
-              <a:t> </a:t>
-            </a:r>
-            <a:r>
-              <a:rPr lang="en-GB" dirty="0" err="1" smtClean="0"/>
-              <a:t>GoProApi</a:t>
-            </a:r>
-            <a:r>
-              <a:rPr lang="en-GB" dirty="0" smtClean="0"/>
-              <a:t>:</a:t>
-            </a:r>
-          </a:p>
-          <a:p>
-            <a:pPr lvl="1"/>
-            <a:r>
-              <a:rPr lang="en-GB" dirty="0" err="1" smtClean="0"/>
-              <a:t>verifyIfGoProIsReadyToRecord</a:t>
-            </a:r>
-            <a:r>
-              <a:rPr lang="en-GB" dirty="0" smtClean="0"/>
-              <a:t> use </a:t>
-            </a:r>
-            <a:r>
-              <a:rPr lang="en-GB" dirty="0" err="1"/>
-              <a:t>bacpacStatus.getCameraReady</a:t>
-            </a:r>
-            <a:r>
-              <a:rPr lang="en-GB" dirty="0" smtClean="0"/>
-              <a:t>()</a:t>
-            </a:r>
-          </a:p>
-          <a:p>
-            <a:pPr lvl="1"/>
-            <a:r>
-              <a:rPr lang="en-GB" dirty="0" err="1" smtClean="0"/>
-              <a:t>verifyIfGoProIsPowerOn</a:t>
-            </a:r>
-            <a:r>
-              <a:rPr lang="en-GB" dirty="0" smtClean="0"/>
-              <a:t> use </a:t>
-            </a:r>
-            <a:r>
-              <a:rPr lang="en-GB" dirty="0" err="1"/>
-              <a:t>bacpacStatus.getCameraPower</a:t>
-            </a:r>
-            <a:r>
-              <a:rPr lang="en-GB" dirty="0" smtClean="0"/>
-              <a:t>()</a:t>
-            </a:r>
-          </a:p>
-          <a:p>
-            <a:pPr lvl="1"/>
-            <a:r>
-              <a:rPr lang="en-GB" dirty="0" err="1" smtClean="0"/>
-              <a:t>isGoProRecording</a:t>
-            </a:r>
-            <a:r>
-              <a:rPr lang="en-GB" dirty="0" smtClean="0"/>
-              <a:t> use </a:t>
-            </a:r>
-            <a:r>
-              <a:rPr lang="en-GB" dirty="0" err="1"/>
-              <a:t>gpstat.getShutter</a:t>
-            </a:r>
-            <a:r>
-              <a:rPr lang="en-GB" dirty="0" smtClean="0"/>
-              <a:t>()</a:t>
-            </a:r>
-          </a:p>
-          <a:p>
-            <a:pPr lvl="1"/>
-            <a:r>
-              <a:rPr lang="en-GB" dirty="0" err="1" smtClean="0"/>
-              <a:t>verifyIfGoProIsRecordingNEW</a:t>
-            </a:r>
-            <a:r>
-              <a:rPr lang="en-GB" dirty="0" smtClean="0"/>
-              <a:t> use </a:t>
-            </a:r>
-            <a:r>
-              <a:rPr lang="en-GB" dirty="0" err="1"/>
-              <a:t>gpstat.getShutter</a:t>
-            </a:r>
-            <a:r>
-              <a:rPr lang="en-GB" dirty="0" smtClean="0"/>
-              <a:t>()</a:t>
-            </a:r>
-          </a:p>
-          <a:p>
-            <a:pPr lvl="1"/>
-            <a:r>
-              <a:rPr lang="en-GB" dirty="0" err="1" smtClean="0"/>
-              <a:t>verifyIfGoProIsRecording</a:t>
-            </a:r>
-            <a:r>
-              <a:rPr lang="en-GB" dirty="0" smtClean="0"/>
-              <a:t> use </a:t>
-            </a:r>
-            <a:r>
-              <a:rPr lang="en-GB" dirty="0" err="1"/>
-              <a:t>bacpacStatus.getShutterStatus</a:t>
-            </a:r>
-            <a:r>
-              <a:rPr lang="en-GB" dirty="0" smtClean="0"/>
-              <a:t>()</a:t>
-            </a:r>
-          </a:p>
-          <a:p>
-            <a:pPr lvl="1"/>
-            <a:r>
-              <a:rPr lang="en-GB" dirty="0" err="1" smtClean="0"/>
-              <a:t>verifyIfGoProIsReadyToReceiveCmd</a:t>
-            </a:r>
-            <a:r>
-              <a:rPr lang="en-GB" dirty="0" smtClean="0"/>
-              <a:t> use </a:t>
-            </a:r>
-            <a:r>
-              <a:rPr lang="en-GB" dirty="0" err="1"/>
-              <a:t>bacpacStatus.getBOSSReady</a:t>
-            </a:r>
-            <a:r>
-              <a:rPr lang="en-GB" dirty="0" smtClean="0"/>
-              <a:t>()</a:t>
-            </a:r>
-          </a:p>
-          <a:p>
-            <a:pPr lvl="1"/>
-            <a:r>
-              <a:rPr lang="en-GB" dirty="0" err="1" smtClean="0"/>
-              <a:t>isGoProReadyToReceiveCmd</a:t>
-            </a:r>
-            <a:r>
-              <a:rPr lang="en-GB" dirty="0" smtClean="0"/>
-              <a:t> use </a:t>
-            </a:r>
-            <a:r>
-              <a:rPr lang="en-GB" dirty="0" err="1"/>
-              <a:t>bacpacStatus.getBOSSReady</a:t>
-            </a:r>
-            <a:r>
-              <a:rPr lang="en-GB" dirty="0"/>
-              <a:t>()</a:t>
-            </a:r>
-          </a:p>
-          <a:p>
-            <a:pPr lvl="1"/>
-            <a:endParaRPr lang="da-DK" dirty="0" smtClean="0"/>
-          </a:p>
-        </p:txBody>
-      </p:sp>
-    </p:spTree>
-    <p:extLst>
-      <p:ext uri="{BB962C8B-B14F-4D97-AF65-F5344CB8AC3E}">
-        <p14:creationId xmlns:p14="http://schemas.microsoft.com/office/powerpoint/2010/main" val="3998190338"/>
-      </p:ext>
-    </p:extLst>
-  </p:cSld>
-  <p:clrMapOvr>
-    <a:masterClrMapping/>
-  </p:clrMapOvr>
-</p:sld>
-</file>
-
-<file path=ppt/slides/slide15.xml><?xml version="1.0" encoding="utf-8"?>
-<p:sld xmlns:a="http://schemas.openxmlformats.org/drawingml/2006/main" xmlns:r="http://schemas.openxmlformats.org/officeDocument/2006/relationships" xmlns:p="http://schemas.openxmlformats.org/presentationml/2006/main">
-  <p:cSld>
-    <p:spTree>
-      <p:nvGrpSpPr>
-        <p:cNvPr id="1" name=""/>
-        <p:cNvGrpSpPr/>
-        <p:nvPr/>
-      </p:nvGrpSpPr>
-      <p:grpSpPr>
-        <a:xfrm>
-          <a:off x="0" y="0"/>
-          <a:ext cx="0" cy="0"/>
-          <a:chOff x="0" y="0"/>
-          <a:chExt cx="0" cy="0"/>
-        </a:xfrm>
-      </p:grpSpPr>
-      <p:sp>
-        <p:nvSpPr>
-          <p:cNvPr id="2" name="Title 1"/>
-          <p:cNvSpPr>
-            <a:spLocks noGrp="1"/>
-          </p:cNvSpPr>
-          <p:nvPr>
-            <p:ph type="title"/>
-          </p:nvPr>
-        </p:nvSpPr>
-        <p:spPr/>
-        <p:txBody>
-          <a:bodyPr/>
-          <a:lstStyle/>
-          <a:p>
-            <a:r>
-              <a:rPr lang="da-DK" dirty="0" smtClean="0"/>
-              <a:t>Upgrade to HERO 5	</a:t>
-            </a:r>
-            <a:endParaRPr lang="en-GB" dirty="0"/>
-          </a:p>
-        </p:txBody>
-      </p:sp>
-      <p:sp>
-        <p:nvSpPr>
-          <p:cNvPr id="3" name="Content Placeholder 2"/>
-          <p:cNvSpPr>
-            <a:spLocks noGrp="1"/>
-          </p:cNvSpPr>
-          <p:nvPr>
-            <p:ph idx="1"/>
-          </p:nvPr>
-        </p:nvSpPr>
-        <p:spPr/>
-        <p:txBody>
-          <a:bodyPr/>
-          <a:lstStyle/>
-          <a:p>
-            <a:r>
-              <a:rPr lang="da-DK" dirty="0" err="1" smtClean="0"/>
-              <a:t>Determine</a:t>
-            </a:r>
-            <a:r>
-              <a:rPr lang="da-DK" dirty="0" smtClean="0"/>
-              <a:t> </a:t>
-            </a:r>
-            <a:r>
-              <a:rPr lang="da-DK" dirty="0" err="1" smtClean="0"/>
-              <a:t>GoPro</a:t>
-            </a:r>
-            <a:r>
-              <a:rPr lang="da-DK" dirty="0" smtClean="0"/>
-              <a:t> version </a:t>
-            </a:r>
-            <a:r>
-              <a:rPr lang="da-DK" dirty="0" err="1" smtClean="0"/>
-              <a:t>during</a:t>
-            </a:r>
-            <a:r>
-              <a:rPr lang="da-DK" dirty="0" smtClean="0"/>
-              <a:t> initiation</a:t>
-            </a:r>
-          </a:p>
-          <a:p>
-            <a:r>
-              <a:rPr lang="da-DK" dirty="0" err="1" smtClean="0"/>
-              <a:t>Implement</a:t>
-            </a:r>
-            <a:r>
-              <a:rPr lang="da-DK" dirty="0" smtClean="0"/>
-              <a:t> Code </a:t>
-            </a:r>
-            <a:r>
-              <a:rPr lang="da-DK" dirty="0" err="1" smtClean="0"/>
-              <a:t>pairing</a:t>
-            </a:r>
-            <a:endParaRPr lang="da-DK" dirty="0" smtClean="0"/>
-          </a:p>
-          <a:p>
-            <a:pPr lvl="1"/>
-            <a:r>
-              <a:rPr lang="en-GB" dirty="0">
-                <a:hlinkClick r:id="rId2"/>
-              </a:rPr>
-              <a:t>https://</a:t>
-            </a:r>
-            <a:r>
-              <a:rPr lang="en-GB" dirty="0" smtClean="0">
-                <a:hlinkClick r:id="rId2"/>
-              </a:rPr>
-              <a:t>github.com/KonradIT/goprowifihack/blob/master/HERO4/WifiCommands.md#code-pairing</a:t>
-            </a:r>
-            <a:endParaRPr lang="en-GB" dirty="0" smtClean="0"/>
-          </a:p>
-          <a:p>
-            <a:r>
-              <a:rPr lang="da-DK" dirty="0" smtClean="0"/>
-              <a:t>Set </a:t>
-            </a:r>
-            <a:r>
-              <a:rPr lang="da-DK" dirty="0" err="1" smtClean="0"/>
-              <a:t>wifi</a:t>
-            </a:r>
-            <a:r>
-              <a:rPr lang="da-DK" dirty="0" smtClean="0"/>
-              <a:t> password</a:t>
-            </a:r>
-          </a:p>
-          <a:p>
-            <a:pPr lvl="1"/>
-            <a:r>
-              <a:rPr lang="en-GB" dirty="0">
-                <a:hlinkClick r:id="rId3"/>
-              </a:rPr>
-              <a:t>https://</a:t>
-            </a:r>
-            <a:r>
-              <a:rPr lang="en-GB" dirty="0" smtClean="0">
-                <a:hlinkClick r:id="rId3"/>
-              </a:rPr>
-              <a:t>github.com/KonradIT/goprowifihack/blob/master/HERO4/WifiCommands.md#set-gopro-wifi-namepassword</a:t>
-            </a:r>
-            <a:r>
-              <a:rPr lang="en-GB" dirty="0" smtClean="0"/>
-              <a:t>	</a:t>
-            </a:r>
-          </a:p>
-          <a:p>
-            <a:r>
-              <a:rPr lang="da-DK" dirty="0" err="1" smtClean="0"/>
-              <a:t>Map</a:t>
-            </a:r>
-            <a:r>
-              <a:rPr lang="da-DK" dirty="0" smtClean="0"/>
-              <a:t> </a:t>
-            </a:r>
-            <a:r>
-              <a:rPr lang="da-DK" dirty="0" err="1" smtClean="0"/>
-              <a:t>existing</a:t>
-            </a:r>
-            <a:r>
-              <a:rPr lang="da-DK" dirty="0" smtClean="0"/>
-              <a:t> HERO3 </a:t>
-            </a:r>
-            <a:r>
-              <a:rPr lang="da-DK" dirty="0" err="1" smtClean="0"/>
-              <a:t>commands</a:t>
-            </a:r>
-            <a:endParaRPr lang="en-GB" dirty="0"/>
-          </a:p>
-        </p:txBody>
-      </p:sp>
-    </p:spTree>
-    <p:extLst>
-      <p:ext uri="{BB962C8B-B14F-4D97-AF65-F5344CB8AC3E}">
-        <p14:creationId xmlns:p14="http://schemas.microsoft.com/office/powerpoint/2010/main" val="3967874673"/>
-      </p:ext>
-    </p:extLst>
-  </p:cSld>
-  <p:clrMapOvr>
-    <a:masterClrMapping/>
-  </p:clrMapOvr>
-  <p:timing>
-    <p:tnLst>
-      <p:par>
-        <p:cTn id="1" dur="indefinite" restart="never" nodeType="tmRoot"/>
-      </p:par>
-    </p:tnLst>
-  </p:timing>
-</p:sld>
-</file>
-
 <file path=ppt/slides/slide16.xml><?xml version="1.0" encoding="utf-8"?>
 <p:sld xmlns:a="http://schemas.openxmlformats.org/drawingml/2006/main" xmlns:r="http://schemas.openxmlformats.org/officeDocument/2006/relationships" xmlns:p="http://schemas.openxmlformats.org/presentationml/2006/main">
   <p:cSld>
@@ -16484,20 +16328,12 @@
           <a:lstStyle/>
           <a:p>
             <a:r>
+              <a:rPr lang="da-DK" dirty="0" err="1" smtClean="0"/>
+              <a:t>GoPro</a:t>
+            </a:r>
+            <a:r>
               <a:rPr lang="da-DK" dirty="0" smtClean="0"/>
-              <a:t>Source </a:t>
-            </a:r>
-            <a:r>
-              <a:rPr lang="da-DK" dirty="0" err="1" smtClean="0"/>
-              <a:t>code</a:t>
-            </a:r>
-            <a:r>
-              <a:rPr lang="da-DK" dirty="0" smtClean="0"/>
-              <a:t> and </a:t>
-            </a:r>
-            <a:r>
-              <a:rPr lang="da-DK" dirty="0" err="1" smtClean="0"/>
-              <a:t>build</a:t>
+              <a:t> status</a:t>
             </a:r>
             <a:endParaRPr lang="en-GB" dirty="0"/>
           </a:p>
@@ -16519,156 +16355,193 @@
           <a:lstStyle/>
           <a:p>
             <a:r>
+              <a:rPr lang="da-DK" dirty="0" err="1" smtClean="0"/>
+              <a:t>These</a:t>
+            </a:r>
+            <a:r>
               <a:rPr lang="da-DK" dirty="0" smtClean="0"/>
-              <a:t>GIT folder: \</a:t>
+              <a:t> status </a:t>
             </a:r>
             <a:r>
               <a:rPr lang="da-DK" dirty="0" err="1" smtClean="0"/>
-              <a:t>VinoDev</a:t>
+              <a:t>fields</a:t>
             </a:r>
             <a:r>
               <a:rPr lang="da-DK" dirty="0" smtClean="0"/>
-              <a:t>\GIT</a:t>
-            </a:r>
-            <a:br>
+              <a:t> </a:t>
+            </a:r>
+            <a:r>
+              <a:rPr lang="da-DK" dirty="0" err="1" smtClean="0"/>
+              <a:t>are</a:t>
+            </a:r>
+            <a:r>
               <a:rPr lang="da-DK" dirty="0" smtClean="0"/>
-            </a:br>
+              <a:t> </a:t>
+            </a:r>
+            <a:r>
+              <a:rPr lang="da-DK" dirty="0" err="1" smtClean="0"/>
+              <a:t>used</a:t>
+            </a:r>
             <a:r>
               <a:rPr lang="da-DK" dirty="0" smtClean="0"/>
-              <a:t>Do NOT </a:t>
-            </a:r>
-            <a:r>
-              <a:rPr lang="da-DK" dirty="0" err="1" smtClean="0"/>
-              <a:t>use</a:t>
-            </a:r>
-            <a:r>
-              <a:rPr lang="da-DK" dirty="0" smtClean="0"/>
-              <a:t> the sub-folders.</a:t>
+              <a:t> by</a:t>
+            </a:r>
+            <a:r>
+              <a:rPr lang="en-GB" dirty="0" smtClean="0"/>
+              <a:t> </a:t>
+            </a:r>
+            <a:r>
+              <a:rPr lang="en-GB" dirty="0" err="1" smtClean="0"/>
+              <a:t>GoProApi</a:t>
+            </a:r>
+            <a:r>
+              <a:rPr lang="en-GB" dirty="0" smtClean="0"/>
+              <a:t>:</a:t>
             </a:r>
           </a:p>
           <a:p>
             <a:pPr lvl="1"/>
-            <a:endParaRPr lang="da-DK" dirty="0"/>
-          </a:p>
-          <a:p>
-            <a:r>
-              <a:rPr lang="da-DK" dirty="0" smtClean="0"/>
-              <a:t>Old versions: E</a:t>
-            </a:r>
-            <a:r>
-              <a:rPr lang="da-DK" dirty="0"/>
-              <a:t>:\VinoDev </a:t>
-            </a:r>
-            <a:r>
-              <a:rPr lang="da-DK" dirty="0" err="1" smtClean="0"/>
-              <a:t>archive</a:t>
-            </a:r>
-            <a:r>
-              <a:rPr lang="da-DK" dirty="0" smtClean="0"/>
-              <a:t>\GIT</a:t>
-            </a:r>
-          </a:p>
-          <a:p>
+            <a:r>
+              <a:rPr lang="en-GB" dirty="0" err="1" smtClean="0"/>
+              <a:t>verifyIfGoProIsReadyToRecord</a:t>
+            </a:r>
+            <a:r>
+              <a:rPr lang="en-GB" dirty="0" smtClean="0"/>
+              <a:t> use </a:t>
+            </a:r>
+            <a:r>
+              <a:rPr lang="en-GB" dirty="0" err="1"/>
+              <a:t>bacpacStatus.getCameraReady</a:t>
+            </a:r>
+            <a:r>
+              <a:rPr lang="en-GB" dirty="0" smtClean="0"/>
+              <a:t>()</a:t>
+            </a:r>
+          </a:p>
+          <a:p>
+            <a:pPr lvl="1"/>
+            <a:r>
+              <a:rPr lang="en-GB" dirty="0" err="1" smtClean="0"/>
+              <a:t>verifyIfGoProIsPowerOn</a:t>
+            </a:r>
+            <a:r>
+              <a:rPr lang="en-GB" dirty="0" smtClean="0"/>
+              <a:t> use </a:t>
+            </a:r>
+            <a:r>
+              <a:rPr lang="en-GB" dirty="0" err="1"/>
+              <a:t>bacpacStatus.getCameraPower</a:t>
+            </a:r>
+            <a:r>
+              <a:rPr lang="en-GB" dirty="0" smtClean="0"/>
+              <a:t>()</a:t>
+            </a:r>
+          </a:p>
+          <a:p>
+            <a:pPr lvl="1"/>
+            <a:r>
+              <a:rPr lang="en-GB" dirty="0" err="1" smtClean="0"/>
+              <a:t>isGoProRecording</a:t>
+            </a:r>
+            <a:r>
+              <a:rPr lang="en-GB" dirty="0" smtClean="0"/>
+              <a:t> use </a:t>
+            </a:r>
+            <a:r>
+              <a:rPr lang="en-GB" dirty="0" err="1"/>
+              <a:t>gpstat.getShutter</a:t>
+            </a:r>
+            <a:r>
+              <a:rPr lang="en-GB" dirty="0" smtClean="0"/>
+              <a:t>()</a:t>
+            </a:r>
+          </a:p>
+          <a:p>
+            <a:pPr lvl="1"/>
+            <a:r>
+              <a:rPr lang="en-GB" dirty="0" err="1" smtClean="0"/>
+              <a:t>verifyIfGoProIsRecordingNEW</a:t>
+            </a:r>
+            <a:r>
+              <a:rPr lang="en-GB" dirty="0" smtClean="0"/>
+              <a:t> use </a:t>
+            </a:r>
+            <a:r>
+              <a:rPr lang="en-GB" dirty="0" err="1"/>
+              <a:t>gpstat.getShutter</a:t>
+            </a:r>
+            <a:r>
+              <a:rPr lang="en-GB" dirty="0" smtClean="0"/>
+              <a:t>()</a:t>
+            </a:r>
+          </a:p>
+          <a:p>
+            <a:pPr lvl="1"/>
+            <a:r>
+              <a:rPr lang="en-GB" dirty="0" err="1" smtClean="0"/>
+              <a:t>verifyIfGoProIsRecording</a:t>
+            </a:r>
+            <a:r>
+              <a:rPr lang="en-GB" dirty="0" smtClean="0"/>
+              <a:t> use </a:t>
+            </a:r>
+            <a:r>
+              <a:rPr lang="en-GB" dirty="0" err="1"/>
+              <a:t>bacpacStatus.getShutterStatus</a:t>
+            </a:r>
+            <a:r>
+              <a:rPr lang="en-GB" dirty="0" smtClean="0"/>
+              <a:t>()</a:t>
+            </a:r>
+          </a:p>
+          <a:p>
+            <a:pPr lvl="1"/>
+            <a:r>
+              <a:rPr lang="en-GB" dirty="0" err="1" smtClean="0"/>
+              <a:t>verifyIfGoProIsReadyToReceiveCmd</a:t>
+            </a:r>
+            <a:r>
+              <a:rPr lang="en-GB" dirty="0" smtClean="0"/>
+              <a:t> use </a:t>
+            </a:r>
+            <a:r>
+              <a:rPr lang="en-GB" dirty="0" err="1"/>
+              <a:t>bacpacStatus.getBOSSReady</a:t>
+            </a:r>
+            <a:r>
+              <a:rPr lang="en-GB" dirty="0" smtClean="0"/>
+              <a:t>()</a:t>
+            </a:r>
+          </a:p>
+          <a:p>
+            <a:pPr lvl="1"/>
+            <a:r>
+              <a:rPr lang="en-GB" dirty="0" err="1" smtClean="0"/>
+              <a:t>isGoProReadyToReceiveCmd</a:t>
+            </a:r>
+            <a:r>
+              <a:rPr lang="en-GB" dirty="0" smtClean="0"/>
+              <a:t> use </a:t>
+            </a:r>
+            <a:r>
+              <a:rPr lang="en-GB" dirty="0" err="1"/>
+              <a:t>bacpacStatus.getBOSSReady</a:t>
+            </a:r>
+            <a:r>
+              <a:rPr lang="en-GB" dirty="0"/>
+              <a:t>()</a:t>
+            </a:r>
+          </a:p>
+          <a:p>
+            <a:pPr lvl="1"/>
             <a:endParaRPr lang="da-DK" dirty="0" smtClean="0"/>
-          </a:p>
-          <a:p>
-            <a:r>
-              <a:rPr lang="en-US" dirty="0"/>
-              <a:t>To generate a jar, you have to invoke </a:t>
-            </a:r>
-            <a:r>
-              <a:rPr lang="en-US" dirty="0" smtClean="0"/>
-              <a:t/>
-            </a:r>
-            <a:br>
-              <a:rPr lang="en-US" dirty="0" smtClean="0"/>
-            </a:br>
-            <a:r>
-              <a:rPr lang="en-US" dirty="0" smtClean="0"/>
-              <a:t>File </a:t>
-            </a:r>
-            <a:r>
-              <a:rPr lang="en-US" dirty="0"/>
-              <a:t>-&gt; Export -&gt; Jar File </a:t>
-            </a:r>
-            <a:r>
-              <a:rPr lang="en-US" dirty="0" smtClean="0"/>
-              <a:t>wizard</a:t>
-            </a:r>
-          </a:p>
-          <a:p>
-            <a:pPr lvl="1"/>
-            <a:r>
-              <a:rPr lang="en-US" dirty="0"/>
-              <a:t>Use </a:t>
-            </a:r>
-            <a:r>
-              <a:rPr lang="en-US" dirty="0" err="1" smtClean="0"/>
-              <a:t>VinoDev</a:t>
-            </a:r>
-            <a:r>
-              <a:rPr lang="en-US" dirty="0" smtClean="0"/>
-              <a:t>\bin </a:t>
-            </a:r>
-            <a:r>
-              <a:rPr lang="en-US" dirty="0" err="1" smtClean="0"/>
-              <a:t>tmp</a:t>
-            </a:r>
-            <a:r>
-              <a:rPr lang="en-US" dirty="0" smtClean="0"/>
-              <a:t> as output</a:t>
-            </a:r>
-          </a:p>
-          <a:p>
-            <a:pPr lvl="1"/>
-            <a:r>
-              <a:rPr lang="en-US" dirty="0" smtClean="0"/>
-              <a:t>If it fails, </a:t>
-            </a:r>
-            <a:r>
-              <a:rPr lang="en-US" smtClean="0"/>
-              <a:t>try Project =&gt; Clean </a:t>
-            </a:r>
-            <a:r>
-              <a:rPr lang="en-US" dirty="0" smtClean="0"/>
-              <a:t>and try again</a:t>
-            </a:r>
-            <a:endParaRPr lang="da-DK" dirty="0" smtClean="0"/>
-          </a:p>
-          <a:p>
-            <a:pPr lvl="1"/>
-            <a:endParaRPr lang="en-GB" dirty="0"/>
           </a:p>
         </p:txBody>
       </p:sp>
-      <p:pic>
-        <p:nvPicPr>
-          <p:cNvPr id="4" name="Picture 3"/>
-          <p:cNvPicPr>
-            <a:picLocks noChangeAspect="1"/>
-          </p:cNvPicPr>
-          <p:nvPr/>
-        </p:nvPicPr>
-        <p:blipFill>
-          <a:blip r:embed="rId2"/>
-          <a:stretch>
-            <a:fillRect/>
-          </a:stretch>
-        </p:blipFill>
-        <p:spPr>
-          <a:xfrm>
-            <a:off x="7707086" y="4035749"/>
-            <a:ext cx="3646714" cy="2691622"/>
-          </a:xfrm>
-          <a:prstGeom prst="rect">
-            <a:avLst/>
-          </a:prstGeom>
-        </p:spPr>
-      </p:pic>
     </p:spTree>
     <p:extLst>
       <p:ext uri="{BB962C8B-B14F-4D97-AF65-F5344CB8AC3E}">
-        <p14:creationId xmlns:p14="http://schemas.microsoft.com/office/powerpoint/2010/main" val="304021625"/>
+        <p14:creationId xmlns:p14="http://schemas.microsoft.com/office/powerpoint/2010/main" val="3998190338"/>
       </p:ext>
     </p:extLst>
   </p:cSld>
@@ -16712,7 +16585,7 @@
           <a:p>
             <a:r>
               <a:rPr lang="da-DK" dirty="0" smtClean="0"/>
-              <a:t>Tips</a:t>
+              <a:t>Upgrade to HERO 5	</a:t>
             </a:r>
             <a:endParaRPr lang="en-GB" dirty="0"/>
           </a:p>
@@ -16733,51 +16606,116 @@
           <a:bodyPr/>
           <a:lstStyle/>
           <a:p>
-            <a:pPr fontAlgn="base"/>
-            <a:r>
-              <a:rPr lang="en-US" dirty="0" smtClean="0"/>
-              <a:t>Import library into Eclipse</a:t>
-            </a:r>
-          </a:p>
-          <a:p>
-            <a:pPr lvl="1" fontAlgn="base"/>
-            <a:r>
-              <a:rPr lang="en-US" dirty="0" smtClean="0"/>
-              <a:t>Download </a:t>
-            </a:r>
-            <a:r>
-              <a:rPr lang="en-US" dirty="0"/>
-              <a:t>the ZIP file from this </a:t>
-            </a:r>
-            <a:r>
-              <a:rPr lang="en-US" dirty="0">
+            <a:r>
+              <a:rPr lang="da-DK" dirty="0" err="1" smtClean="0"/>
+              <a:t>Determine</a:t>
+            </a:r>
+            <a:r>
+              <a:rPr lang="da-DK" dirty="0" smtClean="0"/>
+              <a:t> </a:t>
+            </a:r>
+            <a:r>
+              <a:rPr lang="da-DK" dirty="0" err="1" smtClean="0"/>
+              <a:t>GoPro</a:t>
+            </a:r>
+            <a:r>
+              <a:rPr lang="da-DK" dirty="0" smtClean="0"/>
+              <a:t> version </a:t>
+            </a:r>
+            <a:r>
+              <a:rPr lang="da-DK" dirty="0" err="1" smtClean="0"/>
+              <a:t>during</a:t>
+            </a:r>
+            <a:r>
+              <a:rPr lang="da-DK" dirty="0" smtClean="0"/>
+              <a:t> initiation</a:t>
+            </a:r>
+          </a:p>
+          <a:p>
+            <a:r>
+              <a:rPr lang="da-DK" dirty="0" err="1" smtClean="0"/>
+              <a:t>Implement</a:t>
+            </a:r>
+            <a:r>
+              <a:rPr lang="da-DK" dirty="0" smtClean="0"/>
+              <a:t> Code </a:t>
+            </a:r>
+            <a:r>
+              <a:rPr lang="da-DK" dirty="0" err="1" smtClean="0"/>
+              <a:t>pairing</a:t>
+            </a:r>
+            <a:endParaRPr lang="da-DK" dirty="0" smtClean="0"/>
+          </a:p>
+          <a:p>
+            <a:pPr lvl="1"/>
+            <a:r>
+              <a:rPr lang="en-GB" dirty="0">
                 <a:hlinkClick r:id="rId2"/>
               </a:rPr>
-              <a:t>URL</a:t>
-            </a:r>
-            <a:r>
-              <a:rPr lang="en-US" dirty="0"/>
-              <a:t> and extract it to get the Jar. Add the Jar to your build path. To check the available classes in this Jar use this </a:t>
-            </a:r>
-            <a:r>
-              <a:rPr lang="en-US" dirty="0">
+              <a:t>https://</a:t>
+            </a:r>
+            <a:r>
+              <a:rPr lang="en-GB" dirty="0" smtClean="0">
+                <a:hlinkClick r:id="rId2"/>
+              </a:rPr>
+              <a:t>github.com/KonradIT/goprowifihack/blob/master/HERO4/WifiCommands.md#code-pairing</a:t>
+            </a:r>
+            <a:endParaRPr lang="en-GB" dirty="0" smtClean="0"/>
+          </a:p>
+          <a:p>
+            <a:r>
+              <a:rPr lang="da-DK" dirty="0" smtClean="0"/>
+              <a:t>Set </a:t>
+            </a:r>
+            <a:r>
+              <a:rPr lang="da-DK" dirty="0" err="1" smtClean="0"/>
+              <a:t>wifi</a:t>
+            </a:r>
+            <a:r>
+              <a:rPr lang="da-DK" dirty="0" smtClean="0"/>
+              <a:t> password</a:t>
+            </a:r>
+          </a:p>
+          <a:p>
+            <a:pPr lvl="1"/>
+            <a:r>
+              <a:rPr lang="en-GB" dirty="0">
                 <a:hlinkClick r:id="rId3"/>
               </a:rPr>
-              <a:t>URL</a:t>
-            </a:r>
-            <a:r>
-              <a:rPr lang="en-US" dirty="0"/>
-              <a:t>.</a:t>
-            </a:r>
-          </a:p>
-          <a:p>
-            <a:pPr lvl="1" fontAlgn="base"/>
-            <a:r>
-              <a:rPr lang="en-US" dirty="0"/>
-              <a:t>To Add this Jar to your build path Right click the Project &gt; Build Path &gt; Configure build path&gt; Select Libraries tab &gt; Click Add External Libraries &gt; Select the Jar file Download</a:t>
-            </a:r>
-          </a:p>
-          <a:p>
+              <a:t>https://</a:t>
+            </a:r>
+            <a:r>
+              <a:rPr lang="en-GB" dirty="0" smtClean="0">
+                <a:hlinkClick r:id="rId3"/>
+              </a:rPr>
+              <a:t>github.com/KonradIT/goprowifihack/blob/master/HERO4/WifiCommands.md#set-gopro-wifi-namepassword</a:t>
+            </a:r>
+            <a:r>
+              <a:rPr lang="en-GB" dirty="0" smtClean="0"/>
+              <a:t>	</a:t>
+            </a:r>
+          </a:p>
+          <a:p>
+            <a:r>
+              <a:rPr lang="da-DK" dirty="0" err="1" smtClean="0"/>
+              <a:t>Map</a:t>
+            </a:r>
+            <a:r>
+              <a:rPr lang="da-DK" dirty="0" smtClean="0"/>
+              <a:t> </a:t>
+            </a:r>
+            <a:r>
+              <a:rPr lang="da-DK" dirty="0" err="1" smtClean="0"/>
+              <a:t>existing</a:t>
+            </a:r>
+            <a:r>
+              <a:rPr lang="da-DK" dirty="0" smtClean="0"/>
+              <a:t> HERO3 </a:t>
+            </a:r>
+            <a:r>
+              <a:rPr lang="da-DK" dirty="0" err="1" smtClean="0"/>
+              <a:t>commands</a:t>
+            </a:r>
             <a:endParaRPr lang="en-GB" dirty="0"/>
           </a:p>
         </p:txBody>
@@ -16785,13 +16723,20 @@
     </p:spTree>
     <p:extLst>
       <p:ext uri="{BB962C8B-B14F-4D97-AF65-F5344CB8AC3E}">
-        <p14:creationId xmlns:p14="http://schemas.microsoft.com/office/powerpoint/2010/main" val="4115334664"/>
+        <p14:creationId xmlns:p14="http://schemas.microsoft.com/office/powerpoint/2010/main" val="3967874673"/>
       </p:ext>
     </p:extLst>
   </p:cSld>
   <p:clrMapOvr>
     <a:masterClrMapping/>
   </p:clrMapOvr>
+  <p:timing>
+    <p:tnLst>
+      <p:par>
+        <p:cTn id="1" dur="indefinite" restart="never" nodeType="tmRoot"/>
+      </p:par>
+    </p:tnLst>
+  </p:timing>
 </p:sld>
 </file>
 
@@ -16829,19 +16774,19 @@
           <a:p>
             <a:r>
               <a:rPr lang="da-DK" dirty="0" smtClean="0"/>
-              <a:t>Manual </a:t>
-            </a:r>
-            <a:r>
-              <a:rPr lang="da-DK" smtClean="0"/>
-              <a:t>commands</a:t>
+              <a:t>Source </a:t>
+            </a:r>
+            <a:r>
+              <a:rPr lang="da-DK" dirty="0" err="1" smtClean="0"/>
+              <a:t>code</a:t>
             </a:r>
             <a:r>
               <a:rPr lang="da-DK" dirty="0" smtClean="0"/>
-              <a:t> to </a:t>
+              <a:t> and </a:t>
             </a:r>
             <a:r>
               <a:rPr lang="da-DK" dirty="0" err="1" smtClean="0"/>
-              <a:t>gopro</a:t>
+              <a:t>build</a:t>
             </a:r>
             <a:endParaRPr lang="en-GB" dirty="0"/>
           </a:p>
@@ -16859,272 +16804,125 @@
         </p:nvSpPr>
         <p:spPr/>
         <p:txBody>
-          <a:bodyPr>
-            <a:normAutofit fontScale="85000" lnSpcReduction="10000"/>
-          </a:bodyPr>
+          <a:bodyPr/>
           <a:lstStyle/>
           <a:p>
             <a:r>
               <a:rPr lang="da-DK" dirty="0" smtClean="0"/>
-              <a:t>Set </a:t>
+              <a:t>GIT folder: \</a:t>
             </a:r>
             <a:r>
               <a:rPr lang="da-DK" dirty="0" err="1" smtClean="0"/>
-              <a:t>gopro</a:t>
+              <a:t>VinoDev</a:t>
             </a:r>
             <a:r>
               <a:rPr lang="da-DK" dirty="0" smtClean="0"/>
-              <a:t> in ”</a:t>
+              <a:t>\GIT</a:t>
+            </a:r>
+            <a:br>
+              <a:rPr lang="da-DK" dirty="0" smtClean="0"/>
+            </a:br>
+            <a:r>
+              <a:rPr lang="da-DK" dirty="0" smtClean="0"/>
+              <a:t>Do NOT </a:t>
             </a:r>
             <a:r>
               <a:rPr lang="da-DK" dirty="0" err="1" smtClean="0"/>
-              <a:t>connect</a:t>
+              <a:t>use</a:t>
             </a:r>
             <a:r>
               <a:rPr lang="da-DK" dirty="0" smtClean="0"/>
-              <a:t> to new </a:t>
+              <a:t> the sub-folders.</a:t>
+            </a:r>
+          </a:p>
+          <a:p>
+            <a:pPr lvl="1"/>
+            <a:endParaRPr lang="da-DK" dirty="0"/>
+          </a:p>
+          <a:p>
+            <a:r>
+              <a:rPr lang="da-DK" dirty="0" smtClean="0"/>
+              <a:t>Old versions: E</a:t>
+            </a:r>
+            <a:r>
+              <a:rPr lang="da-DK" dirty="0"/>
+              <a:t>:\VinoDev </a:t>
             </a:r>
             <a:r>
               <a:rPr lang="da-DK" dirty="0" err="1" smtClean="0"/>
-              <a:t>app</a:t>
+              <a:t>archive</a:t>
             </a:r>
             <a:r>
               <a:rPr lang="da-DK" dirty="0" smtClean="0"/>
-              <a:t>”</a:t>
-            </a:r>
-          </a:p>
-          <a:p>
-            <a:r>
-              <a:rPr lang="da-DK" dirty="0" err="1" smtClean="0"/>
-              <a:t>Attach</a:t>
-            </a:r>
-            <a:r>
-              <a:rPr lang="da-DK" dirty="0" smtClean="0"/>
-              <a:t> it to </a:t>
-            </a:r>
-            <a:r>
-              <a:rPr lang="da-DK" dirty="0" err="1" smtClean="0"/>
-              <a:t>wireless</a:t>
-            </a:r>
-            <a:r>
-              <a:rPr lang="da-DK" dirty="0" smtClean="0"/>
-              <a:t> on PC</a:t>
-            </a:r>
-          </a:p>
-          <a:p>
-            <a:r>
-              <a:rPr lang="da-DK" dirty="0" err="1" smtClean="0"/>
-              <a:t>Remove</a:t>
-            </a:r>
-            <a:r>
-              <a:rPr lang="da-DK" dirty="0" smtClean="0"/>
-              <a:t> LAN </a:t>
-            </a:r>
-            <a:r>
-              <a:rPr lang="da-DK" dirty="0" err="1" smtClean="0"/>
-              <a:t>cable</a:t>
-            </a:r>
-            <a:r>
-              <a:rPr lang="da-DK" dirty="0" smtClean="0"/>
-              <a:t> on PC (to </a:t>
-            </a:r>
-            <a:r>
-              <a:rPr lang="da-DK" dirty="0" err="1" smtClean="0"/>
-              <a:t>make</a:t>
-            </a:r>
-            <a:r>
-              <a:rPr lang="da-DK" dirty="0" smtClean="0"/>
-              <a:t> sure </a:t>
-            </a:r>
-            <a:r>
-              <a:rPr lang="da-DK" dirty="0" err="1" smtClean="0"/>
-              <a:t>that</a:t>
-            </a:r>
-            <a:r>
-              <a:rPr lang="da-DK" dirty="0" smtClean="0"/>
-              <a:t> </a:t>
-            </a:r>
-            <a:r>
-              <a:rPr lang="da-DK" dirty="0" err="1" smtClean="0"/>
-              <a:t>only</a:t>
-            </a:r>
-            <a:r>
-              <a:rPr lang="da-DK" dirty="0" smtClean="0"/>
-              <a:t> </a:t>
-            </a:r>
-            <a:r>
-              <a:rPr lang="da-DK" dirty="0" err="1" smtClean="0"/>
-              <a:t>one</a:t>
-            </a:r>
-            <a:r>
-              <a:rPr lang="da-DK" dirty="0" smtClean="0"/>
-              <a:t> </a:t>
-            </a:r>
-            <a:r>
-              <a:rPr lang="da-DK" dirty="0" err="1" smtClean="0"/>
-              <a:t>connection</a:t>
-            </a:r>
-            <a:r>
-              <a:rPr lang="da-DK" dirty="0" smtClean="0"/>
-              <a:t> is </a:t>
-            </a:r>
-            <a:r>
-              <a:rPr lang="da-DK" dirty="0" err="1" smtClean="0"/>
-              <a:t>available</a:t>
-            </a:r>
-            <a:r>
-              <a:rPr lang="da-DK" dirty="0" smtClean="0"/>
-              <a:t>)</a:t>
-            </a:r>
-          </a:p>
-          <a:p>
-            <a:r>
-              <a:rPr lang="da-DK" dirty="0" smtClean="0"/>
-              <a:t>Start </a:t>
-            </a:r>
-            <a:r>
-              <a:rPr lang="da-DK" dirty="0" err="1" smtClean="0"/>
-              <a:t>PostMan</a:t>
-            </a:r>
-            <a:r>
-              <a:rPr lang="da-DK" dirty="0" smtClean="0"/>
-              <a:t> </a:t>
-            </a:r>
-            <a:r>
-              <a:rPr lang="da-DK" dirty="0" err="1" smtClean="0"/>
-              <a:t>app</a:t>
-            </a:r>
+              <a:t>\GIT</a:t>
+            </a:r>
+          </a:p>
+          <a:p>
             <a:endParaRPr lang="da-DK" dirty="0" smtClean="0"/>
           </a:p>
           <a:p>
             <a:r>
-              <a:rPr lang="da-DK" dirty="0" smtClean="0"/>
-              <a:t>Send </a:t>
-            </a:r>
-            <a:r>
-              <a:rPr lang="da-DK" dirty="0" err="1" smtClean="0"/>
-              <a:t>startup</a:t>
-            </a:r>
-            <a:r>
-              <a:rPr lang="da-DK" dirty="0" smtClean="0"/>
-              <a:t> </a:t>
-            </a:r>
-            <a:r>
-              <a:rPr lang="da-DK" dirty="0" err="1" smtClean="0"/>
-              <a:t>sequence</a:t>
+              <a:rPr lang="en-US" dirty="0"/>
+              <a:t>To generate a jar, you have to invoke </a:t>
+            </a:r>
+            <a:r>
+              <a:rPr lang="en-US" dirty="0" smtClean="0"/>
+              <a:t/>
+            </a:r>
+            <a:br>
+              <a:rPr lang="en-US" dirty="0" smtClean="0"/>
+            </a:br>
+            <a:r>
+              <a:rPr lang="en-US" dirty="0" smtClean="0"/>
+              <a:t>File </a:t>
+            </a:r>
+            <a:r>
+              <a:rPr lang="en-US" dirty="0"/>
+              <a:t>-&gt; Export -&gt; Jar File </a:t>
+            </a:r>
+            <a:r>
+              <a:rPr lang="en-US" dirty="0" smtClean="0"/>
+              <a:t>wizard</a:t>
+            </a:r>
+          </a:p>
+          <a:p>
+            <a:pPr lvl="1"/>
+            <a:r>
+              <a:rPr lang="en-US" dirty="0"/>
+              <a:t>Use </a:t>
+            </a:r>
+            <a:r>
+              <a:rPr lang="en-US" dirty="0" err="1" smtClean="0"/>
+              <a:t>VinoDev</a:t>
+            </a:r>
+            <a:r>
+              <a:rPr lang="en-US" dirty="0" smtClean="0"/>
+              <a:t>\bin </a:t>
+            </a:r>
+            <a:r>
+              <a:rPr lang="en-US" dirty="0" err="1" smtClean="0"/>
+              <a:t>tmp</a:t>
+            </a:r>
+            <a:r>
+              <a:rPr lang="en-US" dirty="0" smtClean="0"/>
+              <a:t> as output</a:t>
+            </a:r>
+          </a:p>
+          <a:p>
+            <a:pPr lvl="1"/>
+            <a:r>
+              <a:rPr lang="en-US" dirty="0" smtClean="0"/>
+              <a:t>If it fails, </a:t>
+            </a:r>
+            <a:r>
+              <a:rPr lang="en-US" smtClean="0"/>
+              <a:t>try Project =&gt; Clean </a:t>
+            </a:r>
+            <a:r>
+              <a:rPr lang="en-US" dirty="0" smtClean="0"/>
+              <a:t>and try again</a:t>
             </a:r>
             <a:endParaRPr lang="da-DK" dirty="0" smtClean="0"/>
-          </a:p>
-          <a:p>
-            <a:pPr lvl="1"/>
-            <a:r>
-              <a:rPr lang="en-GB" dirty="0">
-                <a:hlinkClick r:id="rId2"/>
-              </a:rPr>
-              <a:t>http://10.5.5.9/</a:t>
-            </a:r>
-            <a:r>
-              <a:rPr lang="en-GB" dirty="0"/>
-              <a:t>bacpac/cv</a:t>
-            </a:r>
-          </a:p>
-          <a:p>
-            <a:pPr lvl="1"/>
-            <a:r>
-              <a:rPr lang="en-GB" dirty="0" smtClean="0">
-                <a:hlinkClick r:id="rId3"/>
-              </a:rPr>
-              <a:t>http</a:t>
-            </a:r>
-            <a:r>
-              <a:rPr lang="en-GB" dirty="0">
-                <a:hlinkClick r:id="rId3"/>
-              </a:rPr>
-              <a:t>://</a:t>
-            </a:r>
-            <a:r>
-              <a:rPr lang="en-GB" dirty="0" smtClean="0">
-                <a:hlinkClick r:id="rId3"/>
-              </a:rPr>
-              <a:t>10.5.5.9/gp/gpControl/command/wireless/pair/complete?success=1&amp;deviceName=TEST</a:t>
-            </a:r>
-            <a:endParaRPr lang="en-GB" dirty="0" smtClean="0"/>
-          </a:p>
-          <a:p>
-            <a:r>
-              <a:rPr lang="da-DK" dirty="0" err="1" smtClean="0"/>
-              <a:t>Other</a:t>
-            </a:r>
-            <a:r>
-              <a:rPr lang="da-DK" dirty="0" smtClean="0"/>
-              <a:t> </a:t>
-            </a:r>
-            <a:r>
-              <a:rPr lang="da-DK" dirty="0" err="1" smtClean="0"/>
-              <a:t>examples</a:t>
-            </a:r>
-            <a:endParaRPr lang="en-GB" dirty="0" smtClean="0"/>
-          </a:p>
-          <a:p>
-            <a:pPr lvl="1"/>
-            <a:r>
-              <a:rPr lang="en-GB" dirty="0" smtClean="0">
-                <a:hlinkClick r:id="rId4"/>
-              </a:rPr>
-              <a:t>http</a:t>
-            </a:r>
-            <a:r>
-              <a:rPr lang="en-GB" dirty="0">
-                <a:hlinkClick r:id="rId4"/>
-              </a:rPr>
-              <a:t>://</a:t>
-            </a:r>
-            <a:r>
-              <a:rPr lang="en-GB" dirty="0" smtClean="0">
-                <a:hlinkClick r:id="rId4"/>
-              </a:rPr>
-              <a:t>10.5.5.9/gp/gpMediaList</a:t>
-            </a:r>
-            <a:r>
-              <a:rPr lang="en-GB" dirty="0" smtClean="0"/>
-              <a:t>   (note – works ONLY when not recording)</a:t>
-            </a:r>
-          </a:p>
-          <a:p>
-            <a:pPr lvl="1"/>
-            <a:r>
-              <a:rPr lang="en-GB" dirty="0">
-                <a:hlinkClick r:id="rId5"/>
-              </a:rPr>
-              <a:t>http://</a:t>
-            </a:r>
-            <a:r>
-              <a:rPr lang="en-GB" dirty="0" smtClean="0">
-                <a:hlinkClick r:id="rId5"/>
-              </a:rPr>
-              <a:t>10.5.5.9/gp/gpControl/command/shutter?p=1</a:t>
-            </a:r>
-            <a:endParaRPr lang="en-GB" dirty="0" smtClean="0"/>
-          </a:p>
-          <a:p>
-            <a:pPr lvl="1"/>
-            <a:r>
-              <a:rPr lang="en-GB" dirty="0">
-                <a:hlinkClick r:id="rId6"/>
-              </a:rPr>
-              <a:t>http://</a:t>
-            </a:r>
-            <a:r>
-              <a:rPr lang="en-GB" dirty="0" smtClean="0">
-                <a:hlinkClick r:id="rId6"/>
-              </a:rPr>
-              <a:t>10.5.5.9/gp/gpControl/status</a:t>
-            </a:r>
-            <a:endParaRPr lang="en-GB" dirty="0" smtClean="0"/>
-          </a:p>
-          <a:p>
-            <a:pPr lvl="1"/>
-            <a:endParaRPr lang="en-GB" dirty="0" smtClean="0"/>
           </a:p>
           <a:p>
             <a:pPr lvl="1"/>
@@ -17132,10 +16930,34 @@
           </a:p>
         </p:txBody>
       </p:sp>
+      <p:pic>
+        <p:nvPicPr>
+          <p:cNvPr id="4" name="Picture 3"/>
+          <p:cNvPicPr>
+            <a:picLocks noChangeAspect="1"/>
+          </p:cNvPicPr>
+          <p:nvPr/>
+        </p:nvPicPr>
+        <p:blipFill>
+          <a:blip r:embed="rId2"/>
+          <a:stretch>
+            <a:fillRect/>
+          </a:stretch>
+        </p:blipFill>
+        <p:spPr>
+          <a:xfrm>
+            <a:off x="7707086" y="4035749"/>
+            <a:ext cx="3646714" cy="2691622"/>
+          </a:xfrm>
+          <a:prstGeom prst="rect">
+            <a:avLst/>
+          </a:prstGeom>
+        </p:spPr>
+      </p:pic>
     </p:spTree>
     <p:extLst>
       <p:ext uri="{BB962C8B-B14F-4D97-AF65-F5344CB8AC3E}">
-        <p14:creationId xmlns:p14="http://schemas.microsoft.com/office/powerpoint/2010/main" val="1181274697"/>
+        <p14:creationId xmlns:p14="http://schemas.microsoft.com/office/powerpoint/2010/main" val="304021625"/>
       </p:ext>
     </p:extLst>
   </p:cSld>
@@ -17178,16 +17000,8 @@
           <a:lstStyle/>
           <a:p>
             <a:r>
-              <a:rPr lang="da-DK" dirty="0" err="1" smtClean="0"/>
-              <a:t>WiFi</a:t>
-            </a:r>
-            <a:r>
               <a:rPr lang="da-DK" dirty="0" smtClean="0"/>
-              <a:t> </a:t>
-            </a:r>
-            <a:r>
-              <a:rPr lang="da-DK" dirty="0" err="1" smtClean="0"/>
-              <a:t>connection</a:t>
+              <a:t>Tips</a:t>
             </a:r>
             <a:endParaRPr lang="en-GB" dirty="0"/>
           </a:p>
@@ -17205,442 +17019,54 @@
         </p:nvSpPr>
         <p:spPr/>
         <p:txBody>
-          <a:bodyPr>
-            <a:normAutofit fontScale="62500" lnSpcReduction="20000"/>
-          </a:bodyPr>
+          <a:bodyPr/>
           <a:lstStyle/>
           <a:p>
-            <a:r>
-              <a:rPr lang="da-DK" dirty="0" err="1" smtClean="0"/>
-              <a:t>Wifi</a:t>
-            </a:r>
-            <a:r>
-              <a:rPr lang="da-DK" dirty="0" smtClean="0"/>
-              <a:t> </a:t>
-            </a:r>
-            <a:r>
-              <a:rPr lang="da-DK" dirty="0" err="1" smtClean="0"/>
-              <a:t>connection</a:t>
-            </a:r>
-            <a:r>
-              <a:rPr lang="da-DK" dirty="0" smtClean="0"/>
-              <a:t> has a </a:t>
-            </a:r>
-            <a:r>
-              <a:rPr lang="da-DK" dirty="0" err="1" smtClean="0"/>
-              <a:t>strong</a:t>
-            </a:r>
-            <a:r>
-              <a:rPr lang="da-DK" dirty="0" smtClean="0"/>
-              <a:t> </a:t>
-            </a:r>
-            <a:r>
-              <a:rPr lang="da-DK" dirty="0" err="1" smtClean="0"/>
-              <a:t>tendency</a:t>
-            </a:r>
-            <a:r>
-              <a:rPr lang="da-DK" dirty="0" smtClean="0"/>
-              <a:t> to </a:t>
-            </a:r>
-            <a:r>
-              <a:rPr lang="da-DK" dirty="0" err="1" smtClean="0"/>
-              <a:t>get</a:t>
-            </a:r>
-            <a:r>
-              <a:rPr lang="da-DK" dirty="0" smtClean="0"/>
-              <a:t> lost.</a:t>
-            </a:r>
-          </a:p>
-          <a:p>
-            <a:r>
-              <a:rPr lang="da-DK" dirty="0" err="1" smtClean="0"/>
-              <a:t>Ensure</a:t>
-            </a:r>
-            <a:r>
-              <a:rPr lang="da-DK" dirty="0" smtClean="0"/>
-              <a:t> top </a:t>
-            </a:r>
-            <a:r>
-              <a:rPr lang="da-DK" dirty="0" err="1" smtClean="0"/>
-              <a:t>prio</a:t>
-            </a:r>
-            <a:r>
-              <a:rPr lang="da-DK" dirty="0" smtClean="0"/>
-              <a:t>:</a:t>
-            </a:r>
-          </a:p>
-          <a:p>
-            <a:pPr lvl="1"/>
-            <a:r>
-              <a:rPr lang="da-DK" dirty="0" err="1" smtClean="0"/>
-              <a:t>Netsh</a:t>
-            </a:r>
-            <a:r>
-              <a:rPr lang="da-DK" dirty="0" smtClean="0"/>
-              <a:t> </a:t>
-            </a:r>
-            <a:r>
-              <a:rPr lang="da-DK" dirty="0" err="1" smtClean="0"/>
-              <a:t>commands</a:t>
-            </a:r>
-            <a:r>
-              <a:rPr lang="da-DK" dirty="0"/>
-              <a:t> from </a:t>
-            </a:r>
-            <a:r>
-              <a:rPr lang="da-DK" dirty="0">
+            <a:pPr fontAlgn="base"/>
+            <a:r>
+              <a:rPr lang="en-US" dirty="0" smtClean="0"/>
+              <a:t>Import library into Eclipse</a:t>
+            </a:r>
+          </a:p>
+          <a:p>
+            <a:pPr lvl="1" fontAlgn="base"/>
+            <a:r>
+              <a:rPr lang="en-US" dirty="0" smtClean="0"/>
+              <a:t>Download </a:t>
+            </a:r>
+            <a:r>
+              <a:rPr lang="en-US" dirty="0"/>
+              <a:t>the ZIP file from this </a:t>
+            </a:r>
+            <a:r>
+              <a:rPr lang="en-US" dirty="0">
                 <a:hlinkClick r:id="rId2"/>
               </a:rPr>
-              <a:t>https://www.howtogeek.com/131640/how-to-change-the-priority-of-wireless-networks-in-windows-8</a:t>
-            </a:r>
-            <a:r>
-              <a:rPr lang="da-DK" dirty="0" smtClean="0">
-                <a:hlinkClick r:id="rId2"/>
-              </a:rPr>
-              <a:t>/</a:t>
-            </a:r>
-            <a:r>
-              <a:rPr lang="da-DK" dirty="0" smtClean="0"/>
-              <a:t> </a:t>
-            </a:r>
-          </a:p>
-          <a:p>
-            <a:pPr lvl="2"/>
-            <a:r>
-              <a:rPr lang="da-DK" dirty="0" err="1" smtClean="0"/>
-              <a:t>get</a:t>
-            </a:r>
-            <a:r>
-              <a:rPr lang="da-DK" dirty="0" smtClean="0"/>
-              <a:t> </a:t>
-            </a:r>
-            <a:r>
-              <a:rPr lang="da-DK" dirty="0"/>
-              <a:t>adapter </a:t>
-            </a:r>
-            <a:r>
-              <a:rPr lang="da-DK" dirty="0" err="1" smtClean="0"/>
-              <a:t>name</a:t>
-            </a:r>
-            <a:r>
-              <a:rPr lang="da-DK" dirty="0" smtClean="0"/>
-              <a:t>, profile </a:t>
-            </a:r>
-            <a:r>
-              <a:rPr lang="da-DK" dirty="0" err="1" smtClean="0"/>
-              <a:t>names</a:t>
-            </a:r>
-            <a:r>
-              <a:rPr lang="da-DK" dirty="0" smtClean="0"/>
-              <a:t> and </a:t>
-            </a:r>
-            <a:r>
-              <a:rPr lang="da-DK" dirty="0" err="1" smtClean="0"/>
-              <a:t>priorities</a:t>
-            </a:r>
-            <a:r>
-              <a:rPr lang="da-DK" dirty="0" smtClean="0"/>
-              <a:t> </a:t>
-            </a:r>
-          </a:p>
-          <a:p>
-            <a:pPr lvl="3"/>
-            <a:r>
-              <a:rPr lang="da-DK" dirty="0" err="1" smtClean="0"/>
-              <a:t>Netsh</a:t>
-            </a:r>
-            <a:r>
-              <a:rPr lang="da-DK" dirty="0" smtClean="0"/>
-              <a:t> wlan show profiles</a:t>
-            </a:r>
-          </a:p>
-          <a:p>
-            <a:pPr lvl="2"/>
-            <a:r>
-              <a:rPr lang="en-US" dirty="0" smtClean="0"/>
-              <a:t>Set profile to </a:t>
-            </a:r>
-            <a:r>
-              <a:rPr lang="en-US" dirty="0" err="1" smtClean="0"/>
-              <a:t>prio</a:t>
-            </a:r>
-            <a:r>
-              <a:rPr lang="en-US" dirty="0" smtClean="0"/>
-              <a:t> 1:</a:t>
-            </a:r>
-          </a:p>
-          <a:p>
-            <a:pPr lvl="3"/>
-            <a:r>
-              <a:rPr lang="en-US" dirty="0" err="1" smtClean="0"/>
-              <a:t>netsh</a:t>
-            </a:r>
-            <a:r>
-              <a:rPr lang="en-US" dirty="0" smtClean="0"/>
-              <a:t> </a:t>
-            </a:r>
-            <a:r>
-              <a:rPr lang="en-US" dirty="0" err="1"/>
-              <a:t>wlan</a:t>
+              <a:t>URL</a:t>
             </a:r>
             <a:r>
               <a:rPr lang="en-US" dirty="0"/>
-              <a:t> set </a:t>
-            </a:r>
-            <a:r>
-              <a:rPr lang="en-US" dirty="0" err="1"/>
-              <a:t>profileorder</a:t>
-            </a:r>
-            <a:r>
-              <a:rPr lang="en-US" dirty="0"/>
-              <a:t> name="GP24811169" interface="Wireless Network Connection" </a:t>
-            </a:r>
-            <a:r>
-              <a:rPr lang="en-US" dirty="0" smtClean="0"/>
-              <a:t>priority=1</a:t>
-            </a:r>
-          </a:p>
-          <a:p>
-            <a:pPr lvl="2"/>
-            <a:r>
-              <a:rPr lang="en-US" dirty="0" smtClean="0"/>
-              <a:t>BUT: the </a:t>
-            </a:r>
-            <a:r>
-              <a:rPr lang="en-US" dirty="0" err="1" smtClean="0"/>
-              <a:t>VCCnetP</a:t>
-            </a:r>
-            <a:r>
-              <a:rPr lang="en-US" dirty="0" smtClean="0"/>
-              <a:t> is defaulted to top </a:t>
-            </a:r>
-            <a:r>
-              <a:rPr lang="en-US" dirty="0" err="1" smtClean="0"/>
-              <a:t>prio</a:t>
-            </a:r>
-            <a:r>
-              <a:rPr lang="en-US" dirty="0" smtClean="0"/>
-              <a:t> by company policy. So this won’t work on VCC premises.</a:t>
-            </a:r>
-          </a:p>
-          <a:p>
-            <a:r>
-              <a:rPr lang="en-US" dirty="0" smtClean="0"/>
-              <a:t>Refresh </a:t>
-            </a:r>
-            <a:r>
-              <a:rPr lang="en-US" dirty="0" err="1" smtClean="0"/>
-              <a:t>wifi</a:t>
-            </a:r>
-            <a:r>
-              <a:rPr lang="en-US" dirty="0" smtClean="0"/>
-              <a:t> profiles list</a:t>
-            </a:r>
-          </a:p>
-          <a:p>
-            <a:pPr lvl="1"/>
-            <a:r>
-              <a:rPr lang="en-US" dirty="0" smtClean="0"/>
-              <a:t>Show current list</a:t>
-            </a:r>
-          </a:p>
-          <a:p>
-            <a:pPr lvl="2"/>
-            <a:r>
-              <a:rPr lang="en-US" dirty="0" err="1" smtClean="0"/>
-              <a:t>Netsh</a:t>
-            </a:r>
-            <a:r>
-              <a:rPr lang="en-US" dirty="0" smtClean="0"/>
-              <a:t> </a:t>
-            </a:r>
-            <a:r>
-              <a:rPr lang="en-US" dirty="0" err="1" smtClean="0"/>
-              <a:t>wlan</a:t>
-            </a:r>
-            <a:r>
-              <a:rPr lang="en-US" dirty="0" smtClean="0"/>
-              <a:t> show networks</a:t>
-            </a:r>
-          </a:p>
-          <a:p>
-            <a:pPr lvl="1"/>
-            <a:r>
-              <a:rPr lang="en-US" dirty="0" err="1"/>
-              <a:t>netsh</a:t>
-            </a:r>
-            <a:r>
-              <a:rPr lang="en-US" dirty="0"/>
-              <a:t> interface set interface name</a:t>
-            </a:r>
-            <a:r>
-              <a:rPr lang="en-US" dirty="0" smtClean="0"/>
-              <a:t>="</a:t>
-            </a:r>
-            <a:r>
-              <a:rPr lang="en-US" dirty="0"/>
-              <a:t> Wireless Network Connection </a:t>
-            </a:r>
-            <a:r>
-              <a:rPr lang="en-US" dirty="0" smtClean="0"/>
-              <a:t>" </a:t>
-            </a:r>
-            <a:r>
-              <a:rPr lang="en-US" dirty="0"/>
-              <a:t>admin=disabled</a:t>
-            </a:r>
-          </a:p>
-          <a:p>
-            <a:pPr lvl="1"/>
-            <a:r>
-              <a:rPr lang="en-US" dirty="0" err="1"/>
-              <a:t>netsh</a:t>
-            </a:r>
-            <a:r>
-              <a:rPr lang="en-US" dirty="0"/>
-              <a:t> interface set interface name</a:t>
-            </a:r>
-            <a:r>
-              <a:rPr lang="en-US" dirty="0" smtClean="0"/>
-              <a:t>="</a:t>
-            </a:r>
-            <a:r>
-              <a:rPr lang="en-US" dirty="0"/>
-              <a:t> Wireless Network Connection </a:t>
-            </a:r>
-            <a:r>
-              <a:rPr lang="en-US" dirty="0" smtClean="0"/>
-              <a:t>" </a:t>
-            </a:r>
-            <a:r>
-              <a:rPr lang="en-US" dirty="0"/>
-              <a:t>admin=enabled</a:t>
-            </a:r>
-          </a:p>
-          <a:p>
-            <a:pPr lvl="1"/>
-            <a:r>
-              <a:rPr lang="en-US" dirty="0" err="1"/>
-              <a:t>netsh</a:t>
-            </a:r>
-            <a:r>
-              <a:rPr lang="en-US" dirty="0"/>
-              <a:t> </a:t>
-            </a:r>
-            <a:r>
-              <a:rPr lang="en-US" dirty="0" err="1"/>
-              <a:t>wlan</a:t>
-            </a:r>
-            <a:r>
-              <a:rPr lang="en-US" dirty="0"/>
-              <a:t> show networks</a:t>
-            </a:r>
-            <a:endParaRPr lang="da-DK" dirty="0"/>
-          </a:p>
-          <a:p>
-            <a:r>
-              <a:rPr lang="da-DK" dirty="0" smtClean="0"/>
-              <a:t>Just </a:t>
-            </a:r>
-            <a:r>
-              <a:rPr lang="da-DK" dirty="0" err="1" smtClean="0"/>
-              <a:t>disconnect</a:t>
-            </a:r>
-            <a:r>
-              <a:rPr lang="da-DK" dirty="0" smtClean="0"/>
-              <a:t> + </a:t>
-            </a:r>
-            <a:r>
-              <a:rPr lang="da-DK" dirty="0" err="1" smtClean="0"/>
-              <a:t>reconnect</a:t>
-            </a:r>
-            <a:r>
-              <a:rPr lang="da-DK" dirty="0" smtClean="0"/>
-              <a:t> if </a:t>
-            </a:r>
-            <a:r>
-              <a:rPr lang="da-DK" dirty="0" err="1" smtClean="0"/>
-              <a:t>you</a:t>
-            </a:r>
-            <a:r>
-              <a:rPr lang="da-DK" dirty="0" smtClean="0"/>
-              <a:t> know the </a:t>
-            </a:r>
-            <a:r>
-              <a:rPr lang="da-DK" dirty="0" err="1" smtClean="0"/>
-              <a:t>network</a:t>
-            </a:r>
-            <a:r>
-              <a:rPr lang="da-DK" dirty="0" smtClean="0"/>
-              <a:t> is </a:t>
-            </a:r>
-            <a:r>
-              <a:rPr lang="da-DK" dirty="0" err="1" smtClean="0"/>
-              <a:t>there</a:t>
-            </a:r>
-            <a:r>
-              <a:rPr lang="da-DK" dirty="0"/>
-              <a:t>: (</a:t>
-            </a:r>
-            <a:r>
-              <a:rPr lang="da-DK" dirty="0">
+              <a:t> and extract it to get the Jar. Add the Jar to your build path. To check the available classes in this Jar use this </a:t>
+            </a:r>
+            <a:r>
+              <a:rPr lang="en-US" dirty="0">
                 <a:hlinkClick r:id="rId3"/>
               </a:rPr>
-              <a:t>https://</a:t>
-            </a:r>
-            <a:r>
-              <a:rPr lang="da-DK" dirty="0" smtClean="0">
-                <a:hlinkClick r:id="rId3"/>
-              </a:rPr>
-              <a:t>superuser.com/questions/889414/force-refresh-re-scan-wireless-networks-from-command-line</a:t>
-            </a:r>
-            <a:r>
-              <a:rPr lang="da-DK" dirty="0" smtClean="0"/>
-              <a:t>)</a:t>
-            </a:r>
-          </a:p>
-          <a:p>
-            <a:pPr lvl="1"/>
-            <a:r>
-              <a:rPr lang="da-DK" dirty="0" err="1" smtClean="0"/>
-              <a:t>Netsh</a:t>
-            </a:r>
-            <a:r>
-              <a:rPr lang="da-DK" dirty="0" smtClean="0"/>
-              <a:t> wlan </a:t>
-            </a:r>
-            <a:r>
-              <a:rPr lang="da-DK" dirty="0" err="1" smtClean="0"/>
-              <a:t>disconnect</a:t>
-            </a:r>
-            <a:endParaRPr lang="da-DK" dirty="0" smtClean="0"/>
-          </a:p>
-          <a:p>
-            <a:pPr lvl="1"/>
-            <a:r>
-              <a:rPr lang="da-DK" dirty="0" err="1" smtClean="0"/>
-              <a:t>Netsh</a:t>
-            </a:r>
-            <a:r>
-              <a:rPr lang="da-DK" dirty="0" smtClean="0"/>
-              <a:t> wlan </a:t>
-            </a:r>
-            <a:r>
-              <a:rPr lang="da-DK" dirty="0" err="1" smtClean="0"/>
-              <a:t>connect</a:t>
-            </a:r>
-            <a:r>
-              <a:rPr lang="da-DK" dirty="0" smtClean="0"/>
-              <a:t> </a:t>
-            </a:r>
-            <a:r>
-              <a:rPr lang="da-DK" dirty="0" err="1"/>
-              <a:t>name</a:t>
-            </a:r>
-            <a:r>
-              <a:rPr lang="da-DK" dirty="0"/>
-              <a:t>=GP24811169</a:t>
-            </a:r>
+              <a:t>URL</a:t>
+            </a:r>
+            <a:r>
+              <a:rPr lang="en-US" dirty="0"/>
+              <a:t>.</a:t>
+            </a:r>
+          </a:p>
+          <a:p>
+            <a:pPr lvl="1" fontAlgn="base"/>
+            <a:r>
+              <a:rPr lang="en-US" dirty="0"/>
+              <a:t>To Add this Jar to your build path Right click the Project &gt; Build Path &gt; Configure build path&gt; Select Libraries tab &gt; Click Add External Libraries &gt; Select the Jar file Download</a:t>
+            </a:r>
+          </a:p>
+          <a:p>
             <a:endParaRPr lang="en-GB" dirty="0"/>
           </a:p>
         </p:txBody>
@@ -17648,7 +17074,7 @@
     </p:spTree>
     <p:extLst>
       <p:ext uri="{BB962C8B-B14F-4D97-AF65-F5344CB8AC3E}">
-        <p14:creationId xmlns:p14="http://schemas.microsoft.com/office/powerpoint/2010/main" val="669502402"/>
+        <p14:creationId xmlns:p14="http://schemas.microsoft.com/office/powerpoint/2010/main" val="4115334664"/>
       </p:ext>
     </p:extLst>
   </p:cSld>
@@ -17854,7 +17280,7 @@
 </p:sld>
 </file>
 
-<file path=ppt/slides/slide3.xml><?xml version="1.0" encoding="utf-8"?>
+<file path=ppt/slides/slide20.xml><?xml version="1.0" encoding="utf-8"?>
 <p:sld xmlns:a="http://schemas.openxmlformats.org/drawingml/2006/main" xmlns:r="http://schemas.openxmlformats.org/officeDocument/2006/relationships" xmlns:p="http://schemas.openxmlformats.org/presentationml/2006/main">
   <p:cSld>
     <p:spTree>
@@ -17887,10 +17313,22 @@
           <a:lstStyle/>
           <a:p>
             <a:r>
-              <a:rPr lang="en-US" dirty="0" smtClean="0"/>
-              <a:t>Dependencies &amp; Troubleshooting</a:t>
-            </a:r>
-            <a:endParaRPr lang="en-US" dirty="0"/>
+              <a:rPr lang="da-DK" dirty="0" smtClean="0"/>
+              <a:t>Manual </a:t>
+            </a:r>
+            <a:r>
+              <a:rPr lang="da-DK" smtClean="0"/>
+              <a:t>commands</a:t>
+            </a:r>
+            <a:r>
+              <a:rPr lang="da-DK" dirty="0" smtClean="0"/>
+              <a:t> to </a:t>
+            </a:r>
+            <a:r>
+              <a:rPr lang="da-DK" dirty="0" err="1" smtClean="0"/>
+              <a:t>gopro</a:t>
+            </a:r>
+            <a:endParaRPr lang="en-GB" dirty="0"/>
           </a:p>
         </p:txBody>
       </p:sp>
@@ -17907,7 +17345,1012 @@
         <p:spPr/>
         <p:txBody>
           <a:bodyPr>
-            <a:normAutofit fontScale="55000" lnSpcReduction="20000"/>
+            <a:normAutofit fontScale="85000" lnSpcReduction="10000"/>
+          </a:bodyPr>
+          <a:lstStyle/>
+          <a:p>
+            <a:r>
+              <a:rPr lang="da-DK" dirty="0" smtClean="0"/>
+              <a:t>Set </a:t>
+            </a:r>
+            <a:r>
+              <a:rPr lang="da-DK" dirty="0" err="1" smtClean="0"/>
+              <a:t>gopro</a:t>
+            </a:r>
+            <a:r>
+              <a:rPr lang="da-DK" dirty="0" smtClean="0"/>
+              <a:t> in ”</a:t>
+            </a:r>
+            <a:r>
+              <a:rPr lang="da-DK" dirty="0" err="1" smtClean="0"/>
+              <a:t>connect</a:t>
+            </a:r>
+            <a:r>
+              <a:rPr lang="da-DK" dirty="0" smtClean="0"/>
+              <a:t> to new </a:t>
+            </a:r>
+            <a:r>
+              <a:rPr lang="da-DK" dirty="0" err="1" smtClean="0"/>
+              <a:t>app</a:t>
+            </a:r>
+            <a:r>
+              <a:rPr lang="da-DK" dirty="0" smtClean="0"/>
+              <a:t>”</a:t>
+            </a:r>
+          </a:p>
+          <a:p>
+            <a:r>
+              <a:rPr lang="da-DK" dirty="0" err="1" smtClean="0"/>
+              <a:t>Attach</a:t>
+            </a:r>
+            <a:r>
+              <a:rPr lang="da-DK" dirty="0" smtClean="0"/>
+              <a:t> it to </a:t>
+            </a:r>
+            <a:r>
+              <a:rPr lang="da-DK" dirty="0" err="1" smtClean="0"/>
+              <a:t>wireless</a:t>
+            </a:r>
+            <a:r>
+              <a:rPr lang="da-DK" dirty="0" smtClean="0"/>
+              <a:t> on PC</a:t>
+            </a:r>
+          </a:p>
+          <a:p>
+            <a:r>
+              <a:rPr lang="da-DK" dirty="0" err="1" smtClean="0"/>
+              <a:t>Remove</a:t>
+            </a:r>
+            <a:r>
+              <a:rPr lang="da-DK" dirty="0" smtClean="0"/>
+              <a:t> LAN </a:t>
+            </a:r>
+            <a:r>
+              <a:rPr lang="da-DK" dirty="0" err="1" smtClean="0"/>
+              <a:t>cable</a:t>
+            </a:r>
+            <a:r>
+              <a:rPr lang="da-DK" dirty="0" smtClean="0"/>
+              <a:t> on PC (to </a:t>
+            </a:r>
+            <a:r>
+              <a:rPr lang="da-DK" dirty="0" err="1" smtClean="0"/>
+              <a:t>make</a:t>
+            </a:r>
+            <a:r>
+              <a:rPr lang="da-DK" dirty="0" smtClean="0"/>
+              <a:t> sure </a:t>
+            </a:r>
+            <a:r>
+              <a:rPr lang="da-DK" dirty="0" err="1" smtClean="0"/>
+              <a:t>that</a:t>
+            </a:r>
+            <a:r>
+              <a:rPr lang="da-DK" dirty="0" smtClean="0"/>
+              <a:t> </a:t>
+            </a:r>
+            <a:r>
+              <a:rPr lang="da-DK" dirty="0" err="1" smtClean="0"/>
+              <a:t>only</a:t>
+            </a:r>
+            <a:r>
+              <a:rPr lang="da-DK" dirty="0" smtClean="0"/>
+              <a:t> </a:t>
+            </a:r>
+            <a:r>
+              <a:rPr lang="da-DK" dirty="0" err="1" smtClean="0"/>
+              <a:t>one</a:t>
+            </a:r>
+            <a:r>
+              <a:rPr lang="da-DK" dirty="0" smtClean="0"/>
+              <a:t> </a:t>
+            </a:r>
+            <a:r>
+              <a:rPr lang="da-DK" dirty="0" err="1" smtClean="0"/>
+              <a:t>connection</a:t>
+            </a:r>
+            <a:r>
+              <a:rPr lang="da-DK" dirty="0" smtClean="0"/>
+              <a:t> is </a:t>
+            </a:r>
+            <a:r>
+              <a:rPr lang="da-DK" dirty="0" err="1" smtClean="0"/>
+              <a:t>available</a:t>
+            </a:r>
+            <a:r>
+              <a:rPr lang="da-DK" dirty="0" smtClean="0"/>
+              <a:t>)</a:t>
+            </a:r>
+          </a:p>
+          <a:p>
+            <a:r>
+              <a:rPr lang="da-DK" dirty="0" smtClean="0"/>
+              <a:t>Start </a:t>
+            </a:r>
+            <a:r>
+              <a:rPr lang="da-DK" dirty="0" err="1" smtClean="0"/>
+              <a:t>PostMan</a:t>
+            </a:r>
+            <a:r>
+              <a:rPr lang="da-DK" dirty="0" smtClean="0"/>
+              <a:t> </a:t>
+            </a:r>
+            <a:r>
+              <a:rPr lang="da-DK" dirty="0" err="1" smtClean="0"/>
+              <a:t>app</a:t>
+            </a:r>
+            <a:endParaRPr lang="da-DK" dirty="0" smtClean="0"/>
+          </a:p>
+          <a:p>
+            <a:r>
+              <a:rPr lang="da-DK" dirty="0" smtClean="0"/>
+              <a:t>Send </a:t>
+            </a:r>
+            <a:r>
+              <a:rPr lang="da-DK" dirty="0" err="1" smtClean="0"/>
+              <a:t>startup</a:t>
+            </a:r>
+            <a:r>
+              <a:rPr lang="da-DK" dirty="0" smtClean="0"/>
+              <a:t> </a:t>
+            </a:r>
+            <a:r>
+              <a:rPr lang="da-DK" dirty="0" err="1" smtClean="0"/>
+              <a:t>sequence</a:t>
+            </a:r>
+            <a:endParaRPr lang="da-DK" dirty="0" smtClean="0"/>
+          </a:p>
+          <a:p>
+            <a:pPr lvl="1"/>
+            <a:r>
+              <a:rPr lang="en-GB" dirty="0">
+                <a:hlinkClick r:id="rId2"/>
+              </a:rPr>
+              <a:t>http://10.5.5.9/</a:t>
+            </a:r>
+            <a:r>
+              <a:rPr lang="en-GB" dirty="0"/>
+              <a:t>bacpac/cv</a:t>
+            </a:r>
+          </a:p>
+          <a:p>
+            <a:pPr lvl="1"/>
+            <a:r>
+              <a:rPr lang="en-GB" dirty="0" smtClean="0">
+                <a:hlinkClick r:id="rId3"/>
+              </a:rPr>
+              <a:t>http</a:t>
+            </a:r>
+            <a:r>
+              <a:rPr lang="en-GB" dirty="0">
+                <a:hlinkClick r:id="rId3"/>
+              </a:rPr>
+              <a:t>://</a:t>
+            </a:r>
+            <a:r>
+              <a:rPr lang="en-GB" dirty="0" smtClean="0">
+                <a:hlinkClick r:id="rId3"/>
+              </a:rPr>
+              <a:t>10.5.5.9/gp/gpControl/command/wireless/pair/complete?success=1&amp;deviceName=TEST</a:t>
+            </a:r>
+            <a:endParaRPr lang="en-GB" dirty="0" smtClean="0"/>
+          </a:p>
+          <a:p>
+            <a:r>
+              <a:rPr lang="da-DK" dirty="0" err="1" smtClean="0"/>
+              <a:t>Other</a:t>
+            </a:r>
+            <a:r>
+              <a:rPr lang="da-DK" dirty="0" smtClean="0"/>
+              <a:t> </a:t>
+            </a:r>
+            <a:r>
+              <a:rPr lang="da-DK" dirty="0" err="1" smtClean="0"/>
+              <a:t>examples</a:t>
+            </a:r>
+            <a:endParaRPr lang="en-GB" dirty="0" smtClean="0"/>
+          </a:p>
+          <a:p>
+            <a:pPr lvl="1"/>
+            <a:r>
+              <a:rPr lang="en-GB" dirty="0" smtClean="0">
+                <a:hlinkClick r:id="rId4"/>
+              </a:rPr>
+              <a:t>http</a:t>
+            </a:r>
+            <a:r>
+              <a:rPr lang="en-GB" dirty="0">
+                <a:hlinkClick r:id="rId4"/>
+              </a:rPr>
+              <a:t>://</a:t>
+            </a:r>
+            <a:r>
+              <a:rPr lang="en-GB" dirty="0" smtClean="0">
+                <a:hlinkClick r:id="rId4"/>
+              </a:rPr>
+              <a:t>10.5.5.9/gp/gpMediaList</a:t>
+            </a:r>
+            <a:r>
+              <a:rPr lang="en-GB" dirty="0" smtClean="0"/>
+              <a:t>   (note – works ONLY when not recording)</a:t>
+            </a:r>
+          </a:p>
+          <a:p>
+            <a:pPr lvl="1"/>
+            <a:r>
+              <a:rPr lang="en-GB" dirty="0">
+                <a:hlinkClick r:id="rId5"/>
+              </a:rPr>
+              <a:t>http://</a:t>
+            </a:r>
+            <a:r>
+              <a:rPr lang="en-GB" dirty="0" smtClean="0">
+                <a:hlinkClick r:id="rId5"/>
+              </a:rPr>
+              <a:t>10.5.5.9/gp/gpControl/command/shutter?p=1</a:t>
+            </a:r>
+            <a:endParaRPr lang="en-GB" dirty="0" smtClean="0"/>
+          </a:p>
+          <a:p>
+            <a:pPr lvl="1"/>
+            <a:r>
+              <a:rPr lang="en-GB" dirty="0">
+                <a:hlinkClick r:id="rId6"/>
+              </a:rPr>
+              <a:t>http://</a:t>
+            </a:r>
+            <a:r>
+              <a:rPr lang="en-GB" dirty="0" smtClean="0">
+                <a:hlinkClick r:id="rId6"/>
+              </a:rPr>
+              <a:t>10.5.5.9/gp/gpControl/status</a:t>
+            </a:r>
+            <a:endParaRPr lang="en-GB" dirty="0" smtClean="0"/>
+          </a:p>
+          <a:p>
+            <a:pPr lvl="1"/>
+            <a:endParaRPr lang="en-GB" dirty="0" smtClean="0"/>
+          </a:p>
+          <a:p>
+            <a:pPr lvl="1"/>
+            <a:endParaRPr lang="en-GB" dirty="0"/>
+          </a:p>
+        </p:txBody>
+      </p:sp>
+    </p:spTree>
+    <p:extLst>
+      <p:ext uri="{BB962C8B-B14F-4D97-AF65-F5344CB8AC3E}">
+        <p14:creationId xmlns:p14="http://schemas.microsoft.com/office/powerpoint/2010/main" val="1181274697"/>
+      </p:ext>
+    </p:extLst>
+  </p:cSld>
+  <p:clrMapOvr>
+    <a:masterClrMapping/>
+  </p:clrMapOvr>
+</p:sld>
+</file>
+
+<file path=ppt/slides/slide21.xml><?xml version="1.0" encoding="utf-8"?>
+<p:sld xmlns:a="http://schemas.openxmlformats.org/drawingml/2006/main" xmlns:r="http://schemas.openxmlformats.org/officeDocument/2006/relationships" xmlns:p="http://schemas.openxmlformats.org/presentationml/2006/main">
+  <p:cSld>
+    <p:spTree>
+      <p:nvGrpSpPr>
+        <p:cNvPr id="1" name=""/>
+        <p:cNvGrpSpPr/>
+        <p:nvPr/>
+      </p:nvGrpSpPr>
+      <p:grpSpPr>
+        <a:xfrm>
+          <a:off x="0" y="0"/>
+          <a:ext cx="0" cy="0"/>
+          <a:chOff x="0" y="0"/>
+          <a:chExt cx="0" cy="0"/>
+        </a:xfrm>
+      </p:grpSpPr>
+      <p:sp>
+        <p:nvSpPr>
+          <p:cNvPr id="2" name="Title 1"/>
+          <p:cNvSpPr>
+            <a:spLocks noGrp="1"/>
+          </p:cNvSpPr>
+          <p:nvPr>
+            <p:ph type="title"/>
+          </p:nvPr>
+        </p:nvSpPr>
+        <p:spPr/>
+        <p:txBody>
+          <a:bodyPr/>
+          <a:lstStyle/>
+          <a:p>
+            <a:r>
+              <a:rPr lang="da-DK" dirty="0" err="1" smtClean="0"/>
+              <a:t>WiFi</a:t>
+            </a:r>
+            <a:r>
+              <a:rPr lang="da-DK" dirty="0" smtClean="0"/>
+              <a:t> </a:t>
+            </a:r>
+            <a:r>
+              <a:rPr lang="da-DK" dirty="0" err="1" smtClean="0"/>
+              <a:t>connection</a:t>
+            </a:r>
+            <a:endParaRPr lang="en-GB" dirty="0"/>
+          </a:p>
+        </p:txBody>
+      </p:sp>
+      <p:sp>
+        <p:nvSpPr>
+          <p:cNvPr id="3" name="Content Placeholder 2"/>
+          <p:cNvSpPr>
+            <a:spLocks noGrp="1"/>
+          </p:cNvSpPr>
+          <p:nvPr>
+            <p:ph idx="1"/>
+          </p:nvPr>
+        </p:nvSpPr>
+        <p:spPr/>
+        <p:txBody>
+          <a:bodyPr>
+            <a:normAutofit fontScale="62500" lnSpcReduction="20000"/>
+          </a:bodyPr>
+          <a:lstStyle/>
+          <a:p>
+            <a:r>
+              <a:rPr lang="da-DK" dirty="0" err="1" smtClean="0"/>
+              <a:t>Wifi</a:t>
+            </a:r>
+            <a:r>
+              <a:rPr lang="da-DK" dirty="0" smtClean="0"/>
+              <a:t> </a:t>
+            </a:r>
+            <a:r>
+              <a:rPr lang="da-DK" dirty="0" err="1" smtClean="0"/>
+              <a:t>connection</a:t>
+            </a:r>
+            <a:r>
+              <a:rPr lang="da-DK" dirty="0" smtClean="0"/>
+              <a:t> has a </a:t>
+            </a:r>
+            <a:r>
+              <a:rPr lang="da-DK" dirty="0" err="1" smtClean="0"/>
+              <a:t>strong</a:t>
+            </a:r>
+            <a:r>
+              <a:rPr lang="da-DK" dirty="0" smtClean="0"/>
+              <a:t> </a:t>
+            </a:r>
+            <a:r>
+              <a:rPr lang="da-DK" dirty="0" err="1" smtClean="0"/>
+              <a:t>tendency</a:t>
+            </a:r>
+            <a:r>
+              <a:rPr lang="da-DK" dirty="0" smtClean="0"/>
+              <a:t> to </a:t>
+            </a:r>
+            <a:r>
+              <a:rPr lang="da-DK" dirty="0" err="1" smtClean="0"/>
+              <a:t>get</a:t>
+            </a:r>
+            <a:r>
+              <a:rPr lang="da-DK" dirty="0" smtClean="0"/>
+              <a:t> lost.</a:t>
+            </a:r>
+          </a:p>
+          <a:p>
+            <a:r>
+              <a:rPr lang="da-DK" dirty="0" err="1" smtClean="0"/>
+              <a:t>Ensure</a:t>
+            </a:r>
+            <a:r>
+              <a:rPr lang="da-DK" dirty="0" smtClean="0"/>
+              <a:t> top </a:t>
+            </a:r>
+            <a:r>
+              <a:rPr lang="da-DK" dirty="0" err="1" smtClean="0"/>
+              <a:t>prio</a:t>
+            </a:r>
+            <a:r>
+              <a:rPr lang="da-DK" dirty="0" smtClean="0"/>
+              <a:t>:</a:t>
+            </a:r>
+          </a:p>
+          <a:p>
+            <a:pPr lvl="1"/>
+            <a:r>
+              <a:rPr lang="da-DK" dirty="0" err="1" smtClean="0"/>
+              <a:t>Netsh</a:t>
+            </a:r>
+            <a:r>
+              <a:rPr lang="da-DK" dirty="0" smtClean="0"/>
+              <a:t> </a:t>
+            </a:r>
+            <a:r>
+              <a:rPr lang="da-DK" dirty="0" err="1" smtClean="0"/>
+              <a:t>commands</a:t>
+            </a:r>
+            <a:r>
+              <a:rPr lang="da-DK" dirty="0"/>
+              <a:t> from </a:t>
+            </a:r>
+            <a:r>
+              <a:rPr lang="da-DK" dirty="0">
+                <a:hlinkClick r:id="rId2"/>
+              </a:rPr>
+              <a:t>https://www.howtogeek.com/131640/how-to-change-the-priority-of-wireless-networks-in-windows-8</a:t>
+            </a:r>
+            <a:r>
+              <a:rPr lang="da-DK" dirty="0" smtClean="0">
+                <a:hlinkClick r:id="rId2"/>
+              </a:rPr>
+              <a:t>/</a:t>
+            </a:r>
+            <a:r>
+              <a:rPr lang="da-DK" dirty="0" smtClean="0"/>
+              <a:t> </a:t>
+            </a:r>
+          </a:p>
+          <a:p>
+            <a:pPr lvl="2"/>
+            <a:r>
+              <a:rPr lang="da-DK" dirty="0" err="1" smtClean="0"/>
+              <a:t>get</a:t>
+            </a:r>
+            <a:r>
+              <a:rPr lang="da-DK" dirty="0" smtClean="0"/>
+              <a:t> </a:t>
+            </a:r>
+            <a:r>
+              <a:rPr lang="da-DK" dirty="0"/>
+              <a:t>adapter </a:t>
+            </a:r>
+            <a:r>
+              <a:rPr lang="da-DK" dirty="0" err="1" smtClean="0"/>
+              <a:t>name</a:t>
+            </a:r>
+            <a:r>
+              <a:rPr lang="da-DK" dirty="0" smtClean="0"/>
+              <a:t>, profile </a:t>
+            </a:r>
+            <a:r>
+              <a:rPr lang="da-DK" dirty="0" err="1" smtClean="0"/>
+              <a:t>names</a:t>
+            </a:r>
+            <a:r>
+              <a:rPr lang="da-DK" dirty="0" smtClean="0"/>
+              <a:t> and </a:t>
+            </a:r>
+            <a:r>
+              <a:rPr lang="da-DK" dirty="0" err="1" smtClean="0"/>
+              <a:t>priorities</a:t>
+            </a:r>
+            <a:r>
+              <a:rPr lang="da-DK" dirty="0" smtClean="0"/>
+              <a:t> </a:t>
+            </a:r>
+          </a:p>
+          <a:p>
+            <a:pPr lvl="3"/>
+            <a:r>
+              <a:rPr lang="da-DK" dirty="0" err="1" smtClean="0"/>
+              <a:t>Netsh</a:t>
+            </a:r>
+            <a:r>
+              <a:rPr lang="da-DK" dirty="0" smtClean="0"/>
+              <a:t> wlan show profiles</a:t>
+            </a:r>
+          </a:p>
+          <a:p>
+            <a:pPr lvl="2"/>
+            <a:r>
+              <a:rPr lang="en-US" dirty="0" smtClean="0"/>
+              <a:t>Set profile to </a:t>
+            </a:r>
+            <a:r>
+              <a:rPr lang="en-US" dirty="0" err="1" smtClean="0"/>
+              <a:t>prio</a:t>
+            </a:r>
+            <a:r>
+              <a:rPr lang="en-US" dirty="0" smtClean="0"/>
+              <a:t> 1:</a:t>
+            </a:r>
+          </a:p>
+          <a:p>
+            <a:pPr lvl="3"/>
+            <a:r>
+              <a:rPr lang="en-US" dirty="0" err="1" smtClean="0"/>
+              <a:t>netsh</a:t>
+            </a:r>
+            <a:r>
+              <a:rPr lang="en-US" dirty="0" smtClean="0"/>
+              <a:t> </a:t>
+            </a:r>
+            <a:r>
+              <a:rPr lang="en-US" dirty="0" err="1"/>
+              <a:t>wlan</a:t>
+            </a:r>
+            <a:r>
+              <a:rPr lang="en-US" dirty="0"/>
+              <a:t> set </a:t>
+            </a:r>
+            <a:r>
+              <a:rPr lang="en-US" dirty="0" err="1"/>
+              <a:t>profileorder</a:t>
+            </a:r>
+            <a:r>
+              <a:rPr lang="en-US" dirty="0"/>
+              <a:t> name="GP24811169" interface="Wireless Network Connection" </a:t>
+            </a:r>
+            <a:r>
+              <a:rPr lang="en-US" dirty="0" smtClean="0"/>
+              <a:t>priority=1</a:t>
+            </a:r>
+          </a:p>
+          <a:p>
+            <a:pPr lvl="2"/>
+            <a:r>
+              <a:rPr lang="en-US" dirty="0" smtClean="0"/>
+              <a:t>BUT: the </a:t>
+            </a:r>
+            <a:r>
+              <a:rPr lang="en-US" dirty="0" err="1" smtClean="0"/>
+              <a:t>VCCnetP</a:t>
+            </a:r>
+            <a:r>
+              <a:rPr lang="en-US" dirty="0" smtClean="0"/>
+              <a:t> is defaulted to top </a:t>
+            </a:r>
+            <a:r>
+              <a:rPr lang="en-US" dirty="0" err="1" smtClean="0"/>
+              <a:t>prio</a:t>
+            </a:r>
+            <a:r>
+              <a:rPr lang="en-US" dirty="0" smtClean="0"/>
+              <a:t> by company policy. So this won’t work on VCC premises.</a:t>
+            </a:r>
+          </a:p>
+          <a:p>
+            <a:r>
+              <a:rPr lang="en-US" dirty="0" smtClean="0"/>
+              <a:t>Refresh </a:t>
+            </a:r>
+            <a:r>
+              <a:rPr lang="en-US" dirty="0" err="1" smtClean="0"/>
+              <a:t>wifi</a:t>
+            </a:r>
+            <a:r>
+              <a:rPr lang="en-US" dirty="0" smtClean="0"/>
+              <a:t> profiles list</a:t>
+            </a:r>
+          </a:p>
+          <a:p>
+            <a:pPr lvl="1"/>
+            <a:r>
+              <a:rPr lang="en-US" dirty="0" smtClean="0"/>
+              <a:t>Show current list</a:t>
+            </a:r>
+          </a:p>
+          <a:p>
+            <a:pPr lvl="2"/>
+            <a:r>
+              <a:rPr lang="en-US" dirty="0" err="1" smtClean="0"/>
+              <a:t>Netsh</a:t>
+            </a:r>
+            <a:r>
+              <a:rPr lang="en-US" dirty="0" smtClean="0"/>
+              <a:t> </a:t>
+            </a:r>
+            <a:r>
+              <a:rPr lang="en-US" dirty="0" err="1" smtClean="0"/>
+              <a:t>wlan</a:t>
+            </a:r>
+            <a:r>
+              <a:rPr lang="en-US" dirty="0" smtClean="0"/>
+              <a:t> show networks</a:t>
+            </a:r>
+          </a:p>
+          <a:p>
+            <a:pPr lvl="1"/>
+            <a:r>
+              <a:rPr lang="en-US" dirty="0" err="1"/>
+              <a:t>netsh</a:t>
+            </a:r>
+            <a:r>
+              <a:rPr lang="en-US" dirty="0"/>
+              <a:t> interface set interface name</a:t>
+            </a:r>
+            <a:r>
+              <a:rPr lang="en-US" dirty="0" smtClean="0"/>
+              <a:t>="</a:t>
+            </a:r>
+            <a:r>
+              <a:rPr lang="en-US" dirty="0"/>
+              <a:t> Wireless Network Connection </a:t>
+            </a:r>
+            <a:r>
+              <a:rPr lang="en-US" dirty="0" smtClean="0"/>
+              <a:t>" </a:t>
+            </a:r>
+            <a:r>
+              <a:rPr lang="en-US" dirty="0"/>
+              <a:t>admin=disabled</a:t>
+            </a:r>
+          </a:p>
+          <a:p>
+            <a:pPr lvl="1"/>
+            <a:r>
+              <a:rPr lang="en-US" dirty="0" err="1"/>
+              <a:t>netsh</a:t>
+            </a:r>
+            <a:r>
+              <a:rPr lang="en-US" dirty="0"/>
+              <a:t> interface set interface name</a:t>
+            </a:r>
+            <a:r>
+              <a:rPr lang="en-US" dirty="0" smtClean="0"/>
+              <a:t>="</a:t>
+            </a:r>
+            <a:r>
+              <a:rPr lang="en-US" dirty="0"/>
+              <a:t> Wireless Network Connection </a:t>
+            </a:r>
+            <a:r>
+              <a:rPr lang="en-US" dirty="0" smtClean="0"/>
+              <a:t>" </a:t>
+            </a:r>
+            <a:r>
+              <a:rPr lang="en-US" dirty="0"/>
+              <a:t>admin=enabled</a:t>
+            </a:r>
+          </a:p>
+          <a:p>
+            <a:pPr lvl="1"/>
+            <a:r>
+              <a:rPr lang="en-US" dirty="0" err="1"/>
+              <a:t>netsh</a:t>
+            </a:r>
+            <a:r>
+              <a:rPr lang="en-US" dirty="0"/>
+              <a:t> </a:t>
+            </a:r>
+            <a:r>
+              <a:rPr lang="en-US" dirty="0" err="1"/>
+              <a:t>wlan</a:t>
+            </a:r>
+            <a:r>
+              <a:rPr lang="en-US" dirty="0"/>
+              <a:t> show networks</a:t>
+            </a:r>
+            <a:endParaRPr lang="da-DK" dirty="0"/>
+          </a:p>
+          <a:p>
+            <a:r>
+              <a:rPr lang="da-DK" dirty="0" smtClean="0"/>
+              <a:t>Just </a:t>
+            </a:r>
+            <a:r>
+              <a:rPr lang="da-DK" dirty="0" err="1" smtClean="0"/>
+              <a:t>disconnect</a:t>
+            </a:r>
+            <a:r>
+              <a:rPr lang="da-DK" dirty="0" smtClean="0"/>
+              <a:t> + </a:t>
+            </a:r>
+            <a:r>
+              <a:rPr lang="da-DK" dirty="0" err="1" smtClean="0"/>
+              <a:t>reconnect</a:t>
+            </a:r>
+            <a:r>
+              <a:rPr lang="da-DK" dirty="0" smtClean="0"/>
+              <a:t> if </a:t>
+            </a:r>
+            <a:r>
+              <a:rPr lang="da-DK" dirty="0" err="1" smtClean="0"/>
+              <a:t>you</a:t>
+            </a:r>
+            <a:r>
+              <a:rPr lang="da-DK" dirty="0" smtClean="0"/>
+              <a:t> know the </a:t>
+            </a:r>
+            <a:r>
+              <a:rPr lang="da-DK" dirty="0" err="1" smtClean="0"/>
+              <a:t>network</a:t>
+            </a:r>
+            <a:r>
+              <a:rPr lang="da-DK" dirty="0" smtClean="0"/>
+              <a:t> is </a:t>
+            </a:r>
+            <a:r>
+              <a:rPr lang="da-DK" dirty="0" err="1" smtClean="0"/>
+              <a:t>there</a:t>
+            </a:r>
+            <a:r>
+              <a:rPr lang="da-DK" dirty="0"/>
+              <a:t>: (</a:t>
+            </a:r>
+            <a:r>
+              <a:rPr lang="da-DK" dirty="0">
+                <a:hlinkClick r:id="rId3"/>
+              </a:rPr>
+              <a:t>https://</a:t>
+            </a:r>
+            <a:r>
+              <a:rPr lang="da-DK" dirty="0" smtClean="0">
+                <a:hlinkClick r:id="rId3"/>
+              </a:rPr>
+              <a:t>superuser.com/questions/889414/force-refresh-re-scan-wireless-networks-from-command-line</a:t>
+            </a:r>
+            <a:r>
+              <a:rPr lang="da-DK" dirty="0" smtClean="0"/>
+              <a:t>)</a:t>
+            </a:r>
+          </a:p>
+          <a:p>
+            <a:pPr lvl="1"/>
+            <a:r>
+              <a:rPr lang="da-DK" dirty="0" err="1" smtClean="0"/>
+              <a:t>Netsh</a:t>
+            </a:r>
+            <a:r>
+              <a:rPr lang="da-DK" dirty="0" smtClean="0"/>
+              <a:t> wlan </a:t>
+            </a:r>
+            <a:r>
+              <a:rPr lang="da-DK" dirty="0" err="1" smtClean="0"/>
+              <a:t>disconnect</a:t>
+            </a:r>
+            <a:endParaRPr lang="da-DK" dirty="0" smtClean="0"/>
+          </a:p>
+          <a:p>
+            <a:pPr lvl="1"/>
+            <a:r>
+              <a:rPr lang="da-DK" dirty="0" err="1" smtClean="0"/>
+              <a:t>Netsh</a:t>
+            </a:r>
+            <a:r>
+              <a:rPr lang="da-DK" dirty="0" smtClean="0"/>
+              <a:t> wlan </a:t>
+            </a:r>
+            <a:r>
+              <a:rPr lang="da-DK" dirty="0" err="1" smtClean="0"/>
+              <a:t>connect</a:t>
+            </a:r>
+            <a:r>
+              <a:rPr lang="da-DK" dirty="0" smtClean="0"/>
+              <a:t> </a:t>
+            </a:r>
+            <a:r>
+              <a:rPr lang="da-DK" dirty="0" err="1"/>
+              <a:t>name</a:t>
+            </a:r>
+            <a:r>
+              <a:rPr lang="da-DK" dirty="0"/>
+              <a:t>=GP24811169</a:t>
+            </a:r>
+            <a:endParaRPr lang="en-GB" dirty="0"/>
+          </a:p>
+        </p:txBody>
+      </p:sp>
+    </p:spTree>
+    <p:extLst>
+      <p:ext uri="{BB962C8B-B14F-4D97-AF65-F5344CB8AC3E}">
+        <p14:creationId xmlns:p14="http://schemas.microsoft.com/office/powerpoint/2010/main" val="669502402"/>
+      </p:ext>
+    </p:extLst>
+  </p:cSld>
+  <p:clrMapOvr>
+    <a:masterClrMapping/>
+  </p:clrMapOvr>
+</p:sld>
+</file>
+
+<file path=ppt/slides/slide3.xml><?xml version="1.0" encoding="utf-8"?>
+<p:sld xmlns:a="http://schemas.openxmlformats.org/drawingml/2006/main" xmlns:r="http://schemas.openxmlformats.org/officeDocument/2006/relationships" xmlns:p="http://schemas.openxmlformats.org/presentationml/2006/main">
+  <p:cSld>
+    <p:spTree>
+      <p:nvGrpSpPr>
+        <p:cNvPr id="1" name=""/>
+        <p:cNvGrpSpPr/>
+        <p:nvPr/>
+      </p:nvGrpSpPr>
+      <p:grpSpPr>
+        <a:xfrm>
+          <a:off x="0" y="0"/>
+          <a:ext cx="0" cy="0"/>
+          <a:chOff x="0" y="0"/>
+          <a:chExt cx="0" cy="0"/>
+        </a:xfrm>
+      </p:grpSpPr>
+      <p:sp>
+        <p:nvSpPr>
+          <p:cNvPr id="2" name="Title 1"/>
+          <p:cNvSpPr>
+            <a:spLocks noGrp="1"/>
+          </p:cNvSpPr>
+          <p:nvPr>
+            <p:ph type="title"/>
+          </p:nvPr>
+        </p:nvSpPr>
+        <p:spPr>
+          <a:xfrm>
+            <a:off x="838200" y="29565"/>
+            <a:ext cx="10515600" cy="1325563"/>
+          </a:xfrm>
+        </p:spPr>
+        <p:txBody>
+          <a:bodyPr/>
+          <a:lstStyle/>
+          <a:p>
+            <a:r>
+              <a:rPr lang="en-US" dirty="0" smtClean="0"/>
+              <a:t>To install from GitHub</a:t>
+            </a:r>
+            <a:endParaRPr lang="en-US" dirty="0"/>
+          </a:p>
+        </p:txBody>
+      </p:sp>
+      <p:sp>
+        <p:nvSpPr>
+          <p:cNvPr id="4" name="Content Placeholder 3"/>
+          <p:cNvSpPr>
+            <a:spLocks noGrp="1"/>
+          </p:cNvSpPr>
+          <p:nvPr>
+            <p:ph sz="half" idx="1"/>
+          </p:nvPr>
+        </p:nvSpPr>
+        <p:spPr>
+          <a:xfrm>
+            <a:off x="838200" y="1166070"/>
+            <a:ext cx="5181600" cy="5436066"/>
+          </a:xfrm>
+        </p:spPr>
+        <p:txBody>
+          <a:bodyPr/>
+          <a:lstStyle/>
+          <a:p>
+            <a:r>
+              <a:rPr lang="en-US" dirty="0" smtClean="0"/>
+              <a:t>Clone from </a:t>
+            </a:r>
+            <a:r>
+              <a:rPr lang="en-US" dirty="0" err="1" smtClean="0"/>
+              <a:t>Github</a:t>
+            </a:r>
+            <a:r>
+              <a:rPr lang="en-US" dirty="0" smtClean="0"/>
+              <a:t> (e.g. by starting a new workspace in Eclipse)</a:t>
+            </a:r>
+          </a:p>
+          <a:p>
+            <a:r>
+              <a:rPr lang="en-US" dirty="0" smtClean="0"/>
+              <a:t>Set up Eclipse (Window=&gt;Preferences</a:t>
+            </a:r>
+          </a:p>
+          <a:p>
+            <a:pPr lvl="1"/>
+            <a:r>
+              <a:rPr lang="en-US" dirty="0" smtClean="0"/>
+              <a:t>JavaFX =&gt; </a:t>
+            </a:r>
+            <a:r>
+              <a:rPr lang="en-US" dirty="0" err="1" smtClean="0"/>
+              <a:t>Scenebuilder</a:t>
+            </a:r>
+            <a:r>
+              <a:rPr lang="en-US" dirty="0" smtClean="0"/>
+              <a:t> exe =  </a:t>
+            </a:r>
+            <a:r>
+              <a:rPr lang="en-US" dirty="0"/>
+              <a:t>C:\</a:t>
+            </a:r>
+            <a:r>
+              <a:rPr lang="en-US" dirty="0" smtClean="0"/>
+              <a:t>Users\nnohrras\AppData\Local\SceneBuilder\SceneBuilder.exe</a:t>
+            </a:r>
+          </a:p>
+          <a:p>
+            <a:pPr lvl="1"/>
+            <a:endParaRPr lang="en-US" dirty="0"/>
+          </a:p>
+          <a:p>
+            <a:pPr lvl="1"/>
+            <a:endParaRPr lang="en-US" dirty="0"/>
+          </a:p>
+        </p:txBody>
+      </p:sp>
+      <p:sp>
+        <p:nvSpPr>
+          <p:cNvPr id="5" name="Content Placeholder 4"/>
+          <p:cNvSpPr>
+            <a:spLocks noGrp="1"/>
+          </p:cNvSpPr>
+          <p:nvPr>
+            <p:ph sz="half" idx="2"/>
+          </p:nvPr>
+        </p:nvSpPr>
+        <p:spPr>
+          <a:xfrm>
+            <a:off x="6172200" y="1166070"/>
+            <a:ext cx="5181600" cy="5436066"/>
+          </a:xfrm>
+        </p:spPr>
+        <p:txBody>
+          <a:bodyPr/>
+          <a:lstStyle/>
+          <a:p>
+            <a:endParaRPr lang="en-US"/>
+          </a:p>
+        </p:txBody>
+      </p:sp>
+    </p:spTree>
+    <p:extLst>
+      <p:ext uri="{BB962C8B-B14F-4D97-AF65-F5344CB8AC3E}">
+        <p14:creationId xmlns:p14="http://schemas.microsoft.com/office/powerpoint/2010/main" val="2635912818"/>
+      </p:ext>
+    </p:extLst>
+  </p:cSld>
+  <p:clrMapOvr>
+    <a:masterClrMapping/>
+  </p:clrMapOvr>
+</p:sld>
+</file>
+
+<file path=ppt/slides/slide4.xml><?xml version="1.0" encoding="utf-8"?>
+<p:sld xmlns:a="http://schemas.openxmlformats.org/drawingml/2006/main" xmlns:r="http://schemas.openxmlformats.org/officeDocument/2006/relationships" xmlns:p="http://schemas.openxmlformats.org/presentationml/2006/main">
+  <p:cSld>
+    <p:spTree>
+      <p:nvGrpSpPr>
+        <p:cNvPr id="1" name=""/>
+        <p:cNvGrpSpPr/>
+        <p:nvPr/>
+      </p:nvGrpSpPr>
+      <p:grpSpPr>
+        <a:xfrm>
+          <a:off x="0" y="0"/>
+          <a:ext cx="0" cy="0"/>
+          <a:chOff x="0" y="0"/>
+          <a:chExt cx="0" cy="0"/>
+        </a:xfrm>
+      </p:grpSpPr>
+      <p:sp>
+        <p:nvSpPr>
+          <p:cNvPr id="2" name="Title 1"/>
+          <p:cNvSpPr>
+            <a:spLocks noGrp="1"/>
+          </p:cNvSpPr>
+          <p:nvPr>
+            <p:ph type="title"/>
+          </p:nvPr>
+        </p:nvSpPr>
+        <p:spPr/>
+        <p:txBody>
+          <a:bodyPr/>
+          <a:lstStyle/>
+          <a:p>
+            <a:r>
+              <a:rPr lang="en-US" dirty="0" smtClean="0"/>
+              <a:t>Dependencies &amp; Troubleshooting</a:t>
+            </a:r>
+            <a:endParaRPr lang="en-US" dirty="0"/>
+          </a:p>
+        </p:txBody>
+      </p:sp>
+      <p:sp>
+        <p:nvSpPr>
+          <p:cNvPr id="3" name="Content Placeholder 2"/>
+          <p:cNvSpPr>
+            <a:spLocks noGrp="1"/>
+          </p:cNvSpPr>
+          <p:nvPr>
+            <p:ph idx="1"/>
+          </p:nvPr>
+        </p:nvSpPr>
+        <p:spPr/>
+        <p:txBody>
+          <a:bodyPr>
+            <a:normAutofit fontScale="77500" lnSpcReduction="20000"/>
           </a:bodyPr>
           <a:lstStyle/>
           <a:p>
@@ -18048,45 +18491,42 @@
             <a:pPr marL="0" indent="0">
               <a:buNone/>
             </a:pPr>
-            <a:r>
-              <a:rPr lang="en-US" dirty="0" smtClean="0"/>
-              <a:t>Adding libraries in Eclipse:</a:t>
-            </a:r>
+            <a:endParaRPr lang="en-US" dirty="0"/>
           </a:p>
           <a:p>
             <a:pPr marL="0" indent="0">
               <a:buNone/>
             </a:pPr>
             <a:r>
+              <a:rPr lang="en-US" dirty="0" smtClean="0"/>
+              <a:t>An openly available GoPro </a:t>
+            </a:r>
+            <a:r>
+              <a:rPr lang="en-US" dirty="0" err="1" smtClean="0"/>
+              <a:t>wifi</a:t>
+            </a:r>
+            <a:r>
+              <a:rPr lang="en-US" dirty="0" smtClean="0"/>
+              <a:t> API is used </a:t>
+            </a:r>
+          </a:p>
+          <a:p>
+            <a:pPr marL="0" indent="0">
+              <a:buNone/>
+            </a:pPr>
+            <a:r>
+              <a:rPr lang="en-US" dirty="0">
+                <a:hlinkClick r:id="rId7"/>
+              </a:rPr>
+              <a:t>https://</a:t>
+            </a:r>
+            <a:r>
               <a:rPr lang="en-US" dirty="0" smtClean="0">
                 <a:hlinkClick r:id="rId7"/>
               </a:rPr>
-              <a:t>https://wiki.eclipse.org/FAQ_How_do_I_add_an_extra_library_to_my_project's_classpath%3F</a:t>
+              <a:t>github.com/KonradIT/goprowifihack</a:t>
             </a:r>
             <a:endParaRPr lang="en-US" dirty="0" smtClean="0"/>
-          </a:p>
-          <a:p>
-            <a:pPr marL="0" indent="0">
-              <a:buNone/>
-            </a:pPr>
-            <a:endParaRPr lang="en-US" dirty="0"/>
-          </a:p>
-          <a:p>
-            <a:pPr marL="0" indent="0">
-              <a:buNone/>
-            </a:pPr>
-            <a:r>
-              <a:rPr lang="en-US" dirty="0" smtClean="0"/>
-              <a:t>An openly available GoPro </a:t>
-            </a:r>
-            <a:r>
-              <a:rPr lang="en-US" dirty="0" err="1" smtClean="0"/>
-              <a:t>wifi</a:t>
-            </a:r>
-            <a:r>
-              <a:rPr lang="en-US" dirty="0" smtClean="0"/>
-              <a:t> API is used </a:t>
-            </a:r>
           </a:p>
           <a:p>
             <a:pPr marL="0" indent="0">
@@ -18101,24 +18541,6 @@
             <a:r>
               <a:rPr lang="en-US" dirty="0" smtClean="0">
                 <a:hlinkClick r:id="rId8"/>
-              </a:rPr>
-              <a:t>github.com/KonradIT/goprowifihack</a:t>
-            </a:r>
-            <a:endParaRPr lang="en-US" dirty="0" smtClean="0"/>
-          </a:p>
-          <a:p>
-            <a:pPr marL="0" indent="0">
-              <a:buNone/>
-            </a:pPr>
-            <a:r>
-              <a:rPr lang="en-US" dirty="0">
-                <a:hlinkClick r:id="rId9"/>
-              </a:rPr>
-              <a:t>https://</a:t>
-            </a:r>
-            <a:r>
-              <a:rPr lang="en-US" dirty="0" smtClean="0">
-                <a:hlinkClick r:id="rId9"/>
               </a:rPr>
               <a:t>github.com/DomDomHaas/gopro-wifi-API</a:t>
             </a:r>
@@ -18373,7 +18795,155 @@
 </p:sld>
 </file>
 
-<file path=ppt/slides/slide4.xml><?xml version="1.0" encoding="utf-8"?>
+<file path=ppt/slides/slide5.xml><?xml version="1.0" encoding="utf-8"?>
+<p:sld xmlns:a="http://schemas.openxmlformats.org/drawingml/2006/main" xmlns:r="http://schemas.openxmlformats.org/officeDocument/2006/relationships" xmlns:p="http://schemas.openxmlformats.org/presentationml/2006/main">
+  <p:cSld>
+    <p:spTree>
+      <p:nvGrpSpPr>
+        <p:cNvPr id="1" name=""/>
+        <p:cNvGrpSpPr/>
+        <p:nvPr/>
+      </p:nvGrpSpPr>
+      <p:grpSpPr>
+        <a:xfrm>
+          <a:off x="0" y="0"/>
+          <a:ext cx="0" cy="0"/>
+          <a:chOff x="0" y="0"/>
+          <a:chExt cx="0" cy="0"/>
+        </a:xfrm>
+      </p:grpSpPr>
+      <p:pic>
+        <p:nvPicPr>
+          <p:cNvPr id="4" name="Picture 3"/>
+          <p:cNvPicPr>
+            <a:picLocks noChangeAspect="1"/>
+          </p:cNvPicPr>
+          <p:nvPr/>
+        </p:nvPicPr>
+        <p:blipFill>
+          <a:blip r:embed="rId2"/>
+          <a:stretch>
+            <a:fillRect/>
+          </a:stretch>
+        </p:blipFill>
+        <p:spPr>
+          <a:xfrm>
+            <a:off x="5033394" y="187032"/>
+            <a:ext cx="6697017" cy="5851819"/>
+          </a:xfrm>
+          <a:prstGeom prst="rect">
+            <a:avLst/>
+          </a:prstGeom>
+        </p:spPr>
+      </p:pic>
+      <p:sp>
+        <p:nvSpPr>
+          <p:cNvPr id="2" name="Title 1"/>
+          <p:cNvSpPr>
+            <a:spLocks noGrp="1"/>
+          </p:cNvSpPr>
+          <p:nvPr>
+            <p:ph type="title"/>
+          </p:nvPr>
+        </p:nvSpPr>
+        <p:spPr/>
+        <p:txBody>
+          <a:bodyPr/>
+          <a:lstStyle/>
+          <a:p>
+            <a:r>
+              <a:rPr lang="en-US" dirty="0" smtClean="0"/>
+              <a:t>Libraries</a:t>
+            </a:r>
+            <a:endParaRPr lang="en-US" dirty="0"/>
+          </a:p>
+        </p:txBody>
+      </p:sp>
+      <p:sp>
+        <p:nvSpPr>
+          <p:cNvPr id="3" name="Content Placeholder 2"/>
+          <p:cNvSpPr>
+            <a:spLocks noGrp="1"/>
+          </p:cNvSpPr>
+          <p:nvPr>
+            <p:ph idx="1"/>
+          </p:nvPr>
+        </p:nvSpPr>
+        <p:spPr>
+          <a:xfrm>
+            <a:off x="169876" y="5869321"/>
+            <a:ext cx="10515600" cy="988679"/>
+          </a:xfrm>
+        </p:spPr>
+        <p:txBody>
+          <a:bodyPr>
+            <a:normAutofit/>
+          </a:bodyPr>
+          <a:lstStyle/>
+          <a:p>
+            <a:pPr marL="0" indent="0">
+              <a:buNone/>
+            </a:pPr>
+            <a:r>
+              <a:rPr lang="en-US" sz="1600" dirty="0"/>
+              <a:t>Adding libraries in Eclipse:</a:t>
+            </a:r>
+          </a:p>
+          <a:p>
+            <a:pPr marL="0" indent="0">
+              <a:buNone/>
+            </a:pPr>
+            <a:r>
+              <a:rPr lang="en-US" sz="1600" dirty="0">
+                <a:hlinkClick r:id="rId3"/>
+              </a:rPr>
+              <a:t>https://wiki.eclipse.org/FAQ_How_do_I_add_an_extra_library_to_my_project's_classpath%3F</a:t>
+            </a:r>
+            <a:endParaRPr lang="en-US" sz="1600" dirty="0"/>
+          </a:p>
+          <a:p>
+            <a:endParaRPr lang="en-US" sz="1600" dirty="0"/>
+          </a:p>
+        </p:txBody>
+      </p:sp>
+      <p:pic>
+        <p:nvPicPr>
+          <p:cNvPr id="5" name="Picture 4"/>
+          <p:cNvPicPr>
+            <a:picLocks noChangeAspect="1"/>
+          </p:cNvPicPr>
+          <p:nvPr/>
+        </p:nvPicPr>
+        <p:blipFill>
+          <a:blip r:embed="rId4"/>
+          <a:stretch>
+            <a:fillRect/>
+          </a:stretch>
+        </p:blipFill>
+        <p:spPr>
+          <a:xfrm>
+            <a:off x="288983" y="1299375"/>
+            <a:ext cx="3981013" cy="2312205"/>
+          </a:xfrm>
+          <a:prstGeom prst="rect">
+            <a:avLst/>
+          </a:prstGeom>
+        </p:spPr>
+      </p:pic>
+    </p:spTree>
+    <p:extLst>
+      <p:ext uri="{BB962C8B-B14F-4D97-AF65-F5344CB8AC3E}">
+        <p14:creationId xmlns:p14="http://schemas.microsoft.com/office/powerpoint/2010/main" val="3943058316"/>
+      </p:ext>
+    </p:extLst>
+  </p:cSld>
+  <p:clrMapOvr>
+    <a:masterClrMapping/>
+  </p:clrMapOvr>
+</p:sld>
+</file>
+
+<file path=ppt/slides/slide6.xml><?xml version="1.0" encoding="utf-8"?>
 <p:sld xmlns:a="http://schemas.openxmlformats.org/drawingml/2006/main" xmlns:r="http://schemas.openxmlformats.org/officeDocument/2006/relationships" xmlns:p="http://schemas.openxmlformats.org/presentationml/2006/main">
   <p:cSld>
     <p:spTree>
@@ -19254,7 +19824,7 @@
 </p:sld>
 </file>
 
-<file path=ppt/slides/slide5.xml><?xml version="1.0" encoding="utf-8"?>
+<file path=ppt/slides/slide7.xml><?xml version="1.0" encoding="utf-8"?>
 <p:sld xmlns:a="http://schemas.openxmlformats.org/drawingml/2006/main" xmlns:r="http://schemas.openxmlformats.org/officeDocument/2006/relationships" xmlns:p="http://schemas.openxmlformats.org/presentationml/2006/main">
   <p:cSld>
     <p:spTree>
@@ -20183,2299 +20753,6 @@
 </p:sld>
 </file>
 
-<file path=ppt/slides/slide6.xml><?xml version="1.0" encoding="utf-8"?>
-<p:sld xmlns:a="http://schemas.openxmlformats.org/drawingml/2006/main" xmlns:r="http://schemas.openxmlformats.org/officeDocument/2006/relationships" xmlns:p="http://schemas.openxmlformats.org/presentationml/2006/main">
-  <p:cSld>
-    <p:spTree>
-      <p:nvGrpSpPr>
-        <p:cNvPr id="1" name=""/>
-        <p:cNvGrpSpPr/>
-        <p:nvPr/>
-      </p:nvGrpSpPr>
-      <p:grpSpPr>
-        <a:xfrm>
-          <a:off x="0" y="0"/>
-          <a:ext cx="0" cy="0"/>
-          <a:chOff x="0" y="0"/>
-          <a:chExt cx="0" cy="0"/>
-        </a:xfrm>
-      </p:grpSpPr>
-      <p:sp>
-        <p:nvSpPr>
-          <p:cNvPr id="2" name="Title 1"/>
-          <p:cNvSpPr>
-            <a:spLocks noGrp="1"/>
-          </p:cNvSpPr>
-          <p:nvPr>
-            <p:ph type="title"/>
-          </p:nvPr>
-        </p:nvSpPr>
-        <p:spPr/>
-        <p:txBody>
-          <a:bodyPr/>
-          <a:lstStyle/>
-          <a:p>
-            <a:r>
-              <a:rPr lang="en-US" dirty="0" smtClean="0"/>
-              <a:t>Backlog </a:t>
-            </a:r>
-            <a:r>
-              <a:rPr lang="mr-IN" dirty="0" smtClean="0"/>
-              <a:t>–</a:t>
-            </a:r>
-            <a:r>
-              <a:rPr lang="en-US" dirty="0" smtClean="0"/>
-              <a:t> improvements</a:t>
-            </a:r>
-            <a:endParaRPr lang="en-US" dirty="0"/>
-          </a:p>
-        </p:txBody>
-      </p:sp>
-      <p:sp>
-        <p:nvSpPr>
-          <p:cNvPr id="3" name="Content Placeholder 2"/>
-          <p:cNvSpPr>
-            <a:spLocks noGrp="1"/>
-          </p:cNvSpPr>
-          <p:nvPr>
-            <p:ph idx="1"/>
-          </p:nvPr>
-        </p:nvSpPr>
-        <p:spPr>
-          <a:xfrm>
-            <a:off x="838200" y="1418492"/>
-            <a:ext cx="10515600" cy="5322277"/>
-          </a:xfrm>
-        </p:spPr>
-        <p:txBody>
-          <a:bodyPr numCol="1">
-            <a:normAutofit fontScale="92500" lnSpcReduction="20000"/>
-          </a:bodyPr>
-          <a:lstStyle/>
-          <a:p>
-            <a:r>
-              <a:rPr lang="sk-SK" sz="1800" dirty="0" err="1" smtClean="0"/>
-              <a:t>Remove</a:t>
-            </a:r>
-            <a:r>
-              <a:rPr lang="sk-SK" sz="1800" dirty="0" smtClean="0"/>
-              <a:t> </a:t>
-            </a:r>
-            <a:r>
-              <a:rPr lang="sk-SK" sz="1800" dirty="0" err="1"/>
-              <a:t>the</a:t>
-            </a:r>
-            <a:r>
-              <a:rPr lang="sk-SK" sz="1800" dirty="0"/>
-              <a:t> </a:t>
-            </a:r>
-            <a:r>
-              <a:rPr lang="sk-SK" sz="1800" dirty="0" err="1"/>
-              <a:t>Merge-file</a:t>
-            </a:r>
-            <a:r>
-              <a:rPr lang="sk-SK" sz="1800" dirty="0"/>
-              <a:t> </a:t>
-            </a:r>
-            <a:r>
-              <a:rPr lang="sk-SK" sz="1800" dirty="0" err="1"/>
-              <a:t>function</a:t>
-            </a:r>
-            <a:r>
-              <a:rPr lang="sk-SK" sz="1800" dirty="0"/>
-              <a:t> </a:t>
-            </a:r>
-            <a:r>
-              <a:rPr lang="sk-SK" sz="1800" dirty="0" err="1"/>
-              <a:t>if</a:t>
-            </a:r>
-            <a:r>
-              <a:rPr lang="sk-SK" sz="1800" dirty="0"/>
-              <a:t> </a:t>
-            </a:r>
-            <a:r>
-              <a:rPr lang="sk-SK" sz="1800" dirty="0" err="1"/>
-              <a:t>not</a:t>
-            </a:r>
-            <a:r>
-              <a:rPr lang="sk-SK" sz="1800" dirty="0"/>
-              <a:t> </a:t>
-            </a:r>
-            <a:r>
-              <a:rPr lang="sk-SK" sz="1800" dirty="0" err="1"/>
-              <a:t>available</a:t>
-            </a:r>
-            <a:r>
-              <a:rPr lang="sk-SK" sz="1800" dirty="0"/>
-              <a:t> (or </a:t>
-            </a:r>
-            <a:r>
-              <a:rPr lang="sk-SK" sz="1800" dirty="0" err="1"/>
-              <a:t>make</a:t>
-            </a:r>
-            <a:r>
-              <a:rPr lang="sk-SK" sz="1800" dirty="0"/>
-              <a:t> </a:t>
-            </a:r>
-            <a:r>
-              <a:rPr lang="sk-SK" sz="1800" dirty="0" err="1"/>
-              <a:t>it</a:t>
-            </a:r>
-            <a:r>
-              <a:rPr lang="sk-SK" sz="1800" dirty="0"/>
-              <a:t> </a:t>
-            </a:r>
-            <a:r>
-              <a:rPr lang="sk-SK" sz="1800" dirty="0" err="1"/>
-              <a:t>work</a:t>
-            </a:r>
-            <a:r>
-              <a:rPr lang="sk-SK" sz="1800" dirty="0"/>
-              <a:t> </a:t>
-            </a:r>
-            <a:r>
-              <a:rPr lang="sk-SK" sz="1800" dirty="0" err="1"/>
-              <a:t>if</a:t>
-            </a:r>
-            <a:r>
-              <a:rPr lang="sk-SK" sz="1800" dirty="0"/>
-              <a:t> </a:t>
-            </a:r>
-            <a:r>
-              <a:rPr lang="sk-SK" sz="1800" dirty="0" err="1"/>
-              <a:t>possible</a:t>
-            </a:r>
-            <a:r>
-              <a:rPr lang="sk-SK" sz="1800" dirty="0" smtClean="0"/>
-              <a:t>)</a:t>
-            </a:r>
-          </a:p>
-          <a:p>
-            <a:pPr lvl="1"/>
-            <a:r>
-              <a:rPr lang="sk-SK" sz="1100" dirty="0" err="1" smtClean="0"/>
-              <a:t>GoPro</a:t>
-            </a:r>
-            <a:r>
-              <a:rPr lang="sk-SK" sz="1100" dirty="0" smtClean="0"/>
-              <a:t> </a:t>
-            </a:r>
-            <a:r>
-              <a:rPr lang="sk-SK" sz="1100" dirty="0" err="1" smtClean="0"/>
-              <a:t>splits</a:t>
-            </a:r>
-            <a:r>
-              <a:rPr lang="sk-SK" sz="1100" dirty="0" smtClean="0"/>
-              <a:t> video </a:t>
-            </a:r>
-            <a:r>
-              <a:rPr lang="sk-SK" sz="1100" dirty="0" err="1" smtClean="0"/>
-              <a:t>files</a:t>
-            </a:r>
-            <a:r>
-              <a:rPr lang="sk-SK" sz="1100" dirty="0" smtClean="0"/>
-              <a:t> </a:t>
-            </a:r>
-            <a:r>
-              <a:rPr lang="sk-SK" sz="1100" dirty="0" err="1" smtClean="0"/>
-              <a:t>into</a:t>
-            </a:r>
-            <a:r>
-              <a:rPr lang="sk-SK" sz="1100" dirty="0" smtClean="0"/>
-              <a:t> </a:t>
-            </a:r>
-            <a:r>
-              <a:rPr lang="sk-SK" sz="1100" dirty="0" err="1" smtClean="0"/>
-              <a:t>several</a:t>
-            </a:r>
-            <a:r>
-              <a:rPr lang="sk-SK" sz="1100" dirty="0" smtClean="0"/>
-              <a:t> </a:t>
-            </a:r>
-            <a:r>
-              <a:rPr lang="sk-SK" sz="1100" dirty="0" err="1" smtClean="0"/>
-              <a:t>parts</a:t>
-            </a:r>
-            <a:r>
-              <a:rPr lang="sk-SK" sz="1100" dirty="0"/>
-              <a:t> </a:t>
-            </a:r>
-            <a:r>
-              <a:rPr lang="sk-SK" sz="1100" dirty="0" err="1" smtClean="0"/>
-              <a:t>when</a:t>
-            </a:r>
-            <a:r>
-              <a:rPr lang="sk-SK" sz="1100" dirty="0" smtClean="0"/>
-              <a:t> </a:t>
-            </a:r>
-            <a:r>
-              <a:rPr lang="sk-SK" sz="1100" dirty="0" err="1" smtClean="0"/>
-              <a:t>exceeding</a:t>
-            </a:r>
-            <a:r>
-              <a:rPr lang="sk-SK" sz="1100" dirty="0" smtClean="0"/>
-              <a:t> a </a:t>
-            </a:r>
-            <a:r>
-              <a:rPr lang="sk-SK" sz="1100" dirty="0" err="1" smtClean="0"/>
-              <a:t>certain</a:t>
-            </a:r>
-            <a:r>
-              <a:rPr lang="sk-SK" sz="1100" dirty="0" smtClean="0"/>
-              <a:t> </a:t>
-            </a:r>
-            <a:r>
-              <a:rPr lang="sk-SK" sz="1100" dirty="0" err="1" smtClean="0"/>
-              <a:t>size</a:t>
-            </a:r>
-            <a:r>
-              <a:rPr lang="sk-SK" sz="1100" dirty="0" smtClean="0"/>
-              <a:t>. </a:t>
-            </a:r>
-            <a:r>
-              <a:rPr lang="sk-SK" sz="1100" dirty="0" err="1" smtClean="0"/>
-              <a:t>After</a:t>
-            </a:r>
-            <a:r>
-              <a:rPr lang="sk-SK" sz="1100" dirty="0" smtClean="0"/>
-              <a:t> </a:t>
-            </a:r>
-            <a:r>
-              <a:rPr lang="sk-SK" sz="1100" dirty="0" err="1" smtClean="0"/>
-              <a:t>importing</a:t>
-            </a:r>
-            <a:r>
-              <a:rPr lang="sk-SK" sz="1100" dirty="0" smtClean="0"/>
-              <a:t> </a:t>
-            </a:r>
-            <a:r>
-              <a:rPr lang="sk-SK" sz="1100" dirty="0" err="1" smtClean="0"/>
-              <a:t>videos</a:t>
-            </a:r>
-            <a:r>
-              <a:rPr lang="sk-SK" sz="1100" dirty="0" smtClean="0"/>
-              <a:t>, </a:t>
-            </a:r>
-            <a:r>
-              <a:rPr lang="sk-SK" sz="1100" dirty="0" err="1" smtClean="0"/>
-              <a:t>it</a:t>
-            </a:r>
-            <a:r>
-              <a:rPr lang="sk-SK" sz="1100" dirty="0" smtClean="0"/>
-              <a:t> </a:t>
-            </a:r>
-            <a:r>
-              <a:rPr lang="sk-SK" sz="1100" dirty="0" err="1" smtClean="0"/>
-              <a:t>is</a:t>
-            </a:r>
-            <a:r>
-              <a:rPr lang="sk-SK" sz="1100" dirty="0" smtClean="0"/>
-              <a:t> </a:t>
-            </a:r>
-            <a:r>
-              <a:rPr lang="sk-SK" sz="1100" dirty="0" err="1" smtClean="0"/>
-              <a:t>possible</a:t>
-            </a:r>
-            <a:r>
-              <a:rPr lang="sk-SK" sz="1100" dirty="0" smtClean="0"/>
-              <a:t> to </a:t>
-            </a:r>
-            <a:r>
-              <a:rPr lang="sk-SK" sz="1100" dirty="0" err="1" smtClean="0"/>
-              <a:t>merge</a:t>
-            </a:r>
-            <a:r>
-              <a:rPr lang="sk-SK" sz="1100" dirty="0" smtClean="0"/>
-              <a:t> </a:t>
-            </a:r>
-            <a:r>
-              <a:rPr lang="sk-SK" sz="1100" dirty="0" err="1" smtClean="0"/>
-              <a:t>the</a:t>
-            </a:r>
-            <a:r>
-              <a:rPr lang="sk-SK" sz="1100" dirty="0" smtClean="0"/>
-              <a:t> </a:t>
-            </a:r>
-            <a:r>
-              <a:rPr lang="sk-SK" sz="1100" dirty="0" err="1" smtClean="0"/>
-              <a:t>videos</a:t>
-            </a:r>
-            <a:r>
-              <a:rPr lang="sk-SK" sz="1100" dirty="0" smtClean="0"/>
-              <a:t>. </a:t>
-            </a:r>
-            <a:r>
-              <a:rPr lang="sk-SK" sz="1100" dirty="0" err="1" smtClean="0"/>
-              <a:t>Make</a:t>
-            </a:r>
-            <a:r>
-              <a:rPr lang="sk-SK" sz="1100" dirty="0" smtClean="0"/>
-              <a:t> </a:t>
-            </a:r>
-            <a:r>
-              <a:rPr lang="sk-SK" sz="1100" dirty="0" err="1" smtClean="0"/>
-              <a:t>this</a:t>
-            </a:r>
-            <a:r>
-              <a:rPr lang="sk-SK" sz="1100" dirty="0" smtClean="0"/>
-              <a:t> </a:t>
-            </a:r>
-            <a:r>
-              <a:rPr lang="sk-SK" sz="1100" dirty="0" err="1" smtClean="0"/>
-              <a:t>work</a:t>
-            </a:r>
-            <a:r>
-              <a:rPr lang="sk-SK" sz="1100" dirty="0" smtClean="0"/>
-              <a:t> or </a:t>
-            </a:r>
-            <a:r>
-              <a:rPr lang="sk-SK" sz="1100" dirty="0" err="1" smtClean="0"/>
-              <a:t>remove</a:t>
-            </a:r>
-            <a:r>
-              <a:rPr lang="sk-SK" sz="1100" dirty="0" smtClean="0"/>
-              <a:t> </a:t>
-            </a:r>
-            <a:r>
-              <a:rPr lang="sk-SK" sz="1100" dirty="0" err="1" smtClean="0"/>
-              <a:t>the</a:t>
-            </a:r>
-            <a:r>
-              <a:rPr lang="sk-SK" sz="1100" dirty="0" smtClean="0"/>
-              <a:t> </a:t>
-            </a:r>
-            <a:r>
-              <a:rPr lang="sk-SK" sz="1100" dirty="0" err="1" smtClean="0"/>
-              <a:t>function</a:t>
-            </a:r>
-            <a:r>
-              <a:rPr lang="sk-SK" sz="1100" dirty="0" smtClean="0"/>
-              <a:t>.</a:t>
-            </a:r>
-          </a:p>
-          <a:p>
-            <a:pPr lvl="1"/>
-            <a:r>
-              <a:rPr lang="sk-SK" sz="1100" dirty="0" err="1" smtClean="0"/>
-              <a:t>Remember</a:t>
-            </a:r>
-            <a:r>
-              <a:rPr lang="sk-SK" sz="1100" dirty="0" smtClean="0"/>
-              <a:t> to update </a:t>
-            </a:r>
-            <a:r>
-              <a:rPr lang="sk-SK" sz="1100" dirty="0" err="1" smtClean="0"/>
-              <a:t>timestamps</a:t>
-            </a:r>
-            <a:r>
-              <a:rPr lang="sk-SK" sz="1100" dirty="0" smtClean="0"/>
-              <a:t> </a:t>
-            </a:r>
-            <a:r>
-              <a:rPr lang="sk-SK" sz="1100" dirty="0" err="1" smtClean="0"/>
-              <a:t>accordingly</a:t>
-            </a:r>
-            <a:r>
-              <a:rPr lang="sk-SK" sz="1100" dirty="0" smtClean="0"/>
-              <a:t>.</a:t>
-            </a:r>
-          </a:p>
-          <a:p>
-            <a:pPr lvl="1"/>
-            <a:r>
-              <a:rPr lang="sk-SK" sz="1100" dirty="0" err="1" smtClean="0"/>
-              <a:t>Merge</a:t>
-            </a:r>
-            <a:r>
-              <a:rPr lang="sk-SK" sz="1100" dirty="0" smtClean="0"/>
-              <a:t> </a:t>
-            </a:r>
-            <a:r>
-              <a:rPr lang="sk-SK" sz="1100" dirty="0" err="1" smtClean="0"/>
-              <a:t>is</a:t>
-            </a:r>
-            <a:r>
-              <a:rPr lang="sk-SK" sz="1100" dirty="0" smtClean="0"/>
-              <a:t> </a:t>
-            </a:r>
-            <a:r>
-              <a:rPr lang="sk-SK" sz="1100" dirty="0" err="1" smtClean="0"/>
-              <a:t>started</a:t>
-            </a:r>
-            <a:r>
-              <a:rPr lang="sk-SK" sz="1100" dirty="0" smtClean="0"/>
-              <a:t> </a:t>
-            </a:r>
-            <a:r>
-              <a:rPr lang="sk-SK" sz="1100" dirty="0" err="1" smtClean="0"/>
-              <a:t>with</a:t>
-            </a:r>
-            <a:r>
-              <a:rPr lang="sk-SK" sz="1100" dirty="0" smtClean="0"/>
-              <a:t> </a:t>
-            </a:r>
-            <a:r>
-              <a:rPr lang="sk-SK" sz="1100" dirty="0" err="1" smtClean="0"/>
-              <a:t>the</a:t>
-            </a:r>
-            <a:r>
-              <a:rPr lang="sk-SK" sz="1100" dirty="0" smtClean="0"/>
-              <a:t> </a:t>
-            </a:r>
-            <a:r>
-              <a:rPr lang="sk-SK" sz="1100" dirty="0" err="1" smtClean="0"/>
-              <a:t>merge</a:t>
-            </a:r>
-            <a:r>
-              <a:rPr lang="sk-SK" sz="1100" dirty="0" smtClean="0"/>
-              <a:t> </a:t>
-            </a:r>
-            <a:r>
-              <a:rPr lang="sk-SK" sz="1100" dirty="0" err="1" smtClean="0"/>
-              <a:t>view</a:t>
-            </a:r>
-            <a:r>
-              <a:rPr lang="sk-SK" sz="1100" dirty="0" smtClean="0"/>
-              <a:t> </a:t>
-            </a:r>
-            <a:r>
-              <a:rPr lang="sk-SK" sz="1100" dirty="0" err="1" smtClean="0"/>
-              <a:t>that</a:t>
-            </a:r>
-            <a:r>
-              <a:rPr lang="sk-SK" sz="1100" dirty="0" smtClean="0"/>
-              <a:t> </a:t>
-            </a:r>
-            <a:r>
-              <a:rPr lang="sk-SK" sz="1100" dirty="0" err="1" smtClean="0"/>
-              <a:t>will</a:t>
-            </a:r>
-            <a:r>
-              <a:rPr lang="sk-SK" sz="1100" dirty="0" smtClean="0"/>
-              <a:t> set </a:t>
-            </a:r>
-            <a:r>
-              <a:rPr lang="sk-SK" sz="1100" dirty="0" err="1" smtClean="0"/>
-              <a:t>the</a:t>
-            </a:r>
-            <a:r>
-              <a:rPr lang="sk-SK" sz="1100" dirty="0" smtClean="0"/>
-              <a:t> </a:t>
-            </a:r>
-            <a:r>
-              <a:rPr lang="sk-SK" sz="1100" dirty="0" err="1" smtClean="0"/>
-              <a:t>mergeflag</a:t>
-            </a:r>
-            <a:r>
-              <a:rPr lang="sk-SK" sz="1100" dirty="0" smtClean="0"/>
-              <a:t> </a:t>
-            </a:r>
-            <a:r>
-              <a:rPr lang="sk-SK" sz="1100" dirty="0" err="1" smtClean="0"/>
-              <a:t>which</a:t>
-            </a:r>
-            <a:r>
-              <a:rPr lang="sk-SK" sz="1100" dirty="0" smtClean="0"/>
-              <a:t> </a:t>
-            </a:r>
-            <a:r>
-              <a:rPr lang="sk-SK" sz="1100" dirty="0" err="1" smtClean="0"/>
-              <a:t>indicates</a:t>
-            </a:r>
-            <a:r>
-              <a:rPr lang="sk-SK" sz="1100" dirty="0" smtClean="0"/>
-              <a:t> a </a:t>
-            </a:r>
-            <a:r>
-              <a:rPr lang="sk-SK" sz="1100" dirty="0" err="1" smtClean="0"/>
-              <a:t>desired</a:t>
-            </a:r>
-            <a:r>
-              <a:rPr lang="sk-SK" sz="1100" dirty="0" smtClean="0"/>
-              <a:t> </a:t>
-            </a:r>
-            <a:r>
-              <a:rPr lang="sk-SK" sz="1100" dirty="0" err="1" smtClean="0"/>
-              <a:t>merge</a:t>
-            </a:r>
-            <a:r>
-              <a:rPr lang="sk-SK" sz="1100" dirty="0" smtClean="0"/>
-              <a:t> to </a:t>
-            </a:r>
-            <a:r>
-              <a:rPr lang="sk-SK" sz="1100" dirty="0" err="1" smtClean="0"/>
-              <a:t>take</a:t>
-            </a:r>
-            <a:r>
-              <a:rPr lang="sk-SK" sz="1100" dirty="0" smtClean="0"/>
-              <a:t> </a:t>
-            </a:r>
-            <a:r>
-              <a:rPr lang="sk-SK" sz="1100" dirty="0" err="1" smtClean="0"/>
-              <a:t>action</a:t>
-            </a:r>
-            <a:r>
-              <a:rPr lang="sk-SK" sz="1100" dirty="0" smtClean="0"/>
-              <a:t> </a:t>
-            </a:r>
-            <a:r>
-              <a:rPr lang="sk-SK" sz="1100" dirty="0" err="1" smtClean="0"/>
-              <a:t>when</a:t>
-            </a:r>
-            <a:r>
-              <a:rPr lang="sk-SK" sz="1100" dirty="0" smtClean="0"/>
-              <a:t> </a:t>
-            </a:r>
-            <a:r>
-              <a:rPr lang="sk-SK" sz="1100" dirty="0" err="1" smtClean="0"/>
-              <a:t>ready</a:t>
-            </a:r>
-            <a:r>
-              <a:rPr lang="sk-SK" sz="1100" dirty="0" smtClean="0"/>
-              <a:t>. </a:t>
-            </a:r>
-            <a:r>
-              <a:rPr lang="sk-SK" sz="1100" dirty="0" err="1" smtClean="0"/>
-              <a:t>The</a:t>
-            </a:r>
-            <a:r>
-              <a:rPr lang="sk-SK" sz="1100" dirty="0" smtClean="0"/>
-              <a:t> </a:t>
-            </a:r>
-            <a:r>
-              <a:rPr lang="sk-SK" sz="1100" dirty="0" err="1" smtClean="0"/>
-              <a:t>root</a:t>
-            </a:r>
-            <a:r>
-              <a:rPr lang="sk-SK" sz="1100" dirty="0" smtClean="0"/>
-              <a:t> </a:t>
-            </a:r>
-            <a:r>
-              <a:rPr lang="sk-SK" sz="1100" dirty="0" err="1" smtClean="0"/>
-              <a:t>layout</a:t>
-            </a:r>
-            <a:r>
-              <a:rPr lang="sk-SK" sz="1100" dirty="0" smtClean="0"/>
-              <a:t> </a:t>
-            </a:r>
-            <a:r>
-              <a:rPr lang="sk-SK" sz="1100" dirty="0" err="1" smtClean="0"/>
-              <a:t>view</a:t>
-            </a:r>
-            <a:r>
-              <a:rPr lang="sk-SK" sz="1100" dirty="0" smtClean="0"/>
-              <a:t> </a:t>
-            </a:r>
-            <a:r>
-              <a:rPr lang="sk-SK" sz="1100" dirty="0" err="1" smtClean="0"/>
-              <a:t>will</a:t>
-            </a:r>
-            <a:r>
-              <a:rPr lang="sk-SK" sz="1100" dirty="0" smtClean="0"/>
-              <a:t> </a:t>
-            </a:r>
-            <a:r>
-              <a:rPr lang="sk-SK" sz="1100" dirty="0" err="1" smtClean="0"/>
-              <a:t>check</a:t>
-            </a:r>
-            <a:r>
-              <a:rPr lang="sk-SK" sz="1100" dirty="0" smtClean="0"/>
-              <a:t> </a:t>
-            </a:r>
-            <a:r>
-              <a:rPr lang="sk-SK" sz="1100" dirty="0" err="1" smtClean="0"/>
-              <a:t>this</a:t>
-            </a:r>
-            <a:r>
-              <a:rPr lang="sk-SK" sz="1100" dirty="0" smtClean="0"/>
-              <a:t> </a:t>
-            </a:r>
-            <a:r>
-              <a:rPr lang="sk-SK" sz="1100" dirty="0" err="1" smtClean="0"/>
-              <a:t>flag</a:t>
-            </a:r>
-            <a:r>
-              <a:rPr lang="sk-SK" sz="1100" dirty="0" smtClean="0"/>
-              <a:t> and </a:t>
-            </a:r>
-            <a:r>
-              <a:rPr lang="sk-SK" sz="1100" dirty="0" err="1" smtClean="0"/>
-              <a:t>initiate</a:t>
-            </a:r>
-            <a:r>
-              <a:rPr lang="sk-SK" sz="1100" dirty="0" smtClean="0"/>
-              <a:t> a post import </a:t>
-            </a:r>
-            <a:r>
-              <a:rPr lang="sk-SK" sz="1100" dirty="0" err="1" smtClean="0"/>
-              <a:t>parsing</a:t>
-            </a:r>
-            <a:r>
-              <a:rPr lang="sk-SK" sz="1100" dirty="0" smtClean="0"/>
-              <a:t> of </a:t>
-            </a:r>
-            <a:r>
-              <a:rPr lang="sk-SK" sz="1100" dirty="0" err="1" smtClean="0"/>
-              <a:t>the</a:t>
-            </a:r>
-            <a:r>
-              <a:rPr lang="sk-SK" sz="1100" dirty="0" smtClean="0"/>
-              <a:t> video </a:t>
-            </a:r>
-            <a:r>
-              <a:rPr lang="sk-SK" sz="1100" dirty="0" err="1" smtClean="0"/>
-              <a:t>files</a:t>
-            </a:r>
-            <a:r>
-              <a:rPr lang="sk-SK" sz="1100" dirty="0" smtClean="0"/>
-              <a:t> </a:t>
-            </a:r>
-            <a:r>
-              <a:rPr lang="sk-SK" sz="1100" dirty="0" err="1" smtClean="0"/>
-              <a:t>directory</a:t>
-            </a:r>
-            <a:r>
-              <a:rPr lang="sk-SK" sz="1100" dirty="0" smtClean="0"/>
-              <a:t>. </a:t>
-            </a:r>
-            <a:r>
-              <a:rPr lang="sk-SK" sz="1100" dirty="0" err="1" smtClean="0"/>
-              <a:t>Parsing</a:t>
-            </a:r>
-            <a:r>
-              <a:rPr lang="sk-SK" sz="1100" dirty="0" smtClean="0"/>
-              <a:t> of </a:t>
-            </a:r>
-            <a:r>
-              <a:rPr lang="sk-SK" sz="1100" dirty="0" err="1" smtClean="0"/>
-              <a:t>the</a:t>
-            </a:r>
-            <a:r>
-              <a:rPr lang="sk-SK" sz="1100" dirty="0" smtClean="0"/>
-              <a:t> </a:t>
-            </a:r>
-            <a:r>
-              <a:rPr lang="sk-SK" sz="1100" dirty="0" err="1" smtClean="0"/>
-              <a:t>directory</a:t>
-            </a:r>
-            <a:r>
-              <a:rPr lang="sk-SK" sz="1100" dirty="0" smtClean="0"/>
-              <a:t> </a:t>
-            </a:r>
-            <a:r>
-              <a:rPr lang="sk-SK" sz="1100" dirty="0" err="1" smtClean="0"/>
-              <a:t>detects</a:t>
-            </a:r>
-            <a:r>
-              <a:rPr lang="sk-SK" sz="1100" dirty="0" smtClean="0"/>
-              <a:t> </a:t>
-            </a:r>
-            <a:r>
-              <a:rPr lang="sk-SK" sz="1100" dirty="0" err="1" smtClean="0"/>
-              <a:t>all</a:t>
-            </a:r>
-            <a:r>
-              <a:rPr lang="sk-SK" sz="1100" dirty="0" smtClean="0"/>
-              <a:t> </a:t>
-            </a:r>
-            <a:r>
-              <a:rPr lang="sk-SK" sz="1100" dirty="0" err="1" smtClean="0"/>
-              <a:t>chaptered</a:t>
-            </a:r>
-            <a:r>
-              <a:rPr lang="sk-SK" sz="1100" dirty="0" smtClean="0"/>
-              <a:t> (</a:t>
-            </a:r>
-            <a:r>
-              <a:rPr lang="sk-SK" sz="1100" dirty="0" err="1" smtClean="0"/>
-              <a:t>split</a:t>
-            </a:r>
-            <a:r>
-              <a:rPr lang="sk-SK" sz="1100" dirty="0" smtClean="0"/>
-              <a:t>) </a:t>
-            </a:r>
-            <a:r>
-              <a:rPr lang="sk-SK" sz="1100" dirty="0" err="1" smtClean="0"/>
-              <a:t>files</a:t>
-            </a:r>
-            <a:r>
-              <a:rPr lang="sk-SK" sz="1100" dirty="0" smtClean="0"/>
-              <a:t> </a:t>
-            </a:r>
-            <a:r>
-              <a:rPr lang="sk-SK" sz="1100" dirty="0" err="1" smtClean="0"/>
-              <a:t>that</a:t>
-            </a:r>
-            <a:r>
-              <a:rPr lang="sk-SK" sz="1100" dirty="0" smtClean="0"/>
-              <a:t> </a:t>
-            </a:r>
-            <a:r>
-              <a:rPr lang="sk-SK" sz="1100" dirty="0" err="1" smtClean="0"/>
-              <a:t>need</a:t>
-            </a:r>
-            <a:r>
-              <a:rPr lang="sk-SK" sz="1100" dirty="0" smtClean="0"/>
-              <a:t> </a:t>
-            </a:r>
-            <a:r>
-              <a:rPr lang="sk-SK" sz="1100" dirty="0" err="1" smtClean="0"/>
-              <a:t>merging</a:t>
-            </a:r>
-            <a:r>
-              <a:rPr lang="sk-SK" sz="1100" dirty="0" smtClean="0"/>
-              <a:t> and </a:t>
-            </a:r>
-            <a:r>
-              <a:rPr lang="sk-SK" sz="1100" dirty="0" err="1" smtClean="0"/>
-              <a:t>call</a:t>
-            </a:r>
-            <a:r>
-              <a:rPr lang="sk-SK" sz="1100" dirty="0" smtClean="0"/>
-              <a:t> </a:t>
-            </a:r>
-            <a:r>
-              <a:rPr lang="sk-SK" sz="1100" dirty="0" err="1" smtClean="0"/>
-              <a:t>the</a:t>
-            </a:r>
-            <a:r>
-              <a:rPr lang="sk-SK" sz="1100" dirty="0" smtClean="0"/>
-              <a:t> </a:t>
-            </a:r>
-            <a:r>
-              <a:rPr lang="sk-SK" sz="1100" dirty="0" err="1" smtClean="0"/>
-              <a:t>merge</a:t>
-            </a:r>
-            <a:r>
-              <a:rPr lang="sk-SK" sz="1100" dirty="0" smtClean="0"/>
-              <a:t> </a:t>
-            </a:r>
-            <a:r>
-              <a:rPr lang="sk-SK" sz="1100" dirty="0" err="1" smtClean="0"/>
-              <a:t>function</a:t>
-            </a:r>
-            <a:r>
-              <a:rPr lang="sk-SK" sz="1100" dirty="0" smtClean="0"/>
-              <a:t> on </a:t>
-            </a:r>
-            <a:r>
-              <a:rPr lang="sk-SK" sz="1100" dirty="0" err="1" smtClean="0"/>
-              <a:t>each</a:t>
-            </a:r>
-            <a:r>
-              <a:rPr lang="sk-SK" sz="1100" dirty="0" smtClean="0"/>
-              <a:t> </a:t>
-            </a:r>
-            <a:r>
-              <a:rPr lang="sk-SK" sz="1100" dirty="0" err="1" smtClean="0"/>
-              <a:t>array</a:t>
-            </a:r>
-            <a:r>
-              <a:rPr lang="sk-SK" sz="1100" dirty="0" smtClean="0"/>
-              <a:t> of </a:t>
-            </a:r>
-            <a:r>
-              <a:rPr lang="sk-SK" sz="1100" dirty="0" err="1" smtClean="0"/>
-              <a:t>chapters</a:t>
-            </a:r>
-            <a:r>
-              <a:rPr lang="sk-SK" sz="1100" dirty="0" smtClean="0"/>
-              <a:t>.</a:t>
-            </a:r>
-            <a:endParaRPr lang="sk-SK" sz="1100" dirty="0"/>
-          </a:p>
-          <a:p>
-            <a:r>
-              <a:rPr lang="sk-SK" sz="1800" dirty="0" err="1" smtClean="0"/>
-              <a:t>Add</a:t>
-            </a:r>
-            <a:r>
-              <a:rPr lang="sk-SK" sz="1800" dirty="0" smtClean="0"/>
-              <a:t> </a:t>
-            </a:r>
-            <a:r>
-              <a:rPr lang="sk-SK" sz="1800" dirty="0"/>
-              <a:t>a </a:t>
-            </a:r>
-            <a:r>
-              <a:rPr lang="sk-SK" sz="1800" dirty="0" err="1"/>
-              <a:t>toggle</a:t>
-            </a:r>
-            <a:r>
-              <a:rPr lang="sk-SK" sz="1800" dirty="0"/>
-              <a:t> switch to </a:t>
-            </a:r>
-            <a:r>
-              <a:rPr lang="sk-SK" sz="1800" dirty="0" err="1"/>
-              <a:t>swith</a:t>
-            </a:r>
-            <a:r>
-              <a:rPr lang="sk-SK" sz="1800" dirty="0"/>
-              <a:t> </a:t>
-            </a:r>
-            <a:r>
-              <a:rPr lang="sk-SK" sz="1800" dirty="0" err="1"/>
-              <a:t>between</a:t>
-            </a:r>
-            <a:r>
-              <a:rPr lang="sk-SK" sz="1800" dirty="0"/>
-              <a:t> </a:t>
-            </a:r>
-            <a:r>
-              <a:rPr lang="sk-SK" sz="1800" dirty="0" err="1"/>
-              <a:t>compiled</a:t>
-            </a:r>
-            <a:r>
-              <a:rPr lang="sk-SK" sz="1800" dirty="0"/>
-              <a:t> and </a:t>
-            </a:r>
-            <a:r>
-              <a:rPr lang="sk-SK" sz="1800" dirty="0" err="1"/>
-              <a:t>un-compiled</a:t>
-            </a:r>
-            <a:r>
-              <a:rPr lang="sk-SK" sz="1800" dirty="0"/>
-              <a:t> </a:t>
-            </a:r>
-            <a:r>
-              <a:rPr lang="sk-SK" sz="1800" dirty="0" err="1"/>
-              <a:t>timestamps</a:t>
-            </a:r>
-            <a:r>
-              <a:rPr lang="sk-SK" sz="1800" dirty="0" smtClean="0"/>
-              <a:t>.</a:t>
-            </a:r>
-          </a:p>
-          <a:p>
-            <a:pPr lvl="1"/>
-            <a:r>
-              <a:rPr lang="sk-SK" sz="1100" dirty="0" err="1" smtClean="0"/>
-              <a:t>Real</a:t>
-            </a:r>
-            <a:r>
-              <a:rPr lang="sk-SK" sz="1100" dirty="0" smtClean="0"/>
-              <a:t> </a:t>
-            </a:r>
-            <a:r>
-              <a:rPr lang="sk-SK" sz="1100" dirty="0" err="1" smtClean="0"/>
-              <a:t>time</a:t>
-            </a:r>
-            <a:r>
-              <a:rPr lang="sk-SK" sz="1100" dirty="0" smtClean="0"/>
-              <a:t> </a:t>
-            </a:r>
-            <a:r>
-              <a:rPr lang="sk-SK" sz="1100" dirty="0" err="1" smtClean="0"/>
-              <a:t>compile</a:t>
-            </a:r>
-            <a:r>
-              <a:rPr lang="sk-SK" sz="1100" dirty="0" smtClean="0"/>
-              <a:t> </a:t>
-            </a:r>
-            <a:r>
-              <a:rPr lang="sk-SK" sz="1100" dirty="0" err="1" smtClean="0"/>
-              <a:t>timestamps</a:t>
-            </a:r>
-            <a:r>
-              <a:rPr lang="sk-SK" sz="1100" dirty="0" smtClean="0"/>
-              <a:t> to </a:t>
-            </a:r>
-            <a:r>
-              <a:rPr lang="sk-SK" sz="1100" dirty="0" err="1" smtClean="0"/>
-              <a:t>avoid</a:t>
-            </a:r>
-            <a:r>
-              <a:rPr lang="sk-SK" sz="1100" dirty="0" smtClean="0"/>
-              <a:t> </a:t>
-            </a:r>
-            <a:r>
-              <a:rPr lang="sk-SK" sz="1100" dirty="0" err="1" smtClean="0"/>
-              <a:t>having</a:t>
-            </a:r>
-            <a:r>
-              <a:rPr lang="sk-SK" sz="1100" dirty="0" smtClean="0"/>
-              <a:t> </a:t>
-            </a:r>
-            <a:r>
-              <a:rPr lang="sk-SK" sz="1100" dirty="0" err="1" smtClean="0"/>
-              <a:t>un-compiled</a:t>
-            </a:r>
-            <a:r>
-              <a:rPr lang="sk-SK" sz="1100" dirty="0" smtClean="0"/>
-              <a:t> </a:t>
-            </a:r>
-            <a:r>
-              <a:rPr lang="sk-SK" sz="1100" dirty="0" err="1" smtClean="0"/>
-              <a:t>timestamps</a:t>
-            </a:r>
-            <a:r>
-              <a:rPr lang="sk-SK" sz="1100" dirty="0" smtClean="0"/>
-              <a:t>?</a:t>
-            </a:r>
-            <a:endParaRPr lang="sk-SK" sz="1100" dirty="0"/>
-          </a:p>
-          <a:p>
-            <a:r>
-              <a:rPr lang="sk-SK" sz="1800" dirty="0" err="1" smtClean="0"/>
-              <a:t>Add</a:t>
-            </a:r>
-            <a:r>
-              <a:rPr lang="sk-SK" sz="1800" dirty="0" smtClean="0"/>
-              <a:t> </a:t>
-            </a:r>
-            <a:r>
-              <a:rPr lang="sk-SK" sz="1800" dirty="0" err="1"/>
-              <a:t>highlight</a:t>
-            </a:r>
-            <a:r>
-              <a:rPr lang="sk-SK" sz="1800" dirty="0"/>
-              <a:t> or change </a:t>
-            </a:r>
-            <a:r>
-              <a:rPr lang="sk-SK" sz="1800" dirty="0" err="1"/>
-              <a:t>cursor</a:t>
-            </a:r>
-            <a:r>
-              <a:rPr lang="sk-SK" sz="1800" dirty="0"/>
-              <a:t> to </a:t>
-            </a:r>
-            <a:r>
-              <a:rPr lang="sk-SK" sz="1800" dirty="0" err="1"/>
-              <a:t>Hand</a:t>
-            </a:r>
-            <a:r>
-              <a:rPr lang="sk-SK" sz="1800" dirty="0"/>
-              <a:t> </a:t>
-            </a:r>
-            <a:r>
-              <a:rPr lang="sk-SK" sz="1800" dirty="0" err="1"/>
-              <a:t>when</a:t>
-            </a:r>
-            <a:r>
-              <a:rPr lang="sk-SK" sz="1800" dirty="0"/>
-              <a:t> </a:t>
-            </a:r>
-            <a:r>
-              <a:rPr lang="sk-SK" sz="1800" dirty="0" err="1"/>
-              <a:t>mouse</a:t>
-            </a:r>
-            <a:r>
-              <a:rPr lang="sk-SK" sz="1800" dirty="0"/>
-              <a:t> over </a:t>
-            </a:r>
-            <a:r>
-              <a:rPr lang="sk-SK" sz="1800" dirty="0" err="1"/>
-              <a:t>button</a:t>
-            </a:r>
-            <a:r>
-              <a:rPr lang="sk-SK" sz="1800" dirty="0" smtClean="0"/>
-              <a:t>.</a:t>
-            </a:r>
-          </a:p>
-          <a:p>
-            <a:pPr lvl="1"/>
-            <a:r>
-              <a:rPr lang="sk-SK" sz="1400" dirty="0" err="1" smtClean="0"/>
-              <a:t>Add</a:t>
-            </a:r>
-            <a:r>
-              <a:rPr lang="sk-SK" sz="1400" dirty="0" smtClean="0"/>
-              <a:t> </a:t>
-            </a:r>
-            <a:r>
-              <a:rPr lang="sk-SK" sz="1400" dirty="0" err="1" smtClean="0"/>
-              <a:t>action</a:t>
-            </a:r>
-            <a:r>
-              <a:rPr lang="sk-SK" sz="1400" dirty="0"/>
-              <a:t> </a:t>
-            </a:r>
-            <a:r>
-              <a:rPr lang="sk-SK" sz="1400" dirty="0" err="1" smtClean="0"/>
-              <a:t>handlers</a:t>
-            </a:r>
-            <a:r>
-              <a:rPr lang="sk-SK" sz="1400" dirty="0" smtClean="0"/>
-              <a:t> in </a:t>
-            </a:r>
-            <a:r>
-              <a:rPr lang="sk-SK" sz="1400" dirty="0" err="1" smtClean="0"/>
-              <a:t>mainEditorView</a:t>
-            </a:r>
-            <a:r>
-              <a:rPr lang="sk-SK" sz="1400" dirty="0" smtClean="0"/>
-              <a:t> and </a:t>
-            </a:r>
-            <a:r>
-              <a:rPr lang="sk-SK" sz="1400" dirty="0" err="1" smtClean="0"/>
-              <a:t>associate</a:t>
-            </a:r>
-            <a:r>
-              <a:rPr lang="sk-SK" sz="1400" dirty="0" smtClean="0"/>
-              <a:t> </a:t>
-            </a:r>
-            <a:r>
-              <a:rPr lang="sk-SK" sz="1400" dirty="0" err="1" smtClean="0"/>
-              <a:t>them</a:t>
-            </a:r>
-            <a:r>
-              <a:rPr lang="sk-SK" sz="1400" dirty="0" smtClean="0"/>
-              <a:t> to </a:t>
-            </a:r>
-            <a:r>
-              <a:rPr lang="sk-SK" sz="1400" dirty="0" err="1" smtClean="0"/>
-              <a:t>mouse</a:t>
-            </a:r>
-            <a:r>
-              <a:rPr lang="sk-SK" sz="1400" dirty="0" smtClean="0"/>
-              <a:t> over/</a:t>
-            </a:r>
-            <a:r>
-              <a:rPr lang="sk-SK" sz="1400" dirty="0" err="1" smtClean="0"/>
-              <a:t>exit</a:t>
-            </a:r>
-            <a:endParaRPr lang="sk-SK" sz="1400" dirty="0" smtClean="0"/>
-          </a:p>
-          <a:p>
-            <a:pPr lvl="1"/>
-            <a:r>
-              <a:rPr lang="sk-SK" sz="1400" dirty="0" err="1" smtClean="0"/>
-              <a:t>Call</a:t>
-            </a:r>
-            <a:r>
-              <a:rPr lang="sk-SK" sz="1400" dirty="0" smtClean="0"/>
-              <a:t> </a:t>
-            </a:r>
-            <a:r>
-              <a:rPr lang="sk-SK" sz="1400" dirty="0" err="1" smtClean="0"/>
-              <a:t>setCursor</a:t>
-            </a:r>
-            <a:r>
-              <a:rPr lang="sk-SK" sz="1400" dirty="0" smtClean="0"/>
-              <a:t> on </a:t>
-            </a:r>
-            <a:r>
-              <a:rPr lang="sk-SK" sz="1400" dirty="0" err="1" smtClean="0"/>
-              <a:t>the</a:t>
-            </a:r>
-            <a:r>
-              <a:rPr lang="sk-SK" sz="1400" dirty="0" smtClean="0"/>
-              <a:t> </a:t>
-            </a:r>
-            <a:r>
-              <a:rPr lang="sk-SK" sz="1400" dirty="0" err="1" smtClean="0"/>
-              <a:t>scene</a:t>
-            </a:r>
-            <a:r>
-              <a:rPr lang="sk-SK" sz="1400" dirty="0" smtClean="0"/>
-              <a:t> on </a:t>
-            </a:r>
-            <a:r>
-              <a:rPr lang="sk-SK" sz="1400" dirty="0" err="1" smtClean="0"/>
-              <a:t>primarystage</a:t>
-            </a:r>
-            <a:endParaRPr lang="sk-SK" sz="1400" dirty="0"/>
-          </a:p>
-          <a:p>
-            <a:r>
-              <a:rPr lang="sk-SK" sz="1800" dirty="0" err="1" smtClean="0"/>
-              <a:t>Add</a:t>
-            </a:r>
-            <a:r>
-              <a:rPr lang="sk-SK" sz="1800" dirty="0" smtClean="0"/>
-              <a:t> </a:t>
-            </a:r>
-            <a:r>
-              <a:rPr lang="sk-SK" sz="1800" dirty="0"/>
-              <a:t>a "Stop Import" </a:t>
-            </a:r>
-            <a:r>
-              <a:rPr lang="sk-SK" sz="1800" dirty="0" err="1"/>
-              <a:t>button</a:t>
-            </a:r>
-            <a:r>
-              <a:rPr lang="sk-SK" sz="1800" dirty="0"/>
-              <a:t>. </a:t>
-            </a:r>
-            <a:r>
-              <a:rPr lang="sk-SK" sz="1800" dirty="0" err="1"/>
-              <a:t>Now</a:t>
-            </a:r>
-            <a:r>
-              <a:rPr lang="sk-SK" sz="1800" dirty="0"/>
-              <a:t> </a:t>
-            </a:r>
-            <a:r>
-              <a:rPr lang="sk-SK" sz="1800" dirty="0" err="1"/>
-              <a:t>you</a:t>
-            </a:r>
-            <a:r>
-              <a:rPr lang="sk-SK" sz="1800" dirty="0"/>
-              <a:t> </a:t>
-            </a:r>
-            <a:r>
-              <a:rPr lang="sk-SK" sz="1800" dirty="0" err="1"/>
-              <a:t>cannot</a:t>
-            </a:r>
-            <a:r>
-              <a:rPr lang="sk-SK" sz="1800" dirty="0"/>
-              <a:t> stop </a:t>
-            </a:r>
-            <a:r>
-              <a:rPr lang="sk-SK" sz="1800" dirty="0" err="1"/>
-              <a:t>the</a:t>
-            </a:r>
-            <a:r>
-              <a:rPr lang="sk-SK" sz="1800" dirty="0"/>
-              <a:t> </a:t>
-            </a:r>
-            <a:r>
-              <a:rPr lang="sk-SK" sz="1800" dirty="0" err="1"/>
-              <a:t>ongoing</a:t>
-            </a:r>
-            <a:r>
-              <a:rPr lang="sk-SK" sz="1800" dirty="0"/>
-              <a:t> import and </a:t>
-            </a:r>
-            <a:r>
-              <a:rPr lang="sk-SK" sz="1800" dirty="0" err="1"/>
-              <a:t>it</a:t>
-            </a:r>
-            <a:r>
-              <a:rPr lang="sk-SK" sz="1800" dirty="0"/>
-              <a:t> </a:t>
-            </a:r>
-            <a:r>
-              <a:rPr lang="sk-SK" sz="1800" dirty="0" err="1"/>
-              <a:t>can</a:t>
-            </a:r>
-            <a:r>
-              <a:rPr lang="sk-SK" sz="1800" dirty="0"/>
-              <a:t> </a:t>
-            </a:r>
-            <a:r>
-              <a:rPr lang="sk-SK" sz="1800" dirty="0" err="1"/>
-              <a:t>take</a:t>
-            </a:r>
-            <a:r>
-              <a:rPr lang="sk-SK" sz="1800" dirty="0"/>
-              <a:t> </a:t>
-            </a:r>
-            <a:r>
-              <a:rPr lang="sk-SK" sz="1800" dirty="0" err="1"/>
-              <a:t>very</a:t>
-            </a:r>
-            <a:r>
-              <a:rPr lang="sk-SK" sz="1800" dirty="0"/>
-              <a:t> </a:t>
-            </a:r>
-            <a:r>
-              <a:rPr lang="sk-SK" sz="1800" dirty="0" err="1"/>
-              <a:t>long</a:t>
-            </a:r>
-            <a:r>
-              <a:rPr lang="sk-SK" sz="1800" dirty="0"/>
-              <a:t> </a:t>
-            </a:r>
-            <a:r>
-              <a:rPr lang="sk-SK" sz="1800" dirty="0" err="1"/>
-              <a:t>time</a:t>
-            </a:r>
-            <a:r>
-              <a:rPr lang="sk-SK" sz="1800" dirty="0" smtClean="0"/>
-              <a:t>.</a:t>
-            </a:r>
-          </a:p>
-          <a:p>
-            <a:pPr lvl="1"/>
-            <a:r>
-              <a:rPr lang="sk-SK" sz="1400" dirty="0" err="1" smtClean="0"/>
-              <a:t>Check</a:t>
-            </a:r>
-            <a:r>
-              <a:rPr lang="sk-SK" sz="1400" dirty="0" smtClean="0"/>
-              <a:t> „</a:t>
-            </a:r>
-            <a:r>
-              <a:rPr lang="en-US" sz="1400" dirty="0" err="1" smtClean="0"/>
-              <a:t>startCopyTask</a:t>
-            </a:r>
-            <a:r>
-              <a:rPr lang="en-US" sz="1400" dirty="0" smtClean="0"/>
-              <a:t>”</a:t>
-            </a:r>
-            <a:endParaRPr lang="sk-SK" sz="1400" dirty="0"/>
-          </a:p>
-          <a:p>
-            <a:r>
-              <a:rPr lang="sk-SK" sz="1800" dirty="0" err="1" smtClean="0"/>
-              <a:t>Would</a:t>
-            </a:r>
-            <a:r>
-              <a:rPr lang="sk-SK" sz="1800" dirty="0" smtClean="0"/>
-              <a:t> </a:t>
-            </a:r>
-            <a:r>
-              <a:rPr lang="sk-SK" sz="1800" dirty="0" err="1"/>
-              <a:t>it</a:t>
-            </a:r>
-            <a:r>
-              <a:rPr lang="sk-SK" sz="1800" dirty="0"/>
-              <a:t> </a:t>
-            </a:r>
-            <a:r>
-              <a:rPr lang="sk-SK" sz="1800" dirty="0" err="1"/>
-              <a:t>make</a:t>
-            </a:r>
-            <a:r>
-              <a:rPr lang="sk-SK" sz="1800" dirty="0"/>
-              <a:t> </a:t>
-            </a:r>
-            <a:r>
-              <a:rPr lang="sk-SK" sz="1800" dirty="0" err="1"/>
-              <a:t>sense</a:t>
-            </a:r>
-            <a:r>
-              <a:rPr lang="sk-SK" sz="1800" dirty="0"/>
-              <a:t> to </a:t>
-            </a:r>
-            <a:r>
-              <a:rPr lang="sk-SK" sz="1800" dirty="0" err="1"/>
-              <a:t>create</a:t>
-            </a:r>
-            <a:r>
-              <a:rPr lang="sk-SK" sz="1800" dirty="0"/>
-              <a:t> a </a:t>
-            </a:r>
-            <a:r>
-              <a:rPr lang="sk-SK" sz="1800" dirty="0" err="1"/>
-              <a:t>folder</a:t>
-            </a:r>
-            <a:r>
-              <a:rPr lang="sk-SK" sz="1800" dirty="0"/>
-              <a:t> </a:t>
-            </a:r>
-            <a:r>
-              <a:rPr lang="sk-SK" sz="1800" dirty="0" err="1"/>
-              <a:t>structure</a:t>
-            </a:r>
-            <a:r>
-              <a:rPr lang="sk-SK" sz="1800" dirty="0"/>
-              <a:t> </a:t>
-            </a:r>
-            <a:r>
-              <a:rPr lang="sk-SK" sz="1800" dirty="0" err="1"/>
-              <a:t>when</a:t>
-            </a:r>
-            <a:r>
-              <a:rPr lang="sk-SK" sz="1800" dirty="0"/>
-              <a:t> </a:t>
-            </a:r>
-            <a:r>
-              <a:rPr lang="sk-SK" sz="1800" dirty="0" err="1"/>
-              <a:t>importing</a:t>
-            </a:r>
-            <a:r>
-              <a:rPr lang="sk-SK" sz="1800" dirty="0" smtClean="0"/>
-              <a:t>?</a:t>
-            </a:r>
-          </a:p>
-          <a:p>
-            <a:pPr lvl="1"/>
-            <a:r>
-              <a:rPr lang="en-US" sz="1400" dirty="0" err="1"/>
-              <a:t>startCopyTask</a:t>
-            </a:r>
-            <a:endParaRPr lang="sk-SK" sz="1400" dirty="0"/>
-          </a:p>
-          <a:p>
-            <a:r>
-              <a:rPr lang="sk-SK" sz="1800" dirty="0" err="1" smtClean="0"/>
-              <a:t>Can</a:t>
-            </a:r>
-            <a:r>
-              <a:rPr lang="sk-SK" sz="1800" dirty="0" smtClean="0"/>
-              <a:t> </a:t>
-            </a:r>
-            <a:r>
-              <a:rPr lang="sk-SK" sz="1800" dirty="0" err="1"/>
-              <a:t>we</a:t>
-            </a:r>
-            <a:r>
-              <a:rPr lang="sk-SK" sz="1800" dirty="0"/>
-              <a:t> set </a:t>
-            </a:r>
-            <a:r>
-              <a:rPr lang="sk-SK" sz="1800" dirty="0" err="1"/>
-              <a:t>the</a:t>
-            </a:r>
-            <a:r>
-              <a:rPr lang="sk-SK" sz="1800" dirty="0"/>
-              <a:t> </a:t>
-            </a:r>
-            <a:r>
-              <a:rPr lang="sk-SK" sz="1800" dirty="0" err="1"/>
-              <a:t>time</a:t>
-            </a:r>
-            <a:r>
-              <a:rPr lang="sk-SK" sz="1800" dirty="0"/>
-              <a:t> on </a:t>
-            </a:r>
-            <a:r>
-              <a:rPr lang="sk-SK" sz="1800" dirty="0" err="1"/>
-              <a:t>the</a:t>
-            </a:r>
-            <a:r>
-              <a:rPr lang="sk-SK" sz="1800" dirty="0"/>
-              <a:t> </a:t>
-            </a:r>
-            <a:r>
-              <a:rPr lang="sk-SK" sz="1800" dirty="0" err="1"/>
-              <a:t>GoPro</a:t>
-            </a:r>
-            <a:r>
-              <a:rPr lang="sk-SK" sz="1800" dirty="0"/>
-              <a:t> </a:t>
-            </a:r>
-            <a:r>
-              <a:rPr lang="sk-SK" sz="1800" dirty="0" err="1"/>
-              <a:t>when</a:t>
-            </a:r>
-            <a:r>
-              <a:rPr lang="sk-SK" sz="1800" dirty="0"/>
-              <a:t> </a:t>
-            </a:r>
-            <a:r>
-              <a:rPr lang="sk-SK" sz="1800" dirty="0" err="1"/>
-              <a:t>connecting</a:t>
-            </a:r>
-            <a:r>
-              <a:rPr lang="sk-SK" sz="1800" dirty="0"/>
-              <a:t> to </a:t>
-            </a:r>
-            <a:r>
-              <a:rPr lang="sk-SK" sz="1800" dirty="0" err="1"/>
-              <a:t>the</a:t>
-            </a:r>
-            <a:r>
-              <a:rPr lang="sk-SK" sz="1800" dirty="0"/>
-              <a:t> </a:t>
-            </a:r>
-            <a:r>
-              <a:rPr lang="sk-SK" sz="1800" dirty="0" err="1" smtClean="0"/>
-              <a:t>camera</a:t>
-            </a:r>
-            <a:r>
-              <a:rPr lang="sk-SK" sz="1800" dirty="0" smtClean="0"/>
-              <a:t>?</a:t>
-            </a:r>
-          </a:p>
-          <a:p>
-            <a:pPr lvl="1"/>
-            <a:r>
-              <a:rPr lang="sk-SK" sz="1400" dirty="0" err="1" smtClean="0"/>
-              <a:t>Check</a:t>
-            </a:r>
-            <a:r>
-              <a:rPr lang="sk-SK" sz="1400" dirty="0" smtClean="0"/>
-              <a:t> </a:t>
-            </a:r>
-            <a:r>
-              <a:rPr lang="sk-SK" sz="1400" dirty="0" err="1" smtClean="0"/>
-              <a:t>the</a:t>
-            </a:r>
-            <a:r>
-              <a:rPr lang="sk-SK" sz="1400" dirty="0" smtClean="0"/>
-              <a:t> WIFI API</a:t>
-            </a:r>
-          </a:p>
-          <a:p>
-            <a:r>
-              <a:rPr lang="sk-SK" sz="1800" dirty="0" err="1" smtClean="0"/>
-              <a:t>Add</a:t>
-            </a:r>
-            <a:r>
-              <a:rPr lang="sk-SK" sz="1800" dirty="0" smtClean="0"/>
-              <a:t> </a:t>
-            </a:r>
-            <a:r>
-              <a:rPr lang="sk-SK" sz="1800" dirty="0" err="1"/>
-              <a:t>instructions</a:t>
-            </a:r>
-            <a:r>
-              <a:rPr lang="sk-SK" sz="1800" dirty="0"/>
-              <a:t> </a:t>
-            </a:r>
-            <a:r>
-              <a:rPr lang="sk-SK" sz="1800" dirty="0" err="1"/>
-              <a:t>about</a:t>
-            </a:r>
-            <a:r>
-              <a:rPr lang="sk-SK" sz="1800" dirty="0"/>
-              <a:t> </a:t>
-            </a:r>
-            <a:r>
-              <a:rPr lang="sk-SK" sz="1800" dirty="0" err="1"/>
-              <a:t>moving</a:t>
-            </a:r>
-            <a:r>
-              <a:rPr lang="sk-SK" sz="1800" dirty="0"/>
-              <a:t> </a:t>
-            </a:r>
-            <a:r>
-              <a:rPr lang="sk-SK" sz="1800" dirty="0" err="1"/>
-              <a:t>data</a:t>
-            </a:r>
-            <a:r>
-              <a:rPr lang="sk-SK" sz="1800" dirty="0"/>
-              <a:t> </a:t>
-            </a:r>
-            <a:r>
-              <a:rPr lang="sk-SK" sz="1800" dirty="0" err="1"/>
-              <a:t>from</a:t>
-            </a:r>
-            <a:r>
-              <a:rPr lang="sk-SK" sz="1800" dirty="0"/>
-              <a:t> </a:t>
-            </a:r>
-            <a:r>
-              <a:rPr lang="sk-SK" sz="1800" dirty="0" err="1"/>
-              <a:t>memory</a:t>
-            </a:r>
-            <a:r>
-              <a:rPr lang="sk-SK" sz="1800" dirty="0"/>
-              <a:t>  </a:t>
-            </a:r>
-            <a:r>
-              <a:rPr lang="sk-SK" sz="1800" dirty="0" err="1"/>
-              <a:t>card</a:t>
-            </a:r>
-            <a:endParaRPr lang="sk-SK" sz="1800" dirty="0"/>
-          </a:p>
-          <a:p>
-            <a:r>
-              <a:rPr lang="sk-SK" sz="1800" dirty="0" err="1" smtClean="0"/>
-              <a:t>When</a:t>
-            </a:r>
-            <a:r>
-              <a:rPr lang="sk-SK" sz="1800" dirty="0" smtClean="0"/>
-              <a:t> </a:t>
-            </a:r>
-            <a:r>
-              <a:rPr lang="sk-SK" sz="1800" dirty="0" err="1"/>
-              <a:t>importing</a:t>
-            </a:r>
-            <a:r>
-              <a:rPr lang="sk-SK" sz="1800" dirty="0"/>
-              <a:t> video </a:t>
-            </a:r>
-            <a:r>
-              <a:rPr lang="sk-SK" sz="1800" dirty="0" err="1"/>
-              <a:t>files</a:t>
-            </a:r>
-            <a:r>
-              <a:rPr lang="sk-SK" sz="1800" dirty="0"/>
-              <a:t>, </a:t>
-            </a:r>
-            <a:r>
-              <a:rPr lang="sk-SK" sz="1800" dirty="0" err="1"/>
-              <a:t>existing</a:t>
-            </a:r>
-            <a:r>
-              <a:rPr lang="sk-SK" sz="1800" dirty="0"/>
-              <a:t> </a:t>
-            </a:r>
-            <a:r>
-              <a:rPr lang="sk-SK" sz="1800" dirty="0" err="1"/>
-              <a:t>files</a:t>
-            </a:r>
-            <a:r>
-              <a:rPr lang="sk-SK" sz="1800" dirty="0"/>
-              <a:t> are </a:t>
-            </a:r>
-            <a:r>
-              <a:rPr lang="sk-SK" sz="1800" dirty="0" err="1"/>
-              <a:t>overwritten</a:t>
-            </a:r>
-            <a:r>
-              <a:rPr lang="sk-SK" sz="1800" dirty="0"/>
-              <a:t> (</a:t>
-            </a:r>
-            <a:r>
-              <a:rPr lang="sk-SK" sz="1800" dirty="0" err="1"/>
-              <a:t>if</a:t>
-            </a:r>
-            <a:r>
-              <a:rPr lang="sk-SK" sz="1800" dirty="0"/>
-              <a:t> </a:t>
-            </a:r>
-            <a:r>
-              <a:rPr lang="sk-SK" sz="1800" dirty="0" err="1"/>
-              <a:t>they</a:t>
-            </a:r>
-            <a:r>
-              <a:rPr lang="sk-SK" sz="1800" dirty="0"/>
-              <a:t> </a:t>
-            </a:r>
-            <a:r>
-              <a:rPr lang="sk-SK" sz="1800" dirty="0" err="1"/>
-              <a:t>were</a:t>
-            </a:r>
-            <a:r>
-              <a:rPr lang="sk-SK" sz="1800" dirty="0"/>
-              <a:t> </a:t>
-            </a:r>
-            <a:r>
-              <a:rPr lang="sk-SK" sz="1800" dirty="0" err="1"/>
-              <a:t>already</a:t>
-            </a:r>
-            <a:r>
-              <a:rPr lang="sk-SK" sz="1800" dirty="0"/>
-              <a:t> </a:t>
-            </a:r>
-            <a:r>
-              <a:rPr lang="sk-SK" sz="1800" dirty="0" err="1"/>
-              <a:t>downloaded</a:t>
-            </a:r>
-            <a:r>
-              <a:rPr lang="sk-SK" sz="1800" dirty="0"/>
-              <a:t> </a:t>
-            </a:r>
-            <a:r>
-              <a:rPr lang="sk-SK" sz="1800" dirty="0" err="1"/>
-              <a:t>once</a:t>
-            </a:r>
-            <a:r>
-              <a:rPr lang="sk-SK" sz="1800" dirty="0"/>
-              <a:t>). </a:t>
-            </a:r>
-            <a:r>
-              <a:rPr lang="sk-SK" sz="1800" dirty="0" err="1"/>
-              <a:t>Can</a:t>
-            </a:r>
-            <a:r>
-              <a:rPr lang="sk-SK" sz="1800" dirty="0"/>
-              <a:t> </a:t>
-            </a:r>
-            <a:r>
-              <a:rPr lang="sk-SK" sz="1800" dirty="0" err="1"/>
-              <a:t>we</a:t>
-            </a:r>
-            <a:r>
-              <a:rPr lang="sk-SK" sz="1800" dirty="0"/>
-              <a:t> </a:t>
-            </a:r>
-            <a:r>
-              <a:rPr lang="sk-SK" sz="1800" dirty="0" err="1"/>
-              <a:t>have</a:t>
-            </a:r>
-            <a:r>
-              <a:rPr lang="sk-SK" sz="1800" dirty="0"/>
-              <a:t> a </a:t>
-            </a:r>
-            <a:r>
-              <a:rPr lang="sk-SK" sz="1800" dirty="0" err="1"/>
-              <a:t>prompt</a:t>
-            </a:r>
-            <a:r>
-              <a:rPr lang="sk-SK" sz="1800" dirty="0"/>
-              <a:t> (</a:t>
-            </a:r>
-            <a:r>
-              <a:rPr lang="sk-SK" sz="1800" dirty="0" err="1"/>
-              <a:t>skip</a:t>
-            </a:r>
-            <a:r>
-              <a:rPr lang="sk-SK" sz="1800" dirty="0"/>
-              <a:t>/</a:t>
-            </a:r>
-            <a:r>
-              <a:rPr lang="sk-SK" sz="1800" dirty="0" err="1"/>
-              <a:t>overwrite</a:t>
-            </a:r>
-            <a:r>
-              <a:rPr lang="sk-SK" sz="1800" dirty="0" smtClean="0"/>
-              <a:t>)?</a:t>
-            </a:r>
-          </a:p>
-          <a:p>
-            <a:pPr lvl="1"/>
-            <a:r>
-              <a:rPr lang="en-US" sz="1200" dirty="0" err="1"/>
-              <a:t>handleImportVideoFiles</a:t>
-            </a:r>
-            <a:endParaRPr lang="sk-SK" sz="1400" dirty="0"/>
-          </a:p>
-          <a:p>
-            <a:r>
-              <a:rPr lang="sk-SK" sz="1800" dirty="0" err="1" smtClean="0"/>
-              <a:t>Could</a:t>
-            </a:r>
-            <a:r>
-              <a:rPr lang="sk-SK" sz="1800" dirty="0" smtClean="0"/>
-              <a:t> </a:t>
-            </a:r>
-            <a:r>
-              <a:rPr lang="sk-SK" sz="1800" dirty="0" err="1"/>
-              <a:t>we</a:t>
-            </a:r>
-            <a:r>
-              <a:rPr lang="sk-SK" sz="1800" dirty="0"/>
-              <a:t> </a:t>
-            </a:r>
-            <a:r>
-              <a:rPr lang="sk-SK" sz="1800" dirty="0" err="1"/>
-              <a:t>have</a:t>
-            </a:r>
-            <a:r>
-              <a:rPr lang="sk-SK" sz="1800" dirty="0"/>
-              <a:t> a  </a:t>
-            </a:r>
-            <a:r>
-              <a:rPr lang="sk-SK" sz="1800" dirty="0" err="1"/>
-              <a:t>copy+compress</a:t>
-            </a:r>
-            <a:r>
-              <a:rPr lang="sk-SK" sz="1800" dirty="0"/>
-              <a:t>  </a:t>
-            </a:r>
-            <a:r>
-              <a:rPr lang="sk-SK" sz="1800" dirty="0" err="1"/>
-              <a:t>function</a:t>
-            </a:r>
-            <a:r>
-              <a:rPr lang="sk-SK" sz="1800" dirty="0"/>
-              <a:t>? </a:t>
-            </a:r>
-            <a:r>
-              <a:rPr lang="sk-SK" sz="1800" dirty="0" err="1"/>
-              <a:t>Possibly</a:t>
-            </a:r>
-            <a:r>
-              <a:rPr lang="sk-SK" sz="1800" dirty="0"/>
-              <a:t> </a:t>
-            </a:r>
-            <a:r>
-              <a:rPr lang="sk-SK" sz="1800" dirty="0" err="1"/>
-              <a:t>combined</a:t>
-            </a:r>
-            <a:r>
-              <a:rPr lang="sk-SK" sz="1800" dirty="0"/>
-              <a:t> </a:t>
-            </a:r>
-            <a:r>
-              <a:rPr lang="sk-SK" sz="1800" dirty="0" err="1"/>
-              <a:t>with</a:t>
-            </a:r>
-            <a:r>
-              <a:rPr lang="sk-SK" sz="1800" dirty="0"/>
-              <a:t> </a:t>
-            </a:r>
-            <a:r>
-              <a:rPr lang="sk-SK" sz="1800" dirty="0" err="1"/>
-              <a:t>Merge</a:t>
-            </a:r>
-            <a:r>
-              <a:rPr lang="sk-SK" sz="1800" dirty="0" smtClean="0"/>
-              <a:t>.</a:t>
-            </a:r>
-          </a:p>
-          <a:p>
-            <a:pPr lvl="1"/>
-            <a:r>
-              <a:rPr lang="sk-SK" sz="1400" dirty="0" err="1" smtClean="0"/>
-              <a:t>Check</a:t>
-            </a:r>
-            <a:r>
-              <a:rPr lang="sk-SK" sz="1400" dirty="0" smtClean="0"/>
-              <a:t> mp4parser </a:t>
-            </a:r>
-            <a:r>
-              <a:rPr lang="sk-SK" sz="1400" dirty="0" err="1" smtClean="0"/>
-              <a:t>documentation</a:t>
-            </a:r>
-            <a:r>
-              <a:rPr lang="sk-SK" sz="1400" dirty="0" smtClean="0"/>
-              <a:t> </a:t>
-            </a:r>
-            <a:r>
-              <a:rPr lang="sk-SK" sz="1400" dirty="0" err="1" smtClean="0"/>
-              <a:t>how</a:t>
-            </a:r>
-            <a:r>
-              <a:rPr lang="sk-SK" sz="1400" dirty="0" smtClean="0"/>
-              <a:t> to do </a:t>
-            </a:r>
-            <a:r>
-              <a:rPr lang="sk-SK" sz="1400" dirty="0" err="1" smtClean="0"/>
-              <a:t>this</a:t>
-            </a:r>
-            <a:r>
-              <a:rPr lang="sk-SK" sz="1400" dirty="0" smtClean="0"/>
-              <a:t>. </a:t>
-            </a:r>
-            <a:endParaRPr lang="sk-SK" sz="1400" dirty="0"/>
-          </a:p>
-        </p:txBody>
-      </p:sp>
-    </p:spTree>
-    <p:extLst>
-      <p:ext uri="{BB962C8B-B14F-4D97-AF65-F5344CB8AC3E}">
-        <p14:creationId xmlns:p14="http://schemas.microsoft.com/office/powerpoint/2010/main" val="1320951504"/>
-      </p:ext>
-    </p:extLst>
-  </p:cSld>
-  <p:clrMapOvr>
-    <a:masterClrMapping/>
-  </p:clrMapOvr>
-  <p:timing>
-    <p:tnLst>
-      <p:par>
-        <p:cTn id="1" dur="indefinite" restart="never" nodeType="tmRoot"/>
-      </p:par>
-    </p:tnLst>
-  </p:timing>
-</p:sld>
-</file>
-
-<file path=ppt/slides/slide7.xml><?xml version="1.0" encoding="utf-8"?>
-<p:sld xmlns:a="http://schemas.openxmlformats.org/drawingml/2006/main" xmlns:r="http://schemas.openxmlformats.org/officeDocument/2006/relationships" xmlns:p="http://schemas.openxmlformats.org/presentationml/2006/main">
-  <p:cSld>
-    <p:spTree>
-      <p:nvGrpSpPr>
-        <p:cNvPr id="1" name=""/>
-        <p:cNvGrpSpPr/>
-        <p:nvPr/>
-      </p:nvGrpSpPr>
-      <p:grpSpPr>
-        <a:xfrm>
-          <a:off x="0" y="0"/>
-          <a:ext cx="0" cy="0"/>
-          <a:chOff x="0" y="0"/>
-          <a:chExt cx="0" cy="0"/>
-        </a:xfrm>
-      </p:grpSpPr>
-      <p:sp>
-        <p:nvSpPr>
-          <p:cNvPr id="2" name="Title 1"/>
-          <p:cNvSpPr>
-            <a:spLocks noGrp="1"/>
-          </p:cNvSpPr>
-          <p:nvPr>
-            <p:ph type="title"/>
-          </p:nvPr>
-        </p:nvSpPr>
-        <p:spPr/>
-        <p:txBody>
-          <a:bodyPr/>
-          <a:lstStyle/>
-          <a:p>
-            <a:r>
-              <a:rPr lang="en-US" dirty="0" smtClean="0"/>
-              <a:t>Backlog </a:t>
-            </a:r>
-            <a:r>
-              <a:rPr lang="mr-IN" dirty="0" smtClean="0"/>
-              <a:t>–</a:t>
-            </a:r>
-            <a:r>
-              <a:rPr lang="en-US" dirty="0" smtClean="0"/>
-              <a:t> part 2</a:t>
-            </a:r>
-            <a:endParaRPr lang="en-US" dirty="0"/>
-          </a:p>
-        </p:txBody>
-      </p:sp>
-      <p:sp>
-        <p:nvSpPr>
-          <p:cNvPr id="3" name="Content Placeholder 2"/>
-          <p:cNvSpPr>
-            <a:spLocks noGrp="1"/>
-          </p:cNvSpPr>
-          <p:nvPr>
-            <p:ph idx="1"/>
-          </p:nvPr>
-        </p:nvSpPr>
-        <p:spPr/>
-        <p:txBody>
-          <a:bodyPr numCol="2">
-            <a:normAutofit/>
-          </a:bodyPr>
-          <a:lstStyle/>
-          <a:p>
-            <a:pPr marL="0" indent="0">
-              <a:buNone/>
-            </a:pPr>
-            <a:r>
-              <a:rPr lang="sk-SK" sz="1400" b="1" dirty="0" err="1" smtClean="0"/>
-              <a:t>Improvements</a:t>
-            </a:r>
-            <a:endParaRPr lang="sk-SK" sz="1400" dirty="0"/>
-          </a:p>
-          <a:p>
-            <a:r>
-              <a:rPr lang="sk-SK" sz="1400" dirty="0" err="1" smtClean="0"/>
-              <a:t>Can</a:t>
-            </a:r>
-            <a:r>
-              <a:rPr lang="sk-SK" sz="1400" dirty="0" smtClean="0"/>
-              <a:t> </a:t>
-            </a:r>
-            <a:r>
-              <a:rPr lang="sk-SK" sz="1400" dirty="0"/>
-              <a:t>note-</a:t>
-            </a:r>
-            <a:r>
-              <a:rPr lang="sk-SK" sz="1400" dirty="0" err="1"/>
-              <a:t>taker</a:t>
-            </a:r>
-            <a:r>
-              <a:rPr lang="sk-SK" sz="1400" dirty="0"/>
-              <a:t> </a:t>
-            </a:r>
-            <a:r>
-              <a:rPr lang="sk-SK" sz="1400" dirty="0" err="1"/>
-              <a:t>remember</a:t>
-            </a:r>
-            <a:r>
-              <a:rPr lang="sk-SK" sz="1400" dirty="0"/>
-              <a:t> </a:t>
-            </a:r>
-            <a:r>
-              <a:rPr lang="sk-SK" sz="1400" dirty="0" err="1"/>
-              <a:t>link</a:t>
-            </a:r>
-            <a:r>
-              <a:rPr lang="sk-SK" sz="1400" dirty="0"/>
-              <a:t> to video </a:t>
-            </a:r>
-            <a:r>
-              <a:rPr lang="sk-SK" sz="1400" dirty="0" err="1"/>
-              <a:t>files</a:t>
-            </a:r>
-            <a:r>
-              <a:rPr lang="sk-SK" sz="1400" dirty="0"/>
-              <a:t>, so </a:t>
-            </a:r>
-            <a:r>
-              <a:rPr lang="sk-SK" sz="1400" dirty="0" err="1"/>
-              <a:t>you</a:t>
-            </a:r>
-            <a:r>
-              <a:rPr lang="sk-SK" sz="1400" dirty="0"/>
-              <a:t> </a:t>
-            </a:r>
-            <a:r>
-              <a:rPr lang="sk-SK" sz="1400" dirty="0" err="1"/>
-              <a:t>easily</a:t>
-            </a:r>
-            <a:r>
-              <a:rPr lang="sk-SK" sz="1400" dirty="0"/>
-              <a:t> </a:t>
-            </a:r>
-            <a:r>
-              <a:rPr lang="sk-SK" sz="1400" dirty="0" err="1"/>
-              <a:t>can</a:t>
-            </a:r>
-            <a:r>
-              <a:rPr lang="sk-SK" sz="1400" dirty="0"/>
-              <a:t> </a:t>
-            </a:r>
-            <a:r>
-              <a:rPr lang="sk-SK" sz="1400" dirty="0" err="1"/>
-              <a:t>skip</a:t>
-            </a:r>
-            <a:r>
-              <a:rPr lang="sk-SK" sz="1400" dirty="0"/>
-              <a:t> </a:t>
-            </a:r>
-            <a:r>
-              <a:rPr lang="sk-SK" sz="1400" dirty="0" err="1"/>
-              <a:t>between</a:t>
-            </a:r>
-            <a:r>
-              <a:rPr lang="sk-SK" sz="1400" dirty="0"/>
-              <a:t> </a:t>
-            </a:r>
-            <a:r>
-              <a:rPr lang="sk-SK" sz="1400" dirty="0" err="1"/>
-              <a:t>different</a:t>
-            </a:r>
-            <a:r>
-              <a:rPr lang="sk-SK" sz="1400" dirty="0"/>
-              <a:t> </a:t>
-            </a:r>
-            <a:r>
-              <a:rPr lang="sk-SK" sz="1400" dirty="0" err="1"/>
-              <a:t>xml</a:t>
-            </a:r>
-            <a:r>
-              <a:rPr lang="sk-SK" sz="1400" dirty="0"/>
-              <a:t> </a:t>
-            </a:r>
-            <a:r>
-              <a:rPr lang="sk-SK" sz="1400" dirty="0" err="1"/>
-              <a:t>files</a:t>
-            </a:r>
-            <a:r>
-              <a:rPr lang="sk-SK" sz="1400" dirty="0"/>
-              <a:t> </a:t>
-            </a:r>
-            <a:r>
-              <a:rPr lang="sk-SK" sz="1400" dirty="0" err="1"/>
-              <a:t>without</a:t>
-            </a:r>
-            <a:r>
-              <a:rPr lang="sk-SK" sz="1400" dirty="0"/>
-              <a:t> </a:t>
-            </a:r>
-            <a:r>
-              <a:rPr lang="sk-SK" sz="1400" dirty="0" err="1"/>
-              <a:t>having</a:t>
-            </a:r>
-            <a:r>
-              <a:rPr lang="sk-SK" sz="1400" dirty="0"/>
-              <a:t> to </a:t>
-            </a:r>
-            <a:r>
-              <a:rPr lang="sk-SK" sz="1400" dirty="0" err="1"/>
-              <a:t>redirect</a:t>
-            </a:r>
-            <a:r>
-              <a:rPr lang="sk-SK" sz="1400" dirty="0"/>
-              <a:t> to video </a:t>
-            </a:r>
-            <a:r>
-              <a:rPr lang="sk-SK" sz="1400" dirty="0" err="1"/>
-              <a:t>folder</a:t>
-            </a:r>
-            <a:r>
-              <a:rPr lang="sk-SK" sz="1400" dirty="0"/>
-              <a:t> </a:t>
-            </a:r>
-            <a:r>
-              <a:rPr lang="sk-SK" sz="1400" dirty="0" err="1"/>
-              <a:t>every</a:t>
-            </a:r>
-            <a:r>
-              <a:rPr lang="sk-SK" sz="1400" dirty="0"/>
-              <a:t> </a:t>
-            </a:r>
-            <a:r>
-              <a:rPr lang="sk-SK" sz="1400" dirty="0" err="1"/>
-              <a:t>time</a:t>
-            </a:r>
-            <a:r>
-              <a:rPr lang="sk-SK" sz="1400" dirty="0"/>
-              <a:t>?</a:t>
-            </a:r>
-          </a:p>
-          <a:p>
-            <a:r>
-              <a:rPr lang="sk-SK" sz="1400" dirty="0" err="1" smtClean="0"/>
-              <a:t>Could</a:t>
-            </a:r>
-            <a:r>
-              <a:rPr lang="sk-SK" sz="1400" dirty="0" smtClean="0"/>
-              <a:t> </a:t>
-            </a:r>
-            <a:r>
-              <a:rPr lang="sk-SK" sz="1400" dirty="0" err="1"/>
-              <a:t>sound</a:t>
-            </a:r>
-            <a:r>
-              <a:rPr lang="sk-SK" sz="1400" dirty="0"/>
-              <a:t> </a:t>
-            </a:r>
-            <a:r>
-              <a:rPr lang="sk-SK" sz="1400" dirty="0" err="1"/>
-              <a:t>be</a:t>
-            </a:r>
-            <a:r>
-              <a:rPr lang="sk-SK" sz="1400" dirty="0"/>
-              <a:t> </a:t>
-            </a:r>
-            <a:r>
-              <a:rPr lang="sk-SK" sz="1400" dirty="0" err="1"/>
-              <a:t>played</a:t>
-            </a:r>
-            <a:r>
-              <a:rPr lang="sk-SK" sz="1400" dirty="0"/>
-              <a:t> in </a:t>
-            </a:r>
-            <a:r>
-              <a:rPr lang="sk-SK" sz="1400" dirty="0" err="1"/>
-              <a:t>both</a:t>
-            </a:r>
-            <a:r>
-              <a:rPr lang="sk-SK" sz="1400" dirty="0"/>
-              <a:t> </a:t>
-            </a:r>
-            <a:r>
-              <a:rPr lang="sk-SK" sz="1400" dirty="0" err="1"/>
-              <a:t>earphones</a:t>
-            </a:r>
-            <a:r>
-              <a:rPr lang="sk-SK" sz="1400" dirty="0"/>
-              <a:t> </a:t>
-            </a:r>
-            <a:r>
-              <a:rPr lang="sk-SK" sz="1400" dirty="0" err="1"/>
-              <a:t>when</a:t>
-            </a:r>
-            <a:r>
-              <a:rPr lang="sk-SK" sz="1400" dirty="0"/>
-              <a:t> just </a:t>
-            </a:r>
-            <a:r>
-              <a:rPr lang="sk-SK" sz="1400" dirty="0" err="1"/>
-              <a:t>selecting</a:t>
-            </a:r>
-            <a:r>
-              <a:rPr lang="sk-SK" sz="1400" dirty="0"/>
-              <a:t> </a:t>
-            </a:r>
-            <a:r>
-              <a:rPr lang="sk-SK" sz="1400" dirty="0" err="1"/>
-              <a:t>one</a:t>
-            </a:r>
-            <a:r>
-              <a:rPr lang="sk-SK" sz="1400" dirty="0"/>
-              <a:t> </a:t>
-            </a:r>
-            <a:r>
-              <a:rPr lang="sk-SK" sz="1400" dirty="0" err="1"/>
-              <a:t>channel</a:t>
-            </a:r>
-            <a:r>
-              <a:rPr lang="sk-SK" sz="1400" dirty="0"/>
-              <a:t> </a:t>
-            </a:r>
-            <a:r>
-              <a:rPr lang="sk-SK" sz="1400" dirty="0" err="1"/>
-              <a:t>during</a:t>
-            </a:r>
-            <a:r>
-              <a:rPr lang="sk-SK" sz="1400" dirty="0"/>
-              <a:t> playback?</a:t>
-            </a:r>
-          </a:p>
-          <a:p>
-            <a:r>
-              <a:rPr lang="sk-SK" sz="1400" dirty="0" smtClean="0"/>
-              <a:t>General</a:t>
-            </a:r>
-            <a:r>
-              <a:rPr lang="sk-SK" sz="1400" dirty="0"/>
-              <a:t>: </a:t>
-            </a:r>
-            <a:r>
-              <a:rPr lang="sk-SK" sz="1400" dirty="0" err="1"/>
-              <a:t>How</a:t>
-            </a:r>
-            <a:r>
-              <a:rPr lang="sk-SK" sz="1400" dirty="0"/>
-              <a:t> </a:t>
-            </a:r>
-            <a:r>
-              <a:rPr lang="sk-SK" sz="1400" dirty="0" err="1"/>
-              <a:t>can</a:t>
-            </a:r>
-            <a:r>
-              <a:rPr lang="sk-SK" sz="1400" dirty="0"/>
-              <a:t> </a:t>
-            </a:r>
-            <a:r>
-              <a:rPr lang="sk-SK" sz="1400" dirty="0" err="1"/>
-              <a:t>we</a:t>
-            </a:r>
-            <a:r>
-              <a:rPr lang="sk-SK" sz="1400" dirty="0"/>
-              <a:t> </a:t>
-            </a:r>
-            <a:r>
-              <a:rPr lang="sk-SK" sz="1400" dirty="0" err="1"/>
-              <a:t>improve</a:t>
-            </a:r>
-            <a:r>
-              <a:rPr lang="sk-SK" sz="1400" dirty="0"/>
-              <a:t> </a:t>
-            </a:r>
-            <a:r>
-              <a:rPr lang="sk-SK" sz="1400" dirty="0" err="1"/>
-              <a:t>communication</a:t>
-            </a:r>
-            <a:r>
-              <a:rPr lang="sk-SK" sz="1400" dirty="0"/>
-              <a:t> </a:t>
-            </a:r>
-            <a:r>
-              <a:rPr lang="sk-SK" sz="1400" dirty="0" err="1"/>
-              <a:t>between</a:t>
-            </a:r>
-            <a:r>
-              <a:rPr lang="sk-SK" sz="1400" dirty="0"/>
-              <a:t> </a:t>
-            </a:r>
-            <a:r>
-              <a:rPr lang="sk-SK" sz="1400" dirty="0" err="1"/>
-              <a:t>GoPro</a:t>
-            </a:r>
-            <a:r>
-              <a:rPr lang="sk-SK" sz="1400" dirty="0"/>
-              <a:t> and in </a:t>
-            </a:r>
-            <a:r>
-              <a:rPr lang="sk-SK" sz="1400" dirty="0" err="1"/>
-              <a:t>NoteTaker</a:t>
-            </a:r>
-            <a:r>
-              <a:rPr lang="sk-SK" sz="1400" dirty="0"/>
-              <a:t>, so </a:t>
-            </a:r>
-            <a:r>
-              <a:rPr lang="sk-SK" sz="1400" dirty="0" err="1" smtClean="0"/>
-              <a:t>that</a:t>
-            </a:r>
-            <a:r>
-              <a:rPr lang="sk-SK" sz="1400" dirty="0" smtClean="0"/>
-              <a:t> </a:t>
-            </a:r>
-            <a:r>
-              <a:rPr lang="sk-SK" sz="1400" dirty="0" err="1"/>
-              <a:t>it</a:t>
-            </a:r>
-            <a:r>
-              <a:rPr lang="sk-SK" sz="1400" dirty="0"/>
-              <a:t> </a:t>
-            </a:r>
-            <a:r>
-              <a:rPr lang="sk-SK" sz="1400" dirty="0" err="1"/>
-              <a:t>displays</a:t>
-            </a:r>
-            <a:r>
-              <a:rPr lang="sk-SK" sz="1400" dirty="0"/>
-              <a:t> </a:t>
-            </a:r>
-            <a:r>
-              <a:rPr lang="sk-SK" sz="1400" dirty="0" err="1"/>
-              <a:t>the</a:t>
-            </a:r>
-            <a:r>
-              <a:rPr lang="sk-SK" sz="1400" dirty="0"/>
-              <a:t> </a:t>
-            </a:r>
-            <a:r>
-              <a:rPr lang="sk-SK" sz="1400" dirty="0" err="1"/>
-              <a:t>right</a:t>
-            </a:r>
-            <a:r>
-              <a:rPr lang="sk-SK" sz="1400" dirty="0"/>
-              <a:t> status ALWAYS</a:t>
-            </a:r>
-            <a:r>
-              <a:rPr lang="sk-SK" sz="1400" dirty="0" smtClean="0"/>
-              <a:t>?</a:t>
-            </a:r>
-          </a:p>
-          <a:p>
-            <a:r>
-              <a:rPr lang="sk-SK" sz="1400" dirty="0" err="1" smtClean="0"/>
-              <a:t>Create</a:t>
-            </a:r>
-            <a:r>
-              <a:rPr lang="sk-SK" sz="1400" dirty="0" smtClean="0"/>
-              <a:t> test </a:t>
-            </a:r>
-            <a:r>
-              <a:rPr lang="sk-SK" sz="1400" dirty="0" err="1" smtClean="0"/>
-              <a:t>framework</a:t>
-            </a:r>
-            <a:endParaRPr lang="sk-SK" sz="1400" dirty="0" smtClean="0"/>
-          </a:p>
-          <a:p>
-            <a:r>
-              <a:rPr lang="sk-SK" sz="1400" dirty="0" err="1" smtClean="0"/>
-              <a:t>Integrate</a:t>
-            </a:r>
-            <a:r>
-              <a:rPr lang="sk-SK" sz="1400" dirty="0" smtClean="0"/>
-              <a:t> </a:t>
-            </a:r>
-            <a:r>
-              <a:rPr lang="sk-SK" sz="1400" dirty="0" err="1" smtClean="0"/>
-              <a:t>Maven</a:t>
-            </a:r>
-            <a:r>
-              <a:rPr lang="sk-SK" sz="1400" dirty="0" smtClean="0"/>
-              <a:t> </a:t>
-            </a:r>
-            <a:r>
-              <a:rPr lang="sk-SK" sz="1400" dirty="0" err="1" smtClean="0"/>
-              <a:t>support</a:t>
-            </a:r>
-            <a:endParaRPr lang="sk-SK" sz="1400" dirty="0" smtClean="0"/>
-          </a:p>
-          <a:p>
-            <a:r>
-              <a:rPr lang="sk-SK" sz="1400" dirty="0" err="1" smtClean="0"/>
-              <a:t>Improve</a:t>
-            </a:r>
-            <a:r>
-              <a:rPr lang="sk-SK" sz="1400" dirty="0" smtClean="0"/>
-              <a:t> import </a:t>
-            </a:r>
-            <a:r>
-              <a:rPr lang="sk-SK" sz="1400" dirty="0" err="1" smtClean="0"/>
-              <a:t>speed</a:t>
-            </a:r>
-            <a:endParaRPr lang="sk-SK" sz="1400" dirty="0" smtClean="0"/>
-          </a:p>
-          <a:p>
-            <a:r>
-              <a:rPr lang="sk-SK" sz="1400" dirty="0" err="1" smtClean="0"/>
-              <a:t>Finalize</a:t>
-            </a:r>
-            <a:r>
-              <a:rPr lang="sk-SK" sz="1400" dirty="0" smtClean="0"/>
-              <a:t> and </a:t>
-            </a:r>
-            <a:r>
-              <a:rPr lang="sk-SK" sz="1400" dirty="0" err="1" smtClean="0"/>
-              <a:t>mature</a:t>
-            </a:r>
-            <a:r>
-              <a:rPr lang="sk-SK" sz="1400" dirty="0" smtClean="0"/>
-              <a:t> video </a:t>
-            </a:r>
-            <a:r>
-              <a:rPr lang="sk-SK" sz="1400" dirty="0" err="1" smtClean="0"/>
-              <a:t>merge</a:t>
-            </a:r>
-            <a:endParaRPr lang="en-US" sz="1400" dirty="0"/>
-          </a:p>
-        </p:txBody>
-      </p:sp>
-    </p:spTree>
-    <p:extLst>
-      <p:ext uri="{BB962C8B-B14F-4D97-AF65-F5344CB8AC3E}">
-        <p14:creationId xmlns:p14="http://schemas.microsoft.com/office/powerpoint/2010/main" val="897875154"/>
-      </p:ext>
-    </p:extLst>
-  </p:cSld>
-  <p:clrMapOvr>
-    <a:masterClrMapping/>
-  </p:clrMapOvr>
-  <p:timing>
-    <p:tnLst>
-      <p:par>
-        <p:cTn id="1" dur="indefinite" restart="never" nodeType="tmRoot"/>
-      </p:par>
-    </p:tnLst>
-  </p:timing>
-</p:sld>
-</file>
-
 <file path=ppt/slides/slide8.xml><?xml version="1.0" encoding="utf-8"?>
 <p:sld xmlns:a="http://schemas.openxmlformats.org/drawingml/2006/main" xmlns:r="http://schemas.openxmlformats.org/officeDocument/2006/relationships" xmlns:p="http://schemas.openxmlformats.org/presentationml/2006/main">
   <p:cSld>
@@ -22510,7 +20787,15 @@
           <a:p>
             <a:r>
               <a:rPr lang="en-US" dirty="0" smtClean="0"/>
-              <a:t>Architecture</a:t>
+              <a:t>Backlog </a:t>
+            </a:r>
+            <a:r>
+              <a:rPr lang="mr-IN" dirty="0" smtClean="0"/>
+              <a:t>–</a:t>
+            </a:r>
+            <a:r>
+              <a:rPr lang="en-US" dirty="0" smtClean="0"/>
+              <a:t> improvements</a:t>
             </a:r>
             <a:endParaRPr lang="en-US" dirty="0"/>
           </a:p>
@@ -22518,153 +20803,1695 @@
       </p:sp>
       <p:sp>
         <p:nvSpPr>
-          <p:cNvPr id="3" name="TextBox 2"/>
-          <p:cNvSpPr txBox="1"/>
-          <p:nvPr/>
+          <p:cNvPr id="3" name="Content Placeholder 2"/>
+          <p:cNvSpPr>
+            <a:spLocks noGrp="1"/>
+          </p:cNvSpPr>
+          <p:nvPr>
+            <p:ph idx="1"/>
+          </p:nvPr>
         </p:nvSpPr>
         <p:spPr>
           <a:xfrm>
-            <a:off x="838201" y="2013527"/>
-            <a:ext cx="9469582" cy="3693319"/>
+            <a:off x="838200" y="1418492"/>
+            <a:ext cx="10515600" cy="5322277"/>
           </a:xfrm>
-          <a:prstGeom prst="rect">
-            <a:avLst/>
-          </a:prstGeom>
-          <a:noFill/>
         </p:spPr>
         <p:txBody>
-          <a:bodyPr wrap="square" rtlCol="0">
-            <a:spAutoFit/>
+          <a:bodyPr numCol="1">
+            <a:normAutofit fontScale="92500" lnSpcReduction="20000"/>
           </a:bodyPr>
           <a:lstStyle/>
           <a:p>
             <a:r>
-              <a:rPr lang="en-US" b="1" dirty="0" smtClean="0"/>
-              <a:t>Some initial hints:</a:t>
-            </a:r>
-          </a:p>
-          <a:p>
-            <a:r>
-              <a:rPr lang="en-US" dirty="0" smtClean="0"/>
-              <a:t>All UI is built using JavaFX that provides many benefits and eases general UI implementation.</a:t>
-            </a:r>
-          </a:p>
-          <a:p>
-            <a:r>
-              <a:rPr lang="en-US" dirty="0" smtClean="0"/>
-              <a:t>The </a:t>
-            </a:r>
-            <a:r>
-              <a:rPr lang="en-US" dirty="0" err="1" smtClean="0"/>
-              <a:t>Rootlayout</a:t>
-            </a:r>
-            <a:r>
-              <a:rPr lang="en-US" dirty="0" smtClean="0"/>
-              <a:t> is the top layer in which the </a:t>
-            </a:r>
-            <a:r>
-              <a:rPr lang="en-US" dirty="0" err="1" smtClean="0"/>
-              <a:t>maineditorview</a:t>
-            </a:r>
-            <a:r>
-              <a:rPr lang="en-US" dirty="0" smtClean="0"/>
-              <a:t> lives as a child.</a:t>
-            </a:r>
-          </a:p>
-          <a:p>
-            <a:r>
-              <a:rPr lang="en-US" dirty="0" smtClean="0"/>
-              <a:t>All other windows are spawned/instantiated as parallel windows.</a:t>
-            </a:r>
-          </a:p>
-          <a:p>
-            <a:endParaRPr lang="en-US" dirty="0"/>
-          </a:p>
-          <a:p>
-            <a:r>
-              <a:rPr lang="en-US" dirty="0" smtClean="0"/>
-              <a:t>The </a:t>
-            </a:r>
-            <a:r>
-              <a:rPr lang="en-US" dirty="0" err="1" smtClean="0"/>
-              <a:t>texteditor</a:t>
-            </a:r>
-            <a:r>
-              <a:rPr lang="en-US" dirty="0" smtClean="0"/>
-              <a:t> is based on an open source component called </a:t>
-            </a:r>
-            <a:r>
-              <a:rPr lang="en-US" dirty="0" err="1" smtClean="0"/>
-              <a:t>RichTextFX</a:t>
-            </a:r>
-            <a:r>
-              <a:rPr lang="en-US" dirty="0" smtClean="0"/>
-              <a:t> that enables attributing text with the necessary features such as active customizable text links. This is also an essential element of the </a:t>
-            </a:r>
-            <a:r>
-              <a:rPr lang="en-US" dirty="0" err="1" smtClean="0"/>
-              <a:t>ViNO</a:t>
-            </a:r>
-            <a:r>
-              <a:rPr lang="en-US" dirty="0" smtClean="0"/>
-              <a:t> concept, and creates a direct reference to a specific time in a specific video.</a:t>
-            </a:r>
-          </a:p>
-          <a:p>
-            <a:endParaRPr lang="en-US" dirty="0"/>
-          </a:p>
-          <a:p>
-            <a:r>
-              <a:rPr lang="en-US" dirty="0" smtClean="0"/>
-              <a:t>A certain logic is required to create a valid reference.</a:t>
-            </a:r>
-          </a:p>
-          <a:p>
-            <a:pPr marL="342900" indent="-342900">
-              <a:buAutoNum type="arabicPeriod"/>
-            </a:pPr>
-            <a:r>
-              <a:rPr lang="en-US" dirty="0" err="1" smtClean="0"/>
-              <a:t>ViNO</a:t>
-            </a:r>
-            <a:r>
-              <a:rPr lang="en-US" dirty="0" smtClean="0"/>
-              <a:t> imports the video in order to know the location</a:t>
-            </a:r>
-          </a:p>
-          <a:p>
-            <a:pPr marL="342900" indent="-342900">
-              <a:buAutoNum type="arabicPeriod"/>
-            </a:pPr>
-            <a:r>
-              <a:rPr lang="en-US" dirty="0" err="1" smtClean="0"/>
-              <a:t>ViNO</a:t>
-            </a:r>
-            <a:r>
-              <a:rPr lang="en-US" dirty="0" smtClean="0"/>
-              <a:t> controls the GoPro in order to know start, stop and filename</a:t>
-            </a:r>
-          </a:p>
-          <a:p>
-            <a:pPr marL="342900" indent="-342900">
-              <a:buAutoNum type="arabicPeriod"/>
-            </a:pPr>
-            <a:r>
-              <a:rPr lang="en-US" dirty="0" err="1" smtClean="0"/>
-              <a:t>ViNO</a:t>
-            </a:r>
-            <a:r>
-              <a:rPr lang="en-US" dirty="0" smtClean="0"/>
-              <a:t> manages chaptered videos and timestamps that doesn’t reflect chapters</a:t>
-            </a:r>
-            <a:endParaRPr lang="en-US" dirty="0"/>
+              <a:rPr lang="sk-SK" sz="1800" dirty="0" err="1" smtClean="0"/>
+              <a:t>Remove</a:t>
+            </a:r>
+            <a:r>
+              <a:rPr lang="sk-SK" sz="1800" dirty="0" smtClean="0"/>
+              <a:t> </a:t>
+            </a:r>
+            <a:r>
+              <a:rPr lang="sk-SK" sz="1800" dirty="0" err="1"/>
+              <a:t>the</a:t>
+            </a:r>
+            <a:r>
+              <a:rPr lang="sk-SK" sz="1800" dirty="0"/>
+              <a:t> </a:t>
+            </a:r>
+            <a:r>
+              <a:rPr lang="sk-SK" sz="1800" dirty="0" err="1"/>
+              <a:t>Merge-file</a:t>
+            </a:r>
+            <a:r>
+              <a:rPr lang="sk-SK" sz="1800" dirty="0"/>
+              <a:t> </a:t>
+            </a:r>
+            <a:r>
+              <a:rPr lang="sk-SK" sz="1800" dirty="0" err="1"/>
+              <a:t>function</a:t>
+            </a:r>
+            <a:r>
+              <a:rPr lang="sk-SK" sz="1800" dirty="0"/>
+              <a:t> </a:t>
+            </a:r>
+            <a:r>
+              <a:rPr lang="sk-SK" sz="1800" dirty="0" err="1"/>
+              <a:t>if</a:t>
+            </a:r>
+            <a:r>
+              <a:rPr lang="sk-SK" sz="1800" dirty="0"/>
+              <a:t> </a:t>
+            </a:r>
+            <a:r>
+              <a:rPr lang="sk-SK" sz="1800" dirty="0" err="1"/>
+              <a:t>not</a:t>
+            </a:r>
+            <a:r>
+              <a:rPr lang="sk-SK" sz="1800" dirty="0"/>
+              <a:t> </a:t>
+            </a:r>
+            <a:r>
+              <a:rPr lang="sk-SK" sz="1800" dirty="0" err="1"/>
+              <a:t>available</a:t>
+            </a:r>
+            <a:r>
+              <a:rPr lang="sk-SK" sz="1800" dirty="0"/>
+              <a:t> (or </a:t>
+            </a:r>
+            <a:r>
+              <a:rPr lang="sk-SK" sz="1800" dirty="0" err="1"/>
+              <a:t>make</a:t>
+            </a:r>
+            <a:r>
+              <a:rPr lang="sk-SK" sz="1800" dirty="0"/>
+              <a:t> </a:t>
+            </a:r>
+            <a:r>
+              <a:rPr lang="sk-SK" sz="1800" dirty="0" err="1"/>
+              <a:t>it</a:t>
+            </a:r>
+            <a:r>
+              <a:rPr lang="sk-SK" sz="1800" dirty="0"/>
+              <a:t> </a:t>
+            </a:r>
+            <a:r>
+              <a:rPr lang="sk-SK" sz="1800" dirty="0" err="1"/>
+              <a:t>work</a:t>
+            </a:r>
+            <a:r>
+              <a:rPr lang="sk-SK" sz="1800" dirty="0"/>
+              <a:t> </a:t>
+            </a:r>
+            <a:r>
+              <a:rPr lang="sk-SK" sz="1800" dirty="0" err="1"/>
+              <a:t>if</a:t>
+            </a:r>
+            <a:r>
+              <a:rPr lang="sk-SK" sz="1800" dirty="0"/>
+              <a:t> </a:t>
+            </a:r>
+            <a:r>
+              <a:rPr lang="sk-SK" sz="1800" dirty="0" err="1"/>
+              <a:t>possible</a:t>
+            </a:r>
+            <a:r>
+              <a:rPr lang="sk-SK" sz="1800" dirty="0" smtClean="0"/>
+              <a:t>)</a:t>
+            </a:r>
+          </a:p>
+          <a:p>
+            <a:pPr lvl="1"/>
+            <a:r>
+              <a:rPr lang="sk-SK" sz="1100" dirty="0" err="1" smtClean="0"/>
+              <a:t>GoPro</a:t>
+            </a:r>
+            <a:r>
+              <a:rPr lang="sk-SK" sz="1100" dirty="0" smtClean="0"/>
+              <a:t> </a:t>
+            </a:r>
+            <a:r>
+              <a:rPr lang="sk-SK" sz="1100" dirty="0" err="1" smtClean="0"/>
+              <a:t>splits</a:t>
+            </a:r>
+            <a:r>
+              <a:rPr lang="sk-SK" sz="1100" dirty="0" smtClean="0"/>
+              <a:t> video </a:t>
+            </a:r>
+            <a:r>
+              <a:rPr lang="sk-SK" sz="1100" dirty="0" err="1" smtClean="0"/>
+              <a:t>files</a:t>
+            </a:r>
+            <a:r>
+              <a:rPr lang="sk-SK" sz="1100" dirty="0" smtClean="0"/>
+              <a:t> </a:t>
+            </a:r>
+            <a:r>
+              <a:rPr lang="sk-SK" sz="1100" dirty="0" err="1" smtClean="0"/>
+              <a:t>into</a:t>
+            </a:r>
+            <a:r>
+              <a:rPr lang="sk-SK" sz="1100" dirty="0" smtClean="0"/>
+              <a:t> </a:t>
+            </a:r>
+            <a:r>
+              <a:rPr lang="sk-SK" sz="1100" dirty="0" err="1" smtClean="0"/>
+              <a:t>several</a:t>
+            </a:r>
+            <a:r>
+              <a:rPr lang="sk-SK" sz="1100" dirty="0" smtClean="0"/>
+              <a:t> </a:t>
+            </a:r>
+            <a:r>
+              <a:rPr lang="sk-SK" sz="1100" dirty="0" err="1" smtClean="0"/>
+              <a:t>parts</a:t>
+            </a:r>
+            <a:r>
+              <a:rPr lang="sk-SK" sz="1100" dirty="0"/>
+              <a:t> </a:t>
+            </a:r>
+            <a:r>
+              <a:rPr lang="sk-SK" sz="1100" dirty="0" err="1" smtClean="0"/>
+              <a:t>when</a:t>
+            </a:r>
+            <a:r>
+              <a:rPr lang="sk-SK" sz="1100" dirty="0" smtClean="0"/>
+              <a:t> </a:t>
+            </a:r>
+            <a:r>
+              <a:rPr lang="sk-SK" sz="1100" dirty="0" err="1" smtClean="0"/>
+              <a:t>exceeding</a:t>
+            </a:r>
+            <a:r>
+              <a:rPr lang="sk-SK" sz="1100" dirty="0" smtClean="0"/>
+              <a:t> a </a:t>
+            </a:r>
+            <a:r>
+              <a:rPr lang="sk-SK" sz="1100" dirty="0" err="1" smtClean="0"/>
+              <a:t>certain</a:t>
+            </a:r>
+            <a:r>
+              <a:rPr lang="sk-SK" sz="1100" dirty="0" smtClean="0"/>
+              <a:t> </a:t>
+            </a:r>
+            <a:r>
+              <a:rPr lang="sk-SK" sz="1100" dirty="0" err="1" smtClean="0"/>
+              <a:t>size</a:t>
+            </a:r>
+            <a:r>
+              <a:rPr lang="sk-SK" sz="1100" dirty="0" smtClean="0"/>
+              <a:t>. </a:t>
+            </a:r>
+            <a:r>
+              <a:rPr lang="sk-SK" sz="1100" dirty="0" err="1" smtClean="0"/>
+              <a:t>After</a:t>
+            </a:r>
+            <a:r>
+              <a:rPr lang="sk-SK" sz="1100" dirty="0" smtClean="0"/>
+              <a:t> </a:t>
+            </a:r>
+            <a:r>
+              <a:rPr lang="sk-SK" sz="1100" dirty="0" err="1" smtClean="0"/>
+              <a:t>importing</a:t>
+            </a:r>
+            <a:r>
+              <a:rPr lang="sk-SK" sz="1100" dirty="0" smtClean="0"/>
+              <a:t> </a:t>
+            </a:r>
+            <a:r>
+              <a:rPr lang="sk-SK" sz="1100" dirty="0" err="1" smtClean="0"/>
+              <a:t>videos</a:t>
+            </a:r>
+            <a:r>
+              <a:rPr lang="sk-SK" sz="1100" dirty="0" smtClean="0"/>
+              <a:t>, </a:t>
+            </a:r>
+            <a:r>
+              <a:rPr lang="sk-SK" sz="1100" dirty="0" err="1" smtClean="0"/>
+              <a:t>it</a:t>
+            </a:r>
+            <a:r>
+              <a:rPr lang="sk-SK" sz="1100" dirty="0" smtClean="0"/>
+              <a:t> </a:t>
+            </a:r>
+            <a:r>
+              <a:rPr lang="sk-SK" sz="1100" dirty="0" err="1" smtClean="0"/>
+              <a:t>is</a:t>
+            </a:r>
+            <a:r>
+              <a:rPr lang="sk-SK" sz="1100" dirty="0" smtClean="0"/>
+              <a:t> </a:t>
+            </a:r>
+            <a:r>
+              <a:rPr lang="sk-SK" sz="1100" dirty="0" err="1" smtClean="0"/>
+              <a:t>possible</a:t>
+            </a:r>
+            <a:r>
+              <a:rPr lang="sk-SK" sz="1100" dirty="0" smtClean="0"/>
+              <a:t> to </a:t>
+            </a:r>
+            <a:r>
+              <a:rPr lang="sk-SK" sz="1100" dirty="0" err="1" smtClean="0"/>
+              <a:t>merge</a:t>
+            </a:r>
+            <a:r>
+              <a:rPr lang="sk-SK" sz="1100" dirty="0" smtClean="0"/>
+              <a:t> </a:t>
+            </a:r>
+            <a:r>
+              <a:rPr lang="sk-SK" sz="1100" dirty="0" err="1" smtClean="0"/>
+              <a:t>the</a:t>
+            </a:r>
+            <a:r>
+              <a:rPr lang="sk-SK" sz="1100" dirty="0" smtClean="0"/>
+              <a:t> </a:t>
+            </a:r>
+            <a:r>
+              <a:rPr lang="sk-SK" sz="1100" dirty="0" err="1" smtClean="0"/>
+              <a:t>videos</a:t>
+            </a:r>
+            <a:r>
+              <a:rPr lang="sk-SK" sz="1100" dirty="0" smtClean="0"/>
+              <a:t>. </a:t>
+            </a:r>
+            <a:r>
+              <a:rPr lang="sk-SK" sz="1100" dirty="0" err="1" smtClean="0"/>
+              <a:t>Make</a:t>
+            </a:r>
+            <a:r>
+              <a:rPr lang="sk-SK" sz="1100" dirty="0" smtClean="0"/>
+              <a:t> </a:t>
+            </a:r>
+            <a:r>
+              <a:rPr lang="sk-SK" sz="1100" dirty="0" err="1" smtClean="0"/>
+              <a:t>this</a:t>
+            </a:r>
+            <a:r>
+              <a:rPr lang="sk-SK" sz="1100" dirty="0" smtClean="0"/>
+              <a:t> </a:t>
+            </a:r>
+            <a:r>
+              <a:rPr lang="sk-SK" sz="1100" dirty="0" err="1" smtClean="0"/>
+              <a:t>work</a:t>
+            </a:r>
+            <a:r>
+              <a:rPr lang="sk-SK" sz="1100" dirty="0" smtClean="0"/>
+              <a:t> or </a:t>
+            </a:r>
+            <a:r>
+              <a:rPr lang="sk-SK" sz="1100" dirty="0" err="1" smtClean="0"/>
+              <a:t>remove</a:t>
+            </a:r>
+            <a:r>
+              <a:rPr lang="sk-SK" sz="1100" dirty="0" smtClean="0"/>
+              <a:t> </a:t>
+            </a:r>
+            <a:r>
+              <a:rPr lang="sk-SK" sz="1100" dirty="0" err="1" smtClean="0"/>
+              <a:t>the</a:t>
+            </a:r>
+            <a:r>
+              <a:rPr lang="sk-SK" sz="1100" dirty="0" smtClean="0"/>
+              <a:t> </a:t>
+            </a:r>
+            <a:r>
+              <a:rPr lang="sk-SK" sz="1100" dirty="0" err="1" smtClean="0"/>
+              <a:t>function</a:t>
+            </a:r>
+            <a:r>
+              <a:rPr lang="sk-SK" sz="1100" dirty="0" smtClean="0"/>
+              <a:t>.</a:t>
+            </a:r>
+          </a:p>
+          <a:p>
+            <a:pPr lvl="1"/>
+            <a:r>
+              <a:rPr lang="sk-SK" sz="1100" dirty="0" err="1" smtClean="0"/>
+              <a:t>Remember</a:t>
+            </a:r>
+            <a:r>
+              <a:rPr lang="sk-SK" sz="1100" dirty="0" smtClean="0"/>
+              <a:t> to update </a:t>
+            </a:r>
+            <a:r>
+              <a:rPr lang="sk-SK" sz="1100" dirty="0" err="1" smtClean="0"/>
+              <a:t>timestamps</a:t>
+            </a:r>
+            <a:r>
+              <a:rPr lang="sk-SK" sz="1100" dirty="0" smtClean="0"/>
+              <a:t> </a:t>
+            </a:r>
+            <a:r>
+              <a:rPr lang="sk-SK" sz="1100" dirty="0" err="1" smtClean="0"/>
+              <a:t>accordingly</a:t>
+            </a:r>
+            <a:r>
+              <a:rPr lang="sk-SK" sz="1100" dirty="0" smtClean="0"/>
+              <a:t>.</a:t>
+            </a:r>
+          </a:p>
+          <a:p>
+            <a:pPr lvl="1"/>
+            <a:r>
+              <a:rPr lang="sk-SK" sz="1100" dirty="0" err="1" smtClean="0"/>
+              <a:t>Merge</a:t>
+            </a:r>
+            <a:r>
+              <a:rPr lang="sk-SK" sz="1100" dirty="0" smtClean="0"/>
+              <a:t> </a:t>
+            </a:r>
+            <a:r>
+              <a:rPr lang="sk-SK" sz="1100" dirty="0" err="1" smtClean="0"/>
+              <a:t>is</a:t>
+            </a:r>
+            <a:r>
+              <a:rPr lang="sk-SK" sz="1100" dirty="0" smtClean="0"/>
+              <a:t> </a:t>
+            </a:r>
+            <a:r>
+              <a:rPr lang="sk-SK" sz="1100" dirty="0" err="1" smtClean="0"/>
+              <a:t>started</a:t>
+            </a:r>
+            <a:r>
+              <a:rPr lang="sk-SK" sz="1100" dirty="0" smtClean="0"/>
+              <a:t> </a:t>
+            </a:r>
+            <a:r>
+              <a:rPr lang="sk-SK" sz="1100" dirty="0" err="1" smtClean="0"/>
+              <a:t>with</a:t>
+            </a:r>
+            <a:r>
+              <a:rPr lang="sk-SK" sz="1100" dirty="0" smtClean="0"/>
+              <a:t> </a:t>
+            </a:r>
+            <a:r>
+              <a:rPr lang="sk-SK" sz="1100" dirty="0" err="1" smtClean="0"/>
+              <a:t>the</a:t>
+            </a:r>
+            <a:r>
+              <a:rPr lang="sk-SK" sz="1100" dirty="0" smtClean="0"/>
+              <a:t> </a:t>
+            </a:r>
+            <a:r>
+              <a:rPr lang="sk-SK" sz="1100" dirty="0" err="1" smtClean="0"/>
+              <a:t>merge</a:t>
+            </a:r>
+            <a:r>
+              <a:rPr lang="sk-SK" sz="1100" dirty="0" smtClean="0"/>
+              <a:t> </a:t>
+            </a:r>
+            <a:r>
+              <a:rPr lang="sk-SK" sz="1100" dirty="0" err="1" smtClean="0"/>
+              <a:t>view</a:t>
+            </a:r>
+            <a:r>
+              <a:rPr lang="sk-SK" sz="1100" dirty="0" smtClean="0"/>
+              <a:t> </a:t>
+            </a:r>
+            <a:r>
+              <a:rPr lang="sk-SK" sz="1100" dirty="0" err="1" smtClean="0"/>
+              <a:t>that</a:t>
+            </a:r>
+            <a:r>
+              <a:rPr lang="sk-SK" sz="1100" dirty="0" smtClean="0"/>
+              <a:t> </a:t>
+            </a:r>
+            <a:r>
+              <a:rPr lang="sk-SK" sz="1100" dirty="0" err="1" smtClean="0"/>
+              <a:t>will</a:t>
+            </a:r>
+            <a:r>
+              <a:rPr lang="sk-SK" sz="1100" dirty="0" smtClean="0"/>
+              <a:t> set </a:t>
+            </a:r>
+            <a:r>
+              <a:rPr lang="sk-SK" sz="1100" dirty="0" err="1" smtClean="0"/>
+              <a:t>the</a:t>
+            </a:r>
+            <a:r>
+              <a:rPr lang="sk-SK" sz="1100" dirty="0" smtClean="0"/>
+              <a:t> </a:t>
+            </a:r>
+            <a:r>
+              <a:rPr lang="sk-SK" sz="1100" dirty="0" err="1" smtClean="0"/>
+              <a:t>mergeflag</a:t>
+            </a:r>
+            <a:r>
+              <a:rPr lang="sk-SK" sz="1100" dirty="0" smtClean="0"/>
+              <a:t> </a:t>
+            </a:r>
+            <a:r>
+              <a:rPr lang="sk-SK" sz="1100" dirty="0" err="1" smtClean="0"/>
+              <a:t>which</a:t>
+            </a:r>
+            <a:r>
+              <a:rPr lang="sk-SK" sz="1100" dirty="0" smtClean="0"/>
+              <a:t> </a:t>
+            </a:r>
+            <a:r>
+              <a:rPr lang="sk-SK" sz="1100" dirty="0" err="1" smtClean="0"/>
+              <a:t>indicates</a:t>
+            </a:r>
+            <a:r>
+              <a:rPr lang="sk-SK" sz="1100" dirty="0" smtClean="0"/>
+              <a:t> a </a:t>
+            </a:r>
+            <a:r>
+              <a:rPr lang="sk-SK" sz="1100" dirty="0" err="1" smtClean="0"/>
+              <a:t>desired</a:t>
+            </a:r>
+            <a:r>
+              <a:rPr lang="sk-SK" sz="1100" dirty="0" smtClean="0"/>
+              <a:t> </a:t>
+            </a:r>
+            <a:r>
+              <a:rPr lang="sk-SK" sz="1100" dirty="0" err="1" smtClean="0"/>
+              <a:t>merge</a:t>
+            </a:r>
+            <a:r>
+              <a:rPr lang="sk-SK" sz="1100" dirty="0" smtClean="0"/>
+              <a:t> to </a:t>
+            </a:r>
+            <a:r>
+              <a:rPr lang="sk-SK" sz="1100" dirty="0" err="1" smtClean="0"/>
+              <a:t>take</a:t>
+            </a:r>
+            <a:r>
+              <a:rPr lang="sk-SK" sz="1100" dirty="0" smtClean="0"/>
+              <a:t> </a:t>
+            </a:r>
+            <a:r>
+              <a:rPr lang="sk-SK" sz="1100" dirty="0" err="1" smtClean="0"/>
+              <a:t>action</a:t>
+            </a:r>
+            <a:r>
+              <a:rPr lang="sk-SK" sz="1100" dirty="0" smtClean="0"/>
+              <a:t> </a:t>
+            </a:r>
+            <a:r>
+              <a:rPr lang="sk-SK" sz="1100" dirty="0" err="1" smtClean="0"/>
+              <a:t>when</a:t>
+            </a:r>
+            <a:r>
+              <a:rPr lang="sk-SK" sz="1100" dirty="0" smtClean="0"/>
+              <a:t> </a:t>
+            </a:r>
+            <a:r>
+              <a:rPr lang="sk-SK" sz="1100" dirty="0" err="1" smtClean="0"/>
+              <a:t>ready</a:t>
+            </a:r>
+            <a:r>
+              <a:rPr lang="sk-SK" sz="1100" dirty="0" smtClean="0"/>
+              <a:t>. </a:t>
+            </a:r>
+            <a:r>
+              <a:rPr lang="sk-SK" sz="1100" dirty="0" err="1" smtClean="0"/>
+              <a:t>The</a:t>
+            </a:r>
+            <a:r>
+              <a:rPr lang="sk-SK" sz="1100" dirty="0" smtClean="0"/>
+              <a:t> </a:t>
+            </a:r>
+            <a:r>
+              <a:rPr lang="sk-SK" sz="1100" dirty="0" err="1" smtClean="0"/>
+              <a:t>root</a:t>
+            </a:r>
+            <a:r>
+              <a:rPr lang="sk-SK" sz="1100" dirty="0" smtClean="0"/>
+              <a:t> </a:t>
+            </a:r>
+            <a:r>
+              <a:rPr lang="sk-SK" sz="1100" dirty="0" err="1" smtClean="0"/>
+              <a:t>layout</a:t>
+            </a:r>
+            <a:r>
+              <a:rPr lang="sk-SK" sz="1100" dirty="0" smtClean="0"/>
+              <a:t> </a:t>
+            </a:r>
+            <a:r>
+              <a:rPr lang="sk-SK" sz="1100" dirty="0" err="1" smtClean="0"/>
+              <a:t>view</a:t>
+            </a:r>
+            <a:r>
+              <a:rPr lang="sk-SK" sz="1100" dirty="0" smtClean="0"/>
+              <a:t> </a:t>
+            </a:r>
+            <a:r>
+              <a:rPr lang="sk-SK" sz="1100" dirty="0" err="1" smtClean="0"/>
+              <a:t>will</a:t>
+            </a:r>
+            <a:r>
+              <a:rPr lang="sk-SK" sz="1100" dirty="0" smtClean="0"/>
+              <a:t> </a:t>
+            </a:r>
+            <a:r>
+              <a:rPr lang="sk-SK" sz="1100" dirty="0" err="1" smtClean="0"/>
+              <a:t>check</a:t>
+            </a:r>
+            <a:r>
+              <a:rPr lang="sk-SK" sz="1100" dirty="0" smtClean="0"/>
+              <a:t> </a:t>
+            </a:r>
+            <a:r>
+              <a:rPr lang="sk-SK" sz="1100" dirty="0" err="1" smtClean="0"/>
+              <a:t>this</a:t>
+            </a:r>
+            <a:r>
+              <a:rPr lang="sk-SK" sz="1100" dirty="0" smtClean="0"/>
+              <a:t> </a:t>
+            </a:r>
+            <a:r>
+              <a:rPr lang="sk-SK" sz="1100" dirty="0" err="1" smtClean="0"/>
+              <a:t>flag</a:t>
+            </a:r>
+            <a:r>
+              <a:rPr lang="sk-SK" sz="1100" dirty="0" smtClean="0"/>
+              <a:t> and </a:t>
+            </a:r>
+            <a:r>
+              <a:rPr lang="sk-SK" sz="1100" dirty="0" err="1" smtClean="0"/>
+              <a:t>initiate</a:t>
+            </a:r>
+            <a:r>
+              <a:rPr lang="sk-SK" sz="1100" dirty="0" smtClean="0"/>
+              <a:t> a post import </a:t>
+            </a:r>
+            <a:r>
+              <a:rPr lang="sk-SK" sz="1100" dirty="0" err="1" smtClean="0"/>
+              <a:t>parsing</a:t>
+            </a:r>
+            <a:r>
+              <a:rPr lang="sk-SK" sz="1100" dirty="0" smtClean="0"/>
+              <a:t> of </a:t>
+            </a:r>
+            <a:r>
+              <a:rPr lang="sk-SK" sz="1100" dirty="0" err="1" smtClean="0"/>
+              <a:t>the</a:t>
+            </a:r>
+            <a:r>
+              <a:rPr lang="sk-SK" sz="1100" dirty="0" smtClean="0"/>
+              <a:t> video </a:t>
+            </a:r>
+            <a:r>
+              <a:rPr lang="sk-SK" sz="1100" dirty="0" err="1" smtClean="0"/>
+              <a:t>files</a:t>
+            </a:r>
+            <a:r>
+              <a:rPr lang="sk-SK" sz="1100" dirty="0" smtClean="0"/>
+              <a:t> </a:t>
+            </a:r>
+            <a:r>
+              <a:rPr lang="sk-SK" sz="1100" dirty="0" err="1" smtClean="0"/>
+              <a:t>directory</a:t>
+            </a:r>
+            <a:r>
+              <a:rPr lang="sk-SK" sz="1100" dirty="0" smtClean="0"/>
+              <a:t>. </a:t>
+            </a:r>
+            <a:r>
+              <a:rPr lang="sk-SK" sz="1100" dirty="0" err="1" smtClean="0"/>
+              <a:t>Parsing</a:t>
+            </a:r>
+            <a:r>
+              <a:rPr lang="sk-SK" sz="1100" dirty="0" smtClean="0"/>
+              <a:t> of </a:t>
+            </a:r>
+            <a:r>
+              <a:rPr lang="sk-SK" sz="1100" dirty="0" err="1" smtClean="0"/>
+              <a:t>the</a:t>
+            </a:r>
+            <a:r>
+              <a:rPr lang="sk-SK" sz="1100" dirty="0" smtClean="0"/>
+              <a:t> </a:t>
+            </a:r>
+            <a:r>
+              <a:rPr lang="sk-SK" sz="1100" dirty="0" err="1" smtClean="0"/>
+              <a:t>directory</a:t>
+            </a:r>
+            <a:r>
+              <a:rPr lang="sk-SK" sz="1100" dirty="0" smtClean="0"/>
+              <a:t> </a:t>
+            </a:r>
+            <a:r>
+              <a:rPr lang="sk-SK" sz="1100" dirty="0" err="1" smtClean="0"/>
+              <a:t>detects</a:t>
+            </a:r>
+            <a:r>
+              <a:rPr lang="sk-SK" sz="1100" dirty="0" smtClean="0"/>
+              <a:t> </a:t>
+            </a:r>
+            <a:r>
+              <a:rPr lang="sk-SK" sz="1100" dirty="0" err="1" smtClean="0"/>
+              <a:t>all</a:t>
+            </a:r>
+            <a:r>
+              <a:rPr lang="sk-SK" sz="1100" dirty="0" smtClean="0"/>
+              <a:t> </a:t>
+            </a:r>
+            <a:r>
+              <a:rPr lang="sk-SK" sz="1100" dirty="0" err="1" smtClean="0"/>
+              <a:t>chaptered</a:t>
+            </a:r>
+            <a:r>
+              <a:rPr lang="sk-SK" sz="1100" dirty="0" smtClean="0"/>
+              <a:t> (</a:t>
+            </a:r>
+            <a:r>
+              <a:rPr lang="sk-SK" sz="1100" dirty="0" err="1" smtClean="0"/>
+              <a:t>split</a:t>
+            </a:r>
+            <a:r>
+              <a:rPr lang="sk-SK" sz="1100" dirty="0" smtClean="0"/>
+              <a:t>) </a:t>
+            </a:r>
+            <a:r>
+              <a:rPr lang="sk-SK" sz="1100" dirty="0" err="1" smtClean="0"/>
+              <a:t>files</a:t>
+            </a:r>
+            <a:r>
+              <a:rPr lang="sk-SK" sz="1100" dirty="0" smtClean="0"/>
+              <a:t> </a:t>
+            </a:r>
+            <a:r>
+              <a:rPr lang="sk-SK" sz="1100" dirty="0" err="1" smtClean="0"/>
+              <a:t>that</a:t>
+            </a:r>
+            <a:r>
+              <a:rPr lang="sk-SK" sz="1100" dirty="0" smtClean="0"/>
+              <a:t> </a:t>
+            </a:r>
+            <a:r>
+              <a:rPr lang="sk-SK" sz="1100" dirty="0" err="1" smtClean="0"/>
+              <a:t>need</a:t>
+            </a:r>
+            <a:r>
+              <a:rPr lang="sk-SK" sz="1100" dirty="0" smtClean="0"/>
+              <a:t> </a:t>
+            </a:r>
+            <a:r>
+              <a:rPr lang="sk-SK" sz="1100" dirty="0" err="1" smtClean="0"/>
+              <a:t>merging</a:t>
+            </a:r>
+            <a:r>
+              <a:rPr lang="sk-SK" sz="1100" dirty="0" smtClean="0"/>
+              <a:t> and </a:t>
+            </a:r>
+            <a:r>
+              <a:rPr lang="sk-SK" sz="1100" dirty="0" err="1" smtClean="0"/>
+              <a:t>call</a:t>
+            </a:r>
+            <a:r>
+              <a:rPr lang="sk-SK" sz="1100" dirty="0" smtClean="0"/>
+              <a:t> </a:t>
+            </a:r>
+            <a:r>
+              <a:rPr lang="sk-SK" sz="1100" dirty="0" err="1" smtClean="0"/>
+              <a:t>the</a:t>
+            </a:r>
+            <a:r>
+              <a:rPr lang="sk-SK" sz="1100" dirty="0" smtClean="0"/>
+              <a:t> </a:t>
+            </a:r>
+            <a:r>
+              <a:rPr lang="sk-SK" sz="1100" dirty="0" err="1" smtClean="0"/>
+              <a:t>merge</a:t>
+            </a:r>
+            <a:r>
+              <a:rPr lang="sk-SK" sz="1100" dirty="0" smtClean="0"/>
+              <a:t> </a:t>
+            </a:r>
+            <a:r>
+              <a:rPr lang="sk-SK" sz="1100" dirty="0" err="1" smtClean="0"/>
+              <a:t>function</a:t>
+            </a:r>
+            <a:r>
+              <a:rPr lang="sk-SK" sz="1100" dirty="0" smtClean="0"/>
+              <a:t> on </a:t>
+            </a:r>
+            <a:r>
+              <a:rPr lang="sk-SK" sz="1100" dirty="0" err="1" smtClean="0"/>
+              <a:t>each</a:t>
+            </a:r>
+            <a:r>
+              <a:rPr lang="sk-SK" sz="1100" dirty="0" smtClean="0"/>
+              <a:t> </a:t>
+            </a:r>
+            <a:r>
+              <a:rPr lang="sk-SK" sz="1100" dirty="0" err="1" smtClean="0"/>
+              <a:t>array</a:t>
+            </a:r>
+            <a:r>
+              <a:rPr lang="sk-SK" sz="1100" dirty="0" smtClean="0"/>
+              <a:t> of </a:t>
+            </a:r>
+            <a:r>
+              <a:rPr lang="sk-SK" sz="1100" dirty="0" err="1" smtClean="0"/>
+              <a:t>chapters</a:t>
+            </a:r>
+            <a:r>
+              <a:rPr lang="sk-SK" sz="1100" dirty="0" smtClean="0"/>
+              <a:t>.</a:t>
+            </a:r>
+            <a:endParaRPr lang="sk-SK" sz="1100" dirty="0"/>
+          </a:p>
+          <a:p>
+            <a:r>
+              <a:rPr lang="sk-SK" sz="1800" dirty="0" err="1" smtClean="0"/>
+              <a:t>Add</a:t>
+            </a:r>
+            <a:r>
+              <a:rPr lang="sk-SK" sz="1800" dirty="0" smtClean="0"/>
+              <a:t> </a:t>
+            </a:r>
+            <a:r>
+              <a:rPr lang="sk-SK" sz="1800" dirty="0"/>
+              <a:t>a </a:t>
+            </a:r>
+            <a:r>
+              <a:rPr lang="sk-SK" sz="1800" dirty="0" err="1"/>
+              <a:t>toggle</a:t>
+            </a:r>
+            <a:r>
+              <a:rPr lang="sk-SK" sz="1800" dirty="0"/>
+              <a:t> switch to </a:t>
+            </a:r>
+            <a:r>
+              <a:rPr lang="sk-SK" sz="1800" dirty="0" err="1"/>
+              <a:t>swith</a:t>
+            </a:r>
+            <a:r>
+              <a:rPr lang="sk-SK" sz="1800" dirty="0"/>
+              <a:t> </a:t>
+            </a:r>
+            <a:r>
+              <a:rPr lang="sk-SK" sz="1800" dirty="0" err="1"/>
+              <a:t>between</a:t>
+            </a:r>
+            <a:r>
+              <a:rPr lang="sk-SK" sz="1800" dirty="0"/>
+              <a:t> </a:t>
+            </a:r>
+            <a:r>
+              <a:rPr lang="sk-SK" sz="1800" dirty="0" err="1"/>
+              <a:t>compiled</a:t>
+            </a:r>
+            <a:r>
+              <a:rPr lang="sk-SK" sz="1800" dirty="0"/>
+              <a:t> and </a:t>
+            </a:r>
+            <a:r>
+              <a:rPr lang="sk-SK" sz="1800" dirty="0" err="1"/>
+              <a:t>un-compiled</a:t>
+            </a:r>
+            <a:r>
+              <a:rPr lang="sk-SK" sz="1800" dirty="0"/>
+              <a:t> </a:t>
+            </a:r>
+            <a:r>
+              <a:rPr lang="sk-SK" sz="1800" dirty="0" err="1"/>
+              <a:t>timestamps</a:t>
+            </a:r>
+            <a:r>
+              <a:rPr lang="sk-SK" sz="1800" dirty="0" smtClean="0"/>
+              <a:t>.</a:t>
+            </a:r>
+          </a:p>
+          <a:p>
+            <a:pPr lvl="1"/>
+            <a:r>
+              <a:rPr lang="sk-SK" sz="1100" dirty="0" err="1" smtClean="0"/>
+              <a:t>Real</a:t>
+            </a:r>
+            <a:r>
+              <a:rPr lang="sk-SK" sz="1100" dirty="0" smtClean="0"/>
+              <a:t> </a:t>
+            </a:r>
+            <a:r>
+              <a:rPr lang="sk-SK" sz="1100" dirty="0" err="1" smtClean="0"/>
+              <a:t>time</a:t>
+            </a:r>
+            <a:r>
+              <a:rPr lang="sk-SK" sz="1100" dirty="0" smtClean="0"/>
+              <a:t> </a:t>
+            </a:r>
+            <a:r>
+              <a:rPr lang="sk-SK" sz="1100" dirty="0" err="1" smtClean="0"/>
+              <a:t>compile</a:t>
+            </a:r>
+            <a:r>
+              <a:rPr lang="sk-SK" sz="1100" dirty="0" smtClean="0"/>
+              <a:t> </a:t>
+            </a:r>
+            <a:r>
+              <a:rPr lang="sk-SK" sz="1100" dirty="0" err="1" smtClean="0"/>
+              <a:t>timestamps</a:t>
+            </a:r>
+            <a:r>
+              <a:rPr lang="sk-SK" sz="1100" dirty="0" smtClean="0"/>
+              <a:t> to </a:t>
+            </a:r>
+            <a:r>
+              <a:rPr lang="sk-SK" sz="1100" dirty="0" err="1" smtClean="0"/>
+              <a:t>avoid</a:t>
+            </a:r>
+            <a:r>
+              <a:rPr lang="sk-SK" sz="1100" dirty="0" smtClean="0"/>
+              <a:t> </a:t>
+            </a:r>
+            <a:r>
+              <a:rPr lang="sk-SK" sz="1100" dirty="0" err="1" smtClean="0"/>
+              <a:t>having</a:t>
+            </a:r>
+            <a:r>
+              <a:rPr lang="sk-SK" sz="1100" dirty="0" smtClean="0"/>
+              <a:t> </a:t>
+            </a:r>
+            <a:r>
+              <a:rPr lang="sk-SK" sz="1100" dirty="0" err="1" smtClean="0"/>
+              <a:t>un-compiled</a:t>
+            </a:r>
+            <a:r>
+              <a:rPr lang="sk-SK" sz="1100" dirty="0" smtClean="0"/>
+              <a:t> </a:t>
+            </a:r>
+            <a:r>
+              <a:rPr lang="sk-SK" sz="1100" dirty="0" err="1" smtClean="0"/>
+              <a:t>timestamps</a:t>
+            </a:r>
+            <a:r>
+              <a:rPr lang="sk-SK" sz="1100" dirty="0" smtClean="0"/>
+              <a:t>?</a:t>
+            </a:r>
+            <a:endParaRPr lang="sk-SK" sz="1100" dirty="0"/>
+          </a:p>
+          <a:p>
+            <a:r>
+              <a:rPr lang="sk-SK" sz="1800" dirty="0" err="1" smtClean="0"/>
+              <a:t>Add</a:t>
+            </a:r>
+            <a:r>
+              <a:rPr lang="sk-SK" sz="1800" dirty="0" smtClean="0"/>
+              <a:t> </a:t>
+            </a:r>
+            <a:r>
+              <a:rPr lang="sk-SK" sz="1800" dirty="0" err="1"/>
+              <a:t>highlight</a:t>
+            </a:r>
+            <a:r>
+              <a:rPr lang="sk-SK" sz="1800" dirty="0"/>
+              <a:t> or change </a:t>
+            </a:r>
+            <a:r>
+              <a:rPr lang="sk-SK" sz="1800" dirty="0" err="1"/>
+              <a:t>cursor</a:t>
+            </a:r>
+            <a:r>
+              <a:rPr lang="sk-SK" sz="1800" dirty="0"/>
+              <a:t> to </a:t>
+            </a:r>
+            <a:r>
+              <a:rPr lang="sk-SK" sz="1800" dirty="0" err="1"/>
+              <a:t>Hand</a:t>
+            </a:r>
+            <a:r>
+              <a:rPr lang="sk-SK" sz="1800" dirty="0"/>
+              <a:t> </a:t>
+            </a:r>
+            <a:r>
+              <a:rPr lang="sk-SK" sz="1800" dirty="0" err="1"/>
+              <a:t>when</a:t>
+            </a:r>
+            <a:r>
+              <a:rPr lang="sk-SK" sz="1800" dirty="0"/>
+              <a:t> </a:t>
+            </a:r>
+            <a:r>
+              <a:rPr lang="sk-SK" sz="1800" dirty="0" err="1"/>
+              <a:t>mouse</a:t>
+            </a:r>
+            <a:r>
+              <a:rPr lang="sk-SK" sz="1800" dirty="0"/>
+              <a:t> over </a:t>
+            </a:r>
+            <a:r>
+              <a:rPr lang="sk-SK" sz="1800" dirty="0" err="1"/>
+              <a:t>button</a:t>
+            </a:r>
+            <a:r>
+              <a:rPr lang="sk-SK" sz="1800" dirty="0" smtClean="0"/>
+              <a:t>.</a:t>
+            </a:r>
+          </a:p>
+          <a:p>
+            <a:pPr lvl="1"/>
+            <a:r>
+              <a:rPr lang="sk-SK" sz="1400" dirty="0" err="1" smtClean="0"/>
+              <a:t>Add</a:t>
+            </a:r>
+            <a:r>
+              <a:rPr lang="sk-SK" sz="1400" dirty="0" smtClean="0"/>
+              <a:t> </a:t>
+            </a:r>
+            <a:r>
+              <a:rPr lang="sk-SK" sz="1400" dirty="0" err="1" smtClean="0"/>
+              <a:t>action</a:t>
+            </a:r>
+            <a:r>
+              <a:rPr lang="sk-SK" sz="1400" dirty="0"/>
+              <a:t> </a:t>
+            </a:r>
+            <a:r>
+              <a:rPr lang="sk-SK" sz="1400" dirty="0" err="1" smtClean="0"/>
+              <a:t>handlers</a:t>
+            </a:r>
+            <a:r>
+              <a:rPr lang="sk-SK" sz="1400" dirty="0" smtClean="0"/>
+              <a:t> in </a:t>
+            </a:r>
+            <a:r>
+              <a:rPr lang="sk-SK" sz="1400" dirty="0" err="1" smtClean="0"/>
+              <a:t>mainEditorView</a:t>
+            </a:r>
+            <a:r>
+              <a:rPr lang="sk-SK" sz="1400" dirty="0" smtClean="0"/>
+              <a:t> and </a:t>
+            </a:r>
+            <a:r>
+              <a:rPr lang="sk-SK" sz="1400" dirty="0" err="1" smtClean="0"/>
+              <a:t>associate</a:t>
+            </a:r>
+            <a:r>
+              <a:rPr lang="sk-SK" sz="1400" dirty="0" smtClean="0"/>
+              <a:t> </a:t>
+            </a:r>
+            <a:r>
+              <a:rPr lang="sk-SK" sz="1400" dirty="0" err="1" smtClean="0"/>
+              <a:t>them</a:t>
+            </a:r>
+            <a:r>
+              <a:rPr lang="sk-SK" sz="1400" dirty="0" smtClean="0"/>
+              <a:t> to </a:t>
+            </a:r>
+            <a:r>
+              <a:rPr lang="sk-SK" sz="1400" dirty="0" err="1" smtClean="0"/>
+              <a:t>mouse</a:t>
+            </a:r>
+            <a:r>
+              <a:rPr lang="sk-SK" sz="1400" dirty="0" smtClean="0"/>
+              <a:t> over/</a:t>
+            </a:r>
+            <a:r>
+              <a:rPr lang="sk-SK" sz="1400" dirty="0" err="1" smtClean="0"/>
+              <a:t>exit</a:t>
+            </a:r>
+            <a:endParaRPr lang="sk-SK" sz="1400" dirty="0" smtClean="0"/>
+          </a:p>
+          <a:p>
+            <a:pPr lvl="1"/>
+            <a:r>
+              <a:rPr lang="sk-SK" sz="1400" dirty="0" err="1" smtClean="0"/>
+              <a:t>Call</a:t>
+            </a:r>
+            <a:r>
+              <a:rPr lang="sk-SK" sz="1400" dirty="0" smtClean="0"/>
+              <a:t> </a:t>
+            </a:r>
+            <a:r>
+              <a:rPr lang="sk-SK" sz="1400" dirty="0" err="1" smtClean="0"/>
+              <a:t>setCursor</a:t>
+            </a:r>
+            <a:r>
+              <a:rPr lang="sk-SK" sz="1400" dirty="0" smtClean="0"/>
+              <a:t> on </a:t>
+            </a:r>
+            <a:r>
+              <a:rPr lang="sk-SK" sz="1400" dirty="0" err="1" smtClean="0"/>
+              <a:t>the</a:t>
+            </a:r>
+            <a:r>
+              <a:rPr lang="sk-SK" sz="1400" dirty="0" smtClean="0"/>
+              <a:t> </a:t>
+            </a:r>
+            <a:r>
+              <a:rPr lang="sk-SK" sz="1400" dirty="0" err="1" smtClean="0"/>
+              <a:t>scene</a:t>
+            </a:r>
+            <a:r>
+              <a:rPr lang="sk-SK" sz="1400" dirty="0" smtClean="0"/>
+              <a:t> on </a:t>
+            </a:r>
+            <a:r>
+              <a:rPr lang="sk-SK" sz="1400" dirty="0" err="1" smtClean="0"/>
+              <a:t>primarystage</a:t>
+            </a:r>
+            <a:endParaRPr lang="sk-SK" sz="1400" dirty="0"/>
+          </a:p>
+          <a:p>
+            <a:r>
+              <a:rPr lang="sk-SK" sz="1800" dirty="0" err="1" smtClean="0"/>
+              <a:t>Add</a:t>
+            </a:r>
+            <a:r>
+              <a:rPr lang="sk-SK" sz="1800" dirty="0" smtClean="0"/>
+              <a:t> </a:t>
+            </a:r>
+            <a:r>
+              <a:rPr lang="sk-SK" sz="1800" dirty="0"/>
+              <a:t>a "Stop Import" </a:t>
+            </a:r>
+            <a:r>
+              <a:rPr lang="sk-SK" sz="1800" dirty="0" err="1"/>
+              <a:t>button</a:t>
+            </a:r>
+            <a:r>
+              <a:rPr lang="sk-SK" sz="1800" dirty="0"/>
+              <a:t>. </a:t>
+            </a:r>
+            <a:r>
+              <a:rPr lang="sk-SK" sz="1800" dirty="0" err="1"/>
+              <a:t>Now</a:t>
+            </a:r>
+            <a:r>
+              <a:rPr lang="sk-SK" sz="1800" dirty="0"/>
+              <a:t> </a:t>
+            </a:r>
+            <a:r>
+              <a:rPr lang="sk-SK" sz="1800" dirty="0" err="1"/>
+              <a:t>you</a:t>
+            </a:r>
+            <a:r>
+              <a:rPr lang="sk-SK" sz="1800" dirty="0"/>
+              <a:t> </a:t>
+            </a:r>
+            <a:r>
+              <a:rPr lang="sk-SK" sz="1800" dirty="0" err="1"/>
+              <a:t>cannot</a:t>
+            </a:r>
+            <a:r>
+              <a:rPr lang="sk-SK" sz="1800" dirty="0"/>
+              <a:t> stop </a:t>
+            </a:r>
+            <a:r>
+              <a:rPr lang="sk-SK" sz="1800" dirty="0" err="1"/>
+              <a:t>the</a:t>
+            </a:r>
+            <a:r>
+              <a:rPr lang="sk-SK" sz="1800" dirty="0"/>
+              <a:t> </a:t>
+            </a:r>
+            <a:r>
+              <a:rPr lang="sk-SK" sz="1800" dirty="0" err="1"/>
+              <a:t>ongoing</a:t>
+            </a:r>
+            <a:r>
+              <a:rPr lang="sk-SK" sz="1800" dirty="0"/>
+              <a:t> import and </a:t>
+            </a:r>
+            <a:r>
+              <a:rPr lang="sk-SK" sz="1800" dirty="0" err="1"/>
+              <a:t>it</a:t>
+            </a:r>
+            <a:r>
+              <a:rPr lang="sk-SK" sz="1800" dirty="0"/>
+              <a:t> </a:t>
+            </a:r>
+            <a:r>
+              <a:rPr lang="sk-SK" sz="1800" dirty="0" err="1"/>
+              <a:t>can</a:t>
+            </a:r>
+            <a:r>
+              <a:rPr lang="sk-SK" sz="1800" dirty="0"/>
+              <a:t> </a:t>
+            </a:r>
+            <a:r>
+              <a:rPr lang="sk-SK" sz="1800" dirty="0" err="1"/>
+              <a:t>take</a:t>
+            </a:r>
+            <a:r>
+              <a:rPr lang="sk-SK" sz="1800" dirty="0"/>
+              <a:t> </a:t>
+            </a:r>
+            <a:r>
+              <a:rPr lang="sk-SK" sz="1800" dirty="0" err="1"/>
+              <a:t>very</a:t>
+            </a:r>
+            <a:r>
+              <a:rPr lang="sk-SK" sz="1800" dirty="0"/>
+              <a:t> </a:t>
+            </a:r>
+            <a:r>
+              <a:rPr lang="sk-SK" sz="1800" dirty="0" err="1"/>
+              <a:t>long</a:t>
+            </a:r>
+            <a:r>
+              <a:rPr lang="sk-SK" sz="1800" dirty="0"/>
+              <a:t> </a:t>
+            </a:r>
+            <a:r>
+              <a:rPr lang="sk-SK" sz="1800" dirty="0" err="1"/>
+              <a:t>time</a:t>
+            </a:r>
+            <a:r>
+              <a:rPr lang="sk-SK" sz="1800" dirty="0" smtClean="0"/>
+              <a:t>.</a:t>
+            </a:r>
+          </a:p>
+          <a:p>
+            <a:pPr lvl="1"/>
+            <a:r>
+              <a:rPr lang="sk-SK" sz="1400" dirty="0" err="1" smtClean="0"/>
+              <a:t>Check</a:t>
+            </a:r>
+            <a:r>
+              <a:rPr lang="sk-SK" sz="1400" dirty="0" smtClean="0"/>
+              <a:t> „</a:t>
+            </a:r>
+            <a:r>
+              <a:rPr lang="en-US" sz="1400" dirty="0" err="1" smtClean="0"/>
+              <a:t>startCopyTask</a:t>
+            </a:r>
+            <a:r>
+              <a:rPr lang="en-US" sz="1400" dirty="0" smtClean="0"/>
+              <a:t>”</a:t>
+            </a:r>
+            <a:endParaRPr lang="sk-SK" sz="1400" dirty="0"/>
+          </a:p>
+          <a:p>
+            <a:r>
+              <a:rPr lang="sk-SK" sz="1800" dirty="0" err="1" smtClean="0"/>
+              <a:t>Would</a:t>
+            </a:r>
+            <a:r>
+              <a:rPr lang="sk-SK" sz="1800" dirty="0" smtClean="0"/>
+              <a:t> </a:t>
+            </a:r>
+            <a:r>
+              <a:rPr lang="sk-SK" sz="1800" dirty="0" err="1"/>
+              <a:t>it</a:t>
+            </a:r>
+            <a:r>
+              <a:rPr lang="sk-SK" sz="1800" dirty="0"/>
+              <a:t> </a:t>
+            </a:r>
+            <a:r>
+              <a:rPr lang="sk-SK" sz="1800" dirty="0" err="1"/>
+              <a:t>make</a:t>
+            </a:r>
+            <a:r>
+              <a:rPr lang="sk-SK" sz="1800" dirty="0"/>
+              <a:t> </a:t>
+            </a:r>
+            <a:r>
+              <a:rPr lang="sk-SK" sz="1800" dirty="0" err="1"/>
+              <a:t>sense</a:t>
+            </a:r>
+            <a:r>
+              <a:rPr lang="sk-SK" sz="1800" dirty="0"/>
+              <a:t> to </a:t>
+            </a:r>
+            <a:r>
+              <a:rPr lang="sk-SK" sz="1800" dirty="0" err="1"/>
+              <a:t>create</a:t>
+            </a:r>
+            <a:r>
+              <a:rPr lang="sk-SK" sz="1800" dirty="0"/>
+              <a:t> a </a:t>
+            </a:r>
+            <a:r>
+              <a:rPr lang="sk-SK" sz="1800" dirty="0" err="1"/>
+              <a:t>folder</a:t>
+            </a:r>
+            <a:r>
+              <a:rPr lang="sk-SK" sz="1800" dirty="0"/>
+              <a:t> </a:t>
+            </a:r>
+            <a:r>
+              <a:rPr lang="sk-SK" sz="1800" dirty="0" err="1"/>
+              <a:t>structure</a:t>
+            </a:r>
+            <a:r>
+              <a:rPr lang="sk-SK" sz="1800" dirty="0"/>
+              <a:t> </a:t>
+            </a:r>
+            <a:r>
+              <a:rPr lang="sk-SK" sz="1800" dirty="0" err="1"/>
+              <a:t>when</a:t>
+            </a:r>
+            <a:r>
+              <a:rPr lang="sk-SK" sz="1800" dirty="0"/>
+              <a:t> </a:t>
+            </a:r>
+            <a:r>
+              <a:rPr lang="sk-SK" sz="1800" dirty="0" err="1"/>
+              <a:t>importing</a:t>
+            </a:r>
+            <a:r>
+              <a:rPr lang="sk-SK" sz="1800" dirty="0" smtClean="0"/>
+              <a:t>?</a:t>
+            </a:r>
+          </a:p>
+          <a:p>
+            <a:pPr lvl="1"/>
+            <a:r>
+              <a:rPr lang="en-US" sz="1400" dirty="0" err="1"/>
+              <a:t>startCopyTask</a:t>
+            </a:r>
+            <a:endParaRPr lang="sk-SK" sz="1400" dirty="0"/>
+          </a:p>
+          <a:p>
+            <a:r>
+              <a:rPr lang="sk-SK" sz="1800" dirty="0" err="1" smtClean="0"/>
+              <a:t>Can</a:t>
+            </a:r>
+            <a:r>
+              <a:rPr lang="sk-SK" sz="1800" dirty="0" smtClean="0"/>
+              <a:t> </a:t>
+            </a:r>
+            <a:r>
+              <a:rPr lang="sk-SK" sz="1800" dirty="0" err="1"/>
+              <a:t>we</a:t>
+            </a:r>
+            <a:r>
+              <a:rPr lang="sk-SK" sz="1800" dirty="0"/>
+              <a:t> set </a:t>
+            </a:r>
+            <a:r>
+              <a:rPr lang="sk-SK" sz="1800" dirty="0" err="1"/>
+              <a:t>the</a:t>
+            </a:r>
+            <a:r>
+              <a:rPr lang="sk-SK" sz="1800" dirty="0"/>
+              <a:t> </a:t>
+            </a:r>
+            <a:r>
+              <a:rPr lang="sk-SK" sz="1800" dirty="0" err="1"/>
+              <a:t>time</a:t>
+            </a:r>
+            <a:r>
+              <a:rPr lang="sk-SK" sz="1800" dirty="0"/>
+              <a:t> on </a:t>
+            </a:r>
+            <a:r>
+              <a:rPr lang="sk-SK" sz="1800" dirty="0" err="1"/>
+              <a:t>the</a:t>
+            </a:r>
+            <a:r>
+              <a:rPr lang="sk-SK" sz="1800" dirty="0"/>
+              <a:t> </a:t>
+            </a:r>
+            <a:r>
+              <a:rPr lang="sk-SK" sz="1800" dirty="0" err="1"/>
+              <a:t>GoPro</a:t>
+            </a:r>
+            <a:r>
+              <a:rPr lang="sk-SK" sz="1800" dirty="0"/>
+              <a:t> </a:t>
+            </a:r>
+            <a:r>
+              <a:rPr lang="sk-SK" sz="1800" dirty="0" err="1"/>
+              <a:t>when</a:t>
+            </a:r>
+            <a:r>
+              <a:rPr lang="sk-SK" sz="1800" dirty="0"/>
+              <a:t> </a:t>
+            </a:r>
+            <a:r>
+              <a:rPr lang="sk-SK" sz="1800" dirty="0" err="1"/>
+              <a:t>connecting</a:t>
+            </a:r>
+            <a:r>
+              <a:rPr lang="sk-SK" sz="1800" dirty="0"/>
+              <a:t> to </a:t>
+            </a:r>
+            <a:r>
+              <a:rPr lang="sk-SK" sz="1800" dirty="0" err="1"/>
+              <a:t>the</a:t>
+            </a:r>
+            <a:r>
+              <a:rPr lang="sk-SK" sz="1800" dirty="0"/>
+              <a:t> </a:t>
+            </a:r>
+            <a:r>
+              <a:rPr lang="sk-SK" sz="1800" dirty="0" err="1" smtClean="0"/>
+              <a:t>camera</a:t>
+            </a:r>
+            <a:r>
+              <a:rPr lang="sk-SK" sz="1800" dirty="0" smtClean="0"/>
+              <a:t>?</a:t>
+            </a:r>
+          </a:p>
+          <a:p>
+            <a:pPr lvl="1"/>
+            <a:r>
+              <a:rPr lang="sk-SK" sz="1400" dirty="0" err="1" smtClean="0"/>
+              <a:t>Check</a:t>
+            </a:r>
+            <a:r>
+              <a:rPr lang="sk-SK" sz="1400" dirty="0" smtClean="0"/>
+              <a:t> </a:t>
+            </a:r>
+            <a:r>
+              <a:rPr lang="sk-SK" sz="1400" dirty="0" err="1" smtClean="0"/>
+              <a:t>the</a:t>
+            </a:r>
+            <a:r>
+              <a:rPr lang="sk-SK" sz="1400" dirty="0" smtClean="0"/>
+              <a:t> WIFI API</a:t>
+            </a:r>
+          </a:p>
+          <a:p>
+            <a:r>
+              <a:rPr lang="sk-SK" sz="1800" dirty="0" err="1" smtClean="0"/>
+              <a:t>Add</a:t>
+            </a:r>
+            <a:r>
+              <a:rPr lang="sk-SK" sz="1800" dirty="0" smtClean="0"/>
+              <a:t> </a:t>
+            </a:r>
+            <a:r>
+              <a:rPr lang="sk-SK" sz="1800" dirty="0" err="1"/>
+              <a:t>instructions</a:t>
+            </a:r>
+            <a:r>
+              <a:rPr lang="sk-SK" sz="1800" dirty="0"/>
+              <a:t> </a:t>
+            </a:r>
+            <a:r>
+              <a:rPr lang="sk-SK" sz="1800" dirty="0" err="1"/>
+              <a:t>about</a:t>
+            </a:r>
+            <a:r>
+              <a:rPr lang="sk-SK" sz="1800" dirty="0"/>
+              <a:t> </a:t>
+            </a:r>
+            <a:r>
+              <a:rPr lang="sk-SK" sz="1800" dirty="0" err="1"/>
+              <a:t>moving</a:t>
+            </a:r>
+            <a:r>
+              <a:rPr lang="sk-SK" sz="1800" dirty="0"/>
+              <a:t> </a:t>
+            </a:r>
+            <a:r>
+              <a:rPr lang="sk-SK" sz="1800" dirty="0" err="1"/>
+              <a:t>data</a:t>
+            </a:r>
+            <a:r>
+              <a:rPr lang="sk-SK" sz="1800" dirty="0"/>
+              <a:t> </a:t>
+            </a:r>
+            <a:r>
+              <a:rPr lang="sk-SK" sz="1800" dirty="0" err="1"/>
+              <a:t>from</a:t>
+            </a:r>
+            <a:r>
+              <a:rPr lang="sk-SK" sz="1800" dirty="0"/>
+              <a:t> </a:t>
+            </a:r>
+            <a:r>
+              <a:rPr lang="sk-SK" sz="1800" dirty="0" err="1"/>
+              <a:t>memory</a:t>
+            </a:r>
+            <a:r>
+              <a:rPr lang="sk-SK" sz="1800" dirty="0"/>
+              <a:t>  </a:t>
+            </a:r>
+            <a:r>
+              <a:rPr lang="sk-SK" sz="1800" dirty="0" err="1"/>
+              <a:t>card</a:t>
+            </a:r>
+            <a:endParaRPr lang="sk-SK" sz="1800" dirty="0"/>
+          </a:p>
+          <a:p>
+            <a:r>
+              <a:rPr lang="sk-SK" sz="1800" dirty="0" err="1" smtClean="0"/>
+              <a:t>When</a:t>
+            </a:r>
+            <a:r>
+              <a:rPr lang="sk-SK" sz="1800" dirty="0" smtClean="0"/>
+              <a:t> </a:t>
+            </a:r>
+            <a:r>
+              <a:rPr lang="sk-SK" sz="1800" dirty="0" err="1"/>
+              <a:t>importing</a:t>
+            </a:r>
+            <a:r>
+              <a:rPr lang="sk-SK" sz="1800" dirty="0"/>
+              <a:t> video </a:t>
+            </a:r>
+            <a:r>
+              <a:rPr lang="sk-SK" sz="1800" dirty="0" err="1"/>
+              <a:t>files</a:t>
+            </a:r>
+            <a:r>
+              <a:rPr lang="sk-SK" sz="1800" dirty="0"/>
+              <a:t>, </a:t>
+            </a:r>
+            <a:r>
+              <a:rPr lang="sk-SK" sz="1800" dirty="0" err="1"/>
+              <a:t>existing</a:t>
+            </a:r>
+            <a:r>
+              <a:rPr lang="sk-SK" sz="1800" dirty="0"/>
+              <a:t> </a:t>
+            </a:r>
+            <a:r>
+              <a:rPr lang="sk-SK" sz="1800" dirty="0" err="1"/>
+              <a:t>files</a:t>
+            </a:r>
+            <a:r>
+              <a:rPr lang="sk-SK" sz="1800" dirty="0"/>
+              <a:t> are </a:t>
+            </a:r>
+            <a:r>
+              <a:rPr lang="sk-SK" sz="1800" dirty="0" err="1"/>
+              <a:t>overwritten</a:t>
+            </a:r>
+            <a:r>
+              <a:rPr lang="sk-SK" sz="1800" dirty="0"/>
+              <a:t> (</a:t>
+            </a:r>
+            <a:r>
+              <a:rPr lang="sk-SK" sz="1800" dirty="0" err="1"/>
+              <a:t>if</a:t>
+            </a:r>
+            <a:r>
+              <a:rPr lang="sk-SK" sz="1800" dirty="0"/>
+              <a:t> </a:t>
+            </a:r>
+            <a:r>
+              <a:rPr lang="sk-SK" sz="1800" dirty="0" err="1"/>
+              <a:t>they</a:t>
+            </a:r>
+            <a:r>
+              <a:rPr lang="sk-SK" sz="1800" dirty="0"/>
+              <a:t> </a:t>
+            </a:r>
+            <a:r>
+              <a:rPr lang="sk-SK" sz="1800" dirty="0" err="1"/>
+              <a:t>were</a:t>
+            </a:r>
+            <a:r>
+              <a:rPr lang="sk-SK" sz="1800" dirty="0"/>
+              <a:t> </a:t>
+            </a:r>
+            <a:r>
+              <a:rPr lang="sk-SK" sz="1800" dirty="0" err="1"/>
+              <a:t>already</a:t>
+            </a:r>
+            <a:r>
+              <a:rPr lang="sk-SK" sz="1800" dirty="0"/>
+              <a:t> </a:t>
+            </a:r>
+            <a:r>
+              <a:rPr lang="sk-SK" sz="1800" dirty="0" err="1"/>
+              <a:t>downloaded</a:t>
+            </a:r>
+            <a:r>
+              <a:rPr lang="sk-SK" sz="1800" dirty="0"/>
+              <a:t> </a:t>
+            </a:r>
+            <a:r>
+              <a:rPr lang="sk-SK" sz="1800" dirty="0" err="1"/>
+              <a:t>once</a:t>
+            </a:r>
+            <a:r>
+              <a:rPr lang="sk-SK" sz="1800" dirty="0"/>
+              <a:t>). </a:t>
+            </a:r>
+            <a:r>
+              <a:rPr lang="sk-SK" sz="1800" dirty="0" err="1"/>
+              <a:t>Can</a:t>
+            </a:r>
+            <a:r>
+              <a:rPr lang="sk-SK" sz="1800" dirty="0"/>
+              <a:t> </a:t>
+            </a:r>
+            <a:r>
+              <a:rPr lang="sk-SK" sz="1800" dirty="0" err="1"/>
+              <a:t>we</a:t>
+            </a:r>
+            <a:r>
+              <a:rPr lang="sk-SK" sz="1800" dirty="0"/>
+              <a:t> </a:t>
+            </a:r>
+            <a:r>
+              <a:rPr lang="sk-SK" sz="1800" dirty="0" err="1"/>
+              <a:t>have</a:t>
+            </a:r>
+            <a:r>
+              <a:rPr lang="sk-SK" sz="1800" dirty="0"/>
+              <a:t> a </a:t>
+            </a:r>
+            <a:r>
+              <a:rPr lang="sk-SK" sz="1800" dirty="0" err="1"/>
+              <a:t>prompt</a:t>
+            </a:r>
+            <a:r>
+              <a:rPr lang="sk-SK" sz="1800" dirty="0"/>
+              <a:t> (</a:t>
+            </a:r>
+            <a:r>
+              <a:rPr lang="sk-SK" sz="1800" dirty="0" err="1"/>
+              <a:t>skip</a:t>
+            </a:r>
+            <a:r>
+              <a:rPr lang="sk-SK" sz="1800" dirty="0"/>
+              <a:t>/</a:t>
+            </a:r>
+            <a:r>
+              <a:rPr lang="sk-SK" sz="1800" dirty="0" err="1"/>
+              <a:t>overwrite</a:t>
+            </a:r>
+            <a:r>
+              <a:rPr lang="sk-SK" sz="1800" dirty="0" smtClean="0"/>
+              <a:t>)?</a:t>
+            </a:r>
+          </a:p>
+          <a:p>
+            <a:pPr lvl="1"/>
+            <a:r>
+              <a:rPr lang="en-US" sz="1200" dirty="0" err="1"/>
+              <a:t>handleImportVideoFiles</a:t>
+            </a:r>
+            <a:endParaRPr lang="sk-SK" sz="1400" dirty="0"/>
+          </a:p>
+          <a:p>
+            <a:r>
+              <a:rPr lang="sk-SK" sz="1800" dirty="0" err="1" smtClean="0"/>
+              <a:t>Could</a:t>
+            </a:r>
+            <a:r>
+              <a:rPr lang="sk-SK" sz="1800" dirty="0" smtClean="0"/>
+              <a:t> </a:t>
+            </a:r>
+            <a:r>
+              <a:rPr lang="sk-SK" sz="1800" dirty="0" err="1"/>
+              <a:t>we</a:t>
+            </a:r>
+            <a:r>
+              <a:rPr lang="sk-SK" sz="1800" dirty="0"/>
+              <a:t> </a:t>
+            </a:r>
+            <a:r>
+              <a:rPr lang="sk-SK" sz="1800" dirty="0" err="1"/>
+              <a:t>have</a:t>
+            </a:r>
+            <a:r>
+              <a:rPr lang="sk-SK" sz="1800" dirty="0"/>
+              <a:t> a  </a:t>
+            </a:r>
+            <a:r>
+              <a:rPr lang="sk-SK" sz="1800" dirty="0" err="1"/>
+              <a:t>copy+compress</a:t>
+            </a:r>
+            <a:r>
+              <a:rPr lang="sk-SK" sz="1800" dirty="0"/>
+              <a:t>  </a:t>
+            </a:r>
+            <a:r>
+              <a:rPr lang="sk-SK" sz="1800" dirty="0" err="1"/>
+              <a:t>function</a:t>
+            </a:r>
+            <a:r>
+              <a:rPr lang="sk-SK" sz="1800" dirty="0"/>
+              <a:t>? </a:t>
+            </a:r>
+            <a:r>
+              <a:rPr lang="sk-SK" sz="1800" dirty="0" err="1"/>
+              <a:t>Possibly</a:t>
+            </a:r>
+            <a:r>
+              <a:rPr lang="sk-SK" sz="1800" dirty="0"/>
+              <a:t> </a:t>
+            </a:r>
+            <a:r>
+              <a:rPr lang="sk-SK" sz="1800" dirty="0" err="1"/>
+              <a:t>combined</a:t>
+            </a:r>
+            <a:r>
+              <a:rPr lang="sk-SK" sz="1800" dirty="0"/>
+              <a:t> </a:t>
+            </a:r>
+            <a:r>
+              <a:rPr lang="sk-SK" sz="1800" dirty="0" err="1"/>
+              <a:t>with</a:t>
+            </a:r>
+            <a:r>
+              <a:rPr lang="sk-SK" sz="1800" dirty="0"/>
+              <a:t> </a:t>
+            </a:r>
+            <a:r>
+              <a:rPr lang="sk-SK" sz="1800" dirty="0" err="1"/>
+              <a:t>Merge</a:t>
+            </a:r>
+            <a:r>
+              <a:rPr lang="sk-SK" sz="1800" dirty="0" smtClean="0"/>
+              <a:t>.</a:t>
+            </a:r>
+          </a:p>
+          <a:p>
+            <a:pPr lvl="1"/>
+            <a:r>
+              <a:rPr lang="sk-SK" sz="1400" dirty="0" err="1" smtClean="0"/>
+              <a:t>Check</a:t>
+            </a:r>
+            <a:r>
+              <a:rPr lang="sk-SK" sz="1400" dirty="0" smtClean="0"/>
+              <a:t> mp4parser </a:t>
+            </a:r>
+            <a:r>
+              <a:rPr lang="sk-SK" sz="1400" dirty="0" err="1" smtClean="0"/>
+              <a:t>documentation</a:t>
+            </a:r>
+            <a:r>
+              <a:rPr lang="sk-SK" sz="1400" dirty="0" smtClean="0"/>
+              <a:t> </a:t>
+            </a:r>
+            <a:r>
+              <a:rPr lang="sk-SK" sz="1400" dirty="0" err="1" smtClean="0"/>
+              <a:t>how</a:t>
+            </a:r>
+            <a:r>
+              <a:rPr lang="sk-SK" sz="1400" dirty="0" smtClean="0"/>
+              <a:t> to do </a:t>
+            </a:r>
+            <a:r>
+              <a:rPr lang="sk-SK" sz="1400" dirty="0" err="1" smtClean="0"/>
+              <a:t>this</a:t>
+            </a:r>
+            <a:r>
+              <a:rPr lang="sk-SK" sz="1400" dirty="0" smtClean="0"/>
+              <a:t>. </a:t>
+            </a:r>
+            <a:endParaRPr lang="sk-SK" sz="1400" dirty="0"/>
           </a:p>
         </p:txBody>
       </p:sp>
     </p:spTree>
     <p:extLst>
       <p:ext uri="{BB962C8B-B14F-4D97-AF65-F5344CB8AC3E}">
-        <p14:creationId xmlns:p14="http://schemas.microsoft.com/office/powerpoint/2010/main" val="1370421505"/>
+        <p14:creationId xmlns:p14="http://schemas.microsoft.com/office/powerpoint/2010/main" val="1320951504"/>
       </p:ext>
     </p:extLst>
   </p:cSld>
@@ -22715,38 +22542,494 @@
           <a:p>
             <a:r>
               <a:rPr lang="en-US" dirty="0" smtClean="0"/>
-              <a:t>Architecture</a:t>
+              <a:t>Backlog </a:t>
+            </a:r>
+            <a:r>
+              <a:rPr lang="mr-IN" dirty="0" smtClean="0"/>
+              <a:t>–</a:t>
+            </a:r>
+            <a:r>
+              <a:rPr lang="en-US" dirty="0" smtClean="0"/>
+              <a:t> part 2</a:t>
             </a:r>
             <a:endParaRPr lang="en-US" dirty="0"/>
           </a:p>
         </p:txBody>
       </p:sp>
-      <p:graphicFrame>
-        <p:nvGraphicFramePr>
-          <p:cNvPr id="4" name="Diagram 3"/>
-          <p:cNvGraphicFramePr/>
+      <p:sp>
+        <p:nvSpPr>
+          <p:cNvPr id="3" name="Content Placeholder 2"/>
+          <p:cNvSpPr>
+            <a:spLocks noGrp="1"/>
+          </p:cNvSpPr>
           <p:nvPr>
-            <p:extLst>
-              <p:ext uri="{D42A27DB-BD31-4B8C-83A1-F6EECF244321}">
-                <p14:modId xmlns:p14="http://schemas.microsoft.com/office/powerpoint/2010/main" val="1231013967"/>
-              </p:ext>
-            </p:extLst>
+            <p:ph idx="1"/>
           </p:nvPr>
-        </p:nvGraphicFramePr>
-        <p:xfrm>
-          <a:off x="414338" y="365125"/>
-          <a:ext cx="11258550" cy="6249987"/>
-        </p:xfrm>
-        <a:graphic>
-          <a:graphicData uri="http://schemas.openxmlformats.org/drawingml/2006/diagram">
-            <dgm:relIds xmlns:dgm="http://schemas.openxmlformats.org/drawingml/2006/diagram" xmlns:r="http://schemas.openxmlformats.org/officeDocument/2006/relationships" r:dm="rId2" r:lo="rId3" r:qs="rId4" r:cs="rId5"/>
-          </a:graphicData>
-        </a:graphic>
-      </p:graphicFrame>
+        </p:nvSpPr>
+        <p:spPr/>
+        <p:txBody>
+          <a:bodyPr numCol="2">
+            <a:normAutofit/>
+          </a:bodyPr>
+          <a:lstStyle/>
+          <a:p>
+            <a:pPr marL="0" indent="0">
+              <a:buNone/>
+            </a:pPr>
+            <a:r>
+              <a:rPr lang="sk-SK" sz="1400" b="1" dirty="0" err="1" smtClean="0"/>
+              <a:t>Improvements</a:t>
+            </a:r>
+            <a:endParaRPr lang="sk-SK" sz="1400" dirty="0"/>
+          </a:p>
+          <a:p>
+            <a:r>
+              <a:rPr lang="sk-SK" sz="1400" dirty="0" err="1" smtClean="0"/>
+              <a:t>Can</a:t>
+            </a:r>
+            <a:r>
+              <a:rPr lang="sk-SK" sz="1400" dirty="0" smtClean="0"/>
+              <a:t> </a:t>
+            </a:r>
+            <a:r>
+              <a:rPr lang="sk-SK" sz="1400" dirty="0"/>
+              <a:t>note-</a:t>
+            </a:r>
+            <a:r>
+              <a:rPr lang="sk-SK" sz="1400" dirty="0" err="1"/>
+              <a:t>taker</a:t>
+            </a:r>
+            <a:r>
+              <a:rPr lang="sk-SK" sz="1400" dirty="0"/>
+              <a:t> </a:t>
+            </a:r>
+            <a:r>
+              <a:rPr lang="sk-SK" sz="1400" dirty="0" err="1"/>
+              <a:t>remember</a:t>
+            </a:r>
+            <a:r>
+              <a:rPr lang="sk-SK" sz="1400" dirty="0"/>
+              <a:t> </a:t>
+            </a:r>
+            <a:r>
+              <a:rPr lang="sk-SK" sz="1400" dirty="0" err="1"/>
+              <a:t>link</a:t>
+            </a:r>
+            <a:r>
+              <a:rPr lang="sk-SK" sz="1400" dirty="0"/>
+              <a:t> to video </a:t>
+            </a:r>
+            <a:r>
+              <a:rPr lang="sk-SK" sz="1400" dirty="0" err="1"/>
+              <a:t>files</a:t>
+            </a:r>
+            <a:r>
+              <a:rPr lang="sk-SK" sz="1400" dirty="0"/>
+              <a:t>, so </a:t>
+            </a:r>
+            <a:r>
+              <a:rPr lang="sk-SK" sz="1400" dirty="0" err="1"/>
+              <a:t>you</a:t>
+            </a:r>
+            <a:r>
+              <a:rPr lang="sk-SK" sz="1400" dirty="0"/>
+              <a:t> </a:t>
+            </a:r>
+            <a:r>
+              <a:rPr lang="sk-SK" sz="1400" dirty="0" err="1"/>
+              <a:t>easily</a:t>
+            </a:r>
+            <a:r>
+              <a:rPr lang="sk-SK" sz="1400" dirty="0"/>
+              <a:t> </a:t>
+            </a:r>
+            <a:r>
+              <a:rPr lang="sk-SK" sz="1400" dirty="0" err="1"/>
+              <a:t>can</a:t>
+            </a:r>
+            <a:r>
+              <a:rPr lang="sk-SK" sz="1400" dirty="0"/>
+              <a:t> </a:t>
+            </a:r>
+            <a:r>
+              <a:rPr lang="sk-SK" sz="1400" dirty="0" err="1"/>
+              <a:t>skip</a:t>
+            </a:r>
+            <a:r>
+              <a:rPr lang="sk-SK" sz="1400" dirty="0"/>
+              <a:t> </a:t>
+            </a:r>
+            <a:r>
+              <a:rPr lang="sk-SK" sz="1400" dirty="0" err="1"/>
+              <a:t>between</a:t>
+            </a:r>
+            <a:r>
+              <a:rPr lang="sk-SK" sz="1400" dirty="0"/>
+              <a:t> </a:t>
+            </a:r>
+            <a:r>
+              <a:rPr lang="sk-SK" sz="1400" dirty="0" err="1"/>
+              <a:t>different</a:t>
+            </a:r>
+            <a:r>
+              <a:rPr lang="sk-SK" sz="1400" dirty="0"/>
+              <a:t> </a:t>
+            </a:r>
+            <a:r>
+              <a:rPr lang="sk-SK" sz="1400" dirty="0" err="1"/>
+              <a:t>xml</a:t>
+            </a:r>
+            <a:r>
+              <a:rPr lang="sk-SK" sz="1400" dirty="0"/>
+              <a:t> </a:t>
+            </a:r>
+            <a:r>
+              <a:rPr lang="sk-SK" sz="1400" dirty="0" err="1"/>
+              <a:t>files</a:t>
+            </a:r>
+            <a:r>
+              <a:rPr lang="sk-SK" sz="1400" dirty="0"/>
+              <a:t> </a:t>
+            </a:r>
+            <a:r>
+              <a:rPr lang="sk-SK" sz="1400" dirty="0" err="1"/>
+              <a:t>without</a:t>
+            </a:r>
+            <a:r>
+              <a:rPr lang="sk-SK" sz="1400" dirty="0"/>
+              <a:t> </a:t>
+            </a:r>
+            <a:r>
+              <a:rPr lang="sk-SK" sz="1400" dirty="0" err="1"/>
+              <a:t>having</a:t>
+            </a:r>
+            <a:r>
+              <a:rPr lang="sk-SK" sz="1400" dirty="0"/>
+              <a:t> to </a:t>
+            </a:r>
+            <a:r>
+              <a:rPr lang="sk-SK" sz="1400" dirty="0" err="1"/>
+              <a:t>redirect</a:t>
+            </a:r>
+            <a:r>
+              <a:rPr lang="sk-SK" sz="1400" dirty="0"/>
+              <a:t> to video </a:t>
+            </a:r>
+            <a:r>
+              <a:rPr lang="sk-SK" sz="1400" dirty="0" err="1"/>
+              <a:t>folder</a:t>
+            </a:r>
+            <a:r>
+              <a:rPr lang="sk-SK" sz="1400" dirty="0"/>
+              <a:t> </a:t>
+            </a:r>
+            <a:r>
+              <a:rPr lang="sk-SK" sz="1400" dirty="0" err="1"/>
+              <a:t>every</a:t>
+            </a:r>
+            <a:r>
+              <a:rPr lang="sk-SK" sz="1400" dirty="0"/>
+              <a:t> </a:t>
+            </a:r>
+            <a:r>
+              <a:rPr lang="sk-SK" sz="1400" dirty="0" err="1"/>
+              <a:t>time</a:t>
+            </a:r>
+            <a:r>
+              <a:rPr lang="sk-SK" sz="1400" dirty="0"/>
+              <a:t>?</a:t>
+            </a:r>
+          </a:p>
+          <a:p>
+            <a:r>
+              <a:rPr lang="sk-SK" sz="1400" dirty="0" err="1" smtClean="0"/>
+              <a:t>Could</a:t>
+            </a:r>
+            <a:r>
+              <a:rPr lang="sk-SK" sz="1400" dirty="0" smtClean="0"/>
+              <a:t> </a:t>
+            </a:r>
+            <a:r>
+              <a:rPr lang="sk-SK" sz="1400" dirty="0" err="1"/>
+              <a:t>sound</a:t>
+            </a:r>
+            <a:r>
+              <a:rPr lang="sk-SK" sz="1400" dirty="0"/>
+              <a:t> </a:t>
+            </a:r>
+            <a:r>
+              <a:rPr lang="sk-SK" sz="1400" dirty="0" err="1"/>
+              <a:t>be</a:t>
+            </a:r>
+            <a:r>
+              <a:rPr lang="sk-SK" sz="1400" dirty="0"/>
+              <a:t> </a:t>
+            </a:r>
+            <a:r>
+              <a:rPr lang="sk-SK" sz="1400" dirty="0" err="1"/>
+              <a:t>played</a:t>
+            </a:r>
+            <a:r>
+              <a:rPr lang="sk-SK" sz="1400" dirty="0"/>
+              <a:t> in </a:t>
+            </a:r>
+            <a:r>
+              <a:rPr lang="sk-SK" sz="1400" dirty="0" err="1"/>
+              <a:t>both</a:t>
+            </a:r>
+            <a:r>
+              <a:rPr lang="sk-SK" sz="1400" dirty="0"/>
+              <a:t> </a:t>
+            </a:r>
+            <a:r>
+              <a:rPr lang="sk-SK" sz="1400" dirty="0" err="1"/>
+              <a:t>earphones</a:t>
+            </a:r>
+            <a:r>
+              <a:rPr lang="sk-SK" sz="1400" dirty="0"/>
+              <a:t> </a:t>
+            </a:r>
+            <a:r>
+              <a:rPr lang="sk-SK" sz="1400" dirty="0" err="1"/>
+              <a:t>when</a:t>
+            </a:r>
+            <a:r>
+              <a:rPr lang="sk-SK" sz="1400" dirty="0"/>
+              <a:t> just </a:t>
+            </a:r>
+            <a:r>
+              <a:rPr lang="sk-SK" sz="1400" dirty="0" err="1"/>
+              <a:t>selecting</a:t>
+            </a:r>
+            <a:r>
+              <a:rPr lang="sk-SK" sz="1400" dirty="0"/>
+              <a:t> </a:t>
+            </a:r>
+            <a:r>
+              <a:rPr lang="sk-SK" sz="1400" dirty="0" err="1"/>
+              <a:t>one</a:t>
+            </a:r>
+            <a:r>
+              <a:rPr lang="sk-SK" sz="1400" dirty="0"/>
+              <a:t> </a:t>
+            </a:r>
+            <a:r>
+              <a:rPr lang="sk-SK" sz="1400" dirty="0" err="1"/>
+              <a:t>channel</a:t>
+            </a:r>
+            <a:r>
+              <a:rPr lang="sk-SK" sz="1400" dirty="0"/>
+              <a:t> </a:t>
+            </a:r>
+            <a:r>
+              <a:rPr lang="sk-SK" sz="1400" dirty="0" err="1"/>
+              <a:t>during</a:t>
+            </a:r>
+            <a:r>
+              <a:rPr lang="sk-SK" sz="1400" dirty="0"/>
+              <a:t> playback?</a:t>
+            </a:r>
+          </a:p>
+          <a:p>
+            <a:r>
+              <a:rPr lang="sk-SK" sz="1400" dirty="0" smtClean="0"/>
+              <a:t>General</a:t>
+            </a:r>
+            <a:r>
+              <a:rPr lang="sk-SK" sz="1400" dirty="0"/>
+              <a:t>: </a:t>
+            </a:r>
+            <a:r>
+              <a:rPr lang="sk-SK" sz="1400" dirty="0" err="1"/>
+              <a:t>How</a:t>
+            </a:r>
+            <a:r>
+              <a:rPr lang="sk-SK" sz="1400" dirty="0"/>
+              <a:t> </a:t>
+            </a:r>
+            <a:r>
+              <a:rPr lang="sk-SK" sz="1400" dirty="0" err="1"/>
+              <a:t>can</a:t>
+            </a:r>
+            <a:r>
+              <a:rPr lang="sk-SK" sz="1400" dirty="0"/>
+              <a:t> </a:t>
+            </a:r>
+            <a:r>
+              <a:rPr lang="sk-SK" sz="1400" dirty="0" err="1"/>
+              <a:t>we</a:t>
+            </a:r>
+            <a:r>
+              <a:rPr lang="sk-SK" sz="1400" dirty="0"/>
+              <a:t> </a:t>
+            </a:r>
+            <a:r>
+              <a:rPr lang="sk-SK" sz="1400" dirty="0" err="1"/>
+              <a:t>improve</a:t>
+            </a:r>
+            <a:r>
+              <a:rPr lang="sk-SK" sz="1400" dirty="0"/>
+              <a:t> </a:t>
+            </a:r>
+            <a:r>
+              <a:rPr lang="sk-SK" sz="1400" dirty="0" err="1"/>
+              <a:t>communication</a:t>
+            </a:r>
+            <a:r>
+              <a:rPr lang="sk-SK" sz="1400" dirty="0"/>
+              <a:t> </a:t>
+            </a:r>
+            <a:r>
+              <a:rPr lang="sk-SK" sz="1400" dirty="0" err="1"/>
+              <a:t>between</a:t>
+            </a:r>
+            <a:r>
+              <a:rPr lang="sk-SK" sz="1400" dirty="0"/>
+              <a:t> </a:t>
+            </a:r>
+            <a:r>
+              <a:rPr lang="sk-SK" sz="1400" dirty="0" err="1"/>
+              <a:t>GoPro</a:t>
+            </a:r>
+            <a:r>
+              <a:rPr lang="sk-SK" sz="1400" dirty="0"/>
+              <a:t> and in </a:t>
+            </a:r>
+            <a:r>
+              <a:rPr lang="sk-SK" sz="1400" dirty="0" err="1"/>
+              <a:t>NoteTaker</a:t>
+            </a:r>
+            <a:r>
+              <a:rPr lang="sk-SK" sz="1400" dirty="0"/>
+              <a:t>, so </a:t>
+            </a:r>
+            <a:r>
+              <a:rPr lang="sk-SK" sz="1400" dirty="0" err="1" smtClean="0"/>
+              <a:t>that</a:t>
+            </a:r>
+            <a:r>
+              <a:rPr lang="sk-SK" sz="1400" dirty="0" smtClean="0"/>
+              <a:t> </a:t>
+            </a:r>
+            <a:r>
+              <a:rPr lang="sk-SK" sz="1400" dirty="0" err="1"/>
+              <a:t>it</a:t>
+            </a:r>
+            <a:r>
+              <a:rPr lang="sk-SK" sz="1400" dirty="0"/>
+              <a:t> </a:t>
+            </a:r>
+            <a:r>
+              <a:rPr lang="sk-SK" sz="1400" dirty="0" err="1"/>
+              <a:t>displays</a:t>
+            </a:r>
+            <a:r>
+              <a:rPr lang="sk-SK" sz="1400" dirty="0"/>
+              <a:t> </a:t>
+            </a:r>
+            <a:r>
+              <a:rPr lang="sk-SK" sz="1400" dirty="0" err="1"/>
+              <a:t>the</a:t>
+            </a:r>
+            <a:r>
+              <a:rPr lang="sk-SK" sz="1400" dirty="0"/>
+              <a:t> </a:t>
+            </a:r>
+            <a:r>
+              <a:rPr lang="sk-SK" sz="1400" dirty="0" err="1"/>
+              <a:t>right</a:t>
+            </a:r>
+            <a:r>
+              <a:rPr lang="sk-SK" sz="1400" dirty="0"/>
+              <a:t> status ALWAYS</a:t>
+            </a:r>
+            <a:r>
+              <a:rPr lang="sk-SK" sz="1400" dirty="0" smtClean="0"/>
+              <a:t>?</a:t>
+            </a:r>
+          </a:p>
+          <a:p>
+            <a:r>
+              <a:rPr lang="sk-SK" sz="1400" dirty="0" err="1" smtClean="0"/>
+              <a:t>Create</a:t>
+            </a:r>
+            <a:r>
+              <a:rPr lang="sk-SK" sz="1400" dirty="0" smtClean="0"/>
+              <a:t> test </a:t>
+            </a:r>
+            <a:r>
+              <a:rPr lang="sk-SK" sz="1400" dirty="0" err="1" smtClean="0"/>
+              <a:t>framework</a:t>
+            </a:r>
+            <a:endParaRPr lang="sk-SK" sz="1400" dirty="0" smtClean="0"/>
+          </a:p>
+          <a:p>
+            <a:r>
+              <a:rPr lang="sk-SK" sz="1400" dirty="0" err="1" smtClean="0"/>
+              <a:t>Integrate</a:t>
+            </a:r>
+            <a:r>
+              <a:rPr lang="sk-SK" sz="1400" dirty="0" smtClean="0"/>
+              <a:t> </a:t>
+            </a:r>
+            <a:r>
+              <a:rPr lang="sk-SK" sz="1400" dirty="0" err="1" smtClean="0"/>
+              <a:t>Maven</a:t>
+            </a:r>
+            <a:r>
+              <a:rPr lang="sk-SK" sz="1400" dirty="0" smtClean="0"/>
+              <a:t> </a:t>
+            </a:r>
+            <a:r>
+              <a:rPr lang="sk-SK" sz="1400" dirty="0" err="1" smtClean="0"/>
+              <a:t>support</a:t>
+            </a:r>
+            <a:endParaRPr lang="sk-SK" sz="1400" dirty="0" smtClean="0"/>
+          </a:p>
+          <a:p>
+            <a:r>
+              <a:rPr lang="sk-SK" sz="1400" dirty="0" err="1" smtClean="0"/>
+              <a:t>Improve</a:t>
+            </a:r>
+            <a:r>
+              <a:rPr lang="sk-SK" sz="1400" dirty="0" smtClean="0"/>
+              <a:t> import </a:t>
+            </a:r>
+            <a:r>
+              <a:rPr lang="sk-SK" sz="1400" dirty="0" err="1" smtClean="0"/>
+              <a:t>speed</a:t>
+            </a:r>
+            <a:endParaRPr lang="sk-SK" sz="1400" dirty="0" smtClean="0"/>
+          </a:p>
+          <a:p>
+            <a:r>
+              <a:rPr lang="sk-SK" sz="1400" dirty="0" err="1" smtClean="0"/>
+              <a:t>Finalize</a:t>
+            </a:r>
+            <a:r>
+              <a:rPr lang="sk-SK" sz="1400" dirty="0" smtClean="0"/>
+              <a:t> and </a:t>
+            </a:r>
+            <a:r>
+              <a:rPr lang="sk-SK" sz="1400" dirty="0" err="1" smtClean="0"/>
+              <a:t>mature</a:t>
+            </a:r>
+            <a:r>
+              <a:rPr lang="sk-SK" sz="1400" dirty="0" smtClean="0"/>
+              <a:t> video </a:t>
+            </a:r>
+            <a:r>
+              <a:rPr lang="sk-SK" sz="1400" dirty="0" err="1" smtClean="0"/>
+              <a:t>merge</a:t>
+            </a:r>
+            <a:endParaRPr lang="en-US" sz="1400" dirty="0"/>
+          </a:p>
+        </p:txBody>
+      </p:sp>
     </p:spTree>
     <p:extLst>
       <p:ext uri="{BB962C8B-B14F-4D97-AF65-F5344CB8AC3E}">
-        <p14:creationId xmlns:p14="http://schemas.microsoft.com/office/powerpoint/2010/main" val="1233805520"/>
+        <p14:creationId xmlns:p14="http://schemas.microsoft.com/office/powerpoint/2010/main" val="897875154"/>
       </p:ext>
     </p:extLst>
   </p:cSld>

--- a/ViNo Get Started DEVELOPMENT V4.0.pptx
+++ b/ViNo Get Started DEVELOPMENT V4.0.pptx
@@ -23,9 +23,10 @@
     <p:sldId id="276" r:id="rId17"/>
     <p:sldId id="272" r:id="rId18"/>
     <p:sldId id="279" r:id="rId19"/>
-    <p:sldId id="275" r:id="rId20"/>
-    <p:sldId id="277" r:id="rId21"/>
-    <p:sldId id="278" r:id="rId22"/>
+    <p:sldId id="282" r:id="rId20"/>
+    <p:sldId id="275" r:id="rId21"/>
+    <p:sldId id="277" r:id="rId22"/>
+    <p:sldId id="278" r:id="rId23"/>
   </p:sldIdLst>
   <p:sldSz cx="12192000" cy="6858000"/>
   <p:notesSz cx="6858000" cy="9144000"/>
@@ -3175,6 +3176,1396 @@
       <dsp:cNvGrpSpPr/>
     </dsp:nvGrpSpPr>
     <dsp:grpSpPr/>
+    <dsp:sp modelId="{78A916C1-45FB-6547-9A4C-8052BBEDDF7C}">
+      <dsp:nvSpPr>
+        <dsp:cNvPr id="0" name=""/>
+        <dsp:cNvSpPr/>
+      </dsp:nvSpPr>
+      <dsp:spPr>
+        <a:xfrm>
+          <a:off x="5629275" y="2977518"/>
+          <a:ext cx="4978160" cy="273458"/>
+        </a:xfrm>
+        <a:custGeom>
+          <a:avLst/>
+          <a:gdLst/>
+          <a:ahLst/>
+          <a:cxnLst/>
+          <a:rect l="0" t="0" r="0" b="0"/>
+          <a:pathLst>
+            <a:path>
+              <a:moveTo>
+                <a:pt x="0" y="0"/>
+              </a:moveTo>
+              <a:lnTo>
+                <a:pt x="0" y="136729"/>
+              </a:lnTo>
+              <a:lnTo>
+                <a:pt x="4978160" y="136729"/>
+              </a:lnTo>
+              <a:lnTo>
+                <a:pt x="4978160" y="273458"/>
+              </a:lnTo>
+            </a:path>
+          </a:pathLst>
+        </a:custGeom>
+        <a:noFill/>
+        <a:ln w="6350" cap="flat" cmpd="sng" algn="ctr">
+          <a:solidFill>
+            <a:schemeClr val="accent1">
+              <a:shade val="60000"/>
+              <a:hueOff val="0"/>
+              <a:satOff val="0"/>
+              <a:lumOff val="0"/>
+              <a:alphaOff val="0"/>
+            </a:schemeClr>
+          </a:solidFill>
+          <a:prstDash val="solid"/>
+          <a:miter lim="800000"/>
+        </a:ln>
+        <a:effectLst/>
+      </dsp:spPr>
+      <dsp:style>
+        <a:lnRef idx="1">
+          <a:scrgbClr r="0" g="0" b="0"/>
+        </a:lnRef>
+        <a:fillRef idx="0">
+          <a:scrgbClr r="0" g="0" b="0"/>
+        </a:fillRef>
+        <a:effectRef idx="0">
+          <a:scrgbClr r="0" g="0" b="0"/>
+        </a:effectRef>
+        <a:fontRef idx="minor"/>
+      </dsp:style>
+    </dsp:sp>
+    <dsp:sp modelId="{E1763A78-C2EC-8745-BA79-01246259F009}">
+      <dsp:nvSpPr>
+        <dsp:cNvPr id="0" name=""/>
+        <dsp:cNvSpPr/>
+      </dsp:nvSpPr>
+      <dsp:spPr>
+        <a:xfrm>
+          <a:off x="5629275" y="2977518"/>
+          <a:ext cx="3402520" cy="273458"/>
+        </a:xfrm>
+        <a:custGeom>
+          <a:avLst/>
+          <a:gdLst/>
+          <a:ahLst/>
+          <a:cxnLst/>
+          <a:rect l="0" t="0" r="0" b="0"/>
+          <a:pathLst>
+            <a:path>
+              <a:moveTo>
+                <a:pt x="0" y="0"/>
+              </a:moveTo>
+              <a:lnTo>
+                <a:pt x="0" y="136729"/>
+              </a:lnTo>
+              <a:lnTo>
+                <a:pt x="3402520" y="136729"/>
+              </a:lnTo>
+              <a:lnTo>
+                <a:pt x="3402520" y="273458"/>
+              </a:lnTo>
+            </a:path>
+          </a:pathLst>
+        </a:custGeom>
+        <a:noFill/>
+        <a:ln w="6350" cap="flat" cmpd="sng" algn="ctr">
+          <a:solidFill>
+            <a:schemeClr val="accent1">
+              <a:shade val="60000"/>
+              <a:hueOff val="0"/>
+              <a:satOff val="0"/>
+              <a:lumOff val="0"/>
+              <a:alphaOff val="0"/>
+            </a:schemeClr>
+          </a:solidFill>
+          <a:prstDash val="solid"/>
+          <a:miter lim="800000"/>
+        </a:ln>
+        <a:effectLst/>
+      </dsp:spPr>
+      <dsp:style>
+        <a:lnRef idx="1">
+          <a:scrgbClr r="0" g="0" b="0"/>
+        </a:lnRef>
+        <a:fillRef idx="0">
+          <a:scrgbClr r="0" g="0" b="0"/>
+        </a:fillRef>
+        <a:effectRef idx="0">
+          <a:scrgbClr r="0" g="0" b="0"/>
+        </a:effectRef>
+        <a:fontRef idx="minor"/>
+      </dsp:style>
+    </dsp:sp>
+    <dsp:sp modelId="{CBAE471B-FE89-6E48-B021-5FC4136D6F1B}">
+      <dsp:nvSpPr>
+        <dsp:cNvPr id="0" name=""/>
+        <dsp:cNvSpPr/>
+      </dsp:nvSpPr>
+      <dsp:spPr>
+        <a:xfrm>
+          <a:off x="5629275" y="2977518"/>
+          <a:ext cx="1826880" cy="273458"/>
+        </a:xfrm>
+        <a:custGeom>
+          <a:avLst/>
+          <a:gdLst/>
+          <a:ahLst/>
+          <a:cxnLst/>
+          <a:rect l="0" t="0" r="0" b="0"/>
+          <a:pathLst>
+            <a:path>
+              <a:moveTo>
+                <a:pt x="0" y="0"/>
+              </a:moveTo>
+              <a:lnTo>
+                <a:pt x="0" y="136729"/>
+              </a:lnTo>
+              <a:lnTo>
+                <a:pt x="1826880" y="136729"/>
+              </a:lnTo>
+              <a:lnTo>
+                <a:pt x="1826880" y="273458"/>
+              </a:lnTo>
+            </a:path>
+          </a:pathLst>
+        </a:custGeom>
+        <a:noFill/>
+        <a:ln w="6350" cap="flat" cmpd="sng" algn="ctr">
+          <a:solidFill>
+            <a:schemeClr val="accent1">
+              <a:shade val="60000"/>
+              <a:hueOff val="0"/>
+              <a:satOff val="0"/>
+              <a:lumOff val="0"/>
+              <a:alphaOff val="0"/>
+            </a:schemeClr>
+          </a:solidFill>
+          <a:prstDash val="solid"/>
+          <a:miter lim="800000"/>
+        </a:ln>
+        <a:effectLst/>
+      </dsp:spPr>
+      <dsp:style>
+        <a:lnRef idx="1">
+          <a:scrgbClr r="0" g="0" b="0"/>
+        </a:lnRef>
+        <a:fillRef idx="0">
+          <a:scrgbClr r="0" g="0" b="0"/>
+        </a:fillRef>
+        <a:effectRef idx="0">
+          <a:scrgbClr r="0" g="0" b="0"/>
+        </a:effectRef>
+        <a:fontRef idx="minor"/>
+      </dsp:style>
+    </dsp:sp>
+    <dsp:sp modelId="{9B87DF03-7C43-5D46-8C35-C4D697A5299A}">
+      <dsp:nvSpPr>
+        <dsp:cNvPr id="0" name=""/>
+        <dsp:cNvSpPr/>
+      </dsp:nvSpPr>
+      <dsp:spPr>
+        <a:xfrm>
+          <a:off x="5629275" y="2977518"/>
+          <a:ext cx="251239" cy="273458"/>
+        </a:xfrm>
+        <a:custGeom>
+          <a:avLst/>
+          <a:gdLst/>
+          <a:ahLst/>
+          <a:cxnLst/>
+          <a:rect l="0" t="0" r="0" b="0"/>
+          <a:pathLst>
+            <a:path>
+              <a:moveTo>
+                <a:pt x="0" y="0"/>
+              </a:moveTo>
+              <a:lnTo>
+                <a:pt x="0" y="136729"/>
+              </a:lnTo>
+              <a:lnTo>
+                <a:pt x="251239" y="136729"/>
+              </a:lnTo>
+              <a:lnTo>
+                <a:pt x="251239" y="273458"/>
+              </a:lnTo>
+            </a:path>
+          </a:pathLst>
+        </a:custGeom>
+        <a:noFill/>
+        <a:ln w="6350" cap="flat" cmpd="sng" algn="ctr">
+          <a:solidFill>
+            <a:schemeClr val="accent1">
+              <a:shade val="60000"/>
+              <a:hueOff val="0"/>
+              <a:satOff val="0"/>
+              <a:lumOff val="0"/>
+              <a:alphaOff val="0"/>
+            </a:schemeClr>
+          </a:solidFill>
+          <a:prstDash val="solid"/>
+          <a:miter lim="800000"/>
+        </a:ln>
+        <a:effectLst/>
+      </dsp:spPr>
+      <dsp:style>
+        <a:lnRef idx="1">
+          <a:scrgbClr r="0" g="0" b="0"/>
+        </a:lnRef>
+        <a:fillRef idx="0">
+          <a:scrgbClr r="0" g="0" b="0"/>
+        </a:fillRef>
+        <a:effectRef idx="0">
+          <a:scrgbClr r="0" g="0" b="0"/>
+        </a:effectRef>
+        <a:fontRef idx="minor"/>
+      </dsp:style>
+    </dsp:sp>
+    <dsp:sp modelId="{8DFCF146-7C2B-7247-9822-DCE752D9A16A}">
+      <dsp:nvSpPr>
+        <dsp:cNvPr id="0" name=""/>
+        <dsp:cNvSpPr/>
+      </dsp:nvSpPr>
+      <dsp:spPr>
+        <a:xfrm>
+          <a:off x="4304874" y="2977518"/>
+          <a:ext cx="1324400" cy="273458"/>
+        </a:xfrm>
+        <a:custGeom>
+          <a:avLst/>
+          <a:gdLst/>
+          <a:ahLst/>
+          <a:cxnLst/>
+          <a:rect l="0" t="0" r="0" b="0"/>
+          <a:pathLst>
+            <a:path>
+              <a:moveTo>
+                <a:pt x="1324400" y="0"/>
+              </a:moveTo>
+              <a:lnTo>
+                <a:pt x="1324400" y="136729"/>
+              </a:lnTo>
+              <a:lnTo>
+                <a:pt x="0" y="136729"/>
+              </a:lnTo>
+              <a:lnTo>
+                <a:pt x="0" y="273458"/>
+              </a:lnTo>
+            </a:path>
+          </a:pathLst>
+        </a:custGeom>
+        <a:noFill/>
+        <a:ln w="6350" cap="flat" cmpd="sng" algn="ctr">
+          <a:solidFill>
+            <a:schemeClr val="accent1">
+              <a:shade val="60000"/>
+              <a:hueOff val="0"/>
+              <a:satOff val="0"/>
+              <a:lumOff val="0"/>
+              <a:alphaOff val="0"/>
+            </a:schemeClr>
+          </a:solidFill>
+          <a:prstDash val="solid"/>
+          <a:miter lim="800000"/>
+        </a:ln>
+        <a:effectLst/>
+      </dsp:spPr>
+      <dsp:style>
+        <a:lnRef idx="1">
+          <a:scrgbClr r="0" g="0" b="0"/>
+        </a:lnRef>
+        <a:fillRef idx="0">
+          <a:scrgbClr r="0" g="0" b="0"/>
+        </a:fillRef>
+        <a:effectRef idx="0">
+          <a:scrgbClr r="0" g="0" b="0"/>
+        </a:effectRef>
+        <a:fontRef idx="minor"/>
+      </dsp:style>
+    </dsp:sp>
+    <dsp:sp modelId="{CE8BF669-6A0C-B04A-80AC-D3DA0F976ABF}">
+      <dsp:nvSpPr>
+        <dsp:cNvPr id="0" name=""/>
+        <dsp:cNvSpPr/>
+      </dsp:nvSpPr>
+      <dsp:spPr>
+        <a:xfrm>
+          <a:off x="993181" y="3887782"/>
+          <a:ext cx="287934" cy="1327659"/>
+        </a:xfrm>
+        <a:custGeom>
+          <a:avLst/>
+          <a:gdLst/>
+          <a:ahLst/>
+          <a:cxnLst/>
+          <a:rect l="0" t="0" r="0" b="0"/>
+          <a:pathLst>
+            <a:path>
+              <a:moveTo>
+                <a:pt x="0" y="0"/>
+              </a:moveTo>
+              <a:lnTo>
+                <a:pt x="0" y="1327659"/>
+              </a:lnTo>
+              <a:lnTo>
+                <a:pt x="287934" y="1327659"/>
+              </a:lnTo>
+            </a:path>
+          </a:pathLst>
+        </a:custGeom>
+        <a:noFill/>
+        <a:ln w="6350" cap="flat" cmpd="sng" algn="ctr">
+          <a:solidFill>
+            <a:schemeClr val="accent1">
+              <a:shade val="80000"/>
+              <a:hueOff val="0"/>
+              <a:satOff val="0"/>
+              <a:lumOff val="0"/>
+              <a:alphaOff val="0"/>
+            </a:schemeClr>
+          </a:solidFill>
+          <a:prstDash val="solid"/>
+          <a:miter lim="800000"/>
+        </a:ln>
+        <a:effectLst/>
+      </dsp:spPr>
+      <dsp:style>
+        <a:lnRef idx="1">
+          <a:scrgbClr r="0" g="0" b="0"/>
+        </a:lnRef>
+        <a:fillRef idx="0">
+          <a:scrgbClr r="0" g="0" b="0"/>
+        </a:fillRef>
+        <a:effectRef idx="0">
+          <a:scrgbClr r="0" g="0" b="0"/>
+        </a:effectRef>
+        <a:fontRef idx="minor"/>
+      </dsp:style>
+    </dsp:sp>
+    <dsp:sp modelId="{A491FDAF-2359-B140-B33A-8323B9468F07}">
+      <dsp:nvSpPr>
+        <dsp:cNvPr id="0" name=""/>
+        <dsp:cNvSpPr/>
+      </dsp:nvSpPr>
+      <dsp:spPr>
+        <a:xfrm>
+          <a:off x="2051168" y="2977518"/>
+          <a:ext cx="3578106" cy="259173"/>
+        </a:xfrm>
+        <a:custGeom>
+          <a:avLst/>
+          <a:gdLst/>
+          <a:ahLst/>
+          <a:cxnLst/>
+          <a:rect l="0" t="0" r="0" b="0"/>
+          <a:pathLst>
+            <a:path>
+              <a:moveTo>
+                <a:pt x="3578106" y="0"/>
+              </a:moveTo>
+              <a:lnTo>
+                <a:pt x="3578106" y="122444"/>
+              </a:lnTo>
+              <a:lnTo>
+                <a:pt x="0" y="122444"/>
+              </a:lnTo>
+              <a:lnTo>
+                <a:pt x="0" y="259173"/>
+              </a:lnTo>
+            </a:path>
+          </a:pathLst>
+        </a:custGeom>
+        <a:noFill/>
+        <a:ln w="6350" cap="flat" cmpd="sng" algn="ctr">
+          <a:solidFill>
+            <a:schemeClr val="accent1">
+              <a:shade val="60000"/>
+              <a:hueOff val="0"/>
+              <a:satOff val="0"/>
+              <a:lumOff val="0"/>
+              <a:alphaOff val="0"/>
+            </a:schemeClr>
+          </a:solidFill>
+          <a:prstDash val="solid"/>
+          <a:miter lim="800000"/>
+        </a:ln>
+        <a:effectLst/>
+      </dsp:spPr>
+      <dsp:style>
+        <a:lnRef idx="1">
+          <a:scrgbClr r="0" g="0" b="0"/>
+        </a:lnRef>
+        <a:fillRef idx="0">
+          <a:scrgbClr r="0" g="0" b="0"/>
+        </a:fillRef>
+        <a:effectRef idx="0">
+          <a:scrgbClr r="0" g="0" b="0"/>
+        </a:effectRef>
+        <a:fontRef idx="minor"/>
+      </dsp:style>
+    </dsp:sp>
+    <dsp:sp modelId="{5B6F6B59-8F5B-6345-9968-75BE1F974883}">
+      <dsp:nvSpPr>
+        <dsp:cNvPr id="0" name=""/>
+        <dsp:cNvSpPr/>
+      </dsp:nvSpPr>
+      <dsp:spPr>
+        <a:xfrm>
+          <a:off x="3039716" y="1423370"/>
+          <a:ext cx="5179116" cy="1554147"/>
+        </a:xfrm>
+        <a:prstGeom prst="rect">
+          <a:avLst/>
+        </a:prstGeom>
+        <a:gradFill rotWithShape="0">
+          <a:gsLst>
+            <a:gs pos="0">
+              <a:schemeClr val="accent1">
+                <a:hueOff val="0"/>
+                <a:satOff val="0"/>
+                <a:lumOff val="0"/>
+                <a:alphaOff val="0"/>
+                <a:satMod val="103000"/>
+                <a:lumMod val="102000"/>
+                <a:tint val="94000"/>
+              </a:schemeClr>
+            </a:gs>
+            <a:gs pos="50000">
+              <a:schemeClr val="accent1">
+                <a:hueOff val="0"/>
+                <a:satOff val="0"/>
+                <a:lumOff val="0"/>
+                <a:alphaOff val="0"/>
+                <a:satMod val="110000"/>
+                <a:lumMod val="100000"/>
+                <a:shade val="100000"/>
+              </a:schemeClr>
+            </a:gs>
+            <a:gs pos="100000">
+              <a:schemeClr val="accent1">
+                <a:hueOff val="0"/>
+                <a:satOff val="0"/>
+                <a:lumOff val="0"/>
+                <a:alphaOff val="0"/>
+                <a:lumMod val="99000"/>
+                <a:satMod val="120000"/>
+                <a:shade val="78000"/>
+              </a:schemeClr>
+            </a:gs>
+          </a:gsLst>
+          <a:lin ang="5400000" scaled="0"/>
+        </a:gradFill>
+        <a:ln>
+          <a:noFill/>
+        </a:ln>
+        <a:effectLst/>
+      </dsp:spPr>
+      <dsp:style>
+        <a:lnRef idx="0">
+          <a:scrgbClr r="0" g="0" b="0"/>
+        </a:lnRef>
+        <a:fillRef idx="3">
+          <a:scrgbClr r="0" g="0" b="0"/>
+        </a:fillRef>
+        <a:effectRef idx="2">
+          <a:scrgbClr r="0" g="0" b="0"/>
+        </a:effectRef>
+        <a:fontRef idx="minor">
+          <a:schemeClr val="lt1"/>
+        </a:fontRef>
+      </dsp:style>
+      <dsp:txBody>
+        <a:bodyPr spcFirstLastPara="0" vert="horz" wrap="square" lIns="8255" tIns="8255" rIns="8255" bIns="8255" numCol="1" spcCol="1270" anchor="ctr" anchorCtr="0">
+          <a:noAutofit/>
+        </a:bodyPr>
+        <a:lstStyle/>
+        <a:p>
+          <a:pPr lvl="0" algn="ctr" defTabSz="577850">
+            <a:lnSpc>
+              <a:spcPct val="90000"/>
+            </a:lnSpc>
+            <a:spcBef>
+              <a:spcPct val="0"/>
+            </a:spcBef>
+            <a:spcAft>
+              <a:spcPct val="35000"/>
+            </a:spcAft>
+          </a:pPr>
+          <a:r>
+            <a:rPr lang="en-US" sz="1300" b="1" kern="1200" dirty="0" err="1" smtClean="0"/>
+            <a:t>MainApp</a:t>
+          </a:r>
+          <a:endParaRPr lang="en-US" sz="1300" b="1" kern="1200" dirty="0" smtClean="0"/>
+        </a:p>
+        <a:p>
+          <a:pPr lvl="0" algn="ctr" defTabSz="577850">
+            <a:lnSpc>
+              <a:spcPct val="90000"/>
+            </a:lnSpc>
+            <a:spcBef>
+              <a:spcPct val="0"/>
+            </a:spcBef>
+            <a:spcAft>
+              <a:spcPct val="35000"/>
+            </a:spcAft>
+          </a:pPr>
+          <a:r>
+            <a:rPr lang="en-US" sz="1300" kern="1200" dirty="0" smtClean="0"/>
+            <a:t>- The </a:t>
+          </a:r>
+          <a:r>
+            <a:rPr lang="en-US" sz="1300" kern="1200" dirty="0" err="1" smtClean="0"/>
+            <a:t>MainApp</a:t>
+          </a:r>
+          <a:r>
+            <a:rPr lang="en-US" sz="1300" kern="1200" dirty="0" smtClean="0"/>
+            <a:t> instantiates all views that require a window</a:t>
+          </a:r>
+          <a:endParaRPr lang="en-US" sz="1300" kern="1200" dirty="0"/>
+        </a:p>
+      </dsp:txBody>
+      <dsp:txXfrm>
+        <a:off x="3039716" y="1423370"/>
+        <a:ext cx="5179116" cy="1554147"/>
+      </dsp:txXfrm>
+    </dsp:sp>
+    <dsp:sp modelId="{3D554475-69D0-6C4E-8CB5-D5A8D6CC03B4}">
+      <dsp:nvSpPr>
+        <dsp:cNvPr id="0" name=""/>
+        <dsp:cNvSpPr/>
+      </dsp:nvSpPr>
+      <dsp:spPr>
+        <a:xfrm>
+          <a:off x="728685" y="3236691"/>
+          <a:ext cx="2644966" cy="651091"/>
+        </a:xfrm>
+        <a:prstGeom prst="rect">
+          <a:avLst/>
+        </a:prstGeom>
+        <a:gradFill rotWithShape="0">
+          <a:gsLst>
+            <a:gs pos="0">
+              <a:schemeClr val="accent1">
+                <a:hueOff val="0"/>
+                <a:satOff val="0"/>
+                <a:lumOff val="0"/>
+                <a:alphaOff val="0"/>
+                <a:satMod val="103000"/>
+                <a:lumMod val="102000"/>
+                <a:tint val="94000"/>
+              </a:schemeClr>
+            </a:gs>
+            <a:gs pos="50000">
+              <a:schemeClr val="accent1">
+                <a:hueOff val="0"/>
+                <a:satOff val="0"/>
+                <a:lumOff val="0"/>
+                <a:alphaOff val="0"/>
+                <a:satMod val="110000"/>
+                <a:lumMod val="100000"/>
+                <a:shade val="100000"/>
+              </a:schemeClr>
+            </a:gs>
+            <a:gs pos="100000">
+              <a:schemeClr val="accent1">
+                <a:hueOff val="0"/>
+                <a:satOff val="0"/>
+                <a:lumOff val="0"/>
+                <a:alphaOff val="0"/>
+                <a:lumMod val="99000"/>
+                <a:satMod val="120000"/>
+                <a:shade val="78000"/>
+              </a:schemeClr>
+            </a:gs>
+          </a:gsLst>
+          <a:lin ang="5400000" scaled="0"/>
+        </a:gradFill>
+        <a:ln>
+          <a:noFill/>
+        </a:ln>
+        <a:effectLst/>
+      </dsp:spPr>
+      <dsp:style>
+        <a:lnRef idx="0">
+          <a:scrgbClr r="0" g="0" b="0"/>
+        </a:lnRef>
+        <a:fillRef idx="3">
+          <a:scrgbClr r="0" g="0" b="0"/>
+        </a:fillRef>
+        <a:effectRef idx="2">
+          <a:scrgbClr r="0" g="0" b="0"/>
+        </a:effectRef>
+        <a:fontRef idx="minor">
+          <a:schemeClr val="lt1"/>
+        </a:fontRef>
+      </dsp:style>
+      <dsp:txBody>
+        <a:bodyPr spcFirstLastPara="0" vert="horz" wrap="square" lIns="8255" tIns="8255" rIns="8255" bIns="8255" numCol="1" spcCol="1270" anchor="ctr" anchorCtr="0">
+          <a:noAutofit/>
+        </a:bodyPr>
+        <a:lstStyle/>
+        <a:p>
+          <a:pPr lvl="0" algn="ctr" defTabSz="577850">
+            <a:lnSpc>
+              <a:spcPct val="90000"/>
+            </a:lnSpc>
+            <a:spcBef>
+              <a:spcPct val="0"/>
+            </a:spcBef>
+            <a:spcAft>
+              <a:spcPct val="35000"/>
+            </a:spcAft>
+          </a:pPr>
+          <a:r>
+            <a:rPr lang="en-US" sz="1300" b="1" kern="1200" dirty="0" err="1" smtClean="0"/>
+            <a:t>RootLayout</a:t>
+          </a:r>
+          <a:endParaRPr lang="en-US" sz="1300" b="1" kern="1200" dirty="0" smtClean="0"/>
+        </a:p>
+        <a:p>
+          <a:pPr lvl="0" algn="ctr" defTabSz="577850">
+            <a:lnSpc>
+              <a:spcPct val="90000"/>
+            </a:lnSpc>
+            <a:spcBef>
+              <a:spcPct val="0"/>
+            </a:spcBef>
+            <a:spcAft>
+              <a:spcPct val="35000"/>
+            </a:spcAft>
+          </a:pPr>
+          <a:r>
+            <a:rPr lang="en-US" sz="1300" kern="1200" dirty="0" smtClean="0"/>
+            <a:t>- The basic window and </a:t>
+          </a:r>
+          <a:r>
+            <a:rPr lang="en-US" sz="1300" kern="1200" dirty="0" err="1" smtClean="0"/>
+            <a:t>menubar</a:t>
+          </a:r>
+          <a:endParaRPr lang="en-US" sz="1300" kern="1200" dirty="0"/>
+        </a:p>
+      </dsp:txBody>
+      <dsp:txXfrm>
+        <a:off x="728685" y="3236691"/>
+        <a:ext cx="2644966" cy="651091"/>
+      </dsp:txXfrm>
+    </dsp:sp>
+    <dsp:sp modelId="{1FC02C9F-9E09-8C42-AF69-19C03F84467B}">
+      <dsp:nvSpPr>
+        <dsp:cNvPr id="0" name=""/>
+        <dsp:cNvSpPr/>
+      </dsp:nvSpPr>
+      <dsp:spPr>
+        <a:xfrm>
+          <a:off x="1281116" y="4889896"/>
+          <a:ext cx="2719060" cy="651091"/>
+        </a:xfrm>
+        <a:prstGeom prst="rect">
+          <a:avLst/>
+        </a:prstGeom>
+        <a:gradFill rotWithShape="0">
+          <a:gsLst>
+            <a:gs pos="0">
+              <a:schemeClr val="accent1">
+                <a:hueOff val="0"/>
+                <a:satOff val="0"/>
+                <a:lumOff val="0"/>
+                <a:alphaOff val="0"/>
+                <a:satMod val="103000"/>
+                <a:lumMod val="102000"/>
+                <a:tint val="94000"/>
+              </a:schemeClr>
+            </a:gs>
+            <a:gs pos="50000">
+              <a:schemeClr val="accent1">
+                <a:hueOff val="0"/>
+                <a:satOff val="0"/>
+                <a:lumOff val="0"/>
+                <a:alphaOff val="0"/>
+                <a:satMod val="110000"/>
+                <a:lumMod val="100000"/>
+                <a:shade val="100000"/>
+              </a:schemeClr>
+            </a:gs>
+            <a:gs pos="100000">
+              <a:schemeClr val="accent1">
+                <a:hueOff val="0"/>
+                <a:satOff val="0"/>
+                <a:lumOff val="0"/>
+                <a:alphaOff val="0"/>
+                <a:lumMod val="99000"/>
+                <a:satMod val="120000"/>
+                <a:shade val="78000"/>
+              </a:schemeClr>
+            </a:gs>
+          </a:gsLst>
+          <a:lin ang="5400000" scaled="0"/>
+        </a:gradFill>
+        <a:ln>
+          <a:noFill/>
+        </a:ln>
+        <a:effectLst/>
+      </dsp:spPr>
+      <dsp:style>
+        <a:lnRef idx="0">
+          <a:scrgbClr r="0" g="0" b="0"/>
+        </a:lnRef>
+        <a:fillRef idx="3">
+          <a:scrgbClr r="0" g="0" b="0"/>
+        </a:fillRef>
+        <a:effectRef idx="2">
+          <a:scrgbClr r="0" g="0" b="0"/>
+        </a:effectRef>
+        <a:fontRef idx="minor">
+          <a:schemeClr val="lt1"/>
+        </a:fontRef>
+      </dsp:style>
+      <dsp:txBody>
+        <a:bodyPr spcFirstLastPara="0" vert="horz" wrap="square" lIns="8255" tIns="8255" rIns="8255" bIns="8255" numCol="1" spcCol="1270" anchor="ctr" anchorCtr="0">
+          <a:noAutofit/>
+        </a:bodyPr>
+        <a:lstStyle/>
+        <a:p>
+          <a:pPr lvl="0" algn="ctr" defTabSz="577850">
+            <a:lnSpc>
+              <a:spcPct val="90000"/>
+            </a:lnSpc>
+            <a:spcBef>
+              <a:spcPct val="0"/>
+            </a:spcBef>
+            <a:spcAft>
+              <a:spcPct val="35000"/>
+            </a:spcAft>
+          </a:pPr>
+          <a:r>
+            <a:rPr lang="en-US" sz="1300" kern="1200" dirty="0" err="1" smtClean="0"/>
+            <a:t>MainEditorView</a:t>
+          </a:r>
+          <a:endParaRPr lang="en-US" sz="1300" kern="1200" dirty="0" smtClean="0"/>
+        </a:p>
+        <a:p>
+          <a:pPr lvl="0" algn="ctr" defTabSz="577850">
+            <a:lnSpc>
+              <a:spcPct val="90000"/>
+            </a:lnSpc>
+            <a:spcBef>
+              <a:spcPct val="0"/>
+            </a:spcBef>
+            <a:spcAft>
+              <a:spcPct val="35000"/>
+            </a:spcAft>
+          </a:pPr>
+          <a:r>
+            <a:rPr lang="en-US" sz="1300" kern="1200" dirty="0" smtClean="0"/>
+            <a:t>- The graphical UI content</a:t>
+          </a:r>
+          <a:endParaRPr lang="en-US" sz="1300" kern="1200" dirty="0"/>
+        </a:p>
+      </dsp:txBody>
+      <dsp:txXfrm>
+        <a:off x="1281116" y="4889896"/>
+        <a:ext cx="2719060" cy="651091"/>
+      </dsp:txXfrm>
+    </dsp:sp>
+    <dsp:sp modelId="{9D264941-B744-944A-A6C3-E09FB9D87287}">
+      <dsp:nvSpPr>
+        <dsp:cNvPr id="0" name=""/>
+        <dsp:cNvSpPr/>
+      </dsp:nvSpPr>
+      <dsp:spPr>
+        <a:xfrm>
+          <a:off x="3653783" y="3250976"/>
+          <a:ext cx="1302182" cy="1246637"/>
+        </a:xfrm>
+        <a:prstGeom prst="rect">
+          <a:avLst/>
+        </a:prstGeom>
+        <a:gradFill rotWithShape="0">
+          <a:gsLst>
+            <a:gs pos="0">
+              <a:schemeClr val="accent1">
+                <a:hueOff val="0"/>
+                <a:satOff val="0"/>
+                <a:lumOff val="0"/>
+                <a:alphaOff val="0"/>
+                <a:satMod val="103000"/>
+                <a:lumMod val="102000"/>
+                <a:tint val="94000"/>
+              </a:schemeClr>
+            </a:gs>
+            <a:gs pos="50000">
+              <a:schemeClr val="accent1">
+                <a:hueOff val="0"/>
+                <a:satOff val="0"/>
+                <a:lumOff val="0"/>
+                <a:alphaOff val="0"/>
+                <a:satMod val="110000"/>
+                <a:lumMod val="100000"/>
+                <a:shade val="100000"/>
+              </a:schemeClr>
+            </a:gs>
+            <a:gs pos="100000">
+              <a:schemeClr val="accent1">
+                <a:hueOff val="0"/>
+                <a:satOff val="0"/>
+                <a:lumOff val="0"/>
+                <a:alphaOff val="0"/>
+                <a:lumMod val="99000"/>
+                <a:satMod val="120000"/>
+                <a:shade val="78000"/>
+              </a:schemeClr>
+            </a:gs>
+          </a:gsLst>
+          <a:lin ang="5400000" scaled="0"/>
+        </a:gradFill>
+        <a:ln>
+          <a:noFill/>
+        </a:ln>
+        <a:effectLst/>
+      </dsp:spPr>
+      <dsp:style>
+        <a:lnRef idx="0">
+          <a:scrgbClr r="0" g="0" b="0"/>
+        </a:lnRef>
+        <a:fillRef idx="3">
+          <a:scrgbClr r="0" g="0" b="0"/>
+        </a:fillRef>
+        <a:effectRef idx="2">
+          <a:scrgbClr r="0" g="0" b="0"/>
+        </a:effectRef>
+        <a:fontRef idx="minor">
+          <a:schemeClr val="lt1"/>
+        </a:fontRef>
+      </dsp:style>
+      <dsp:txBody>
+        <a:bodyPr spcFirstLastPara="0" vert="horz" wrap="square" lIns="8255" tIns="8255" rIns="8255" bIns="8255" numCol="1" spcCol="1270" anchor="ctr" anchorCtr="0">
+          <a:noAutofit/>
+        </a:bodyPr>
+        <a:lstStyle/>
+        <a:p>
+          <a:pPr lvl="0" algn="ctr" defTabSz="577850">
+            <a:lnSpc>
+              <a:spcPct val="90000"/>
+            </a:lnSpc>
+            <a:spcBef>
+              <a:spcPct val="0"/>
+            </a:spcBef>
+            <a:spcAft>
+              <a:spcPct val="35000"/>
+            </a:spcAft>
+          </a:pPr>
+          <a:r>
+            <a:rPr lang="en-US" sz="1300" kern="1200" dirty="0" err="1" smtClean="0"/>
+            <a:t>CompiledView</a:t>
+          </a:r>
+          <a:endParaRPr lang="en-US" sz="1300" kern="1200" dirty="0" smtClean="0"/>
+        </a:p>
+        <a:p>
+          <a:pPr lvl="0" algn="ctr" defTabSz="577850">
+            <a:lnSpc>
+              <a:spcPct val="90000"/>
+            </a:lnSpc>
+            <a:spcBef>
+              <a:spcPct val="0"/>
+            </a:spcBef>
+            <a:spcAft>
+              <a:spcPct val="35000"/>
+            </a:spcAft>
+          </a:pPr>
+          <a:r>
+            <a:rPr lang="en-US" sz="1300" kern="1200" dirty="0" smtClean="0"/>
+            <a:t>- Shows the video GUI</a:t>
+          </a:r>
+          <a:endParaRPr lang="en-US" sz="1300" kern="1200" dirty="0"/>
+        </a:p>
+      </dsp:txBody>
+      <dsp:txXfrm>
+        <a:off x="3653783" y="3250976"/>
+        <a:ext cx="1302182" cy="1246637"/>
+      </dsp:txXfrm>
+    </dsp:sp>
+    <dsp:sp modelId="{13D0ABDF-E05E-774A-9CDE-34211E6EFA3F}">
+      <dsp:nvSpPr>
+        <dsp:cNvPr id="0" name=""/>
+        <dsp:cNvSpPr/>
+      </dsp:nvSpPr>
+      <dsp:spPr>
+        <a:xfrm>
+          <a:off x="5229423" y="3250976"/>
+          <a:ext cx="1302182" cy="1246637"/>
+        </a:xfrm>
+        <a:prstGeom prst="rect">
+          <a:avLst/>
+        </a:prstGeom>
+        <a:gradFill rotWithShape="0">
+          <a:gsLst>
+            <a:gs pos="0">
+              <a:schemeClr val="accent1">
+                <a:hueOff val="0"/>
+                <a:satOff val="0"/>
+                <a:lumOff val="0"/>
+                <a:alphaOff val="0"/>
+                <a:satMod val="103000"/>
+                <a:lumMod val="102000"/>
+                <a:tint val="94000"/>
+              </a:schemeClr>
+            </a:gs>
+            <a:gs pos="50000">
+              <a:schemeClr val="accent1">
+                <a:hueOff val="0"/>
+                <a:satOff val="0"/>
+                <a:lumOff val="0"/>
+                <a:alphaOff val="0"/>
+                <a:satMod val="110000"/>
+                <a:lumMod val="100000"/>
+                <a:shade val="100000"/>
+              </a:schemeClr>
+            </a:gs>
+            <a:gs pos="100000">
+              <a:schemeClr val="accent1">
+                <a:hueOff val="0"/>
+                <a:satOff val="0"/>
+                <a:lumOff val="0"/>
+                <a:alphaOff val="0"/>
+                <a:lumMod val="99000"/>
+                <a:satMod val="120000"/>
+                <a:shade val="78000"/>
+              </a:schemeClr>
+            </a:gs>
+          </a:gsLst>
+          <a:lin ang="5400000" scaled="0"/>
+        </a:gradFill>
+        <a:ln>
+          <a:noFill/>
+        </a:ln>
+        <a:effectLst/>
+      </dsp:spPr>
+      <dsp:style>
+        <a:lnRef idx="0">
+          <a:scrgbClr r="0" g="0" b="0"/>
+        </a:lnRef>
+        <a:fillRef idx="3">
+          <a:scrgbClr r="0" g="0" b="0"/>
+        </a:fillRef>
+        <a:effectRef idx="2">
+          <a:scrgbClr r="0" g="0" b="0"/>
+        </a:effectRef>
+        <a:fontRef idx="minor">
+          <a:schemeClr val="lt1"/>
+        </a:fontRef>
+      </dsp:style>
+      <dsp:txBody>
+        <a:bodyPr spcFirstLastPara="0" vert="horz" wrap="square" lIns="8255" tIns="8255" rIns="8255" bIns="8255" numCol="1" spcCol="1270" anchor="ctr" anchorCtr="0">
+          <a:noAutofit/>
+        </a:bodyPr>
+        <a:lstStyle/>
+        <a:p>
+          <a:pPr lvl="0" algn="ctr" defTabSz="577850">
+            <a:lnSpc>
+              <a:spcPct val="90000"/>
+            </a:lnSpc>
+            <a:spcBef>
+              <a:spcPct val="0"/>
+            </a:spcBef>
+            <a:spcAft>
+              <a:spcPct val="35000"/>
+            </a:spcAft>
+          </a:pPr>
+          <a:r>
+            <a:rPr lang="en-US" sz="1300" kern="1200" dirty="0" err="1" smtClean="0"/>
+            <a:t>GetStartedView</a:t>
+          </a:r>
+          <a:endParaRPr lang="en-US" sz="1300" kern="1200" dirty="0" smtClean="0"/>
+        </a:p>
+        <a:p>
+          <a:pPr lvl="0" algn="ctr" defTabSz="577850">
+            <a:lnSpc>
+              <a:spcPct val="90000"/>
+            </a:lnSpc>
+            <a:spcBef>
+              <a:spcPct val="0"/>
+            </a:spcBef>
+            <a:spcAft>
+              <a:spcPct val="35000"/>
+            </a:spcAft>
+          </a:pPr>
+          <a:r>
+            <a:rPr lang="en-US" sz="1300" kern="1200" dirty="0" smtClean="0"/>
+            <a:t>- A quick introduction to </a:t>
+          </a:r>
+          <a:r>
+            <a:rPr lang="en-US" sz="1300" kern="1200" dirty="0" err="1" smtClean="0"/>
+            <a:t>ViNO</a:t>
+          </a:r>
+          <a:endParaRPr lang="en-US" sz="1300" kern="1200" dirty="0"/>
+        </a:p>
+      </dsp:txBody>
+      <dsp:txXfrm>
+        <a:off x="5229423" y="3250976"/>
+        <a:ext cx="1302182" cy="1246637"/>
+      </dsp:txXfrm>
+    </dsp:sp>
+    <dsp:sp modelId="{63C14AB2-CDA5-254B-BD0E-31094C7416D6}">
+      <dsp:nvSpPr>
+        <dsp:cNvPr id="0" name=""/>
+        <dsp:cNvSpPr/>
+      </dsp:nvSpPr>
+      <dsp:spPr>
+        <a:xfrm>
+          <a:off x="6805064" y="3250976"/>
+          <a:ext cx="1302182" cy="1246637"/>
+        </a:xfrm>
+        <a:prstGeom prst="rect">
+          <a:avLst/>
+        </a:prstGeom>
+        <a:gradFill rotWithShape="0">
+          <a:gsLst>
+            <a:gs pos="0">
+              <a:schemeClr val="accent1">
+                <a:hueOff val="0"/>
+                <a:satOff val="0"/>
+                <a:lumOff val="0"/>
+                <a:alphaOff val="0"/>
+                <a:satMod val="103000"/>
+                <a:lumMod val="102000"/>
+                <a:tint val="94000"/>
+              </a:schemeClr>
+            </a:gs>
+            <a:gs pos="50000">
+              <a:schemeClr val="accent1">
+                <a:hueOff val="0"/>
+                <a:satOff val="0"/>
+                <a:lumOff val="0"/>
+                <a:alphaOff val="0"/>
+                <a:satMod val="110000"/>
+                <a:lumMod val="100000"/>
+                <a:shade val="100000"/>
+              </a:schemeClr>
+            </a:gs>
+            <a:gs pos="100000">
+              <a:schemeClr val="accent1">
+                <a:hueOff val="0"/>
+                <a:satOff val="0"/>
+                <a:lumOff val="0"/>
+                <a:alphaOff val="0"/>
+                <a:lumMod val="99000"/>
+                <a:satMod val="120000"/>
+                <a:shade val="78000"/>
+              </a:schemeClr>
+            </a:gs>
+          </a:gsLst>
+          <a:lin ang="5400000" scaled="0"/>
+        </a:gradFill>
+        <a:ln>
+          <a:noFill/>
+        </a:ln>
+        <a:effectLst/>
+      </dsp:spPr>
+      <dsp:style>
+        <a:lnRef idx="0">
+          <a:scrgbClr r="0" g="0" b="0"/>
+        </a:lnRef>
+        <a:fillRef idx="3">
+          <a:scrgbClr r="0" g="0" b="0"/>
+        </a:fillRef>
+        <a:effectRef idx="2">
+          <a:scrgbClr r="0" g="0" b="0"/>
+        </a:effectRef>
+        <a:fontRef idx="minor">
+          <a:schemeClr val="lt1"/>
+        </a:fontRef>
+      </dsp:style>
+      <dsp:txBody>
+        <a:bodyPr spcFirstLastPara="0" vert="horz" wrap="square" lIns="8255" tIns="8255" rIns="8255" bIns="8255" numCol="1" spcCol="1270" anchor="ctr" anchorCtr="0">
+          <a:noAutofit/>
+        </a:bodyPr>
+        <a:lstStyle/>
+        <a:p>
+          <a:pPr lvl="0" algn="ctr" defTabSz="577850">
+            <a:lnSpc>
+              <a:spcPct val="90000"/>
+            </a:lnSpc>
+            <a:spcBef>
+              <a:spcPct val="0"/>
+            </a:spcBef>
+            <a:spcAft>
+              <a:spcPct val="35000"/>
+            </a:spcAft>
+          </a:pPr>
+          <a:r>
+            <a:rPr lang="en-US" sz="1300" kern="1200" dirty="0" err="1" smtClean="0"/>
+            <a:t>ImportVideosView</a:t>
+          </a:r>
+          <a:endParaRPr lang="en-US" sz="1300" kern="1200" dirty="0" smtClean="0"/>
+        </a:p>
+        <a:p>
+          <a:pPr lvl="0" algn="ctr" defTabSz="577850">
+            <a:lnSpc>
+              <a:spcPct val="90000"/>
+            </a:lnSpc>
+            <a:spcBef>
+              <a:spcPct val="0"/>
+            </a:spcBef>
+            <a:spcAft>
+              <a:spcPct val="35000"/>
+            </a:spcAft>
+          </a:pPr>
+          <a:r>
+            <a:rPr lang="en-US" sz="1300" kern="1200" dirty="0" smtClean="0"/>
+            <a:t>- Importing videos from the camera or memory card</a:t>
+          </a:r>
+          <a:endParaRPr lang="en-US" sz="1300" kern="1200" dirty="0"/>
+        </a:p>
+      </dsp:txBody>
+      <dsp:txXfrm>
+        <a:off x="6805064" y="3250976"/>
+        <a:ext cx="1302182" cy="1246637"/>
+      </dsp:txXfrm>
+    </dsp:sp>
+    <dsp:sp modelId="{5A1501C8-A3B6-3144-A030-37CB02246727}">
+      <dsp:nvSpPr>
+        <dsp:cNvPr id="0" name=""/>
+        <dsp:cNvSpPr/>
+      </dsp:nvSpPr>
+      <dsp:spPr>
+        <a:xfrm>
+          <a:off x="8380704" y="3250976"/>
+          <a:ext cx="1302182" cy="1246637"/>
+        </a:xfrm>
+        <a:prstGeom prst="rect">
+          <a:avLst/>
+        </a:prstGeom>
+        <a:gradFill rotWithShape="0">
+          <a:gsLst>
+            <a:gs pos="0">
+              <a:schemeClr val="accent1">
+                <a:hueOff val="0"/>
+                <a:satOff val="0"/>
+                <a:lumOff val="0"/>
+                <a:alphaOff val="0"/>
+                <a:satMod val="103000"/>
+                <a:lumMod val="102000"/>
+                <a:tint val="94000"/>
+              </a:schemeClr>
+            </a:gs>
+            <a:gs pos="50000">
+              <a:schemeClr val="accent1">
+                <a:hueOff val="0"/>
+                <a:satOff val="0"/>
+                <a:lumOff val="0"/>
+                <a:alphaOff val="0"/>
+                <a:satMod val="110000"/>
+                <a:lumMod val="100000"/>
+                <a:shade val="100000"/>
+              </a:schemeClr>
+            </a:gs>
+            <a:gs pos="100000">
+              <a:schemeClr val="accent1">
+                <a:hueOff val="0"/>
+                <a:satOff val="0"/>
+                <a:lumOff val="0"/>
+                <a:alphaOff val="0"/>
+                <a:lumMod val="99000"/>
+                <a:satMod val="120000"/>
+                <a:shade val="78000"/>
+              </a:schemeClr>
+            </a:gs>
+          </a:gsLst>
+          <a:lin ang="5400000" scaled="0"/>
+        </a:gradFill>
+        <a:ln>
+          <a:noFill/>
+        </a:ln>
+        <a:effectLst/>
+      </dsp:spPr>
+      <dsp:style>
+        <a:lnRef idx="0">
+          <a:scrgbClr r="0" g="0" b="0"/>
+        </a:lnRef>
+        <a:fillRef idx="3">
+          <a:scrgbClr r="0" g="0" b="0"/>
+        </a:fillRef>
+        <a:effectRef idx="2">
+          <a:scrgbClr r="0" g="0" b="0"/>
+        </a:effectRef>
+        <a:fontRef idx="minor">
+          <a:schemeClr val="lt1"/>
+        </a:fontRef>
+      </dsp:style>
+      <dsp:txBody>
+        <a:bodyPr spcFirstLastPara="0" vert="horz" wrap="square" lIns="8255" tIns="8255" rIns="8255" bIns="8255" numCol="1" spcCol="1270" anchor="ctr" anchorCtr="0">
+          <a:noAutofit/>
+        </a:bodyPr>
+        <a:lstStyle/>
+        <a:p>
+          <a:pPr lvl="0" algn="ctr" defTabSz="577850">
+            <a:lnSpc>
+              <a:spcPct val="90000"/>
+            </a:lnSpc>
+            <a:spcBef>
+              <a:spcPct val="0"/>
+            </a:spcBef>
+            <a:spcAft>
+              <a:spcPct val="35000"/>
+            </a:spcAft>
+          </a:pPr>
+          <a:r>
+            <a:rPr lang="en-US" sz="1300" b="1" kern="1200" dirty="0" smtClean="0"/>
+            <a:t>MediaView</a:t>
+          </a:r>
+        </a:p>
+        <a:p>
+          <a:pPr lvl="0" algn="ctr" defTabSz="577850">
+            <a:lnSpc>
+              <a:spcPct val="90000"/>
+            </a:lnSpc>
+            <a:spcBef>
+              <a:spcPct val="0"/>
+            </a:spcBef>
+            <a:spcAft>
+              <a:spcPct val="35000"/>
+            </a:spcAft>
+          </a:pPr>
+          <a:r>
+            <a:rPr lang="en-US" sz="1300" kern="1200" dirty="0" smtClean="0"/>
+            <a:t>- Not used, see </a:t>
+          </a:r>
+          <a:r>
+            <a:rPr lang="en-US" sz="1300" kern="1200" dirty="0" err="1" smtClean="0"/>
+            <a:t>CompiledView</a:t>
+          </a:r>
+          <a:r>
+            <a:rPr lang="en-US" sz="1300" kern="1200" dirty="0" smtClean="0"/>
+            <a:t> instead</a:t>
+          </a:r>
+          <a:endParaRPr lang="en-US" sz="1300" kern="1200" dirty="0"/>
+        </a:p>
+      </dsp:txBody>
+      <dsp:txXfrm>
+        <a:off x="8380704" y="3250976"/>
+        <a:ext cx="1302182" cy="1246637"/>
+      </dsp:txXfrm>
+    </dsp:sp>
+    <dsp:sp modelId="{F76AFC63-9020-C646-8913-D2BA5F56F803}">
+      <dsp:nvSpPr>
+        <dsp:cNvPr id="0" name=""/>
+        <dsp:cNvSpPr/>
+      </dsp:nvSpPr>
+      <dsp:spPr>
+        <a:xfrm>
+          <a:off x="9956344" y="3250976"/>
+          <a:ext cx="1302182" cy="1246644"/>
+        </a:xfrm>
+        <a:prstGeom prst="rect">
+          <a:avLst/>
+        </a:prstGeom>
+        <a:gradFill rotWithShape="0">
+          <a:gsLst>
+            <a:gs pos="0">
+              <a:schemeClr val="accent1">
+                <a:hueOff val="0"/>
+                <a:satOff val="0"/>
+                <a:lumOff val="0"/>
+                <a:alphaOff val="0"/>
+                <a:satMod val="103000"/>
+                <a:lumMod val="102000"/>
+                <a:tint val="94000"/>
+              </a:schemeClr>
+            </a:gs>
+            <a:gs pos="50000">
+              <a:schemeClr val="accent1">
+                <a:hueOff val="0"/>
+                <a:satOff val="0"/>
+                <a:lumOff val="0"/>
+                <a:alphaOff val="0"/>
+                <a:satMod val="110000"/>
+                <a:lumMod val="100000"/>
+                <a:shade val="100000"/>
+              </a:schemeClr>
+            </a:gs>
+            <a:gs pos="100000">
+              <a:schemeClr val="accent1">
+                <a:hueOff val="0"/>
+                <a:satOff val="0"/>
+                <a:lumOff val="0"/>
+                <a:alphaOff val="0"/>
+                <a:lumMod val="99000"/>
+                <a:satMod val="120000"/>
+                <a:shade val="78000"/>
+              </a:schemeClr>
+            </a:gs>
+          </a:gsLst>
+          <a:lin ang="5400000" scaled="0"/>
+        </a:gradFill>
+        <a:ln>
+          <a:noFill/>
+        </a:ln>
+        <a:effectLst/>
+      </dsp:spPr>
+      <dsp:style>
+        <a:lnRef idx="0">
+          <a:scrgbClr r="0" g="0" b="0"/>
+        </a:lnRef>
+        <a:fillRef idx="3">
+          <a:scrgbClr r="0" g="0" b="0"/>
+        </a:fillRef>
+        <a:effectRef idx="2">
+          <a:scrgbClr r="0" g="0" b="0"/>
+        </a:effectRef>
+        <a:fontRef idx="minor">
+          <a:schemeClr val="lt1"/>
+        </a:fontRef>
+      </dsp:style>
+      <dsp:txBody>
+        <a:bodyPr spcFirstLastPara="0" vert="horz" wrap="square" lIns="8255" tIns="8255" rIns="8255" bIns="8255" numCol="1" spcCol="1270" anchor="ctr" anchorCtr="0">
+          <a:noAutofit/>
+        </a:bodyPr>
+        <a:lstStyle/>
+        <a:p>
+          <a:pPr lvl="0" algn="ctr" defTabSz="577850">
+            <a:lnSpc>
+              <a:spcPct val="90000"/>
+            </a:lnSpc>
+            <a:spcBef>
+              <a:spcPct val="0"/>
+            </a:spcBef>
+            <a:spcAft>
+              <a:spcPct val="35000"/>
+            </a:spcAft>
+          </a:pPr>
+          <a:r>
+            <a:rPr lang="en-US" sz="1300" kern="1200" dirty="0" err="1" smtClean="0"/>
+            <a:t>NoteDetailsView</a:t>
+          </a:r>
+          <a:endParaRPr lang="en-US" sz="1300" kern="1200" dirty="0" smtClean="0"/>
+        </a:p>
+        <a:p>
+          <a:pPr lvl="0" algn="ctr" defTabSz="577850">
+            <a:lnSpc>
+              <a:spcPct val="90000"/>
+            </a:lnSpc>
+            <a:spcBef>
+              <a:spcPct val="0"/>
+            </a:spcBef>
+            <a:spcAft>
+              <a:spcPct val="35000"/>
+            </a:spcAft>
+          </a:pPr>
+          <a:r>
+            <a:rPr lang="en-US" sz="1300" kern="1200" dirty="0" smtClean="0"/>
+            <a:t>- Meta data GUI</a:t>
+          </a:r>
+          <a:endParaRPr lang="en-US" sz="1300" kern="1200" dirty="0"/>
+        </a:p>
+      </dsp:txBody>
+      <dsp:txXfrm>
+        <a:off x="9956344" y="3250976"/>
+        <a:ext cx="1302182" cy="1246644"/>
+      </dsp:txXfrm>
+    </dsp:sp>
   </dsp:spTree>
 </dsp:drawing>
 </file>
@@ -3187,6 +4578,906 @@
       <dsp:cNvGrpSpPr/>
     </dsp:nvGrpSpPr>
     <dsp:grpSpPr/>
+    <dsp:sp modelId="{A3661789-984B-4B12-AAFA-1703B25E4BE4}">
+      <dsp:nvSpPr>
+        <dsp:cNvPr id="0" name=""/>
+        <dsp:cNvSpPr/>
+      </dsp:nvSpPr>
+      <dsp:spPr>
+        <a:xfrm>
+          <a:off x="252061" y="1895742"/>
+          <a:ext cx="2634599" cy="1317299"/>
+        </a:xfrm>
+        <a:prstGeom prst="roundRect">
+          <a:avLst>
+            <a:gd name="adj" fmla="val 10000"/>
+          </a:avLst>
+        </a:prstGeom>
+        <a:solidFill>
+          <a:schemeClr val="accent1">
+            <a:hueOff val="0"/>
+            <a:satOff val="0"/>
+            <a:lumOff val="0"/>
+            <a:alphaOff val="0"/>
+          </a:schemeClr>
+        </a:solidFill>
+        <a:ln w="12700" cap="flat" cmpd="sng" algn="ctr">
+          <a:solidFill>
+            <a:schemeClr val="lt1">
+              <a:hueOff val="0"/>
+              <a:satOff val="0"/>
+              <a:lumOff val="0"/>
+              <a:alphaOff val="0"/>
+            </a:schemeClr>
+          </a:solidFill>
+          <a:prstDash val="solid"/>
+          <a:miter lim="800000"/>
+        </a:ln>
+        <a:effectLst/>
+      </dsp:spPr>
+      <dsp:style>
+        <a:lnRef idx="2">
+          <a:scrgbClr r="0" g="0" b="0"/>
+        </a:lnRef>
+        <a:fillRef idx="1">
+          <a:scrgbClr r="0" g="0" b="0"/>
+        </a:fillRef>
+        <a:effectRef idx="0">
+          <a:scrgbClr r="0" g="0" b="0"/>
+        </a:effectRef>
+        <a:fontRef idx="minor">
+          <a:schemeClr val="lt1"/>
+        </a:fontRef>
+      </dsp:style>
+      <dsp:txBody>
+        <a:bodyPr spcFirstLastPara="0" vert="horz" wrap="square" lIns="8255" tIns="8255" rIns="8255" bIns="8255" numCol="1" spcCol="1270" anchor="ctr" anchorCtr="0">
+          <a:noAutofit/>
+        </a:bodyPr>
+        <a:lstStyle/>
+        <a:p>
+          <a:pPr lvl="0" algn="ctr" defTabSz="577850">
+            <a:lnSpc>
+              <a:spcPct val="90000"/>
+            </a:lnSpc>
+            <a:spcBef>
+              <a:spcPct val="0"/>
+            </a:spcBef>
+            <a:spcAft>
+              <a:spcPct val="35000"/>
+            </a:spcAft>
+          </a:pPr>
+          <a:r>
+            <a:rPr lang="da-DK" sz="1300" kern="1200" dirty="0" err="1" smtClean="0"/>
+            <a:t>Mainapp.gopro</a:t>
+          </a:r>
+          <a:r>
+            <a:rPr lang="da-DK" sz="1300" kern="1200" dirty="0" smtClean="0"/>
+            <a:t>::</a:t>
+          </a:r>
+          <a:r>
+            <a:rPr lang="da-DK" sz="1300" kern="1200" dirty="0" err="1" smtClean="0"/>
+            <a:t>GoProAPI</a:t>
+          </a:r>
+          <a:endParaRPr lang="en-GB" sz="1300" kern="1200" dirty="0"/>
+        </a:p>
+      </dsp:txBody>
+      <dsp:txXfrm>
+        <a:off x="290643" y="1934324"/>
+        <a:ext cx="2557435" cy="1240135"/>
+      </dsp:txXfrm>
+    </dsp:sp>
+    <dsp:sp modelId="{BD868FF2-2C29-4C2A-9FDC-77A25C641E66}">
+      <dsp:nvSpPr>
+        <dsp:cNvPr id="0" name=""/>
+        <dsp:cNvSpPr/>
+      </dsp:nvSpPr>
+      <dsp:spPr>
+        <a:xfrm rot="18770822">
+          <a:off x="2638747" y="1959061"/>
+          <a:ext cx="1549665" cy="54492"/>
+        </a:xfrm>
+        <a:custGeom>
+          <a:avLst/>
+          <a:gdLst/>
+          <a:ahLst/>
+          <a:cxnLst/>
+          <a:rect l="0" t="0" r="0" b="0"/>
+          <a:pathLst>
+            <a:path>
+              <a:moveTo>
+                <a:pt x="0" y="27246"/>
+              </a:moveTo>
+              <a:lnTo>
+                <a:pt x="1549665" y="27246"/>
+              </a:lnTo>
+            </a:path>
+          </a:pathLst>
+        </a:custGeom>
+        <a:noFill/>
+        <a:ln w="12700" cap="flat" cmpd="sng" algn="ctr">
+          <a:solidFill>
+            <a:schemeClr val="accent1">
+              <a:shade val="60000"/>
+              <a:hueOff val="0"/>
+              <a:satOff val="0"/>
+              <a:lumOff val="0"/>
+              <a:alphaOff val="0"/>
+            </a:schemeClr>
+          </a:solidFill>
+          <a:prstDash val="solid"/>
+          <a:miter lim="800000"/>
+        </a:ln>
+        <a:effectLst/>
+      </dsp:spPr>
+      <dsp:style>
+        <a:lnRef idx="2">
+          <a:scrgbClr r="0" g="0" b="0"/>
+        </a:lnRef>
+        <a:fillRef idx="0">
+          <a:scrgbClr r="0" g="0" b="0"/>
+        </a:fillRef>
+        <a:effectRef idx="0">
+          <a:scrgbClr r="0" g="0" b="0"/>
+        </a:effectRef>
+        <a:fontRef idx="minor"/>
+      </dsp:style>
+      <dsp:txBody>
+        <a:bodyPr spcFirstLastPara="0" vert="horz" wrap="square" lIns="12700" tIns="0" rIns="12700" bIns="0" numCol="1" spcCol="1270" anchor="ctr" anchorCtr="0">
+          <a:noAutofit/>
+        </a:bodyPr>
+        <a:lstStyle/>
+        <a:p>
+          <a:pPr lvl="0" algn="ctr" defTabSz="222250">
+            <a:lnSpc>
+              <a:spcPct val="90000"/>
+            </a:lnSpc>
+            <a:spcBef>
+              <a:spcPct val="0"/>
+            </a:spcBef>
+            <a:spcAft>
+              <a:spcPct val="35000"/>
+            </a:spcAft>
+          </a:pPr>
+          <a:endParaRPr lang="en-GB" sz="500" kern="1200"/>
+        </a:p>
+      </dsp:txBody>
+      <dsp:txXfrm>
+        <a:off x="3374838" y="1947565"/>
+        <a:ext cx="77483" cy="77483"/>
+      </dsp:txXfrm>
+    </dsp:sp>
+    <dsp:sp modelId="{6E9A058B-3C46-4621-8C16-20C0E40254DB}">
+      <dsp:nvSpPr>
+        <dsp:cNvPr id="0" name=""/>
+        <dsp:cNvSpPr/>
+      </dsp:nvSpPr>
+      <dsp:spPr>
+        <a:xfrm>
+          <a:off x="3940500" y="759571"/>
+          <a:ext cx="2634599" cy="1317299"/>
+        </a:xfrm>
+        <a:prstGeom prst="roundRect">
+          <a:avLst>
+            <a:gd name="adj" fmla="val 10000"/>
+          </a:avLst>
+        </a:prstGeom>
+        <a:solidFill>
+          <a:schemeClr val="accent1">
+            <a:hueOff val="0"/>
+            <a:satOff val="0"/>
+            <a:lumOff val="0"/>
+            <a:alphaOff val="0"/>
+          </a:schemeClr>
+        </a:solidFill>
+        <a:ln w="12700" cap="flat" cmpd="sng" algn="ctr">
+          <a:solidFill>
+            <a:schemeClr val="lt1">
+              <a:hueOff val="0"/>
+              <a:satOff val="0"/>
+              <a:lumOff val="0"/>
+              <a:alphaOff val="0"/>
+            </a:schemeClr>
+          </a:solidFill>
+          <a:prstDash val="solid"/>
+          <a:miter lim="800000"/>
+        </a:ln>
+        <a:effectLst/>
+      </dsp:spPr>
+      <dsp:style>
+        <a:lnRef idx="2">
+          <a:scrgbClr r="0" g="0" b="0"/>
+        </a:lnRef>
+        <a:fillRef idx="1">
+          <a:scrgbClr r="0" g="0" b="0"/>
+        </a:fillRef>
+        <a:effectRef idx="0">
+          <a:scrgbClr r="0" g="0" b="0"/>
+        </a:effectRef>
+        <a:fontRef idx="minor">
+          <a:schemeClr val="lt1"/>
+        </a:fontRef>
+      </dsp:style>
+      <dsp:txBody>
+        <a:bodyPr spcFirstLastPara="0" vert="horz" wrap="square" lIns="8255" tIns="8255" rIns="8255" bIns="8255" numCol="1" spcCol="1270" anchor="ctr" anchorCtr="0">
+          <a:noAutofit/>
+        </a:bodyPr>
+        <a:lstStyle/>
+        <a:p>
+          <a:pPr lvl="0" algn="ctr" defTabSz="577850">
+            <a:lnSpc>
+              <a:spcPct val="90000"/>
+            </a:lnSpc>
+            <a:spcBef>
+              <a:spcPct val="0"/>
+            </a:spcBef>
+            <a:spcAft>
+              <a:spcPct val="35000"/>
+            </a:spcAft>
+          </a:pPr>
+          <a:r>
+            <a:rPr lang="da-DK" sz="1300" kern="1200" dirty="0" err="1" smtClean="0"/>
+            <a:t>GoProHelper</a:t>
+          </a:r>
+          <a:r>
+            <a:rPr lang="da-DK" sz="1300" kern="1200" dirty="0" smtClean="0"/>
+            <a:t>::</a:t>
+          </a:r>
+          <a:r>
+            <a:rPr lang="da-DK" sz="1300" kern="1200" dirty="0" err="1" smtClean="0"/>
+            <a:t>GoProHelper</a:t>
+          </a:r>
+          <a:endParaRPr lang="en-GB" sz="1300" kern="1200" dirty="0"/>
+        </a:p>
+      </dsp:txBody>
+      <dsp:txXfrm>
+        <a:off x="3979082" y="798153"/>
+        <a:ext cx="2557435" cy="1240135"/>
+      </dsp:txXfrm>
+    </dsp:sp>
+    <dsp:sp modelId="{BC3C51C2-FE4A-461D-8012-EA4C23FD71B7}">
+      <dsp:nvSpPr>
+        <dsp:cNvPr id="0" name=""/>
+        <dsp:cNvSpPr/>
+      </dsp:nvSpPr>
+      <dsp:spPr>
+        <a:xfrm rot="19457599">
+          <a:off x="6453115" y="1012252"/>
+          <a:ext cx="1297807" cy="54492"/>
+        </a:xfrm>
+        <a:custGeom>
+          <a:avLst/>
+          <a:gdLst/>
+          <a:ahLst/>
+          <a:cxnLst/>
+          <a:rect l="0" t="0" r="0" b="0"/>
+          <a:pathLst>
+            <a:path>
+              <a:moveTo>
+                <a:pt x="0" y="27246"/>
+              </a:moveTo>
+              <a:lnTo>
+                <a:pt x="1297807" y="27246"/>
+              </a:lnTo>
+            </a:path>
+          </a:pathLst>
+        </a:custGeom>
+        <a:noFill/>
+        <a:ln w="12700" cap="flat" cmpd="sng" algn="ctr">
+          <a:solidFill>
+            <a:schemeClr val="accent1">
+              <a:shade val="80000"/>
+              <a:hueOff val="0"/>
+              <a:satOff val="0"/>
+              <a:lumOff val="0"/>
+              <a:alphaOff val="0"/>
+            </a:schemeClr>
+          </a:solidFill>
+          <a:prstDash val="solid"/>
+          <a:miter lim="800000"/>
+        </a:ln>
+        <a:effectLst/>
+      </dsp:spPr>
+      <dsp:style>
+        <a:lnRef idx="2">
+          <a:scrgbClr r="0" g="0" b="0"/>
+        </a:lnRef>
+        <a:fillRef idx="0">
+          <a:scrgbClr r="0" g="0" b="0"/>
+        </a:fillRef>
+        <a:effectRef idx="0">
+          <a:scrgbClr r="0" g="0" b="0"/>
+        </a:effectRef>
+        <a:fontRef idx="minor"/>
+      </dsp:style>
+      <dsp:txBody>
+        <a:bodyPr spcFirstLastPara="0" vert="horz" wrap="square" lIns="12700" tIns="0" rIns="12700" bIns="0" numCol="1" spcCol="1270" anchor="ctr" anchorCtr="0">
+          <a:noAutofit/>
+        </a:bodyPr>
+        <a:lstStyle/>
+        <a:p>
+          <a:pPr lvl="0" algn="ctr" defTabSz="222250">
+            <a:lnSpc>
+              <a:spcPct val="90000"/>
+            </a:lnSpc>
+            <a:spcBef>
+              <a:spcPct val="0"/>
+            </a:spcBef>
+            <a:spcAft>
+              <a:spcPct val="35000"/>
+            </a:spcAft>
+          </a:pPr>
+          <a:endParaRPr lang="en-GB" sz="500" kern="1200"/>
+        </a:p>
+      </dsp:txBody>
+      <dsp:txXfrm>
+        <a:off x="7069574" y="1007052"/>
+        <a:ext cx="64890" cy="64890"/>
+      </dsp:txXfrm>
+    </dsp:sp>
+    <dsp:sp modelId="{9F0FD1FC-514D-4BAB-9922-4EEF3DA665B0}">
+      <dsp:nvSpPr>
+        <dsp:cNvPr id="0" name=""/>
+        <dsp:cNvSpPr/>
+      </dsp:nvSpPr>
+      <dsp:spPr>
+        <a:xfrm>
+          <a:off x="7628939" y="2124"/>
+          <a:ext cx="2634599" cy="1317299"/>
+        </a:xfrm>
+        <a:prstGeom prst="roundRect">
+          <a:avLst>
+            <a:gd name="adj" fmla="val 10000"/>
+          </a:avLst>
+        </a:prstGeom>
+        <a:solidFill>
+          <a:schemeClr val="accent1">
+            <a:hueOff val="0"/>
+            <a:satOff val="0"/>
+            <a:lumOff val="0"/>
+            <a:alphaOff val="0"/>
+          </a:schemeClr>
+        </a:solidFill>
+        <a:ln w="12700" cap="flat" cmpd="sng" algn="ctr">
+          <a:solidFill>
+            <a:schemeClr val="lt1">
+              <a:hueOff val="0"/>
+              <a:satOff val="0"/>
+              <a:lumOff val="0"/>
+              <a:alphaOff val="0"/>
+            </a:schemeClr>
+          </a:solidFill>
+          <a:prstDash val="solid"/>
+          <a:miter lim="800000"/>
+        </a:ln>
+        <a:effectLst/>
+      </dsp:spPr>
+      <dsp:style>
+        <a:lnRef idx="2">
+          <a:scrgbClr r="0" g="0" b="0"/>
+        </a:lnRef>
+        <a:fillRef idx="1">
+          <a:scrgbClr r="0" g="0" b="0"/>
+        </a:fillRef>
+        <a:effectRef idx="0">
+          <a:scrgbClr r="0" g="0" b="0"/>
+        </a:effectRef>
+        <a:fontRef idx="minor">
+          <a:schemeClr val="lt1"/>
+        </a:fontRef>
+      </dsp:style>
+      <dsp:txBody>
+        <a:bodyPr spcFirstLastPara="0" vert="horz" wrap="square" lIns="8255" tIns="8255" rIns="8255" bIns="8255" numCol="1" spcCol="1270" anchor="ctr" anchorCtr="0">
+          <a:noAutofit/>
+        </a:bodyPr>
+        <a:lstStyle/>
+        <a:p>
+          <a:pPr lvl="0" algn="ctr" defTabSz="577850">
+            <a:lnSpc>
+              <a:spcPct val="90000"/>
+            </a:lnSpc>
+            <a:spcBef>
+              <a:spcPct val="0"/>
+            </a:spcBef>
+            <a:spcAft>
+              <a:spcPct val="35000"/>
+            </a:spcAft>
+          </a:pPr>
+          <a:r>
+            <a:rPr lang="da-DK" sz="1300" kern="1200" dirty="0" err="1" smtClean="0"/>
+            <a:t>mClient</a:t>
+          </a:r>
+          <a:r>
+            <a:rPr lang="da-DK" sz="1300" kern="1200" dirty="0" smtClean="0"/>
+            <a:t>::</a:t>
+          </a:r>
+          <a:r>
+            <a:rPr lang="da-DK" sz="1300" kern="1200" dirty="0" err="1" smtClean="0"/>
+            <a:t>HttpClient</a:t>
+          </a:r>
+          <a:endParaRPr lang="en-GB" sz="1300" kern="1200" dirty="0"/>
+        </a:p>
+      </dsp:txBody>
+      <dsp:txXfrm>
+        <a:off x="7667521" y="40706"/>
+        <a:ext cx="2557435" cy="1240135"/>
+      </dsp:txXfrm>
+    </dsp:sp>
+    <dsp:sp modelId="{2739BC17-6545-4BB4-8DA5-AB47358EF6E3}">
+      <dsp:nvSpPr>
+        <dsp:cNvPr id="0" name=""/>
+        <dsp:cNvSpPr/>
+      </dsp:nvSpPr>
+      <dsp:spPr>
+        <a:xfrm rot="2142401">
+          <a:off x="6453115" y="1769699"/>
+          <a:ext cx="1297807" cy="54492"/>
+        </a:xfrm>
+        <a:custGeom>
+          <a:avLst/>
+          <a:gdLst/>
+          <a:ahLst/>
+          <a:cxnLst/>
+          <a:rect l="0" t="0" r="0" b="0"/>
+          <a:pathLst>
+            <a:path>
+              <a:moveTo>
+                <a:pt x="0" y="27246"/>
+              </a:moveTo>
+              <a:lnTo>
+                <a:pt x="1297807" y="27246"/>
+              </a:lnTo>
+            </a:path>
+          </a:pathLst>
+        </a:custGeom>
+        <a:noFill/>
+        <a:ln w="12700" cap="flat" cmpd="sng" algn="ctr">
+          <a:solidFill>
+            <a:schemeClr val="accent1">
+              <a:shade val="80000"/>
+              <a:hueOff val="0"/>
+              <a:satOff val="0"/>
+              <a:lumOff val="0"/>
+              <a:alphaOff val="0"/>
+            </a:schemeClr>
+          </a:solidFill>
+          <a:prstDash val="solid"/>
+          <a:miter lim="800000"/>
+        </a:ln>
+        <a:effectLst/>
+      </dsp:spPr>
+      <dsp:style>
+        <a:lnRef idx="2">
+          <a:scrgbClr r="0" g="0" b="0"/>
+        </a:lnRef>
+        <a:fillRef idx="0">
+          <a:scrgbClr r="0" g="0" b="0"/>
+        </a:fillRef>
+        <a:effectRef idx="0">
+          <a:scrgbClr r="0" g="0" b="0"/>
+        </a:effectRef>
+        <a:fontRef idx="minor"/>
+      </dsp:style>
+      <dsp:txBody>
+        <a:bodyPr spcFirstLastPara="0" vert="horz" wrap="square" lIns="12700" tIns="0" rIns="12700" bIns="0" numCol="1" spcCol="1270" anchor="ctr" anchorCtr="0">
+          <a:noAutofit/>
+        </a:bodyPr>
+        <a:lstStyle/>
+        <a:p>
+          <a:pPr lvl="0" algn="ctr" defTabSz="222250">
+            <a:lnSpc>
+              <a:spcPct val="90000"/>
+            </a:lnSpc>
+            <a:spcBef>
+              <a:spcPct val="0"/>
+            </a:spcBef>
+            <a:spcAft>
+              <a:spcPct val="35000"/>
+            </a:spcAft>
+          </a:pPr>
+          <a:endParaRPr lang="en-GB" sz="500" kern="1200"/>
+        </a:p>
+      </dsp:txBody>
+      <dsp:txXfrm>
+        <a:off x="7069574" y="1764500"/>
+        <a:ext cx="64890" cy="64890"/>
+      </dsp:txXfrm>
+    </dsp:sp>
+    <dsp:sp modelId="{C6D84F83-5413-4EAA-AC66-99AA0AB75FB6}">
+      <dsp:nvSpPr>
+        <dsp:cNvPr id="0" name=""/>
+        <dsp:cNvSpPr/>
+      </dsp:nvSpPr>
+      <dsp:spPr>
+        <a:xfrm>
+          <a:off x="7628939" y="1517019"/>
+          <a:ext cx="2634599" cy="1317299"/>
+        </a:xfrm>
+        <a:prstGeom prst="roundRect">
+          <a:avLst>
+            <a:gd name="adj" fmla="val 10000"/>
+          </a:avLst>
+        </a:prstGeom>
+        <a:solidFill>
+          <a:schemeClr val="accent1">
+            <a:hueOff val="0"/>
+            <a:satOff val="0"/>
+            <a:lumOff val="0"/>
+            <a:alphaOff val="0"/>
+          </a:schemeClr>
+        </a:solidFill>
+        <a:ln w="12700" cap="flat" cmpd="sng" algn="ctr">
+          <a:solidFill>
+            <a:schemeClr val="lt1">
+              <a:hueOff val="0"/>
+              <a:satOff val="0"/>
+              <a:lumOff val="0"/>
+              <a:alphaOff val="0"/>
+            </a:schemeClr>
+          </a:solidFill>
+          <a:prstDash val="solid"/>
+          <a:miter lim="800000"/>
+        </a:ln>
+        <a:effectLst/>
+      </dsp:spPr>
+      <dsp:style>
+        <a:lnRef idx="2">
+          <a:scrgbClr r="0" g="0" b="0"/>
+        </a:lnRef>
+        <a:fillRef idx="1">
+          <a:scrgbClr r="0" g="0" b="0"/>
+        </a:fillRef>
+        <a:effectRef idx="0">
+          <a:scrgbClr r="0" g="0" b="0"/>
+        </a:effectRef>
+        <a:fontRef idx="minor">
+          <a:schemeClr val="lt1"/>
+        </a:fontRef>
+      </dsp:style>
+      <dsp:txBody>
+        <a:bodyPr spcFirstLastPara="0" vert="horz" wrap="square" lIns="8255" tIns="8255" rIns="8255" bIns="8255" numCol="1" spcCol="1270" anchor="ctr" anchorCtr="0">
+          <a:noAutofit/>
+        </a:bodyPr>
+        <a:lstStyle/>
+        <a:p>
+          <a:pPr lvl="0" algn="ctr" defTabSz="577850">
+            <a:lnSpc>
+              <a:spcPct val="90000"/>
+            </a:lnSpc>
+            <a:spcBef>
+              <a:spcPct val="0"/>
+            </a:spcBef>
+            <a:spcAft>
+              <a:spcPct val="35000"/>
+            </a:spcAft>
+          </a:pPr>
+          <a:r>
+            <a:rPr lang="en-GB" sz="1300" kern="1200" err="1" smtClean="0"/>
+            <a:t>activeGoProAPI</a:t>
+          </a:r>
+          <a:r>
+            <a:rPr lang="en-GB" sz="1300" kern="1200" smtClean="0"/>
+            <a:t>::GoProAPIconstants</a:t>
+          </a:r>
+          <a:endParaRPr lang="en-GB" sz="1300" kern="1200" dirty="0"/>
+        </a:p>
+      </dsp:txBody>
+      <dsp:txXfrm>
+        <a:off x="7667521" y="1555601"/>
+        <a:ext cx="2557435" cy="1240135"/>
+      </dsp:txXfrm>
+    </dsp:sp>
+    <dsp:sp modelId="{BCA4B487-17B2-4CCC-B602-C10F2A180696}">
+      <dsp:nvSpPr>
+        <dsp:cNvPr id="0" name=""/>
+        <dsp:cNvSpPr/>
+      </dsp:nvSpPr>
+      <dsp:spPr>
+        <a:xfrm rot="2829178">
+          <a:off x="2638747" y="3095231"/>
+          <a:ext cx="1549665" cy="54492"/>
+        </a:xfrm>
+        <a:custGeom>
+          <a:avLst/>
+          <a:gdLst/>
+          <a:ahLst/>
+          <a:cxnLst/>
+          <a:rect l="0" t="0" r="0" b="0"/>
+          <a:pathLst>
+            <a:path>
+              <a:moveTo>
+                <a:pt x="0" y="27246"/>
+              </a:moveTo>
+              <a:lnTo>
+                <a:pt x="1549665" y="27246"/>
+              </a:lnTo>
+            </a:path>
+          </a:pathLst>
+        </a:custGeom>
+        <a:noFill/>
+        <a:ln w="12700" cap="flat" cmpd="sng" algn="ctr">
+          <a:solidFill>
+            <a:schemeClr val="accent1">
+              <a:shade val="60000"/>
+              <a:hueOff val="0"/>
+              <a:satOff val="0"/>
+              <a:lumOff val="0"/>
+              <a:alphaOff val="0"/>
+            </a:schemeClr>
+          </a:solidFill>
+          <a:prstDash val="solid"/>
+          <a:miter lim="800000"/>
+        </a:ln>
+        <a:effectLst/>
+      </dsp:spPr>
+      <dsp:style>
+        <a:lnRef idx="2">
+          <a:scrgbClr r="0" g="0" b="0"/>
+        </a:lnRef>
+        <a:fillRef idx="0">
+          <a:scrgbClr r="0" g="0" b="0"/>
+        </a:fillRef>
+        <a:effectRef idx="0">
+          <a:scrgbClr r="0" g="0" b="0"/>
+        </a:effectRef>
+        <a:fontRef idx="minor"/>
+      </dsp:style>
+      <dsp:txBody>
+        <a:bodyPr spcFirstLastPara="0" vert="horz" wrap="square" lIns="12700" tIns="0" rIns="12700" bIns="0" numCol="1" spcCol="1270" anchor="ctr" anchorCtr="0">
+          <a:noAutofit/>
+        </a:bodyPr>
+        <a:lstStyle/>
+        <a:p>
+          <a:pPr lvl="0" algn="ctr" defTabSz="222250">
+            <a:lnSpc>
+              <a:spcPct val="90000"/>
+            </a:lnSpc>
+            <a:spcBef>
+              <a:spcPct val="0"/>
+            </a:spcBef>
+            <a:spcAft>
+              <a:spcPct val="35000"/>
+            </a:spcAft>
+          </a:pPr>
+          <a:endParaRPr lang="en-GB" sz="500" kern="1200"/>
+        </a:p>
+      </dsp:txBody>
+      <dsp:txXfrm>
+        <a:off x="3374838" y="3083736"/>
+        <a:ext cx="77483" cy="77483"/>
+      </dsp:txXfrm>
+    </dsp:sp>
+    <dsp:sp modelId="{8429CEE7-FE1C-4D21-98C4-57718A675A1C}">
+      <dsp:nvSpPr>
+        <dsp:cNvPr id="0" name=""/>
+        <dsp:cNvSpPr/>
+      </dsp:nvSpPr>
+      <dsp:spPr>
+        <a:xfrm>
+          <a:off x="3940500" y="3031913"/>
+          <a:ext cx="2634599" cy="1317299"/>
+        </a:xfrm>
+        <a:prstGeom prst="roundRect">
+          <a:avLst>
+            <a:gd name="adj" fmla="val 10000"/>
+          </a:avLst>
+        </a:prstGeom>
+        <a:solidFill>
+          <a:schemeClr val="accent1">
+            <a:hueOff val="0"/>
+            <a:satOff val="0"/>
+            <a:lumOff val="0"/>
+            <a:alphaOff val="0"/>
+          </a:schemeClr>
+        </a:solidFill>
+        <a:ln w="12700" cap="flat" cmpd="sng" algn="ctr">
+          <a:solidFill>
+            <a:schemeClr val="lt1">
+              <a:hueOff val="0"/>
+              <a:satOff val="0"/>
+              <a:lumOff val="0"/>
+              <a:alphaOff val="0"/>
+            </a:schemeClr>
+          </a:solidFill>
+          <a:prstDash val="solid"/>
+          <a:miter lim="800000"/>
+        </a:ln>
+        <a:effectLst/>
+      </dsp:spPr>
+      <dsp:style>
+        <a:lnRef idx="2">
+          <a:scrgbClr r="0" g="0" b="0"/>
+        </a:lnRef>
+        <a:fillRef idx="1">
+          <a:scrgbClr r="0" g="0" b="0"/>
+        </a:fillRef>
+        <a:effectRef idx="0">
+          <a:scrgbClr r="0" g="0" b="0"/>
+        </a:effectRef>
+        <a:fontRef idx="minor">
+          <a:schemeClr val="lt1"/>
+        </a:fontRef>
+      </dsp:style>
+      <dsp:txBody>
+        <a:bodyPr spcFirstLastPara="0" vert="horz" wrap="square" lIns="8255" tIns="8255" rIns="8255" bIns="8255" numCol="1" spcCol="1270" anchor="ctr" anchorCtr="0">
+          <a:noAutofit/>
+        </a:bodyPr>
+        <a:lstStyle/>
+        <a:p>
+          <a:pPr lvl="0" algn="ctr" defTabSz="577850">
+            <a:lnSpc>
+              <a:spcPct val="90000"/>
+            </a:lnSpc>
+            <a:spcBef>
+              <a:spcPct val="0"/>
+            </a:spcBef>
+            <a:spcAft>
+              <a:spcPct val="35000"/>
+            </a:spcAft>
+          </a:pPr>
+          <a:endParaRPr lang="en-GB" sz="1300" kern="1200"/>
+        </a:p>
+      </dsp:txBody>
+      <dsp:txXfrm>
+        <a:off x="3979082" y="3070495"/>
+        <a:ext cx="2557435" cy="1240135"/>
+      </dsp:txXfrm>
+    </dsp:sp>
+    <dsp:sp modelId="{E3AA8C3A-73A5-4744-B386-BF6D3D88B9B5}">
+      <dsp:nvSpPr>
+        <dsp:cNvPr id="0" name=""/>
+        <dsp:cNvSpPr/>
+      </dsp:nvSpPr>
+      <dsp:spPr>
+        <a:xfrm>
+          <a:off x="6575099" y="3663317"/>
+          <a:ext cx="1053839" cy="54492"/>
+        </a:xfrm>
+        <a:custGeom>
+          <a:avLst/>
+          <a:gdLst/>
+          <a:ahLst/>
+          <a:cxnLst/>
+          <a:rect l="0" t="0" r="0" b="0"/>
+          <a:pathLst>
+            <a:path>
+              <a:moveTo>
+                <a:pt x="0" y="27246"/>
+              </a:moveTo>
+              <a:lnTo>
+                <a:pt x="1053839" y="27246"/>
+              </a:lnTo>
+            </a:path>
+          </a:pathLst>
+        </a:custGeom>
+        <a:noFill/>
+        <a:ln w="12700" cap="flat" cmpd="sng" algn="ctr">
+          <a:solidFill>
+            <a:schemeClr val="accent1">
+              <a:shade val="80000"/>
+              <a:hueOff val="0"/>
+              <a:satOff val="0"/>
+              <a:lumOff val="0"/>
+              <a:alphaOff val="0"/>
+            </a:schemeClr>
+          </a:solidFill>
+          <a:prstDash val="solid"/>
+          <a:miter lim="800000"/>
+        </a:ln>
+        <a:effectLst/>
+      </dsp:spPr>
+      <dsp:style>
+        <a:lnRef idx="2">
+          <a:scrgbClr r="0" g="0" b="0"/>
+        </a:lnRef>
+        <a:fillRef idx="0">
+          <a:scrgbClr r="0" g="0" b="0"/>
+        </a:fillRef>
+        <a:effectRef idx="0">
+          <a:scrgbClr r="0" g="0" b="0"/>
+        </a:effectRef>
+        <a:fontRef idx="minor"/>
+      </dsp:style>
+      <dsp:txBody>
+        <a:bodyPr spcFirstLastPara="0" vert="horz" wrap="square" lIns="12700" tIns="0" rIns="12700" bIns="0" numCol="1" spcCol="1270" anchor="ctr" anchorCtr="0">
+          <a:noAutofit/>
+        </a:bodyPr>
+        <a:lstStyle/>
+        <a:p>
+          <a:pPr lvl="0" algn="ctr" defTabSz="222250">
+            <a:lnSpc>
+              <a:spcPct val="90000"/>
+            </a:lnSpc>
+            <a:spcBef>
+              <a:spcPct val="0"/>
+            </a:spcBef>
+            <a:spcAft>
+              <a:spcPct val="35000"/>
+            </a:spcAft>
+          </a:pPr>
+          <a:endParaRPr lang="en-GB" sz="500" kern="1200"/>
+        </a:p>
+      </dsp:txBody>
+      <dsp:txXfrm>
+        <a:off x="7075673" y="3664217"/>
+        <a:ext cx="52691" cy="52691"/>
+      </dsp:txXfrm>
+    </dsp:sp>
+    <dsp:sp modelId="{35E51A8A-B501-4C80-8C19-169EE305B69B}">
+      <dsp:nvSpPr>
+        <dsp:cNvPr id="0" name=""/>
+        <dsp:cNvSpPr/>
+      </dsp:nvSpPr>
+      <dsp:spPr>
+        <a:xfrm>
+          <a:off x="7628939" y="3031913"/>
+          <a:ext cx="2634599" cy="1317299"/>
+        </a:xfrm>
+        <a:prstGeom prst="roundRect">
+          <a:avLst>
+            <a:gd name="adj" fmla="val 10000"/>
+          </a:avLst>
+        </a:prstGeom>
+        <a:solidFill>
+          <a:schemeClr val="accent1">
+            <a:hueOff val="0"/>
+            <a:satOff val="0"/>
+            <a:lumOff val="0"/>
+            <a:alphaOff val="0"/>
+          </a:schemeClr>
+        </a:solidFill>
+        <a:ln w="12700" cap="flat" cmpd="sng" algn="ctr">
+          <a:solidFill>
+            <a:schemeClr val="lt1">
+              <a:hueOff val="0"/>
+              <a:satOff val="0"/>
+              <a:lumOff val="0"/>
+              <a:alphaOff val="0"/>
+            </a:schemeClr>
+          </a:solidFill>
+          <a:prstDash val="solid"/>
+          <a:miter lim="800000"/>
+        </a:ln>
+        <a:effectLst/>
+      </dsp:spPr>
+      <dsp:style>
+        <a:lnRef idx="2">
+          <a:scrgbClr r="0" g="0" b="0"/>
+        </a:lnRef>
+        <a:fillRef idx="1">
+          <a:scrgbClr r="0" g="0" b="0"/>
+        </a:fillRef>
+        <a:effectRef idx="0">
+          <a:scrgbClr r="0" g="0" b="0"/>
+        </a:effectRef>
+        <a:fontRef idx="minor">
+          <a:schemeClr val="lt1"/>
+        </a:fontRef>
+      </dsp:style>
+      <dsp:txBody>
+        <a:bodyPr spcFirstLastPara="0" vert="horz" wrap="square" lIns="8255" tIns="8255" rIns="8255" bIns="8255" numCol="1" spcCol="1270" anchor="ctr" anchorCtr="0">
+          <a:noAutofit/>
+        </a:bodyPr>
+        <a:lstStyle/>
+        <a:p>
+          <a:pPr lvl="0" algn="ctr" defTabSz="577850">
+            <a:lnSpc>
+              <a:spcPct val="90000"/>
+            </a:lnSpc>
+            <a:spcBef>
+              <a:spcPct val="0"/>
+            </a:spcBef>
+            <a:spcAft>
+              <a:spcPct val="35000"/>
+            </a:spcAft>
+          </a:pPr>
+          <a:endParaRPr lang="en-GB" sz="1300" kern="1200"/>
+        </a:p>
+      </dsp:txBody>
+      <dsp:txXfrm>
+        <a:off x="7667521" y="3070495"/>
+        <a:ext cx="2557435" cy="1240135"/>
+      </dsp:txXfrm>
+    </dsp:sp>
   </dsp:spTree>
 </dsp:drawing>
 </file>
@@ -14704,16 +16995,25 @@
             <p:ph type="title"/>
           </p:nvPr>
         </p:nvSpPr>
-        <p:spPr/>
+        <p:spPr>
+          <a:xfrm>
+            <a:off x="838200" y="4398"/>
+            <a:ext cx="10515600" cy="1325563"/>
+          </a:xfrm>
+        </p:spPr>
         <p:txBody>
           <a:bodyPr/>
           <a:lstStyle/>
           <a:p>
             <a:r>
-              <a:rPr lang="da-DK" dirty="0" smtClean="0"/>
-              <a:t>Tips</a:t>
-            </a:r>
-            <a:endParaRPr lang="en-GB" dirty="0"/>
+              <a:rPr lang="en-US" dirty="0" err="1" smtClean="0"/>
+              <a:t>Git</a:t>
+            </a:r>
+            <a:r>
+              <a:rPr lang="en-US" dirty="0" smtClean="0"/>
+              <a:t> specifics</a:t>
+            </a:r>
+            <a:endParaRPr lang="en-US" dirty="0"/>
           </a:p>
         </p:txBody>
       </p:sp>
@@ -14727,64 +17027,404 @@
             <p:ph idx="1"/>
           </p:nvPr>
         </p:nvSpPr>
-        <p:spPr/>
+        <p:spPr>
+          <a:xfrm>
+            <a:off x="838200" y="1313897"/>
+            <a:ext cx="10515600" cy="4351338"/>
+          </a:xfrm>
+        </p:spPr>
         <p:txBody>
           <a:bodyPr/>
           <a:lstStyle/>
           <a:p>
-            <a:pPr fontAlgn="base"/>
             <a:r>
               <a:rPr lang="en-US" dirty="0" smtClean="0"/>
-              <a:t>Import library into Eclipse</a:t>
-            </a:r>
-          </a:p>
-          <a:p>
-            <a:pPr lvl="1" fontAlgn="base"/>
+              <a:t>If problems updating/</a:t>
+            </a:r>
+            <a:r>
+              <a:rPr lang="en-US" dirty="0" err="1" smtClean="0"/>
+              <a:t>mergin</a:t>
+            </a:r>
             <a:r>
               <a:rPr lang="en-US" dirty="0" smtClean="0"/>
-              <a:t>Download </a:t>
-            </a:r>
-            <a:r>
-              <a:rPr lang="en-US" dirty="0"/>
-              <a:t>the ZIP file from this </a:t>
-            </a:r>
+              <a:t> binary files (e.g. this power point):</a:t>
+            </a:r>
+          </a:p>
+          <a:p>
+            <a:pPr lvl="1"/>
             <a:r>
               <a:rPr lang="en-US" dirty="0">
                 <a:hlinkClick r:id="rId2"/>
               </a:rPr>
-              <a:t>URL</a:t>
-            </a:r>
-            <a:r>
-              <a:rPr lang="en-US" dirty="0"/>
-              <a:t> and extract it to get the Jar. Add the Jar to your build path. To check the available classes in this Jar use this </a:t>
-            </a:r>
-            <a:r>
-              <a:rPr lang="en-US" dirty="0">
-                <a:hlinkClick r:id="rId3"/>
+              <a:t>https://</a:t>
+            </a:r>
+            <a:r>
+              <a:rPr lang="en-US" dirty="0" smtClean="0">
+                <a:hlinkClick r:id="rId2"/>
               </a:rPr>
-              <a:t>URL</a:t>
-            </a:r>
-            <a:r>
-              <a:rPr lang="en-US" dirty="0"/>
-              <a:t>.</a:t>
-            </a:r>
-          </a:p>
-          <a:p>
-            <a:pPr lvl="1" fontAlgn="base"/>
-            <a:r>
-              <a:rPr lang="en-US" dirty="0"/>
-              <a:t>To Add this Jar to your build path Right click the Project &gt; Build Path &gt; Configure build path&gt; Select Libraries tab &gt; Click Add External Libraries &gt; Select the Jar file Download</a:t>
-            </a:r>
-          </a:p>
-          <a:p>
-            <a:endParaRPr lang="en-GB" dirty="0"/>
+              <a:t>stackoverflow.com/questions/278081/resolving-a-git-conflict-with-binary-files</a:t>
+            </a:r>
+            <a:r>
+              <a:rPr lang="en-US" dirty="0" smtClean="0"/>
+              <a:t> </a:t>
+            </a:r>
+          </a:p>
+          <a:p>
+            <a:endParaRPr lang="en-US" dirty="0"/>
+          </a:p>
+        </p:txBody>
+      </p:sp>
+      <p:sp>
+        <p:nvSpPr>
+          <p:cNvPr id="4" name="TextBox 3"/>
+          <p:cNvSpPr txBox="1"/>
+          <p:nvPr/>
+        </p:nvSpPr>
+        <p:spPr>
+          <a:xfrm>
+            <a:off x="3322040" y="2295141"/>
+            <a:ext cx="8180445" cy="4662815"/>
+          </a:xfrm>
+          <a:prstGeom prst="rect">
+            <a:avLst/>
+          </a:prstGeom>
+          <a:noFill/>
+        </p:spPr>
+        <p:txBody>
+          <a:bodyPr wrap="none" rtlCol="0">
+            <a:spAutoFit/>
+          </a:bodyPr>
+          <a:lstStyle/>
+          <a:p>
+            <a:r>
+              <a:rPr lang="en-US" sz="1100" dirty="0"/>
+              <a:t>nnohrras@HER100DG5K662 MINGW64 /c/</a:t>
+            </a:r>
+            <a:r>
+              <a:rPr lang="en-US" sz="1100" dirty="0" err="1"/>
+              <a:t>data_no_backup_active</a:t>
+            </a:r>
+            <a:r>
+              <a:rPr lang="en-US" sz="1100" dirty="0"/>
+              <a:t>/test </a:t>
+            </a:r>
+            <a:r>
+              <a:rPr lang="en-US" sz="1100" dirty="0" err="1"/>
+              <a:t>github</a:t>
+            </a:r>
+            <a:r>
+              <a:rPr lang="en-US" sz="1100" dirty="0"/>
+              <a:t>/GIT/GoPro-</a:t>
+            </a:r>
+            <a:r>
+              <a:rPr lang="en-US" sz="1100" dirty="0" err="1"/>
+              <a:t>Notetaker</a:t>
+            </a:r>
+            <a:r>
+              <a:rPr lang="en-US" sz="1100" dirty="0"/>
+              <a:t>-tool (master)</a:t>
+            </a:r>
+          </a:p>
+          <a:p>
+            <a:r>
+              <a:rPr lang="en-US" sz="1100" dirty="0"/>
+              <a:t>$ </a:t>
+            </a:r>
+            <a:r>
+              <a:rPr lang="en-US" sz="1100" b="1" dirty="0" err="1"/>
+              <a:t>git</a:t>
+            </a:r>
+            <a:r>
+              <a:rPr lang="en-US" sz="1100" b="1" dirty="0"/>
+              <a:t> pull origin master</a:t>
+            </a:r>
+          </a:p>
+          <a:p>
+            <a:r>
+              <a:rPr lang="en-US" sz="1100" dirty="0"/>
+              <a:t>From https://github.com/ratnick/GoPro-Notetaker-tool</a:t>
+            </a:r>
+          </a:p>
+          <a:p>
+            <a:r>
+              <a:rPr lang="en-US" sz="1100" dirty="0"/>
+              <a:t> * branch            master     -&gt; FETCH_HEAD</a:t>
+            </a:r>
+          </a:p>
+          <a:p>
+            <a:r>
+              <a:rPr lang="en-US" sz="1100" dirty="0"/>
+              <a:t>warning: Cannot merge binary files: </a:t>
+            </a:r>
+            <a:r>
+              <a:rPr lang="en-US" sz="1100" dirty="0" err="1"/>
+              <a:t>ViNo</a:t>
+            </a:r>
+            <a:r>
+              <a:rPr lang="en-US" sz="1100" dirty="0"/>
+              <a:t> Get Started DEVELOPMENT V4.0.pptx (HEAD vs. edf7986a34baa7729f84ad8a22d199dae955539e)</a:t>
+            </a:r>
+          </a:p>
+          <a:p>
+            <a:r>
+              <a:rPr lang="en-US" sz="1100" dirty="0"/>
+              <a:t>Auto-merging </a:t>
+            </a:r>
+            <a:r>
+              <a:rPr lang="en-US" sz="1100" dirty="0" err="1"/>
+              <a:t>ViNo</a:t>
+            </a:r>
+            <a:r>
+              <a:rPr lang="en-US" sz="1100" dirty="0"/>
+              <a:t> Get Started DEVELOPMENT V4.0.pptx</a:t>
+            </a:r>
+          </a:p>
+          <a:p>
+            <a:r>
+              <a:rPr lang="en-US" sz="1100" dirty="0"/>
+              <a:t>CONFLICT (content): Merge conflict in </a:t>
+            </a:r>
+            <a:r>
+              <a:rPr lang="en-US" sz="1100" dirty="0" err="1"/>
+              <a:t>ViNo</a:t>
+            </a:r>
+            <a:r>
+              <a:rPr lang="en-US" sz="1100" dirty="0"/>
+              <a:t> Get Started DEVELOPMENT V4.0.pptx</a:t>
+            </a:r>
+          </a:p>
+          <a:p>
+            <a:r>
+              <a:rPr lang="en-US" sz="1100" dirty="0"/>
+              <a:t>Automatic merge failed; fix conflicts and then commit the result.</a:t>
+            </a:r>
+          </a:p>
+          <a:p>
+            <a:endParaRPr lang="en-US" sz="1100" dirty="0"/>
+          </a:p>
+          <a:p>
+            <a:r>
+              <a:rPr lang="en-US" sz="1100" dirty="0"/>
+              <a:t>nnohrras@HER100DG5K662 MINGW64 /c/</a:t>
+            </a:r>
+            <a:r>
+              <a:rPr lang="en-US" sz="1100" dirty="0" err="1"/>
+              <a:t>data_no_backup_active</a:t>
+            </a:r>
+            <a:r>
+              <a:rPr lang="en-US" sz="1100" dirty="0"/>
+              <a:t>/test </a:t>
+            </a:r>
+            <a:r>
+              <a:rPr lang="en-US" sz="1100" dirty="0" err="1"/>
+              <a:t>github</a:t>
+            </a:r>
+            <a:r>
+              <a:rPr lang="en-US" sz="1100" dirty="0"/>
+              <a:t>/GIT/GoPro-</a:t>
+            </a:r>
+            <a:r>
+              <a:rPr lang="en-US" sz="1100" dirty="0" err="1"/>
+              <a:t>Notetaker</a:t>
+            </a:r>
+            <a:r>
+              <a:rPr lang="en-US" sz="1100" dirty="0"/>
+              <a:t>-tool (</a:t>
+            </a:r>
+            <a:r>
+              <a:rPr lang="en-US" sz="1100" dirty="0" err="1"/>
+              <a:t>master|MERGING</a:t>
+            </a:r>
+            <a:r>
+              <a:rPr lang="en-US" sz="1100" dirty="0"/>
+              <a:t>)</a:t>
+            </a:r>
+          </a:p>
+          <a:p>
+            <a:r>
+              <a:rPr lang="en-US" sz="1100" dirty="0"/>
+              <a:t>$ </a:t>
+            </a:r>
+            <a:r>
+              <a:rPr lang="en-US" sz="1100" b="1" dirty="0" err="1"/>
+              <a:t>git</a:t>
+            </a:r>
+            <a:r>
+              <a:rPr lang="en-US" sz="1100" b="1" dirty="0"/>
+              <a:t> commit -a -m "fix merge conflict in </a:t>
+            </a:r>
+            <a:r>
+              <a:rPr lang="en-US" sz="1100" b="1" dirty="0" err="1"/>
+              <a:t>powerpoint</a:t>
+            </a:r>
+            <a:r>
+              <a:rPr lang="en-US" sz="1100" b="1" dirty="0"/>
+              <a:t> binary file"</a:t>
+            </a:r>
+          </a:p>
+          <a:p>
+            <a:r>
+              <a:rPr lang="en-US" sz="1100" dirty="0"/>
+              <a:t>[master 10592da] fix merge conflict in </a:t>
+            </a:r>
+            <a:r>
+              <a:rPr lang="en-US" sz="1100" dirty="0" err="1"/>
+              <a:t>powerpoint</a:t>
+            </a:r>
+            <a:r>
+              <a:rPr lang="en-US" sz="1100" dirty="0"/>
+              <a:t> binary file</a:t>
+            </a:r>
+          </a:p>
+          <a:p>
+            <a:r>
+              <a:rPr lang="en-US" sz="1100" dirty="0"/>
+              <a:t> Author: Nikolaj </a:t>
+            </a:r>
+            <a:r>
+              <a:rPr lang="en-US" sz="1100" dirty="0" err="1"/>
+              <a:t>NÃ¸hr-Rasmussen</a:t>
+            </a:r>
+            <a:r>
+              <a:rPr lang="en-US" sz="1100" dirty="0"/>
+              <a:t> &lt;nikolaj@noehr-rasmussen.dk&gt;</a:t>
+            </a:r>
+          </a:p>
+          <a:p>
+            <a:endParaRPr lang="en-US" sz="1100" dirty="0"/>
+          </a:p>
+          <a:p>
+            <a:r>
+              <a:rPr lang="en-US" sz="1100" dirty="0"/>
+              <a:t>nnohrras@HER100DG5K662 MINGW64 /c/</a:t>
+            </a:r>
+            <a:r>
+              <a:rPr lang="en-US" sz="1100" dirty="0" err="1"/>
+              <a:t>data_no_backup_active</a:t>
+            </a:r>
+            <a:r>
+              <a:rPr lang="en-US" sz="1100" dirty="0"/>
+              <a:t>/test </a:t>
+            </a:r>
+            <a:r>
+              <a:rPr lang="en-US" sz="1100" dirty="0" err="1"/>
+              <a:t>github</a:t>
+            </a:r>
+            <a:r>
+              <a:rPr lang="en-US" sz="1100" dirty="0"/>
+              <a:t>/GIT/GoPro-</a:t>
+            </a:r>
+            <a:r>
+              <a:rPr lang="en-US" sz="1100" dirty="0" err="1"/>
+              <a:t>Notetaker</a:t>
+            </a:r>
+            <a:r>
+              <a:rPr lang="en-US" sz="1100" dirty="0"/>
+              <a:t>-tool (master)</a:t>
+            </a:r>
+          </a:p>
+          <a:p>
+            <a:r>
+              <a:rPr lang="en-US" sz="1100" dirty="0"/>
+              <a:t>$ </a:t>
+            </a:r>
+            <a:r>
+              <a:rPr lang="en-US" sz="1100" b="1" dirty="0" err="1"/>
+              <a:t>git</a:t>
+            </a:r>
+            <a:r>
+              <a:rPr lang="en-US" sz="1100" b="1" dirty="0"/>
+              <a:t> push origin</a:t>
+            </a:r>
+          </a:p>
+          <a:p>
+            <a:r>
+              <a:rPr lang="en-US" sz="1100" dirty="0"/>
+              <a:t>Fatal: </a:t>
+            </a:r>
+            <a:r>
+              <a:rPr lang="en-US" sz="1100" dirty="0" err="1"/>
+              <a:t>HttpRequestException</a:t>
+            </a:r>
+            <a:r>
+              <a:rPr lang="en-US" sz="1100" dirty="0"/>
+              <a:t> encountered.</a:t>
+            </a:r>
+          </a:p>
+          <a:p>
+            <a:r>
+              <a:rPr lang="en-US" sz="1100" dirty="0"/>
+              <a:t>   An error occurred while sending the request.</a:t>
+            </a:r>
+          </a:p>
+          <a:p>
+            <a:r>
+              <a:rPr lang="en-US" sz="1100" dirty="0"/>
+              <a:t>Counting objects: 4, done.</a:t>
+            </a:r>
+          </a:p>
+          <a:p>
+            <a:r>
+              <a:rPr lang="en-US" sz="1100" dirty="0"/>
+              <a:t>Delta compression using up to 8 threads.</a:t>
+            </a:r>
+          </a:p>
+          <a:p>
+            <a:r>
+              <a:rPr lang="en-US" sz="1100" dirty="0"/>
+              <a:t>Compressing objects: 100% (4/4), done.</a:t>
+            </a:r>
+          </a:p>
+          <a:p>
+            <a:r>
+              <a:rPr lang="en-US" sz="1100" dirty="0"/>
+              <a:t>Writing objects: 100% (4/4), 98.51 KiB | 0 bytes/s, done.</a:t>
+            </a:r>
+          </a:p>
+          <a:p>
+            <a:r>
+              <a:rPr lang="sv-SE" sz="1100" dirty="0"/>
+              <a:t>Total 4 (delta 3), </a:t>
+            </a:r>
+            <a:r>
+              <a:rPr lang="sv-SE" sz="1100" dirty="0" err="1"/>
+              <a:t>reused</a:t>
+            </a:r>
+            <a:r>
+              <a:rPr lang="sv-SE" sz="1100" dirty="0"/>
+              <a:t> 0 (delta 0)</a:t>
+            </a:r>
+          </a:p>
+          <a:p>
+            <a:r>
+              <a:rPr lang="en-US" sz="1100" dirty="0"/>
+              <a:t>remote: Resolving deltas: 100% (3/3), completed with 2 local objects.</a:t>
+            </a:r>
+          </a:p>
+          <a:p>
+            <a:r>
+              <a:rPr lang="en-US" sz="1100" dirty="0"/>
+              <a:t>To https://github.com/ratnick/GoPro-Notetaker-tool.git</a:t>
+            </a:r>
+          </a:p>
+          <a:p>
+            <a:r>
+              <a:rPr lang="en-US" sz="1100" dirty="0"/>
+              <a:t>   edf7986..10592da  master -&gt; master</a:t>
+            </a:r>
+          </a:p>
+          <a:p>
+            <a:endParaRPr lang="en-US" sz="1100" dirty="0">
+              <a:latin typeface="Courier New" panose="02070309020205020404" pitchFamily="49" charset="0"/>
+              <a:cs typeface="Courier New" panose="02070309020205020404" pitchFamily="49" charset="0"/>
+            </a:endParaRPr>
           </a:p>
         </p:txBody>
       </p:sp>
     </p:spTree>
     <p:extLst>
       <p:ext uri="{BB962C8B-B14F-4D97-AF65-F5344CB8AC3E}">
-        <p14:creationId xmlns:p14="http://schemas.microsoft.com/office/powerpoint/2010/main" val="4115334664"/>
+        <p14:creationId xmlns:p14="http://schemas.microsoft.com/office/powerpoint/2010/main" val="2159133581"/>
       </p:ext>
     </p:extLst>
   </p:cSld>
@@ -15024,6 +17664,123 @@
           <a:p>
             <a:r>
               <a:rPr lang="da-DK" dirty="0" smtClean="0"/>
+              <a:t>Tips</a:t>
+            </a:r>
+            <a:endParaRPr lang="en-GB" dirty="0"/>
+          </a:p>
+        </p:txBody>
+      </p:sp>
+      <p:sp>
+        <p:nvSpPr>
+          <p:cNvPr id="3" name="Content Placeholder 2"/>
+          <p:cNvSpPr>
+            <a:spLocks noGrp="1"/>
+          </p:cNvSpPr>
+          <p:nvPr>
+            <p:ph idx="1"/>
+          </p:nvPr>
+        </p:nvSpPr>
+        <p:spPr/>
+        <p:txBody>
+          <a:bodyPr/>
+          <a:lstStyle/>
+          <a:p>
+            <a:pPr fontAlgn="base"/>
+            <a:r>
+              <a:rPr lang="en-US" dirty="0" smtClean="0"/>
+              <a:t>Import library into Eclipse</a:t>
+            </a:r>
+          </a:p>
+          <a:p>
+            <a:pPr lvl="1" fontAlgn="base"/>
+            <a:r>
+              <a:rPr lang="en-US" dirty="0" smtClean="0"/>
+              <a:t>Download </a:t>
+            </a:r>
+            <a:r>
+              <a:rPr lang="en-US" dirty="0"/>
+              <a:t>the ZIP file from this </a:t>
+            </a:r>
+            <a:r>
+              <a:rPr lang="en-US" dirty="0">
+                <a:hlinkClick r:id="rId2"/>
+              </a:rPr>
+              <a:t>URL</a:t>
+            </a:r>
+            <a:r>
+              <a:rPr lang="en-US" dirty="0"/>
+              <a:t> and extract it to get the Jar. Add the Jar to your build path. To check the available classes in this Jar use this </a:t>
+            </a:r>
+            <a:r>
+              <a:rPr lang="en-US" dirty="0">
+                <a:hlinkClick r:id="rId3"/>
+              </a:rPr>
+              <a:t>URL</a:t>
+            </a:r>
+            <a:r>
+              <a:rPr lang="en-US" dirty="0"/>
+              <a:t>.</a:t>
+            </a:r>
+          </a:p>
+          <a:p>
+            <a:pPr lvl="1" fontAlgn="base"/>
+            <a:r>
+              <a:rPr lang="en-US" dirty="0"/>
+              <a:t>To Add this Jar to your build path Right click the Project &gt; Build Path &gt; Configure build path&gt; Select Libraries tab &gt; Click Add External Libraries &gt; Select the Jar file Download</a:t>
+            </a:r>
+          </a:p>
+          <a:p>
+            <a:endParaRPr lang="en-GB" dirty="0"/>
+          </a:p>
+        </p:txBody>
+      </p:sp>
+    </p:spTree>
+    <p:extLst>
+      <p:ext uri="{BB962C8B-B14F-4D97-AF65-F5344CB8AC3E}">
+        <p14:creationId xmlns:p14="http://schemas.microsoft.com/office/powerpoint/2010/main" val="4115334664"/>
+      </p:ext>
+    </p:extLst>
+  </p:cSld>
+  <p:clrMapOvr>
+    <a:masterClrMapping/>
+  </p:clrMapOvr>
+</p:sld>
+</file>
+
+<file path=ppt/slides/slide21.xml><?xml version="1.0" encoding="utf-8"?>
+<p:sld xmlns:a="http://schemas.openxmlformats.org/drawingml/2006/main" xmlns:r="http://schemas.openxmlformats.org/officeDocument/2006/relationships" xmlns:p="http://schemas.openxmlformats.org/presentationml/2006/main">
+  <p:cSld>
+    <p:spTree>
+      <p:nvGrpSpPr>
+        <p:cNvPr id="1" name=""/>
+        <p:cNvGrpSpPr/>
+        <p:nvPr/>
+      </p:nvGrpSpPr>
+      <p:grpSpPr>
+        <a:xfrm>
+          <a:off x="0" y="0"/>
+          <a:ext cx="0" cy="0"/>
+          <a:chOff x="0" y="0"/>
+          <a:chExt cx="0" cy="0"/>
+        </a:xfrm>
+      </p:grpSpPr>
+      <p:sp>
+        <p:nvSpPr>
+          <p:cNvPr id="2" name="Title 1"/>
+          <p:cNvSpPr>
+            <a:spLocks noGrp="1"/>
+          </p:cNvSpPr>
+          <p:nvPr>
+            <p:ph type="title"/>
+          </p:nvPr>
+        </p:nvSpPr>
+        <p:spPr/>
+        <p:txBody>
+          <a:bodyPr/>
+          <a:lstStyle/>
+          <a:p>
+            <a:r>
+              <a:rPr lang="da-DK" dirty="0" smtClean="0"/>
               <a:t>Manual </a:t>
             </a:r>
             <a:r>
@@ -15340,7 +18097,7 @@
 </p:sld>
 </file>
 
-<file path=ppt/slides/slide21.xml><?xml version="1.0" encoding="utf-8"?>
+<file path=ppt/slides/slide22.xml><?xml version="1.0" encoding="utf-8"?>
 <p:sld xmlns:a="http://schemas.openxmlformats.org/drawingml/2006/main" xmlns:r="http://schemas.openxmlformats.org/officeDocument/2006/relationships" xmlns:p="http://schemas.openxmlformats.org/presentationml/2006/main">
   <p:cSld>
     <p:spTree>
@@ -15928,11 +18685,7 @@
             </a:r>
             <a:r>
               <a:rPr lang="en-US" dirty="0" smtClean="0"/>
-              <a:t> (e.g. by starting a new workspace in Eclipse</a:t>
-            </a:r>
-            <a:r>
-              <a:rPr lang="en-US" dirty="0" smtClean="0"/>
-              <a:t>)</a:t>
+              <a:t> (e.g. by starting a new workspace in Eclipse)</a:t>
             </a:r>
           </a:p>
           <a:p>

--- a/ViNo Get Started DEVELOPMENT V4.0.pptx
+++ b/ViNo Get Started DEVELOPMENT V4.0.pptx
@@ -3176,1396 +3176,6 @@
       <dsp:cNvGrpSpPr/>
     </dsp:nvGrpSpPr>
     <dsp:grpSpPr/>
-    <dsp:sp modelId="{78A916C1-45FB-6547-9A4C-8052BBEDDF7C}">
-      <dsp:nvSpPr>
-        <dsp:cNvPr id="0" name=""/>
-        <dsp:cNvSpPr/>
-      </dsp:nvSpPr>
-      <dsp:spPr>
-        <a:xfrm>
-          <a:off x="5629275" y="2977518"/>
-          <a:ext cx="4978160" cy="273458"/>
-        </a:xfrm>
-        <a:custGeom>
-          <a:avLst/>
-          <a:gdLst/>
-          <a:ahLst/>
-          <a:cxnLst/>
-          <a:rect l="0" t="0" r="0" b="0"/>
-          <a:pathLst>
-            <a:path>
-              <a:moveTo>
-                <a:pt x="0" y="0"/>
-              </a:moveTo>
-              <a:lnTo>
-                <a:pt x="0" y="136729"/>
-              </a:lnTo>
-              <a:lnTo>
-                <a:pt x="4978160" y="136729"/>
-              </a:lnTo>
-              <a:lnTo>
-                <a:pt x="4978160" y="273458"/>
-              </a:lnTo>
-            </a:path>
-          </a:pathLst>
-        </a:custGeom>
-        <a:noFill/>
-        <a:ln w="6350" cap="flat" cmpd="sng" algn="ctr">
-          <a:solidFill>
-            <a:schemeClr val="accent1">
-              <a:shade val="60000"/>
-              <a:hueOff val="0"/>
-              <a:satOff val="0"/>
-              <a:lumOff val="0"/>
-              <a:alphaOff val="0"/>
-            </a:schemeClr>
-          </a:solidFill>
-          <a:prstDash val="solid"/>
-          <a:miter lim="800000"/>
-        </a:ln>
-        <a:effectLst/>
-      </dsp:spPr>
-      <dsp:style>
-        <a:lnRef idx="1">
-          <a:scrgbClr r="0" g="0" b="0"/>
-        </a:lnRef>
-        <a:fillRef idx="0">
-          <a:scrgbClr r="0" g="0" b="0"/>
-        </a:fillRef>
-        <a:effectRef idx="0">
-          <a:scrgbClr r="0" g="0" b="0"/>
-        </a:effectRef>
-        <a:fontRef idx="minor"/>
-      </dsp:style>
-    </dsp:sp>
-    <dsp:sp modelId="{E1763A78-C2EC-8745-BA79-01246259F009}">
-      <dsp:nvSpPr>
-        <dsp:cNvPr id="0" name=""/>
-        <dsp:cNvSpPr/>
-      </dsp:nvSpPr>
-      <dsp:spPr>
-        <a:xfrm>
-          <a:off x="5629275" y="2977518"/>
-          <a:ext cx="3402520" cy="273458"/>
-        </a:xfrm>
-        <a:custGeom>
-          <a:avLst/>
-          <a:gdLst/>
-          <a:ahLst/>
-          <a:cxnLst/>
-          <a:rect l="0" t="0" r="0" b="0"/>
-          <a:pathLst>
-            <a:path>
-              <a:moveTo>
-                <a:pt x="0" y="0"/>
-              </a:moveTo>
-              <a:lnTo>
-                <a:pt x="0" y="136729"/>
-              </a:lnTo>
-              <a:lnTo>
-                <a:pt x="3402520" y="136729"/>
-              </a:lnTo>
-              <a:lnTo>
-                <a:pt x="3402520" y="273458"/>
-              </a:lnTo>
-            </a:path>
-          </a:pathLst>
-        </a:custGeom>
-        <a:noFill/>
-        <a:ln w="6350" cap="flat" cmpd="sng" algn="ctr">
-          <a:solidFill>
-            <a:schemeClr val="accent1">
-              <a:shade val="60000"/>
-              <a:hueOff val="0"/>
-              <a:satOff val="0"/>
-              <a:lumOff val="0"/>
-              <a:alphaOff val="0"/>
-            </a:schemeClr>
-          </a:solidFill>
-          <a:prstDash val="solid"/>
-          <a:miter lim="800000"/>
-        </a:ln>
-        <a:effectLst/>
-      </dsp:spPr>
-      <dsp:style>
-        <a:lnRef idx="1">
-          <a:scrgbClr r="0" g="0" b="0"/>
-        </a:lnRef>
-        <a:fillRef idx="0">
-          <a:scrgbClr r="0" g="0" b="0"/>
-        </a:fillRef>
-        <a:effectRef idx="0">
-          <a:scrgbClr r="0" g="0" b="0"/>
-        </a:effectRef>
-        <a:fontRef idx="minor"/>
-      </dsp:style>
-    </dsp:sp>
-    <dsp:sp modelId="{CBAE471B-FE89-6E48-B021-5FC4136D6F1B}">
-      <dsp:nvSpPr>
-        <dsp:cNvPr id="0" name=""/>
-        <dsp:cNvSpPr/>
-      </dsp:nvSpPr>
-      <dsp:spPr>
-        <a:xfrm>
-          <a:off x="5629275" y="2977518"/>
-          <a:ext cx="1826880" cy="273458"/>
-        </a:xfrm>
-        <a:custGeom>
-          <a:avLst/>
-          <a:gdLst/>
-          <a:ahLst/>
-          <a:cxnLst/>
-          <a:rect l="0" t="0" r="0" b="0"/>
-          <a:pathLst>
-            <a:path>
-              <a:moveTo>
-                <a:pt x="0" y="0"/>
-              </a:moveTo>
-              <a:lnTo>
-                <a:pt x="0" y="136729"/>
-              </a:lnTo>
-              <a:lnTo>
-                <a:pt x="1826880" y="136729"/>
-              </a:lnTo>
-              <a:lnTo>
-                <a:pt x="1826880" y="273458"/>
-              </a:lnTo>
-            </a:path>
-          </a:pathLst>
-        </a:custGeom>
-        <a:noFill/>
-        <a:ln w="6350" cap="flat" cmpd="sng" algn="ctr">
-          <a:solidFill>
-            <a:schemeClr val="accent1">
-              <a:shade val="60000"/>
-              <a:hueOff val="0"/>
-              <a:satOff val="0"/>
-              <a:lumOff val="0"/>
-              <a:alphaOff val="0"/>
-            </a:schemeClr>
-          </a:solidFill>
-          <a:prstDash val="solid"/>
-          <a:miter lim="800000"/>
-        </a:ln>
-        <a:effectLst/>
-      </dsp:spPr>
-      <dsp:style>
-        <a:lnRef idx="1">
-          <a:scrgbClr r="0" g="0" b="0"/>
-        </a:lnRef>
-        <a:fillRef idx="0">
-          <a:scrgbClr r="0" g="0" b="0"/>
-        </a:fillRef>
-        <a:effectRef idx="0">
-          <a:scrgbClr r="0" g="0" b="0"/>
-        </a:effectRef>
-        <a:fontRef idx="minor"/>
-      </dsp:style>
-    </dsp:sp>
-    <dsp:sp modelId="{9B87DF03-7C43-5D46-8C35-C4D697A5299A}">
-      <dsp:nvSpPr>
-        <dsp:cNvPr id="0" name=""/>
-        <dsp:cNvSpPr/>
-      </dsp:nvSpPr>
-      <dsp:spPr>
-        <a:xfrm>
-          <a:off x="5629275" y="2977518"/>
-          <a:ext cx="251239" cy="273458"/>
-        </a:xfrm>
-        <a:custGeom>
-          <a:avLst/>
-          <a:gdLst/>
-          <a:ahLst/>
-          <a:cxnLst/>
-          <a:rect l="0" t="0" r="0" b="0"/>
-          <a:pathLst>
-            <a:path>
-              <a:moveTo>
-                <a:pt x="0" y="0"/>
-              </a:moveTo>
-              <a:lnTo>
-                <a:pt x="0" y="136729"/>
-              </a:lnTo>
-              <a:lnTo>
-                <a:pt x="251239" y="136729"/>
-              </a:lnTo>
-              <a:lnTo>
-                <a:pt x="251239" y="273458"/>
-              </a:lnTo>
-            </a:path>
-          </a:pathLst>
-        </a:custGeom>
-        <a:noFill/>
-        <a:ln w="6350" cap="flat" cmpd="sng" algn="ctr">
-          <a:solidFill>
-            <a:schemeClr val="accent1">
-              <a:shade val="60000"/>
-              <a:hueOff val="0"/>
-              <a:satOff val="0"/>
-              <a:lumOff val="0"/>
-              <a:alphaOff val="0"/>
-            </a:schemeClr>
-          </a:solidFill>
-          <a:prstDash val="solid"/>
-          <a:miter lim="800000"/>
-        </a:ln>
-        <a:effectLst/>
-      </dsp:spPr>
-      <dsp:style>
-        <a:lnRef idx="1">
-          <a:scrgbClr r="0" g="0" b="0"/>
-        </a:lnRef>
-        <a:fillRef idx="0">
-          <a:scrgbClr r="0" g="0" b="0"/>
-        </a:fillRef>
-        <a:effectRef idx="0">
-          <a:scrgbClr r="0" g="0" b="0"/>
-        </a:effectRef>
-        <a:fontRef idx="minor"/>
-      </dsp:style>
-    </dsp:sp>
-    <dsp:sp modelId="{8DFCF146-7C2B-7247-9822-DCE752D9A16A}">
-      <dsp:nvSpPr>
-        <dsp:cNvPr id="0" name=""/>
-        <dsp:cNvSpPr/>
-      </dsp:nvSpPr>
-      <dsp:spPr>
-        <a:xfrm>
-          <a:off x="4304874" y="2977518"/>
-          <a:ext cx="1324400" cy="273458"/>
-        </a:xfrm>
-        <a:custGeom>
-          <a:avLst/>
-          <a:gdLst/>
-          <a:ahLst/>
-          <a:cxnLst/>
-          <a:rect l="0" t="0" r="0" b="0"/>
-          <a:pathLst>
-            <a:path>
-              <a:moveTo>
-                <a:pt x="1324400" y="0"/>
-              </a:moveTo>
-              <a:lnTo>
-                <a:pt x="1324400" y="136729"/>
-              </a:lnTo>
-              <a:lnTo>
-                <a:pt x="0" y="136729"/>
-              </a:lnTo>
-              <a:lnTo>
-                <a:pt x="0" y="273458"/>
-              </a:lnTo>
-            </a:path>
-          </a:pathLst>
-        </a:custGeom>
-        <a:noFill/>
-        <a:ln w="6350" cap="flat" cmpd="sng" algn="ctr">
-          <a:solidFill>
-            <a:schemeClr val="accent1">
-              <a:shade val="60000"/>
-              <a:hueOff val="0"/>
-              <a:satOff val="0"/>
-              <a:lumOff val="0"/>
-              <a:alphaOff val="0"/>
-            </a:schemeClr>
-          </a:solidFill>
-          <a:prstDash val="solid"/>
-          <a:miter lim="800000"/>
-        </a:ln>
-        <a:effectLst/>
-      </dsp:spPr>
-      <dsp:style>
-        <a:lnRef idx="1">
-          <a:scrgbClr r="0" g="0" b="0"/>
-        </a:lnRef>
-        <a:fillRef idx="0">
-          <a:scrgbClr r="0" g="0" b="0"/>
-        </a:fillRef>
-        <a:effectRef idx="0">
-          <a:scrgbClr r="0" g="0" b="0"/>
-        </a:effectRef>
-        <a:fontRef idx="minor"/>
-      </dsp:style>
-    </dsp:sp>
-    <dsp:sp modelId="{CE8BF669-6A0C-B04A-80AC-D3DA0F976ABF}">
-      <dsp:nvSpPr>
-        <dsp:cNvPr id="0" name=""/>
-        <dsp:cNvSpPr/>
-      </dsp:nvSpPr>
-      <dsp:spPr>
-        <a:xfrm>
-          <a:off x="993181" y="3887782"/>
-          <a:ext cx="287934" cy="1327659"/>
-        </a:xfrm>
-        <a:custGeom>
-          <a:avLst/>
-          <a:gdLst/>
-          <a:ahLst/>
-          <a:cxnLst/>
-          <a:rect l="0" t="0" r="0" b="0"/>
-          <a:pathLst>
-            <a:path>
-              <a:moveTo>
-                <a:pt x="0" y="0"/>
-              </a:moveTo>
-              <a:lnTo>
-                <a:pt x="0" y="1327659"/>
-              </a:lnTo>
-              <a:lnTo>
-                <a:pt x="287934" y="1327659"/>
-              </a:lnTo>
-            </a:path>
-          </a:pathLst>
-        </a:custGeom>
-        <a:noFill/>
-        <a:ln w="6350" cap="flat" cmpd="sng" algn="ctr">
-          <a:solidFill>
-            <a:schemeClr val="accent1">
-              <a:shade val="80000"/>
-              <a:hueOff val="0"/>
-              <a:satOff val="0"/>
-              <a:lumOff val="0"/>
-              <a:alphaOff val="0"/>
-            </a:schemeClr>
-          </a:solidFill>
-          <a:prstDash val="solid"/>
-          <a:miter lim="800000"/>
-        </a:ln>
-        <a:effectLst/>
-      </dsp:spPr>
-      <dsp:style>
-        <a:lnRef idx="1">
-          <a:scrgbClr r="0" g="0" b="0"/>
-        </a:lnRef>
-        <a:fillRef idx="0">
-          <a:scrgbClr r="0" g="0" b="0"/>
-        </a:fillRef>
-        <a:effectRef idx="0">
-          <a:scrgbClr r="0" g="0" b="0"/>
-        </a:effectRef>
-        <a:fontRef idx="minor"/>
-      </dsp:style>
-    </dsp:sp>
-    <dsp:sp modelId="{A491FDAF-2359-B140-B33A-8323B9468F07}">
-      <dsp:nvSpPr>
-        <dsp:cNvPr id="0" name=""/>
-        <dsp:cNvSpPr/>
-      </dsp:nvSpPr>
-      <dsp:spPr>
-        <a:xfrm>
-          <a:off x="2051168" y="2977518"/>
-          <a:ext cx="3578106" cy="259173"/>
-        </a:xfrm>
-        <a:custGeom>
-          <a:avLst/>
-          <a:gdLst/>
-          <a:ahLst/>
-          <a:cxnLst/>
-          <a:rect l="0" t="0" r="0" b="0"/>
-          <a:pathLst>
-            <a:path>
-              <a:moveTo>
-                <a:pt x="3578106" y="0"/>
-              </a:moveTo>
-              <a:lnTo>
-                <a:pt x="3578106" y="122444"/>
-              </a:lnTo>
-              <a:lnTo>
-                <a:pt x="0" y="122444"/>
-              </a:lnTo>
-              <a:lnTo>
-                <a:pt x="0" y="259173"/>
-              </a:lnTo>
-            </a:path>
-          </a:pathLst>
-        </a:custGeom>
-        <a:noFill/>
-        <a:ln w="6350" cap="flat" cmpd="sng" algn="ctr">
-          <a:solidFill>
-            <a:schemeClr val="accent1">
-              <a:shade val="60000"/>
-              <a:hueOff val="0"/>
-              <a:satOff val="0"/>
-              <a:lumOff val="0"/>
-              <a:alphaOff val="0"/>
-            </a:schemeClr>
-          </a:solidFill>
-          <a:prstDash val="solid"/>
-          <a:miter lim="800000"/>
-        </a:ln>
-        <a:effectLst/>
-      </dsp:spPr>
-      <dsp:style>
-        <a:lnRef idx="1">
-          <a:scrgbClr r="0" g="0" b="0"/>
-        </a:lnRef>
-        <a:fillRef idx="0">
-          <a:scrgbClr r="0" g="0" b="0"/>
-        </a:fillRef>
-        <a:effectRef idx="0">
-          <a:scrgbClr r="0" g="0" b="0"/>
-        </a:effectRef>
-        <a:fontRef idx="minor"/>
-      </dsp:style>
-    </dsp:sp>
-    <dsp:sp modelId="{5B6F6B59-8F5B-6345-9968-75BE1F974883}">
-      <dsp:nvSpPr>
-        <dsp:cNvPr id="0" name=""/>
-        <dsp:cNvSpPr/>
-      </dsp:nvSpPr>
-      <dsp:spPr>
-        <a:xfrm>
-          <a:off x="3039716" y="1423370"/>
-          <a:ext cx="5179116" cy="1554147"/>
-        </a:xfrm>
-        <a:prstGeom prst="rect">
-          <a:avLst/>
-        </a:prstGeom>
-        <a:gradFill rotWithShape="0">
-          <a:gsLst>
-            <a:gs pos="0">
-              <a:schemeClr val="accent1">
-                <a:hueOff val="0"/>
-                <a:satOff val="0"/>
-                <a:lumOff val="0"/>
-                <a:alphaOff val="0"/>
-                <a:satMod val="103000"/>
-                <a:lumMod val="102000"/>
-                <a:tint val="94000"/>
-              </a:schemeClr>
-            </a:gs>
-            <a:gs pos="50000">
-              <a:schemeClr val="accent1">
-                <a:hueOff val="0"/>
-                <a:satOff val="0"/>
-                <a:lumOff val="0"/>
-                <a:alphaOff val="0"/>
-                <a:satMod val="110000"/>
-                <a:lumMod val="100000"/>
-                <a:shade val="100000"/>
-              </a:schemeClr>
-            </a:gs>
-            <a:gs pos="100000">
-              <a:schemeClr val="accent1">
-                <a:hueOff val="0"/>
-                <a:satOff val="0"/>
-                <a:lumOff val="0"/>
-                <a:alphaOff val="0"/>
-                <a:lumMod val="99000"/>
-                <a:satMod val="120000"/>
-                <a:shade val="78000"/>
-              </a:schemeClr>
-            </a:gs>
-          </a:gsLst>
-          <a:lin ang="5400000" scaled="0"/>
-        </a:gradFill>
-        <a:ln>
-          <a:noFill/>
-        </a:ln>
-        <a:effectLst/>
-      </dsp:spPr>
-      <dsp:style>
-        <a:lnRef idx="0">
-          <a:scrgbClr r="0" g="0" b="0"/>
-        </a:lnRef>
-        <a:fillRef idx="3">
-          <a:scrgbClr r="0" g="0" b="0"/>
-        </a:fillRef>
-        <a:effectRef idx="2">
-          <a:scrgbClr r="0" g="0" b="0"/>
-        </a:effectRef>
-        <a:fontRef idx="minor">
-          <a:schemeClr val="lt1"/>
-        </a:fontRef>
-      </dsp:style>
-      <dsp:txBody>
-        <a:bodyPr spcFirstLastPara="0" vert="horz" wrap="square" lIns="8255" tIns="8255" rIns="8255" bIns="8255" numCol="1" spcCol="1270" anchor="ctr" anchorCtr="0">
-          <a:noAutofit/>
-        </a:bodyPr>
-        <a:lstStyle/>
-        <a:p>
-          <a:pPr lvl="0" algn="ctr" defTabSz="577850">
-            <a:lnSpc>
-              <a:spcPct val="90000"/>
-            </a:lnSpc>
-            <a:spcBef>
-              <a:spcPct val="0"/>
-            </a:spcBef>
-            <a:spcAft>
-              <a:spcPct val="35000"/>
-            </a:spcAft>
-          </a:pPr>
-          <a:r>
-            <a:rPr lang="en-US" sz="1300" b="1" kern="1200" dirty="0" err="1" smtClean="0"/>
-            <a:t>MainApp</a:t>
-          </a:r>
-          <a:endParaRPr lang="en-US" sz="1300" b="1" kern="1200" dirty="0" smtClean="0"/>
-        </a:p>
-        <a:p>
-          <a:pPr lvl="0" algn="ctr" defTabSz="577850">
-            <a:lnSpc>
-              <a:spcPct val="90000"/>
-            </a:lnSpc>
-            <a:spcBef>
-              <a:spcPct val="0"/>
-            </a:spcBef>
-            <a:spcAft>
-              <a:spcPct val="35000"/>
-            </a:spcAft>
-          </a:pPr>
-          <a:r>
-            <a:rPr lang="en-US" sz="1300" kern="1200" dirty="0" smtClean="0"/>
-            <a:t>- The </a:t>
-          </a:r>
-          <a:r>
-            <a:rPr lang="en-US" sz="1300" kern="1200" dirty="0" err="1" smtClean="0"/>
-            <a:t>MainApp</a:t>
-          </a:r>
-          <a:r>
-            <a:rPr lang="en-US" sz="1300" kern="1200" dirty="0" smtClean="0"/>
-            <a:t> instantiates all views that require a window</a:t>
-          </a:r>
-          <a:endParaRPr lang="en-US" sz="1300" kern="1200" dirty="0"/>
-        </a:p>
-      </dsp:txBody>
-      <dsp:txXfrm>
-        <a:off x="3039716" y="1423370"/>
-        <a:ext cx="5179116" cy="1554147"/>
-      </dsp:txXfrm>
-    </dsp:sp>
-    <dsp:sp modelId="{3D554475-69D0-6C4E-8CB5-D5A8D6CC03B4}">
-      <dsp:nvSpPr>
-        <dsp:cNvPr id="0" name=""/>
-        <dsp:cNvSpPr/>
-      </dsp:nvSpPr>
-      <dsp:spPr>
-        <a:xfrm>
-          <a:off x="728685" y="3236691"/>
-          <a:ext cx="2644966" cy="651091"/>
-        </a:xfrm>
-        <a:prstGeom prst="rect">
-          <a:avLst/>
-        </a:prstGeom>
-        <a:gradFill rotWithShape="0">
-          <a:gsLst>
-            <a:gs pos="0">
-              <a:schemeClr val="accent1">
-                <a:hueOff val="0"/>
-                <a:satOff val="0"/>
-                <a:lumOff val="0"/>
-                <a:alphaOff val="0"/>
-                <a:satMod val="103000"/>
-                <a:lumMod val="102000"/>
-                <a:tint val="94000"/>
-              </a:schemeClr>
-            </a:gs>
-            <a:gs pos="50000">
-              <a:schemeClr val="accent1">
-                <a:hueOff val="0"/>
-                <a:satOff val="0"/>
-                <a:lumOff val="0"/>
-                <a:alphaOff val="0"/>
-                <a:satMod val="110000"/>
-                <a:lumMod val="100000"/>
-                <a:shade val="100000"/>
-              </a:schemeClr>
-            </a:gs>
-            <a:gs pos="100000">
-              <a:schemeClr val="accent1">
-                <a:hueOff val="0"/>
-                <a:satOff val="0"/>
-                <a:lumOff val="0"/>
-                <a:alphaOff val="0"/>
-                <a:lumMod val="99000"/>
-                <a:satMod val="120000"/>
-                <a:shade val="78000"/>
-              </a:schemeClr>
-            </a:gs>
-          </a:gsLst>
-          <a:lin ang="5400000" scaled="0"/>
-        </a:gradFill>
-        <a:ln>
-          <a:noFill/>
-        </a:ln>
-        <a:effectLst/>
-      </dsp:spPr>
-      <dsp:style>
-        <a:lnRef idx="0">
-          <a:scrgbClr r="0" g="0" b="0"/>
-        </a:lnRef>
-        <a:fillRef idx="3">
-          <a:scrgbClr r="0" g="0" b="0"/>
-        </a:fillRef>
-        <a:effectRef idx="2">
-          <a:scrgbClr r="0" g="0" b="0"/>
-        </a:effectRef>
-        <a:fontRef idx="minor">
-          <a:schemeClr val="lt1"/>
-        </a:fontRef>
-      </dsp:style>
-      <dsp:txBody>
-        <a:bodyPr spcFirstLastPara="0" vert="horz" wrap="square" lIns="8255" tIns="8255" rIns="8255" bIns="8255" numCol="1" spcCol="1270" anchor="ctr" anchorCtr="0">
-          <a:noAutofit/>
-        </a:bodyPr>
-        <a:lstStyle/>
-        <a:p>
-          <a:pPr lvl="0" algn="ctr" defTabSz="577850">
-            <a:lnSpc>
-              <a:spcPct val="90000"/>
-            </a:lnSpc>
-            <a:spcBef>
-              <a:spcPct val="0"/>
-            </a:spcBef>
-            <a:spcAft>
-              <a:spcPct val="35000"/>
-            </a:spcAft>
-          </a:pPr>
-          <a:r>
-            <a:rPr lang="en-US" sz="1300" b="1" kern="1200" dirty="0" err="1" smtClean="0"/>
-            <a:t>RootLayout</a:t>
-          </a:r>
-          <a:endParaRPr lang="en-US" sz="1300" b="1" kern="1200" dirty="0" smtClean="0"/>
-        </a:p>
-        <a:p>
-          <a:pPr lvl="0" algn="ctr" defTabSz="577850">
-            <a:lnSpc>
-              <a:spcPct val="90000"/>
-            </a:lnSpc>
-            <a:spcBef>
-              <a:spcPct val="0"/>
-            </a:spcBef>
-            <a:spcAft>
-              <a:spcPct val="35000"/>
-            </a:spcAft>
-          </a:pPr>
-          <a:r>
-            <a:rPr lang="en-US" sz="1300" kern="1200" dirty="0" smtClean="0"/>
-            <a:t>- The basic window and </a:t>
-          </a:r>
-          <a:r>
-            <a:rPr lang="en-US" sz="1300" kern="1200" dirty="0" err="1" smtClean="0"/>
-            <a:t>menubar</a:t>
-          </a:r>
-          <a:endParaRPr lang="en-US" sz="1300" kern="1200" dirty="0"/>
-        </a:p>
-      </dsp:txBody>
-      <dsp:txXfrm>
-        <a:off x="728685" y="3236691"/>
-        <a:ext cx="2644966" cy="651091"/>
-      </dsp:txXfrm>
-    </dsp:sp>
-    <dsp:sp modelId="{1FC02C9F-9E09-8C42-AF69-19C03F84467B}">
-      <dsp:nvSpPr>
-        <dsp:cNvPr id="0" name=""/>
-        <dsp:cNvSpPr/>
-      </dsp:nvSpPr>
-      <dsp:spPr>
-        <a:xfrm>
-          <a:off x="1281116" y="4889896"/>
-          <a:ext cx="2719060" cy="651091"/>
-        </a:xfrm>
-        <a:prstGeom prst="rect">
-          <a:avLst/>
-        </a:prstGeom>
-        <a:gradFill rotWithShape="0">
-          <a:gsLst>
-            <a:gs pos="0">
-              <a:schemeClr val="accent1">
-                <a:hueOff val="0"/>
-                <a:satOff val="0"/>
-                <a:lumOff val="0"/>
-                <a:alphaOff val="0"/>
-                <a:satMod val="103000"/>
-                <a:lumMod val="102000"/>
-                <a:tint val="94000"/>
-              </a:schemeClr>
-            </a:gs>
-            <a:gs pos="50000">
-              <a:schemeClr val="accent1">
-                <a:hueOff val="0"/>
-                <a:satOff val="0"/>
-                <a:lumOff val="0"/>
-                <a:alphaOff val="0"/>
-                <a:satMod val="110000"/>
-                <a:lumMod val="100000"/>
-                <a:shade val="100000"/>
-              </a:schemeClr>
-            </a:gs>
-            <a:gs pos="100000">
-              <a:schemeClr val="accent1">
-                <a:hueOff val="0"/>
-                <a:satOff val="0"/>
-                <a:lumOff val="0"/>
-                <a:alphaOff val="0"/>
-                <a:lumMod val="99000"/>
-                <a:satMod val="120000"/>
-                <a:shade val="78000"/>
-              </a:schemeClr>
-            </a:gs>
-          </a:gsLst>
-          <a:lin ang="5400000" scaled="0"/>
-        </a:gradFill>
-        <a:ln>
-          <a:noFill/>
-        </a:ln>
-        <a:effectLst/>
-      </dsp:spPr>
-      <dsp:style>
-        <a:lnRef idx="0">
-          <a:scrgbClr r="0" g="0" b="0"/>
-        </a:lnRef>
-        <a:fillRef idx="3">
-          <a:scrgbClr r="0" g="0" b="0"/>
-        </a:fillRef>
-        <a:effectRef idx="2">
-          <a:scrgbClr r="0" g="0" b="0"/>
-        </a:effectRef>
-        <a:fontRef idx="minor">
-          <a:schemeClr val="lt1"/>
-        </a:fontRef>
-      </dsp:style>
-      <dsp:txBody>
-        <a:bodyPr spcFirstLastPara="0" vert="horz" wrap="square" lIns="8255" tIns="8255" rIns="8255" bIns="8255" numCol="1" spcCol="1270" anchor="ctr" anchorCtr="0">
-          <a:noAutofit/>
-        </a:bodyPr>
-        <a:lstStyle/>
-        <a:p>
-          <a:pPr lvl="0" algn="ctr" defTabSz="577850">
-            <a:lnSpc>
-              <a:spcPct val="90000"/>
-            </a:lnSpc>
-            <a:spcBef>
-              <a:spcPct val="0"/>
-            </a:spcBef>
-            <a:spcAft>
-              <a:spcPct val="35000"/>
-            </a:spcAft>
-          </a:pPr>
-          <a:r>
-            <a:rPr lang="en-US" sz="1300" kern="1200" dirty="0" err="1" smtClean="0"/>
-            <a:t>MainEditorView</a:t>
-          </a:r>
-          <a:endParaRPr lang="en-US" sz="1300" kern="1200" dirty="0" smtClean="0"/>
-        </a:p>
-        <a:p>
-          <a:pPr lvl="0" algn="ctr" defTabSz="577850">
-            <a:lnSpc>
-              <a:spcPct val="90000"/>
-            </a:lnSpc>
-            <a:spcBef>
-              <a:spcPct val="0"/>
-            </a:spcBef>
-            <a:spcAft>
-              <a:spcPct val="35000"/>
-            </a:spcAft>
-          </a:pPr>
-          <a:r>
-            <a:rPr lang="en-US" sz="1300" kern="1200" dirty="0" smtClean="0"/>
-            <a:t>- The graphical UI content</a:t>
-          </a:r>
-          <a:endParaRPr lang="en-US" sz="1300" kern="1200" dirty="0"/>
-        </a:p>
-      </dsp:txBody>
-      <dsp:txXfrm>
-        <a:off x="1281116" y="4889896"/>
-        <a:ext cx="2719060" cy="651091"/>
-      </dsp:txXfrm>
-    </dsp:sp>
-    <dsp:sp modelId="{9D264941-B744-944A-A6C3-E09FB9D87287}">
-      <dsp:nvSpPr>
-        <dsp:cNvPr id="0" name=""/>
-        <dsp:cNvSpPr/>
-      </dsp:nvSpPr>
-      <dsp:spPr>
-        <a:xfrm>
-          <a:off x="3653783" y="3250976"/>
-          <a:ext cx="1302182" cy="1246637"/>
-        </a:xfrm>
-        <a:prstGeom prst="rect">
-          <a:avLst/>
-        </a:prstGeom>
-        <a:gradFill rotWithShape="0">
-          <a:gsLst>
-            <a:gs pos="0">
-              <a:schemeClr val="accent1">
-                <a:hueOff val="0"/>
-                <a:satOff val="0"/>
-                <a:lumOff val="0"/>
-                <a:alphaOff val="0"/>
-                <a:satMod val="103000"/>
-                <a:lumMod val="102000"/>
-                <a:tint val="94000"/>
-              </a:schemeClr>
-            </a:gs>
-            <a:gs pos="50000">
-              <a:schemeClr val="accent1">
-                <a:hueOff val="0"/>
-                <a:satOff val="0"/>
-                <a:lumOff val="0"/>
-                <a:alphaOff val="0"/>
-                <a:satMod val="110000"/>
-                <a:lumMod val="100000"/>
-                <a:shade val="100000"/>
-              </a:schemeClr>
-            </a:gs>
-            <a:gs pos="100000">
-              <a:schemeClr val="accent1">
-                <a:hueOff val="0"/>
-                <a:satOff val="0"/>
-                <a:lumOff val="0"/>
-                <a:alphaOff val="0"/>
-                <a:lumMod val="99000"/>
-                <a:satMod val="120000"/>
-                <a:shade val="78000"/>
-              </a:schemeClr>
-            </a:gs>
-          </a:gsLst>
-          <a:lin ang="5400000" scaled="0"/>
-        </a:gradFill>
-        <a:ln>
-          <a:noFill/>
-        </a:ln>
-        <a:effectLst/>
-      </dsp:spPr>
-      <dsp:style>
-        <a:lnRef idx="0">
-          <a:scrgbClr r="0" g="0" b="0"/>
-        </a:lnRef>
-        <a:fillRef idx="3">
-          <a:scrgbClr r="0" g="0" b="0"/>
-        </a:fillRef>
-        <a:effectRef idx="2">
-          <a:scrgbClr r="0" g="0" b="0"/>
-        </a:effectRef>
-        <a:fontRef idx="minor">
-          <a:schemeClr val="lt1"/>
-        </a:fontRef>
-      </dsp:style>
-      <dsp:txBody>
-        <a:bodyPr spcFirstLastPara="0" vert="horz" wrap="square" lIns="8255" tIns="8255" rIns="8255" bIns="8255" numCol="1" spcCol="1270" anchor="ctr" anchorCtr="0">
-          <a:noAutofit/>
-        </a:bodyPr>
-        <a:lstStyle/>
-        <a:p>
-          <a:pPr lvl="0" algn="ctr" defTabSz="577850">
-            <a:lnSpc>
-              <a:spcPct val="90000"/>
-            </a:lnSpc>
-            <a:spcBef>
-              <a:spcPct val="0"/>
-            </a:spcBef>
-            <a:spcAft>
-              <a:spcPct val="35000"/>
-            </a:spcAft>
-          </a:pPr>
-          <a:r>
-            <a:rPr lang="en-US" sz="1300" kern="1200" dirty="0" err="1" smtClean="0"/>
-            <a:t>CompiledView</a:t>
-          </a:r>
-          <a:endParaRPr lang="en-US" sz="1300" kern="1200" dirty="0" smtClean="0"/>
-        </a:p>
-        <a:p>
-          <a:pPr lvl="0" algn="ctr" defTabSz="577850">
-            <a:lnSpc>
-              <a:spcPct val="90000"/>
-            </a:lnSpc>
-            <a:spcBef>
-              <a:spcPct val="0"/>
-            </a:spcBef>
-            <a:spcAft>
-              <a:spcPct val="35000"/>
-            </a:spcAft>
-          </a:pPr>
-          <a:r>
-            <a:rPr lang="en-US" sz="1300" kern="1200" dirty="0" smtClean="0"/>
-            <a:t>- Shows the video GUI</a:t>
-          </a:r>
-          <a:endParaRPr lang="en-US" sz="1300" kern="1200" dirty="0"/>
-        </a:p>
-      </dsp:txBody>
-      <dsp:txXfrm>
-        <a:off x="3653783" y="3250976"/>
-        <a:ext cx="1302182" cy="1246637"/>
-      </dsp:txXfrm>
-    </dsp:sp>
-    <dsp:sp modelId="{13D0ABDF-E05E-774A-9CDE-34211E6EFA3F}">
-      <dsp:nvSpPr>
-        <dsp:cNvPr id="0" name=""/>
-        <dsp:cNvSpPr/>
-      </dsp:nvSpPr>
-      <dsp:spPr>
-        <a:xfrm>
-          <a:off x="5229423" y="3250976"/>
-          <a:ext cx="1302182" cy="1246637"/>
-        </a:xfrm>
-        <a:prstGeom prst="rect">
-          <a:avLst/>
-        </a:prstGeom>
-        <a:gradFill rotWithShape="0">
-          <a:gsLst>
-            <a:gs pos="0">
-              <a:schemeClr val="accent1">
-                <a:hueOff val="0"/>
-                <a:satOff val="0"/>
-                <a:lumOff val="0"/>
-                <a:alphaOff val="0"/>
-                <a:satMod val="103000"/>
-                <a:lumMod val="102000"/>
-                <a:tint val="94000"/>
-              </a:schemeClr>
-            </a:gs>
-            <a:gs pos="50000">
-              <a:schemeClr val="accent1">
-                <a:hueOff val="0"/>
-                <a:satOff val="0"/>
-                <a:lumOff val="0"/>
-                <a:alphaOff val="0"/>
-                <a:satMod val="110000"/>
-                <a:lumMod val="100000"/>
-                <a:shade val="100000"/>
-              </a:schemeClr>
-            </a:gs>
-            <a:gs pos="100000">
-              <a:schemeClr val="accent1">
-                <a:hueOff val="0"/>
-                <a:satOff val="0"/>
-                <a:lumOff val="0"/>
-                <a:alphaOff val="0"/>
-                <a:lumMod val="99000"/>
-                <a:satMod val="120000"/>
-                <a:shade val="78000"/>
-              </a:schemeClr>
-            </a:gs>
-          </a:gsLst>
-          <a:lin ang="5400000" scaled="0"/>
-        </a:gradFill>
-        <a:ln>
-          <a:noFill/>
-        </a:ln>
-        <a:effectLst/>
-      </dsp:spPr>
-      <dsp:style>
-        <a:lnRef idx="0">
-          <a:scrgbClr r="0" g="0" b="0"/>
-        </a:lnRef>
-        <a:fillRef idx="3">
-          <a:scrgbClr r="0" g="0" b="0"/>
-        </a:fillRef>
-        <a:effectRef idx="2">
-          <a:scrgbClr r="0" g="0" b="0"/>
-        </a:effectRef>
-        <a:fontRef idx="minor">
-          <a:schemeClr val="lt1"/>
-        </a:fontRef>
-      </dsp:style>
-      <dsp:txBody>
-        <a:bodyPr spcFirstLastPara="0" vert="horz" wrap="square" lIns="8255" tIns="8255" rIns="8255" bIns="8255" numCol="1" spcCol="1270" anchor="ctr" anchorCtr="0">
-          <a:noAutofit/>
-        </a:bodyPr>
-        <a:lstStyle/>
-        <a:p>
-          <a:pPr lvl="0" algn="ctr" defTabSz="577850">
-            <a:lnSpc>
-              <a:spcPct val="90000"/>
-            </a:lnSpc>
-            <a:spcBef>
-              <a:spcPct val="0"/>
-            </a:spcBef>
-            <a:spcAft>
-              <a:spcPct val="35000"/>
-            </a:spcAft>
-          </a:pPr>
-          <a:r>
-            <a:rPr lang="en-US" sz="1300" kern="1200" dirty="0" err="1" smtClean="0"/>
-            <a:t>GetStartedView</a:t>
-          </a:r>
-          <a:endParaRPr lang="en-US" sz="1300" kern="1200" dirty="0" smtClean="0"/>
-        </a:p>
-        <a:p>
-          <a:pPr lvl="0" algn="ctr" defTabSz="577850">
-            <a:lnSpc>
-              <a:spcPct val="90000"/>
-            </a:lnSpc>
-            <a:spcBef>
-              <a:spcPct val="0"/>
-            </a:spcBef>
-            <a:spcAft>
-              <a:spcPct val="35000"/>
-            </a:spcAft>
-          </a:pPr>
-          <a:r>
-            <a:rPr lang="en-US" sz="1300" kern="1200" dirty="0" smtClean="0"/>
-            <a:t>- A quick introduction to </a:t>
-          </a:r>
-          <a:r>
-            <a:rPr lang="en-US" sz="1300" kern="1200" dirty="0" err="1" smtClean="0"/>
-            <a:t>ViNO</a:t>
-          </a:r>
-          <a:endParaRPr lang="en-US" sz="1300" kern="1200" dirty="0"/>
-        </a:p>
-      </dsp:txBody>
-      <dsp:txXfrm>
-        <a:off x="5229423" y="3250976"/>
-        <a:ext cx="1302182" cy="1246637"/>
-      </dsp:txXfrm>
-    </dsp:sp>
-    <dsp:sp modelId="{63C14AB2-CDA5-254B-BD0E-31094C7416D6}">
-      <dsp:nvSpPr>
-        <dsp:cNvPr id="0" name=""/>
-        <dsp:cNvSpPr/>
-      </dsp:nvSpPr>
-      <dsp:spPr>
-        <a:xfrm>
-          <a:off x="6805064" y="3250976"/>
-          <a:ext cx="1302182" cy="1246637"/>
-        </a:xfrm>
-        <a:prstGeom prst="rect">
-          <a:avLst/>
-        </a:prstGeom>
-        <a:gradFill rotWithShape="0">
-          <a:gsLst>
-            <a:gs pos="0">
-              <a:schemeClr val="accent1">
-                <a:hueOff val="0"/>
-                <a:satOff val="0"/>
-                <a:lumOff val="0"/>
-                <a:alphaOff val="0"/>
-                <a:satMod val="103000"/>
-                <a:lumMod val="102000"/>
-                <a:tint val="94000"/>
-              </a:schemeClr>
-            </a:gs>
-            <a:gs pos="50000">
-              <a:schemeClr val="accent1">
-                <a:hueOff val="0"/>
-                <a:satOff val="0"/>
-                <a:lumOff val="0"/>
-                <a:alphaOff val="0"/>
-                <a:satMod val="110000"/>
-                <a:lumMod val="100000"/>
-                <a:shade val="100000"/>
-              </a:schemeClr>
-            </a:gs>
-            <a:gs pos="100000">
-              <a:schemeClr val="accent1">
-                <a:hueOff val="0"/>
-                <a:satOff val="0"/>
-                <a:lumOff val="0"/>
-                <a:alphaOff val="0"/>
-                <a:lumMod val="99000"/>
-                <a:satMod val="120000"/>
-                <a:shade val="78000"/>
-              </a:schemeClr>
-            </a:gs>
-          </a:gsLst>
-          <a:lin ang="5400000" scaled="0"/>
-        </a:gradFill>
-        <a:ln>
-          <a:noFill/>
-        </a:ln>
-        <a:effectLst/>
-      </dsp:spPr>
-      <dsp:style>
-        <a:lnRef idx="0">
-          <a:scrgbClr r="0" g="0" b="0"/>
-        </a:lnRef>
-        <a:fillRef idx="3">
-          <a:scrgbClr r="0" g="0" b="0"/>
-        </a:fillRef>
-        <a:effectRef idx="2">
-          <a:scrgbClr r="0" g="0" b="0"/>
-        </a:effectRef>
-        <a:fontRef idx="minor">
-          <a:schemeClr val="lt1"/>
-        </a:fontRef>
-      </dsp:style>
-      <dsp:txBody>
-        <a:bodyPr spcFirstLastPara="0" vert="horz" wrap="square" lIns="8255" tIns="8255" rIns="8255" bIns="8255" numCol="1" spcCol="1270" anchor="ctr" anchorCtr="0">
-          <a:noAutofit/>
-        </a:bodyPr>
-        <a:lstStyle/>
-        <a:p>
-          <a:pPr lvl="0" algn="ctr" defTabSz="577850">
-            <a:lnSpc>
-              <a:spcPct val="90000"/>
-            </a:lnSpc>
-            <a:spcBef>
-              <a:spcPct val="0"/>
-            </a:spcBef>
-            <a:spcAft>
-              <a:spcPct val="35000"/>
-            </a:spcAft>
-          </a:pPr>
-          <a:r>
-            <a:rPr lang="en-US" sz="1300" kern="1200" dirty="0" err="1" smtClean="0"/>
-            <a:t>ImportVideosView</a:t>
-          </a:r>
-          <a:endParaRPr lang="en-US" sz="1300" kern="1200" dirty="0" smtClean="0"/>
-        </a:p>
-        <a:p>
-          <a:pPr lvl="0" algn="ctr" defTabSz="577850">
-            <a:lnSpc>
-              <a:spcPct val="90000"/>
-            </a:lnSpc>
-            <a:spcBef>
-              <a:spcPct val="0"/>
-            </a:spcBef>
-            <a:spcAft>
-              <a:spcPct val="35000"/>
-            </a:spcAft>
-          </a:pPr>
-          <a:r>
-            <a:rPr lang="en-US" sz="1300" kern="1200" dirty="0" smtClean="0"/>
-            <a:t>- Importing videos from the camera or memory card</a:t>
-          </a:r>
-          <a:endParaRPr lang="en-US" sz="1300" kern="1200" dirty="0"/>
-        </a:p>
-      </dsp:txBody>
-      <dsp:txXfrm>
-        <a:off x="6805064" y="3250976"/>
-        <a:ext cx="1302182" cy="1246637"/>
-      </dsp:txXfrm>
-    </dsp:sp>
-    <dsp:sp modelId="{5A1501C8-A3B6-3144-A030-37CB02246727}">
-      <dsp:nvSpPr>
-        <dsp:cNvPr id="0" name=""/>
-        <dsp:cNvSpPr/>
-      </dsp:nvSpPr>
-      <dsp:spPr>
-        <a:xfrm>
-          <a:off x="8380704" y="3250976"/>
-          <a:ext cx="1302182" cy="1246637"/>
-        </a:xfrm>
-        <a:prstGeom prst="rect">
-          <a:avLst/>
-        </a:prstGeom>
-        <a:gradFill rotWithShape="0">
-          <a:gsLst>
-            <a:gs pos="0">
-              <a:schemeClr val="accent1">
-                <a:hueOff val="0"/>
-                <a:satOff val="0"/>
-                <a:lumOff val="0"/>
-                <a:alphaOff val="0"/>
-                <a:satMod val="103000"/>
-                <a:lumMod val="102000"/>
-                <a:tint val="94000"/>
-              </a:schemeClr>
-            </a:gs>
-            <a:gs pos="50000">
-              <a:schemeClr val="accent1">
-                <a:hueOff val="0"/>
-                <a:satOff val="0"/>
-                <a:lumOff val="0"/>
-                <a:alphaOff val="0"/>
-                <a:satMod val="110000"/>
-                <a:lumMod val="100000"/>
-                <a:shade val="100000"/>
-              </a:schemeClr>
-            </a:gs>
-            <a:gs pos="100000">
-              <a:schemeClr val="accent1">
-                <a:hueOff val="0"/>
-                <a:satOff val="0"/>
-                <a:lumOff val="0"/>
-                <a:alphaOff val="0"/>
-                <a:lumMod val="99000"/>
-                <a:satMod val="120000"/>
-                <a:shade val="78000"/>
-              </a:schemeClr>
-            </a:gs>
-          </a:gsLst>
-          <a:lin ang="5400000" scaled="0"/>
-        </a:gradFill>
-        <a:ln>
-          <a:noFill/>
-        </a:ln>
-        <a:effectLst/>
-      </dsp:spPr>
-      <dsp:style>
-        <a:lnRef idx="0">
-          <a:scrgbClr r="0" g="0" b="0"/>
-        </a:lnRef>
-        <a:fillRef idx="3">
-          <a:scrgbClr r="0" g="0" b="0"/>
-        </a:fillRef>
-        <a:effectRef idx="2">
-          <a:scrgbClr r="0" g="0" b="0"/>
-        </a:effectRef>
-        <a:fontRef idx="minor">
-          <a:schemeClr val="lt1"/>
-        </a:fontRef>
-      </dsp:style>
-      <dsp:txBody>
-        <a:bodyPr spcFirstLastPara="0" vert="horz" wrap="square" lIns="8255" tIns="8255" rIns="8255" bIns="8255" numCol="1" spcCol="1270" anchor="ctr" anchorCtr="0">
-          <a:noAutofit/>
-        </a:bodyPr>
-        <a:lstStyle/>
-        <a:p>
-          <a:pPr lvl="0" algn="ctr" defTabSz="577850">
-            <a:lnSpc>
-              <a:spcPct val="90000"/>
-            </a:lnSpc>
-            <a:spcBef>
-              <a:spcPct val="0"/>
-            </a:spcBef>
-            <a:spcAft>
-              <a:spcPct val="35000"/>
-            </a:spcAft>
-          </a:pPr>
-          <a:r>
-            <a:rPr lang="en-US" sz="1300" b="1" kern="1200" dirty="0" smtClean="0"/>
-            <a:t>MediaView</a:t>
-          </a:r>
-        </a:p>
-        <a:p>
-          <a:pPr lvl="0" algn="ctr" defTabSz="577850">
-            <a:lnSpc>
-              <a:spcPct val="90000"/>
-            </a:lnSpc>
-            <a:spcBef>
-              <a:spcPct val="0"/>
-            </a:spcBef>
-            <a:spcAft>
-              <a:spcPct val="35000"/>
-            </a:spcAft>
-          </a:pPr>
-          <a:r>
-            <a:rPr lang="en-US" sz="1300" kern="1200" dirty="0" smtClean="0"/>
-            <a:t>- Not used, see </a:t>
-          </a:r>
-          <a:r>
-            <a:rPr lang="en-US" sz="1300" kern="1200" dirty="0" err="1" smtClean="0"/>
-            <a:t>CompiledView</a:t>
-          </a:r>
-          <a:r>
-            <a:rPr lang="en-US" sz="1300" kern="1200" dirty="0" smtClean="0"/>
-            <a:t> instead</a:t>
-          </a:r>
-          <a:endParaRPr lang="en-US" sz="1300" kern="1200" dirty="0"/>
-        </a:p>
-      </dsp:txBody>
-      <dsp:txXfrm>
-        <a:off x="8380704" y="3250976"/>
-        <a:ext cx="1302182" cy="1246637"/>
-      </dsp:txXfrm>
-    </dsp:sp>
-    <dsp:sp modelId="{F76AFC63-9020-C646-8913-D2BA5F56F803}">
-      <dsp:nvSpPr>
-        <dsp:cNvPr id="0" name=""/>
-        <dsp:cNvSpPr/>
-      </dsp:nvSpPr>
-      <dsp:spPr>
-        <a:xfrm>
-          <a:off x="9956344" y="3250976"/>
-          <a:ext cx="1302182" cy="1246644"/>
-        </a:xfrm>
-        <a:prstGeom prst="rect">
-          <a:avLst/>
-        </a:prstGeom>
-        <a:gradFill rotWithShape="0">
-          <a:gsLst>
-            <a:gs pos="0">
-              <a:schemeClr val="accent1">
-                <a:hueOff val="0"/>
-                <a:satOff val="0"/>
-                <a:lumOff val="0"/>
-                <a:alphaOff val="0"/>
-                <a:satMod val="103000"/>
-                <a:lumMod val="102000"/>
-                <a:tint val="94000"/>
-              </a:schemeClr>
-            </a:gs>
-            <a:gs pos="50000">
-              <a:schemeClr val="accent1">
-                <a:hueOff val="0"/>
-                <a:satOff val="0"/>
-                <a:lumOff val="0"/>
-                <a:alphaOff val="0"/>
-                <a:satMod val="110000"/>
-                <a:lumMod val="100000"/>
-                <a:shade val="100000"/>
-              </a:schemeClr>
-            </a:gs>
-            <a:gs pos="100000">
-              <a:schemeClr val="accent1">
-                <a:hueOff val="0"/>
-                <a:satOff val="0"/>
-                <a:lumOff val="0"/>
-                <a:alphaOff val="0"/>
-                <a:lumMod val="99000"/>
-                <a:satMod val="120000"/>
-                <a:shade val="78000"/>
-              </a:schemeClr>
-            </a:gs>
-          </a:gsLst>
-          <a:lin ang="5400000" scaled="0"/>
-        </a:gradFill>
-        <a:ln>
-          <a:noFill/>
-        </a:ln>
-        <a:effectLst/>
-      </dsp:spPr>
-      <dsp:style>
-        <a:lnRef idx="0">
-          <a:scrgbClr r="0" g="0" b="0"/>
-        </a:lnRef>
-        <a:fillRef idx="3">
-          <a:scrgbClr r="0" g="0" b="0"/>
-        </a:fillRef>
-        <a:effectRef idx="2">
-          <a:scrgbClr r="0" g="0" b="0"/>
-        </a:effectRef>
-        <a:fontRef idx="minor">
-          <a:schemeClr val="lt1"/>
-        </a:fontRef>
-      </dsp:style>
-      <dsp:txBody>
-        <a:bodyPr spcFirstLastPara="0" vert="horz" wrap="square" lIns="8255" tIns="8255" rIns="8255" bIns="8255" numCol="1" spcCol="1270" anchor="ctr" anchorCtr="0">
-          <a:noAutofit/>
-        </a:bodyPr>
-        <a:lstStyle/>
-        <a:p>
-          <a:pPr lvl="0" algn="ctr" defTabSz="577850">
-            <a:lnSpc>
-              <a:spcPct val="90000"/>
-            </a:lnSpc>
-            <a:spcBef>
-              <a:spcPct val="0"/>
-            </a:spcBef>
-            <a:spcAft>
-              <a:spcPct val="35000"/>
-            </a:spcAft>
-          </a:pPr>
-          <a:r>
-            <a:rPr lang="en-US" sz="1300" kern="1200" dirty="0" err="1" smtClean="0"/>
-            <a:t>NoteDetailsView</a:t>
-          </a:r>
-          <a:endParaRPr lang="en-US" sz="1300" kern="1200" dirty="0" smtClean="0"/>
-        </a:p>
-        <a:p>
-          <a:pPr lvl="0" algn="ctr" defTabSz="577850">
-            <a:lnSpc>
-              <a:spcPct val="90000"/>
-            </a:lnSpc>
-            <a:spcBef>
-              <a:spcPct val="0"/>
-            </a:spcBef>
-            <a:spcAft>
-              <a:spcPct val="35000"/>
-            </a:spcAft>
-          </a:pPr>
-          <a:r>
-            <a:rPr lang="en-US" sz="1300" kern="1200" dirty="0" smtClean="0"/>
-            <a:t>- Meta data GUI</a:t>
-          </a:r>
-          <a:endParaRPr lang="en-US" sz="1300" kern="1200" dirty="0"/>
-        </a:p>
-      </dsp:txBody>
-      <dsp:txXfrm>
-        <a:off x="9956344" y="3250976"/>
-        <a:ext cx="1302182" cy="1246644"/>
-      </dsp:txXfrm>
-    </dsp:sp>
   </dsp:spTree>
 </dsp:drawing>
 </file>
@@ -4578,906 +3188,6 @@
       <dsp:cNvGrpSpPr/>
     </dsp:nvGrpSpPr>
     <dsp:grpSpPr/>
-    <dsp:sp modelId="{A3661789-984B-4B12-AAFA-1703B25E4BE4}">
-      <dsp:nvSpPr>
-        <dsp:cNvPr id="0" name=""/>
-        <dsp:cNvSpPr/>
-      </dsp:nvSpPr>
-      <dsp:spPr>
-        <a:xfrm>
-          <a:off x="252061" y="1895742"/>
-          <a:ext cx="2634599" cy="1317299"/>
-        </a:xfrm>
-        <a:prstGeom prst="roundRect">
-          <a:avLst>
-            <a:gd name="adj" fmla="val 10000"/>
-          </a:avLst>
-        </a:prstGeom>
-        <a:solidFill>
-          <a:schemeClr val="accent1">
-            <a:hueOff val="0"/>
-            <a:satOff val="0"/>
-            <a:lumOff val="0"/>
-            <a:alphaOff val="0"/>
-          </a:schemeClr>
-        </a:solidFill>
-        <a:ln w="12700" cap="flat" cmpd="sng" algn="ctr">
-          <a:solidFill>
-            <a:schemeClr val="lt1">
-              <a:hueOff val="0"/>
-              <a:satOff val="0"/>
-              <a:lumOff val="0"/>
-              <a:alphaOff val="0"/>
-            </a:schemeClr>
-          </a:solidFill>
-          <a:prstDash val="solid"/>
-          <a:miter lim="800000"/>
-        </a:ln>
-        <a:effectLst/>
-      </dsp:spPr>
-      <dsp:style>
-        <a:lnRef idx="2">
-          <a:scrgbClr r="0" g="0" b="0"/>
-        </a:lnRef>
-        <a:fillRef idx="1">
-          <a:scrgbClr r="0" g="0" b="0"/>
-        </a:fillRef>
-        <a:effectRef idx="0">
-          <a:scrgbClr r="0" g="0" b="0"/>
-        </a:effectRef>
-        <a:fontRef idx="minor">
-          <a:schemeClr val="lt1"/>
-        </a:fontRef>
-      </dsp:style>
-      <dsp:txBody>
-        <a:bodyPr spcFirstLastPara="0" vert="horz" wrap="square" lIns="8255" tIns="8255" rIns="8255" bIns="8255" numCol="1" spcCol="1270" anchor="ctr" anchorCtr="0">
-          <a:noAutofit/>
-        </a:bodyPr>
-        <a:lstStyle/>
-        <a:p>
-          <a:pPr lvl="0" algn="ctr" defTabSz="577850">
-            <a:lnSpc>
-              <a:spcPct val="90000"/>
-            </a:lnSpc>
-            <a:spcBef>
-              <a:spcPct val="0"/>
-            </a:spcBef>
-            <a:spcAft>
-              <a:spcPct val="35000"/>
-            </a:spcAft>
-          </a:pPr>
-          <a:r>
-            <a:rPr lang="da-DK" sz="1300" kern="1200" dirty="0" err="1" smtClean="0"/>
-            <a:t>Mainapp.gopro</a:t>
-          </a:r>
-          <a:r>
-            <a:rPr lang="da-DK" sz="1300" kern="1200" dirty="0" smtClean="0"/>
-            <a:t>::</a:t>
-          </a:r>
-          <a:r>
-            <a:rPr lang="da-DK" sz="1300" kern="1200" dirty="0" err="1" smtClean="0"/>
-            <a:t>GoProAPI</a:t>
-          </a:r>
-          <a:endParaRPr lang="en-GB" sz="1300" kern="1200" dirty="0"/>
-        </a:p>
-      </dsp:txBody>
-      <dsp:txXfrm>
-        <a:off x="290643" y="1934324"/>
-        <a:ext cx="2557435" cy="1240135"/>
-      </dsp:txXfrm>
-    </dsp:sp>
-    <dsp:sp modelId="{BD868FF2-2C29-4C2A-9FDC-77A25C641E66}">
-      <dsp:nvSpPr>
-        <dsp:cNvPr id="0" name=""/>
-        <dsp:cNvSpPr/>
-      </dsp:nvSpPr>
-      <dsp:spPr>
-        <a:xfrm rot="18770822">
-          <a:off x="2638747" y="1959061"/>
-          <a:ext cx="1549665" cy="54492"/>
-        </a:xfrm>
-        <a:custGeom>
-          <a:avLst/>
-          <a:gdLst/>
-          <a:ahLst/>
-          <a:cxnLst/>
-          <a:rect l="0" t="0" r="0" b="0"/>
-          <a:pathLst>
-            <a:path>
-              <a:moveTo>
-                <a:pt x="0" y="27246"/>
-              </a:moveTo>
-              <a:lnTo>
-                <a:pt x="1549665" y="27246"/>
-              </a:lnTo>
-            </a:path>
-          </a:pathLst>
-        </a:custGeom>
-        <a:noFill/>
-        <a:ln w="12700" cap="flat" cmpd="sng" algn="ctr">
-          <a:solidFill>
-            <a:schemeClr val="accent1">
-              <a:shade val="60000"/>
-              <a:hueOff val="0"/>
-              <a:satOff val="0"/>
-              <a:lumOff val="0"/>
-              <a:alphaOff val="0"/>
-            </a:schemeClr>
-          </a:solidFill>
-          <a:prstDash val="solid"/>
-          <a:miter lim="800000"/>
-        </a:ln>
-        <a:effectLst/>
-      </dsp:spPr>
-      <dsp:style>
-        <a:lnRef idx="2">
-          <a:scrgbClr r="0" g="0" b="0"/>
-        </a:lnRef>
-        <a:fillRef idx="0">
-          <a:scrgbClr r="0" g="0" b="0"/>
-        </a:fillRef>
-        <a:effectRef idx="0">
-          <a:scrgbClr r="0" g="0" b="0"/>
-        </a:effectRef>
-        <a:fontRef idx="minor"/>
-      </dsp:style>
-      <dsp:txBody>
-        <a:bodyPr spcFirstLastPara="0" vert="horz" wrap="square" lIns="12700" tIns="0" rIns="12700" bIns="0" numCol="1" spcCol="1270" anchor="ctr" anchorCtr="0">
-          <a:noAutofit/>
-        </a:bodyPr>
-        <a:lstStyle/>
-        <a:p>
-          <a:pPr lvl="0" algn="ctr" defTabSz="222250">
-            <a:lnSpc>
-              <a:spcPct val="90000"/>
-            </a:lnSpc>
-            <a:spcBef>
-              <a:spcPct val="0"/>
-            </a:spcBef>
-            <a:spcAft>
-              <a:spcPct val="35000"/>
-            </a:spcAft>
-          </a:pPr>
-          <a:endParaRPr lang="en-GB" sz="500" kern="1200"/>
-        </a:p>
-      </dsp:txBody>
-      <dsp:txXfrm>
-        <a:off x="3374838" y="1947565"/>
-        <a:ext cx="77483" cy="77483"/>
-      </dsp:txXfrm>
-    </dsp:sp>
-    <dsp:sp modelId="{6E9A058B-3C46-4621-8C16-20C0E40254DB}">
-      <dsp:nvSpPr>
-        <dsp:cNvPr id="0" name=""/>
-        <dsp:cNvSpPr/>
-      </dsp:nvSpPr>
-      <dsp:spPr>
-        <a:xfrm>
-          <a:off x="3940500" y="759571"/>
-          <a:ext cx="2634599" cy="1317299"/>
-        </a:xfrm>
-        <a:prstGeom prst="roundRect">
-          <a:avLst>
-            <a:gd name="adj" fmla="val 10000"/>
-          </a:avLst>
-        </a:prstGeom>
-        <a:solidFill>
-          <a:schemeClr val="accent1">
-            <a:hueOff val="0"/>
-            <a:satOff val="0"/>
-            <a:lumOff val="0"/>
-            <a:alphaOff val="0"/>
-          </a:schemeClr>
-        </a:solidFill>
-        <a:ln w="12700" cap="flat" cmpd="sng" algn="ctr">
-          <a:solidFill>
-            <a:schemeClr val="lt1">
-              <a:hueOff val="0"/>
-              <a:satOff val="0"/>
-              <a:lumOff val="0"/>
-              <a:alphaOff val="0"/>
-            </a:schemeClr>
-          </a:solidFill>
-          <a:prstDash val="solid"/>
-          <a:miter lim="800000"/>
-        </a:ln>
-        <a:effectLst/>
-      </dsp:spPr>
-      <dsp:style>
-        <a:lnRef idx="2">
-          <a:scrgbClr r="0" g="0" b="0"/>
-        </a:lnRef>
-        <a:fillRef idx="1">
-          <a:scrgbClr r="0" g="0" b="0"/>
-        </a:fillRef>
-        <a:effectRef idx="0">
-          <a:scrgbClr r="0" g="0" b="0"/>
-        </a:effectRef>
-        <a:fontRef idx="minor">
-          <a:schemeClr val="lt1"/>
-        </a:fontRef>
-      </dsp:style>
-      <dsp:txBody>
-        <a:bodyPr spcFirstLastPara="0" vert="horz" wrap="square" lIns="8255" tIns="8255" rIns="8255" bIns="8255" numCol="1" spcCol="1270" anchor="ctr" anchorCtr="0">
-          <a:noAutofit/>
-        </a:bodyPr>
-        <a:lstStyle/>
-        <a:p>
-          <a:pPr lvl="0" algn="ctr" defTabSz="577850">
-            <a:lnSpc>
-              <a:spcPct val="90000"/>
-            </a:lnSpc>
-            <a:spcBef>
-              <a:spcPct val="0"/>
-            </a:spcBef>
-            <a:spcAft>
-              <a:spcPct val="35000"/>
-            </a:spcAft>
-          </a:pPr>
-          <a:r>
-            <a:rPr lang="da-DK" sz="1300" kern="1200" dirty="0" err="1" smtClean="0"/>
-            <a:t>GoProHelper</a:t>
-          </a:r>
-          <a:r>
-            <a:rPr lang="da-DK" sz="1300" kern="1200" dirty="0" smtClean="0"/>
-            <a:t>::</a:t>
-          </a:r>
-          <a:r>
-            <a:rPr lang="da-DK" sz="1300" kern="1200" dirty="0" err="1" smtClean="0"/>
-            <a:t>GoProHelper</a:t>
-          </a:r>
-          <a:endParaRPr lang="en-GB" sz="1300" kern="1200" dirty="0"/>
-        </a:p>
-      </dsp:txBody>
-      <dsp:txXfrm>
-        <a:off x="3979082" y="798153"/>
-        <a:ext cx="2557435" cy="1240135"/>
-      </dsp:txXfrm>
-    </dsp:sp>
-    <dsp:sp modelId="{BC3C51C2-FE4A-461D-8012-EA4C23FD71B7}">
-      <dsp:nvSpPr>
-        <dsp:cNvPr id="0" name=""/>
-        <dsp:cNvSpPr/>
-      </dsp:nvSpPr>
-      <dsp:spPr>
-        <a:xfrm rot="19457599">
-          <a:off x="6453115" y="1012252"/>
-          <a:ext cx="1297807" cy="54492"/>
-        </a:xfrm>
-        <a:custGeom>
-          <a:avLst/>
-          <a:gdLst/>
-          <a:ahLst/>
-          <a:cxnLst/>
-          <a:rect l="0" t="0" r="0" b="0"/>
-          <a:pathLst>
-            <a:path>
-              <a:moveTo>
-                <a:pt x="0" y="27246"/>
-              </a:moveTo>
-              <a:lnTo>
-                <a:pt x="1297807" y="27246"/>
-              </a:lnTo>
-            </a:path>
-          </a:pathLst>
-        </a:custGeom>
-        <a:noFill/>
-        <a:ln w="12700" cap="flat" cmpd="sng" algn="ctr">
-          <a:solidFill>
-            <a:schemeClr val="accent1">
-              <a:shade val="80000"/>
-              <a:hueOff val="0"/>
-              <a:satOff val="0"/>
-              <a:lumOff val="0"/>
-              <a:alphaOff val="0"/>
-            </a:schemeClr>
-          </a:solidFill>
-          <a:prstDash val="solid"/>
-          <a:miter lim="800000"/>
-        </a:ln>
-        <a:effectLst/>
-      </dsp:spPr>
-      <dsp:style>
-        <a:lnRef idx="2">
-          <a:scrgbClr r="0" g="0" b="0"/>
-        </a:lnRef>
-        <a:fillRef idx="0">
-          <a:scrgbClr r="0" g="0" b="0"/>
-        </a:fillRef>
-        <a:effectRef idx="0">
-          <a:scrgbClr r="0" g="0" b="0"/>
-        </a:effectRef>
-        <a:fontRef idx="minor"/>
-      </dsp:style>
-      <dsp:txBody>
-        <a:bodyPr spcFirstLastPara="0" vert="horz" wrap="square" lIns="12700" tIns="0" rIns="12700" bIns="0" numCol="1" spcCol="1270" anchor="ctr" anchorCtr="0">
-          <a:noAutofit/>
-        </a:bodyPr>
-        <a:lstStyle/>
-        <a:p>
-          <a:pPr lvl="0" algn="ctr" defTabSz="222250">
-            <a:lnSpc>
-              <a:spcPct val="90000"/>
-            </a:lnSpc>
-            <a:spcBef>
-              <a:spcPct val="0"/>
-            </a:spcBef>
-            <a:spcAft>
-              <a:spcPct val="35000"/>
-            </a:spcAft>
-          </a:pPr>
-          <a:endParaRPr lang="en-GB" sz="500" kern="1200"/>
-        </a:p>
-      </dsp:txBody>
-      <dsp:txXfrm>
-        <a:off x="7069574" y="1007052"/>
-        <a:ext cx="64890" cy="64890"/>
-      </dsp:txXfrm>
-    </dsp:sp>
-    <dsp:sp modelId="{9F0FD1FC-514D-4BAB-9922-4EEF3DA665B0}">
-      <dsp:nvSpPr>
-        <dsp:cNvPr id="0" name=""/>
-        <dsp:cNvSpPr/>
-      </dsp:nvSpPr>
-      <dsp:spPr>
-        <a:xfrm>
-          <a:off x="7628939" y="2124"/>
-          <a:ext cx="2634599" cy="1317299"/>
-        </a:xfrm>
-        <a:prstGeom prst="roundRect">
-          <a:avLst>
-            <a:gd name="adj" fmla="val 10000"/>
-          </a:avLst>
-        </a:prstGeom>
-        <a:solidFill>
-          <a:schemeClr val="accent1">
-            <a:hueOff val="0"/>
-            <a:satOff val="0"/>
-            <a:lumOff val="0"/>
-            <a:alphaOff val="0"/>
-          </a:schemeClr>
-        </a:solidFill>
-        <a:ln w="12700" cap="flat" cmpd="sng" algn="ctr">
-          <a:solidFill>
-            <a:schemeClr val="lt1">
-              <a:hueOff val="0"/>
-              <a:satOff val="0"/>
-              <a:lumOff val="0"/>
-              <a:alphaOff val="0"/>
-            </a:schemeClr>
-          </a:solidFill>
-          <a:prstDash val="solid"/>
-          <a:miter lim="800000"/>
-        </a:ln>
-        <a:effectLst/>
-      </dsp:spPr>
-      <dsp:style>
-        <a:lnRef idx="2">
-          <a:scrgbClr r="0" g="0" b="0"/>
-        </a:lnRef>
-        <a:fillRef idx="1">
-          <a:scrgbClr r="0" g="0" b="0"/>
-        </a:fillRef>
-        <a:effectRef idx="0">
-          <a:scrgbClr r="0" g="0" b="0"/>
-        </a:effectRef>
-        <a:fontRef idx="minor">
-          <a:schemeClr val="lt1"/>
-        </a:fontRef>
-      </dsp:style>
-      <dsp:txBody>
-        <a:bodyPr spcFirstLastPara="0" vert="horz" wrap="square" lIns="8255" tIns="8255" rIns="8255" bIns="8255" numCol="1" spcCol="1270" anchor="ctr" anchorCtr="0">
-          <a:noAutofit/>
-        </a:bodyPr>
-        <a:lstStyle/>
-        <a:p>
-          <a:pPr lvl="0" algn="ctr" defTabSz="577850">
-            <a:lnSpc>
-              <a:spcPct val="90000"/>
-            </a:lnSpc>
-            <a:spcBef>
-              <a:spcPct val="0"/>
-            </a:spcBef>
-            <a:spcAft>
-              <a:spcPct val="35000"/>
-            </a:spcAft>
-          </a:pPr>
-          <a:r>
-            <a:rPr lang="da-DK" sz="1300" kern="1200" dirty="0" err="1" smtClean="0"/>
-            <a:t>mClient</a:t>
-          </a:r>
-          <a:r>
-            <a:rPr lang="da-DK" sz="1300" kern="1200" dirty="0" smtClean="0"/>
-            <a:t>::</a:t>
-          </a:r>
-          <a:r>
-            <a:rPr lang="da-DK" sz="1300" kern="1200" dirty="0" err="1" smtClean="0"/>
-            <a:t>HttpClient</a:t>
-          </a:r>
-          <a:endParaRPr lang="en-GB" sz="1300" kern="1200" dirty="0"/>
-        </a:p>
-      </dsp:txBody>
-      <dsp:txXfrm>
-        <a:off x="7667521" y="40706"/>
-        <a:ext cx="2557435" cy="1240135"/>
-      </dsp:txXfrm>
-    </dsp:sp>
-    <dsp:sp modelId="{2739BC17-6545-4BB4-8DA5-AB47358EF6E3}">
-      <dsp:nvSpPr>
-        <dsp:cNvPr id="0" name=""/>
-        <dsp:cNvSpPr/>
-      </dsp:nvSpPr>
-      <dsp:spPr>
-        <a:xfrm rot="2142401">
-          <a:off x="6453115" y="1769699"/>
-          <a:ext cx="1297807" cy="54492"/>
-        </a:xfrm>
-        <a:custGeom>
-          <a:avLst/>
-          <a:gdLst/>
-          <a:ahLst/>
-          <a:cxnLst/>
-          <a:rect l="0" t="0" r="0" b="0"/>
-          <a:pathLst>
-            <a:path>
-              <a:moveTo>
-                <a:pt x="0" y="27246"/>
-              </a:moveTo>
-              <a:lnTo>
-                <a:pt x="1297807" y="27246"/>
-              </a:lnTo>
-            </a:path>
-          </a:pathLst>
-        </a:custGeom>
-        <a:noFill/>
-        <a:ln w="12700" cap="flat" cmpd="sng" algn="ctr">
-          <a:solidFill>
-            <a:schemeClr val="accent1">
-              <a:shade val="80000"/>
-              <a:hueOff val="0"/>
-              <a:satOff val="0"/>
-              <a:lumOff val="0"/>
-              <a:alphaOff val="0"/>
-            </a:schemeClr>
-          </a:solidFill>
-          <a:prstDash val="solid"/>
-          <a:miter lim="800000"/>
-        </a:ln>
-        <a:effectLst/>
-      </dsp:spPr>
-      <dsp:style>
-        <a:lnRef idx="2">
-          <a:scrgbClr r="0" g="0" b="0"/>
-        </a:lnRef>
-        <a:fillRef idx="0">
-          <a:scrgbClr r="0" g="0" b="0"/>
-        </a:fillRef>
-        <a:effectRef idx="0">
-          <a:scrgbClr r="0" g="0" b="0"/>
-        </a:effectRef>
-        <a:fontRef idx="minor"/>
-      </dsp:style>
-      <dsp:txBody>
-        <a:bodyPr spcFirstLastPara="0" vert="horz" wrap="square" lIns="12700" tIns="0" rIns="12700" bIns="0" numCol="1" spcCol="1270" anchor="ctr" anchorCtr="0">
-          <a:noAutofit/>
-        </a:bodyPr>
-        <a:lstStyle/>
-        <a:p>
-          <a:pPr lvl="0" algn="ctr" defTabSz="222250">
-            <a:lnSpc>
-              <a:spcPct val="90000"/>
-            </a:lnSpc>
-            <a:spcBef>
-              <a:spcPct val="0"/>
-            </a:spcBef>
-            <a:spcAft>
-              <a:spcPct val="35000"/>
-            </a:spcAft>
-          </a:pPr>
-          <a:endParaRPr lang="en-GB" sz="500" kern="1200"/>
-        </a:p>
-      </dsp:txBody>
-      <dsp:txXfrm>
-        <a:off x="7069574" y="1764500"/>
-        <a:ext cx="64890" cy="64890"/>
-      </dsp:txXfrm>
-    </dsp:sp>
-    <dsp:sp modelId="{C6D84F83-5413-4EAA-AC66-99AA0AB75FB6}">
-      <dsp:nvSpPr>
-        <dsp:cNvPr id="0" name=""/>
-        <dsp:cNvSpPr/>
-      </dsp:nvSpPr>
-      <dsp:spPr>
-        <a:xfrm>
-          <a:off x="7628939" y="1517019"/>
-          <a:ext cx="2634599" cy="1317299"/>
-        </a:xfrm>
-        <a:prstGeom prst="roundRect">
-          <a:avLst>
-            <a:gd name="adj" fmla="val 10000"/>
-          </a:avLst>
-        </a:prstGeom>
-        <a:solidFill>
-          <a:schemeClr val="accent1">
-            <a:hueOff val="0"/>
-            <a:satOff val="0"/>
-            <a:lumOff val="0"/>
-            <a:alphaOff val="0"/>
-          </a:schemeClr>
-        </a:solidFill>
-        <a:ln w="12700" cap="flat" cmpd="sng" algn="ctr">
-          <a:solidFill>
-            <a:schemeClr val="lt1">
-              <a:hueOff val="0"/>
-              <a:satOff val="0"/>
-              <a:lumOff val="0"/>
-              <a:alphaOff val="0"/>
-            </a:schemeClr>
-          </a:solidFill>
-          <a:prstDash val="solid"/>
-          <a:miter lim="800000"/>
-        </a:ln>
-        <a:effectLst/>
-      </dsp:spPr>
-      <dsp:style>
-        <a:lnRef idx="2">
-          <a:scrgbClr r="0" g="0" b="0"/>
-        </a:lnRef>
-        <a:fillRef idx="1">
-          <a:scrgbClr r="0" g="0" b="0"/>
-        </a:fillRef>
-        <a:effectRef idx="0">
-          <a:scrgbClr r="0" g="0" b="0"/>
-        </a:effectRef>
-        <a:fontRef idx="minor">
-          <a:schemeClr val="lt1"/>
-        </a:fontRef>
-      </dsp:style>
-      <dsp:txBody>
-        <a:bodyPr spcFirstLastPara="0" vert="horz" wrap="square" lIns="8255" tIns="8255" rIns="8255" bIns="8255" numCol="1" spcCol="1270" anchor="ctr" anchorCtr="0">
-          <a:noAutofit/>
-        </a:bodyPr>
-        <a:lstStyle/>
-        <a:p>
-          <a:pPr lvl="0" algn="ctr" defTabSz="577850">
-            <a:lnSpc>
-              <a:spcPct val="90000"/>
-            </a:lnSpc>
-            <a:spcBef>
-              <a:spcPct val="0"/>
-            </a:spcBef>
-            <a:spcAft>
-              <a:spcPct val="35000"/>
-            </a:spcAft>
-          </a:pPr>
-          <a:r>
-            <a:rPr lang="en-GB" sz="1300" kern="1200" err="1" smtClean="0"/>
-            <a:t>activeGoProAPI</a:t>
-          </a:r>
-          <a:r>
-            <a:rPr lang="en-GB" sz="1300" kern="1200" smtClean="0"/>
-            <a:t>::GoProAPIconstants</a:t>
-          </a:r>
-          <a:endParaRPr lang="en-GB" sz="1300" kern="1200" dirty="0"/>
-        </a:p>
-      </dsp:txBody>
-      <dsp:txXfrm>
-        <a:off x="7667521" y="1555601"/>
-        <a:ext cx="2557435" cy="1240135"/>
-      </dsp:txXfrm>
-    </dsp:sp>
-    <dsp:sp modelId="{BCA4B487-17B2-4CCC-B602-C10F2A180696}">
-      <dsp:nvSpPr>
-        <dsp:cNvPr id="0" name=""/>
-        <dsp:cNvSpPr/>
-      </dsp:nvSpPr>
-      <dsp:spPr>
-        <a:xfrm rot="2829178">
-          <a:off x="2638747" y="3095231"/>
-          <a:ext cx="1549665" cy="54492"/>
-        </a:xfrm>
-        <a:custGeom>
-          <a:avLst/>
-          <a:gdLst/>
-          <a:ahLst/>
-          <a:cxnLst/>
-          <a:rect l="0" t="0" r="0" b="0"/>
-          <a:pathLst>
-            <a:path>
-              <a:moveTo>
-                <a:pt x="0" y="27246"/>
-              </a:moveTo>
-              <a:lnTo>
-                <a:pt x="1549665" y="27246"/>
-              </a:lnTo>
-            </a:path>
-          </a:pathLst>
-        </a:custGeom>
-        <a:noFill/>
-        <a:ln w="12700" cap="flat" cmpd="sng" algn="ctr">
-          <a:solidFill>
-            <a:schemeClr val="accent1">
-              <a:shade val="60000"/>
-              <a:hueOff val="0"/>
-              <a:satOff val="0"/>
-              <a:lumOff val="0"/>
-              <a:alphaOff val="0"/>
-            </a:schemeClr>
-          </a:solidFill>
-          <a:prstDash val="solid"/>
-          <a:miter lim="800000"/>
-        </a:ln>
-        <a:effectLst/>
-      </dsp:spPr>
-      <dsp:style>
-        <a:lnRef idx="2">
-          <a:scrgbClr r="0" g="0" b="0"/>
-        </a:lnRef>
-        <a:fillRef idx="0">
-          <a:scrgbClr r="0" g="0" b="0"/>
-        </a:fillRef>
-        <a:effectRef idx="0">
-          <a:scrgbClr r="0" g="0" b="0"/>
-        </a:effectRef>
-        <a:fontRef idx="minor"/>
-      </dsp:style>
-      <dsp:txBody>
-        <a:bodyPr spcFirstLastPara="0" vert="horz" wrap="square" lIns="12700" tIns="0" rIns="12700" bIns="0" numCol="1" spcCol="1270" anchor="ctr" anchorCtr="0">
-          <a:noAutofit/>
-        </a:bodyPr>
-        <a:lstStyle/>
-        <a:p>
-          <a:pPr lvl="0" algn="ctr" defTabSz="222250">
-            <a:lnSpc>
-              <a:spcPct val="90000"/>
-            </a:lnSpc>
-            <a:spcBef>
-              <a:spcPct val="0"/>
-            </a:spcBef>
-            <a:spcAft>
-              <a:spcPct val="35000"/>
-            </a:spcAft>
-          </a:pPr>
-          <a:endParaRPr lang="en-GB" sz="500" kern="1200"/>
-        </a:p>
-      </dsp:txBody>
-      <dsp:txXfrm>
-        <a:off x="3374838" y="3083736"/>
-        <a:ext cx="77483" cy="77483"/>
-      </dsp:txXfrm>
-    </dsp:sp>
-    <dsp:sp modelId="{8429CEE7-FE1C-4D21-98C4-57718A675A1C}">
-      <dsp:nvSpPr>
-        <dsp:cNvPr id="0" name=""/>
-        <dsp:cNvSpPr/>
-      </dsp:nvSpPr>
-      <dsp:spPr>
-        <a:xfrm>
-          <a:off x="3940500" y="3031913"/>
-          <a:ext cx="2634599" cy="1317299"/>
-        </a:xfrm>
-        <a:prstGeom prst="roundRect">
-          <a:avLst>
-            <a:gd name="adj" fmla="val 10000"/>
-          </a:avLst>
-        </a:prstGeom>
-        <a:solidFill>
-          <a:schemeClr val="accent1">
-            <a:hueOff val="0"/>
-            <a:satOff val="0"/>
-            <a:lumOff val="0"/>
-            <a:alphaOff val="0"/>
-          </a:schemeClr>
-        </a:solidFill>
-        <a:ln w="12700" cap="flat" cmpd="sng" algn="ctr">
-          <a:solidFill>
-            <a:schemeClr val="lt1">
-              <a:hueOff val="0"/>
-              <a:satOff val="0"/>
-              <a:lumOff val="0"/>
-              <a:alphaOff val="0"/>
-            </a:schemeClr>
-          </a:solidFill>
-          <a:prstDash val="solid"/>
-          <a:miter lim="800000"/>
-        </a:ln>
-        <a:effectLst/>
-      </dsp:spPr>
-      <dsp:style>
-        <a:lnRef idx="2">
-          <a:scrgbClr r="0" g="0" b="0"/>
-        </a:lnRef>
-        <a:fillRef idx="1">
-          <a:scrgbClr r="0" g="0" b="0"/>
-        </a:fillRef>
-        <a:effectRef idx="0">
-          <a:scrgbClr r="0" g="0" b="0"/>
-        </a:effectRef>
-        <a:fontRef idx="minor">
-          <a:schemeClr val="lt1"/>
-        </a:fontRef>
-      </dsp:style>
-      <dsp:txBody>
-        <a:bodyPr spcFirstLastPara="0" vert="horz" wrap="square" lIns="8255" tIns="8255" rIns="8255" bIns="8255" numCol="1" spcCol="1270" anchor="ctr" anchorCtr="0">
-          <a:noAutofit/>
-        </a:bodyPr>
-        <a:lstStyle/>
-        <a:p>
-          <a:pPr lvl="0" algn="ctr" defTabSz="577850">
-            <a:lnSpc>
-              <a:spcPct val="90000"/>
-            </a:lnSpc>
-            <a:spcBef>
-              <a:spcPct val="0"/>
-            </a:spcBef>
-            <a:spcAft>
-              <a:spcPct val="35000"/>
-            </a:spcAft>
-          </a:pPr>
-          <a:endParaRPr lang="en-GB" sz="1300" kern="1200"/>
-        </a:p>
-      </dsp:txBody>
-      <dsp:txXfrm>
-        <a:off x="3979082" y="3070495"/>
-        <a:ext cx="2557435" cy="1240135"/>
-      </dsp:txXfrm>
-    </dsp:sp>
-    <dsp:sp modelId="{E3AA8C3A-73A5-4744-B386-BF6D3D88B9B5}">
-      <dsp:nvSpPr>
-        <dsp:cNvPr id="0" name=""/>
-        <dsp:cNvSpPr/>
-      </dsp:nvSpPr>
-      <dsp:spPr>
-        <a:xfrm>
-          <a:off x="6575099" y="3663317"/>
-          <a:ext cx="1053839" cy="54492"/>
-        </a:xfrm>
-        <a:custGeom>
-          <a:avLst/>
-          <a:gdLst/>
-          <a:ahLst/>
-          <a:cxnLst/>
-          <a:rect l="0" t="0" r="0" b="0"/>
-          <a:pathLst>
-            <a:path>
-              <a:moveTo>
-                <a:pt x="0" y="27246"/>
-              </a:moveTo>
-              <a:lnTo>
-                <a:pt x="1053839" y="27246"/>
-              </a:lnTo>
-            </a:path>
-          </a:pathLst>
-        </a:custGeom>
-        <a:noFill/>
-        <a:ln w="12700" cap="flat" cmpd="sng" algn="ctr">
-          <a:solidFill>
-            <a:schemeClr val="accent1">
-              <a:shade val="80000"/>
-              <a:hueOff val="0"/>
-              <a:satOff val="0"/>
-              <a:lumOff val="0"/>
-              <a:alphaOff val="0"/>
-            </a:schemeClr>
-          </a:solidFill>
-          <a:prstDash val="solid"/>
-          <a:miter lim="800000"/>
-        </a:ln>
-        <a:effectLst/>
-      </dsp:spPr>
-      <dsp:style>
-        <a:lnRef idx="2">
-          <a:scrgbClr r="0" g="0" b="0"/>
-        </a:lnRef>
-        <a:fillRef idx="0">
-          <a:scrgbClr r="0" g="0" b="0"/>
-        </a:fillRef>
-        <a:effectRef idx="0">
-          <a:scrgbClr r="0" g="0" b="0"/>
-        </a:effectRef>
-        <a:fontRef idx="minor"/>
-      </dsp:style>
-      <dsp:txBody>
-        <a:bodyPr spcFirstLastPara="0" vert="horz" wrap="square" lIns="12700" tIns="0" rIns="12700" bIns="0" numCol="1" spcCol="1270" anchor="ctr" anchorCtr="0">
-          <a:noAutofit/>
-        </a:bodyPr>
-        <a:lstStyle/>
-        <a:p>
-          <a:pPr lvl="0" algn="ctr" defTabSz="222250">
-            <a:lnSpc>
-              <a:spcPct val="90000"/>
-            </a:lnSpc>
-            <a:spcBef>
-              <a:spcPct val="0"/>
-            </a:spcBef>
-            <a:spcAft>
-              <a:spcPct val="35000"/>
-            </a:spcAft>
-          </a:pPr>
-          <a:endParaRPr lang="en-GB" sz="500" kern="1200"/>
-        </a:p>
-      </dsp:txBody>
-      <dsp:txXfrm>
-        <a:off x="7075673" y="3664217"/>
-        <a:ext cx="52691" cy="52691"/>
-      </dsp:txXfrm>
-    </dsp:sp>
-    <dsp:sp modelId="{35E51A8A-B501-4C80-8C19-169EE305B69B}">
-      <dsp:nvSpPr>
-        <dsp:cNvPr id="0" name=""/>
-        <dsp:cNvSpPr/>
-      </dsp:nvSpPr>
-      <dsp:spPr>
-        <a:xfrm>
-          <a:off x="7628939" y="3031913"/>
-          <a:ext cx="2634599" cy="1317299"/>
-        </a:xfrm>
-        <a:prstGeom prst="roundRect">
-          <a:avLst>
-            <a:gd name="adj" fmla="val 10000"/>
-          </a:avLst>
-        </a:prstGeom>
-        <a:solidFill>
-          <a:schemeClr val="accent1">
-            <a:hueOff val="0"/>
-            <a:satOff val="0"/>
-            <a:lumOff val="0"/>
-            <a:alphaOff val="0"/>
-          </a:schemeClr>
-        </a:solidFill>
-        <a:ln w="12700" cap="flat" cmpd="sng" algn="ctr">
-          <a:solidFill>
-            <a:schemeClr val="lt1">
-              <a:hueOff val="0"/>
-              <a:satOff val="0"/>
-              <a:lumOff val="0"/>
-              <a:alphaOff val="0"/>
-            </a:schemeClr>
-          </a:solidFill>
-          <a:prstDash val="solid"/>
-          <a:miter lim="800000"/>
-        </a:ln>
-        <a:effectLst/>
-      </dsp:spPr>
-      <dsp:style>
-        <a:lnRef idx="2">
-          <a:scrgbClr r="0" g="0" b="0"/>
-        </a:lnRef>
-        <a:fillRef idx="1">
-          <a:scrgbClr r="0" g="0" b="0"/>
-        </a:fillRef>
-        <a:effectRef idx="0">
-          <a:scrgbClr r="0" g="0" b="0"/>
-        </a:effectRef>
-        <a:fontRef idx="minor">
-          <a:schemeClr val="lt1"/>
-        </a:fontRef>
-      </dsp:style>
-      <dsp:txBody>
-        <a:bodyPr spcFirstLastPara="0" vert="horz" wrap="square" lIns="8255" tIns="8255" rIns="8255" bIns="8255" numCol="1" spcCol="1270" anchor="ctr" anchorCtr="0">
-          <a:noAutofit/>
-        </a:bodyPr>
-        <a:lstStyle/>
-        <a:p>
-          <a:pPr lvl="0" algn="ctr" defTabSz="577850">
-            <a:lnSpc>
-              <a:spcPct val="90000"/>
-            </a:lnSpc>
-            <a:spcBef>
-              <a:spcPct val="0"/>
-            </a:spcBef>
-            <a:spcAft>
-              <a:spcPct val="35000"/>
-            </a:spcAft>
-          </a:pPr>
-          <a:endParaRPr lang="en-GB" sz="1300" kern="1200"/>
-        </a:p>
-      </dsp:txBody>
-      <dsp:txXfrm>
-        <a:off x="7667521" y="3070495"/>
-        <a:ext cx="2557435" cy="1240135"/>
-      </dsp:txXfrm>
-    </dsp:sp>
   </dsp:spTree>
 </dsp:drawing>
 </file>
@@ -18830,7 +16540,7 @@
         <p:spPr/>
         <p:txBody>
           <a:bodyPr>
-            <a:normAutofit fontScale="77500" lnSpcReduction="20000"/>
+            <a:normAutofit fontScale="62500" lnSpcReduction="20000"/>
           </a:bodyPr>
           <a:lstStyle/>
           <a:p>
@@ -18965,7 +16675,63 @@
           </a:p>
           <a:p>
             <a:pPr lvl="1"/>
+            <a:r>
+              <a:rPr lang="en-US" dirty="0" smtClean="0"/>
+              <a:t>Java-</a:t>
+            </a:r>
+            <a:r>
+              <a:rPr lang="en-US" dirty="0" err="1" smtClean="0"/>
+              <a:t>json</a:t>
+            </a:r>
+            <a:r>
+              <a:rPr lang="en-US" dirty="0"/>
+              <a:t>  (</a:t>
+            </a:r>
+            <a:r>
+              <a:rPr lang="en-US" dirty="0">
+                <a:hlinkClick r:id="rId7"/>
+              </a:rPr>
+              <a:t>http://</a:t>
+            </a:r>
+            <a:r>
+              <a:rPr lang="en-US" dirty="0" smtClean="0">
+                <a:hlinkClick r:id="rId7"/>
+              </a:rPr>
+              <a:t>www.java2s.com/Code/Jar/j/Downloadjavajsonjar.htm</a:t>
+            </a:r>
+            <a:r>
+              <a:rPr lang="en-US" dirty="0" smtClean="0"/>
+              <a:t> )</a:t>
+            </a:r>
             <a:endParaRPr lang="en-US" dirty="0"/>
+          </a:p>
+          <a:p>
+            <a:pPr lvl="1"/>
+            <a:endParaRPr lang="en-US" dirty="0" smtClean="0"/>
+          </a:p>
+          <a:p>
+            <a:pPr lvl="1"/>
+            <a:r>
+              <a:rPr lang="en-US" b="1" dirty="0" smtClean="0"/>
+              <a:t>A working version of </a:t>
+            </a:r>
+            <a:r>
+              <a:rPr lang="en-US" b="1" smtClean="0"/>
+              <a:t>all binary libraries </a:t>
+            </a:r>
+            <a:r>
+              <a:rPr lang="en-US" b="1" dirty="0" smtClean="0"/>
+              <a:t>is located in </a:t>
+            </a:r>
+            <a:r>
+              <a:rPr lang="en-US" b="1" dirty="0"/>
+              <a:t>the “libs working </a:t>
+            </a:r>
+            <a:r>
+              <a:rPr lang="en-US" b="1" dirty="0" smtClean="0"/>
+              <a:t>versions.zip” file.</a:t>
+            </a:r>
+            <a:endParaRPr lang="en-US" b="1" dirty="0"/>
           </a:p>
           <a:p>
             <a:pPr marL="0" indent="0">
@@ -18996,13 +16762,13 @@
             </a:pPr>
             <a:r>
               <a:rPr lang="en-US" dirty="0">
-                <a:hlinkClick r:id="rId7"/>
+                <a:hlinkClick r:id="rId8"/>
               </a:rPr>
               <a:t>https://</a:t>
             </a:r>
             <a:r>
               <a:rPr lang="en-US" dirty="0" smtClean="0">
-                <a:hlinkClick r:id="rId7"/>
+                <a:hlinkClick r:id="rId8"/>
               </a:rPr>
               <a:t>github.com/KonradIT/goprowifihack</a:t>
             </a:r>
@@ -19014,13 +16780,13 @@
             </a:pPr>
             <a:r>
               <a:rPr lang="en-US" dirty="0">
-                <a:hlinkClick r:id="rId8"/>
+                <a:hlinkClick r:id="rId9"/>
               </a:rPr>
               <a:t>https://</a:t>
             </a:r>
             <a:r>
               <a:rPr lang="en-US" dirty="0" smtClean="0">
-                <a:hlinkClick r:id="rId8"/>
+                <a:hlinkClick r:id="rId9"/>
               </a:rPr>
               <a:t>github.com/DomDomHaas/gopro-wifi-API</a:t>
             </a:r>
@@ -19055,7 +16821,7 @@
         </p:nvSpPr>
         <p:spPr>
           <a:xfrm>
-            <a:off x="9010780" y="2547646"/>
+            <a:off x="9111448" y="3193599"/>
             <a:ext cx="2946270" cy="1477328"/>
           </a:xfrm>
           <a:prstGeom prst="rect">
